--- a/Objected Oriented Programming Concepts Using C++ & Data Structures/Data Structures.pptx
+++ b/Objected Oriented Programming Concepts Using C++ & Data Structures/Data Structures.pptx
@@ -4,15 +4,22 @@
   <p:sldMasterIdLst>
     <p:sldMasterId id="2147483648" r:id="rId1"/>
   </p:sldMasterIdLst>
+  <p:notesMasterIdLst>
+    <p:notesMasterId r:id="rId12"/>
+  </p:notesMasterIdLst>
+  <p:handoutMasterIdLst>
+    <p:handoutMasterId r:id="rId13"/>
+  </p:handoutMasterIdLst>
   <p:sldIdLst>
     <p:sldId id="257" r:id="rId3"/>
     <p:sldId id="258" r:id="rId4"/>
     <p:sldId id="259" r:id="rId5"/>
     <p:sldId id="261" r:id="rId6"/>
-    <p:sldId id="260" r:id="rId7"/>
-    <p:sldId id="264" r:id="rId8"/>
-    <p:sldId id="265" r:id="rId9"/>
-    <p:sldId id="263" r:id="rId10"/>
+    <p:sldId id="267" r:id="rId7"/>
+    <p:sldId id="260" r:id="rId8"/>
+    <p:sldId id="264" r:id="rId9"/>
+    <p:sldId id="265" r:id="rId10"/>
+    <p:sldId id="263" r:id="rId11"/>
   </p:sldIdLst>
   <p:sldSz cx="9144000" cy="6858000" type="screen4x3"/>
   <p:notesSz cx="6858000" cy="9144000"/>
@@ -114,6 +121,527 @@
 </p:presentation>
 </file>
 
+<file path=ppt/handoutMasters/handoutMaster1.xml><?xml version="1.0" encoding="utf-8"?>
+<p:handoutMaster xmlns:a="http://schemas.openxmlformats.org/drawingml/2006/main" xmlns:r="http://schemas.openxmlformats.org/officeDocument/2006/relationships" xmlns:p="http://schemas.openxmlformats.org/presentationml/2006/main">
+  <p:cSld>
+    <p:bg>
+      <p:bgRef idx="1001">
+        <a:schemeClr val="bg1"/>
+      </p:bgRef>
+    </p:bg>
+    <p:spTree>
+      <p:nvGrpSpPr>
+        <p:cNvPr id="1" name=""/>
+        <p:cNvGrpSpPr/>
+        <p:nvPr/>
+      </p:nvGrpSpPr>
+      <p:grpSpPr>
+        <a:xfrm>
+          <a:off x="0" y="0"/>
+          <a:ext cx="0" cy="0"/>
+          <a:chOff x="0" y="0"/>
+          <a:chExt cx="0" cy="0"/>
+        </a:xfrm>
+      </p:grpSpPr>
+      <p:sp>
+        <p:nvSpPr>
+          <p:cNvPr id="2" name="Header Placeholder 1"/>
+          <p:cNvSpPr>
+            <a:spLocks noGrp="1"/>
+          </p:cNvSpPr>
+          <p:nvPr>
+            <p:ph type="hdr" sz="quarter"/>
+          </p:nvPr>
+        </p:nvSpPr>
+        <p:spPr>
+          <a:xfrm>
+            <a:off x="0" y="0"/>
+            <a:ext cx="2971800" cy="458788"/>
+          </a:xfrm>
+          <a:prstGeom prst="rect">
+            <a:avLst/>
+          </a:prstGeom>
+        </p:spPr>
+        <p:txBody>
+          <a:bodyPr vert="horz" lIns="91440" tIns="45720" rIns="91440" bIns="45720" rtlCol="0"/>
+          <a:lstStyle>
+            <a:lvl1pPr algn="l">
+              <a:defRPr sz="1200"/>
+            </a:lvl1pPr>
+          </a:lstStyle>
+          <a:p>
+            <a:endParaRPr lang="en-US"/>
+          </a:p>
+        </p:txBody>
+      </p:sp>
+      <p:sp>
+        <p:nvSpPr>
+          <p:cNvPr id="3" name="Date Placeholder 2"/>
+          <p:cNvSpPr>
+            <a:spLocks noGrp="1"/>
+          </p:cNvSpPr>
+          <p:nvPr>
+            <p:ph type="dt" sz="quarter" idx="1"/>
+          </p:nvPr>
+        </p:nvSpPr>
+        <p:spPr>
+          <a:xfrm>
+            <a:off x="3884613" y="0"/>
+            <a:ext cx="2971800" cy="458788"/>
+          </a:xfrm>
+          <a:prstGeom prst="rect">
+            <a:avLst/>
+          </a:prstGeom>
+        </p:spPr>
+        <p:txBody>
+          <a:bodyPr vert="horz" lIns="91440" tIns="45720" rIns="91440" bIns="45720" rtlCol="0"/>
+          <a:lstStyle>
+            <a:lvl1pPr algn="r">
+              <a:defRPr sz="1200"/>
+            </a:lvl1pPr>
+          </a:lstStyle>
+          <a:p>
+            <a:fld id="{696C064A-D61B-4B21-B757-51A9B82445B8}" type="datetimeFigureOut">
+              <a:rPr lang="en-US" smtClean="0"/>
+            </a:fld>
+            <a:endParaRPr lang="en-US"/>
+          </a:p>
+        </p:txBody>
+      </p:sp>
+      <p:sp>
+        <p:nvSpPr>
+          <p:cNvPr id="4" name="Footer Placeholder 3"/>
+          <p:cNvSpPr>
+            <a:spLocks noGrp="1"/>
+          </p:cNvSpPr>
+          <p:nvPr>
+            <p:ph type="ftr" sz="quarter" idx="2"/>
+          </p:nvPr>
+        </p:nvSpPr>
+        <p:spPr>
+          <a:xfrm>
+            <a:off x="0" y="8685213"/>
+            <a:ext cx="2971800" cy="458787"/>
+          </a:xfrm>
+          <a:prstGeom prst="rect">
+            <a:avLst/>
+          </a:prstGeom>
+        </p:spPr>
+        <p:txBody>
+          <a:bodyPr vert="horz" lIns="91440" tIns="45720" rIns="91440" bIns="45720" rtlCol="0" anchor="b"/>
+          <a:lstStyle>
+            <a:lvl1pPr algn="l">
+              <a:defRPr sz="1200"/>
+            </a:lvl1pPr>
+          </a:lstStyle>
+          <a:p>
+            <a:endParaRPr lang="en-US"/>
+          </a:p>
+        </p:txBody>
+      </p:sp>
+      <p:sp>
+        <p:nvSpPr>
+          <p:cNvPr id="5" name="Slide Number Placeholder 4"/>
+          <p:cNvSpPr>
+            <a:spLocks noGrp="1"/>
+          </p:cNvSpPr>
+          <p:nvPr>
+            <p:ph type="sldNum" sz="quarter" idx="3"/>
+          </p:nvPr>
+        </p:nvSpPr>
+        <p:spPr>
+          <a:xfrm>
+            <a:off x="3884613" y="8685213"/>
+            <a:ext cx="2971800" cy="458787"/>
+          </a:xfrm>
+          <a:prstGeom prst="rect">
+            <a:avLst/>
+          </a:prstGeom>
+        </p:spPr>
+        <p:txBody>
+          <a:bodyPr vert="horz" lIns="91440" tIns="45720" rIns="91440" bIns="45720" rtlCol="0" anchor="b"/>
+          <a:lstStyle>
+            <a:lvl1pPr algn="r">
+              <a:defRPr sz="1200"/>
+            </a:lvl1pPr>
+          </a:lstStyle>
+          <a:p>
+            <a:fld id="{50305E07-67EA-4042-A3F6-853A8AD8D209}" type="slidenum">
+              <a:rPr lang="en-US" smtClean="0"/>
+            </a:fld>
+            <a:endParaRPr lang="en-US"/>
+          </a:p>
+        </p:txBody>
+      </p:sp>
+    </p:spTree>
+  </p:cSld>
+  <p:clrMap bg1="lt1" tx1="dk1" bg2="lt2" tx2="dk2" accent1="accent1" accent2="accent2" accent3="accent3" accent4="accent4" accent5="accent5" accent6="accent6" hlink="hlink" folHlink="folHlink"/>
+</p:handoutMaster>
+</file>
+
+<file path=ppt/notesMasters/notesMaster1.xml><?xml version="1.0" encoding="utf-8"?>
+<p:notesMaster xmlns:a="http://schemas.openxmlformats.org/drawingml/2006/main" xmlns:r="http://schemas.openxmlformats.org/officeDocument/2006/relationships" xmlns:p="http://schemas.openxmlformats.org/presentationml/2006/main">
+  <p:cSld>
+    <p:bg>
+      <p:bgRef idx="1001">
+        <a:schemeClr val="bg1"/>
+      </p:bgRef>
+    </p:bg>
+    <p:spTree>
+      <p:nvGrpSpPr>
+        <p:cNvPr id="1" name=""/>
+        <p:cNvGrpSpPr/>
+        <p:nvPr/>
+      </p:nvGrpSpPr>
+      <p:grpSpPr>
+        <a:xfrm>
+          <a:off x="0" y="0"/>
+          <a:ext cx="0" cy="0"/>
+          <a:chOff x="0" y="0"/>
+          <a:chExt cx="0" cy="0"/>
+        </a:xfrm>
+      </p:grpSpPr>
+      <p:sp>
+        <p:nvSpPr>
+          <p:cNvPr id="2" name="Header Placeholder 1"/>
+          <p:cNvSpPr>
+            <a:spLocks noGrp="1"/>
+          </p:cNvSpPr>
+          <p:nvPr>
+            <p:ph type="hdr" sz="quarter"/>
+          </p:nvPr>
+        </p:nvSpPr>
+        <p:spPr>
+          <a:xfrm>
+            <a:off x="0" y="0"/>
+            <a:ext cx="2971800" cy="458788"/>
+          </a:xfrm>
+          <a:prstGeom prst="rect">
+            <a:avLst/>
+          </a:prstGeom>
+        </p:spPr>
+        <p:txBody>
+          <a:bodyPr vert="horz" lIns="91440" tIns="45720" rIns="91440" bIns="45720" rtlCol="0"/>
+          <a:lstStyle>
+            <a:lvl1pPr algn="l">
+              <a:defRPr sz="1200">
+                <a:latin typeface="Noto Sans Mono CJK JP" panose="020B0500000000000000" charset="-122"/>
+                <a:ea typeface="Noto Sans Mono CJK JP" panose="020B0500000000000000" charset="-122"/>
+                <a:cs typeface="Noto Sans Mono CJK JP" panose="020B0500000000000000" charset="-122"/>
+              </a:defRPr>
+            </a:lvl1pPr>
+          </a:lstStyle>
+          <a:p>
+            <a:endParaRPr lang="en-US"/>
+          </a:p>
+        </p:txBody>
+      </p:sp>
+      <p:sp>
+        <p:nvSpPr>
+          <p:cNvPr id="3" name="Date Placeholder 2"/>
+          <p:cNvSpPr>
+            <a:spLocks noGrp="1"/>
+          </p:cNvSpPr>
+          <p:nvPr>
+            <p:ph type="dt" idx="1"/>
+          </p:nvPr>
+        </p:nvSpPr>
+        <p:spPr>
+          <a:xfrm>
+            <a:off x="3884613" y="0"/>
+            <a:ext cx="2971800" cy="458788"/>
+          </a:xfrm>
+          <a:prstGeom prst="rect">
+            <a:avLst/>
+          </a:prstGeom>
+        </p:spPr>
+        <p:txBody>
+          <a:bodyPr vert="horz" lIns="91440" tIns="45720" rIns="91440" bIns="45720" rtlCol="0"/>
+          <a:lstStyle>
+            <a:lvl1pPr algn="r">
+              <a:defRPr sz="1200">
+                <a:latin typeface="Noto Sans Mono CJK JP" panose="020B0500000000000000" charset="-122"/>
+                <a:ea typeface="Noto Sans Mono CJK JP" panose="020B0500000000000000" charset="-122"/>
+                <a:cs typeface="Noto Sans Mono CJK JP" panose="020B0500000000000000" charset="-122"/>
+              </a:defRPr>
+            </a:lvl1pPr>
+          </a:lstStyle>
+          <a:p>
+            <a:fld id="{3EFD42F7-718C-4B98-AAEC-167E6DDD60A7}" type="datetimeFigureOut">
+              <a:rPr lang="en-US" smtClean="0"/>
+            </a:fld>
+            <a:endParaRPr lang="en-US"/>
+          </a:p>
+        </p:txBody>
+      </p:sp>
+      <p:sp>
+        <p:nvSpPr>
+          <p:cNvPr id="4" name="Slide Image Placeholder 3"/>
+          <p:cNvSpPr>
+            <a:spLocks noGrp="1" noRot="1" noChangeAspect="1"/>
+          </p:cNvSpPr>
+          <p:nvPr>
+            <p:ph type="sldImg" idx="2"/>
+          </p:nvPr>
+        </p:nvSpPr>
+        <p:spPr>
+          <a:xfrm>
+            <a:off x="1371600" y="1143000"/>
+            <a:ext cx="4114800" cy="3086100"/>
+          </a:xfrm>
+          <a:prstGeom prst="rect">
+            <a:avLst/>
+          </a:prstGeom>
+          <a:noFill/>
+          <a:ln w="12700">
+            <a:solidFill>
+              <a:prstClr val="black"/>
+            </a:solidFill>
+          </a:ln>
+        </p:spPr>
+        <p:txBody>
+          <a:bodyPr vert="horz" lIns="91440" tIns="45720" rIns="91440" bIns="45720" rtlCol="0" anchor="ctr"/>
+          <a:lstStyle/>
+          <a:p>
+            <a:endParaRPr lang="en-US"/>
+          </a:p>
+        </p:txBody>
+      </p:sp>
+      <p:sp>
+        <p:nvSpPr>
+          <p:cNvPr id="5" name="Notes Placeholder 4"/>
+          <p:cNvSpPr>
+            <a:spLocks noGrp="1"/>
+          </p:cNvSpPr>
+          <p:nvPr>
+            <p:ph type="body" sz="quarter" idx="3"/>
+          </p:nvPr>
+        </p:nvSpPr>
+        <p:spPr>
+          <a:xfrm>
+            <a:off x="685800" y="4400550"/>
+            <a:ext cx="5486400" cy="3600450"/>
+          </a:xfrm>
+          <a:prstGeom prst="rect">
+            <a:avLst/>
+          </a:prstGeom>
+        </p:spPr>
+        <p:txBody>
+          <a:bodyPr vert="horz" lIns="91440" tIns="45720" rIns="91440" bIns="45720" rtlCol="0"/>
+          <a:lstStyle/>
+          <a:p>
+            <a:pPr lvl="0"/>
+            <a:r>
+              <a:rPr lang="en-US" smtClean="0"/>
+              <a:t>Click to edit Master text styles</a:t>
+            </a:r>
+            <a:endParaRPr lang="en-US" smtClean="0"/>
+          </a:p>
+          <a:p>
+            <a:pPr lvl="1"/>
+            <a:r>
+              <a:rPr lang="en-US" smtClean="0"/>
+              <a:t>Second level</a:t>
+            </a:r>
+            <a:endParaRPr lang="en-US" smtClean="0"/>
+          </a:p>
+          <a:p>
+            <a:pPr lvl="2"/>
+            <a:r>
+              <a:rPr lang="en-US" smtClean="0"/>
+              <a:t>Third level</a:t>
+            </a:r>
+            <a:endParaRPr lang="en-US" smtClean="0"/>
+          </a:p>
+          <a:p>
+            <a:pPr lvl="3"/>
+            <a:r>
+              <a:rPr lang="en-US" smtClean="0"/>
+              <a:t>Fourth level</a:t>
+            </a:r>
+            <a:endParaRPr lang="en-US" smtClean="0"/>
+          </a:p>
+          <a:p>
+            <a:pPr lvl="4"/>
+            <a:r>
+              <a:rPr lang="en-US" smtClean="0"/>
+              <a:t>Fifth level</a:t>
+            </a:r>
+            <a:endParaRPr lang="en-US"/>
+          </a:p>
+        </p:txBody>
+      </p:sp>
+      <p:sp>
+        <p:nvSpPr>
+          <p:cNvPr id="6" name="Footer Placeholder 5"/>
+          <p:cNvSpPr>
+            <a:spLocks noGrp="1"/>
+          </p:cNvSpPr>
+          <p:nvPr>
+            <p:ph type="ftr" sz="quarter" idx="4"/>
+          </p:nvPr>
+        </p:nvSpPr>
+        <p:spPr>
+          <a:xfrm>
+            <a:off x="0" y="8685213"/>
+            <a:ext cx="2971800" cy="458787"/>
+          </a:xfrm>
+          <a:prstGeom prst="rect">
+            <a:avLst/>
+          </a:prstGeom>
+        </p:spPr>
+        <p:txBody>
+          <a:bodyPr vert="horz" lIns="91440" tIns="45720" rIns="91440" bIns="45720" rtlCol="0" anchor="b"/>
+          <a:lstStyle>
+            <a:lvl1pPr algn="l">
+              <a:defRPr sz="1200">
+                <a:latin typeface="Noto Sans Mono CJK JP" panose="020B0500000000000000" charset="-122"/>
+                <a:ea typeface="Noto Sans Mono CJK JP" panose="020B0500000000000000" charset="-122"/>
+                <a:cs typeface="Noto Sans Mono CJK JP" panose="020B0500000000000000" charset="-122"/>
+              </a:defRPr>
+            </a:lvl1pPr>
+          </a:lstStyle>
+          <a:p>
+            <a:endParaRPr lang="en-US"/>
+          </a:p>
+        </p:txBody>
+      </p:sp>
+      <p:sp>
+        <p:nvSpPr>
+          <p:cNvPr id="7" name="Slide Number Placeholder 6"/>
+          <p:cNvSpPr>
+            <a:spLocks noGrp="1"/>
+          </p:cNvSpPr>
+          <p:nvPr>
+            <p:ph type="sldNum" sz="quarter" idx="5"/>
+          </p:nvPr>
+        </p:nvSpPr>
+        <p:spPr>
+          <a:xfrm>
+            <a:off x="3884613" y="8685213"/>
+            <a:ext cx="2971800" cy="458787"/>
+          </a:xfrm>
+          <a:prstGeom prst="rect">
+            <a:avLst/>
+          </a:prstGeom>
+        </p:spPr>
+        <p:txBody>
+          <a:bodyPr vert="horz" lIns="91440" tIns="45720" rIns="91440" bIns="45720" rtlCol="0" anchor="b"/>
+          <a:lstStyle>
+            <a:lvl1pPr algn="r">
+              <a:defRPr sz="1200">
+                <a:latin typeface="Noto Sans Mono CJK JP" panose="020B0500000000000000" charset="-122"/>
+                <a:ea typeface="Noto Sans Mono CJK JP" panose="020B0500000000000000" charset="-122"/>
+                <a:cs typeface="Noto Sans Mono CJK JP" panose="020B0500000000000000" charset="-122"/>
+              </a:defRPr>
+            </a:lvl1pPr>
+          </a:lstStyle>
+          <a:p>
+            <a:fld id="{21B2AA4F-B828-4D7C-AFD3-893933DAFCB4}" type="slidenum">
+              <a:rPr lang="en-US" smtClean="0"/>
+            </a:fld>
+            <a:endParaRPr lang="en-US"/>
+          </a:p>
+        </p:txBody>
+      </p:sp>
+    </p:spTree>
+  </p:cSld>
+  <p:clrMap bg1="lt1" tx1="dk1" bg2="lt2" tx2="dk2" accent1="accent1" accent2="accent2" accent3="accent3" accent4="accent4" accent5="accent5" accent6="accent6" hlink="hlink" folHlink="folHlink"/>
+  <p:notesStyle>
+    <a:lvl1pPr marL="0" algn="l" defTabSz="914400" rtl="0" eaLnBrk="1" latinLnBrk="0" hangingPunct="1">
+      <a:defRPr sz="1200" kern="1200">
+        <a:solidFill>
+          <a:schemeClr val="tx1"/>
+        </a:solidFill>
+        <a:latin typeface="Noto Sans Mono CJK JP" panose="020B0500000000000000" charset="-122"/>
+        <a:ea typeface="Noto Sans Mono CJK JP" panose="020B0500000000000000" charset="-122"/>
+        <a:cs typeface="Noto Sans Mono CJK JP" panose="020B0500000000000000" charset="-122"/>
+      </a:defRPr>
+    </a:lvl1pPr>
+    <a:lvl2pPr marL="457200" algn="l" defTabSz="914400" rtl="0" eaLnBrk="1" latinLnBrk="0" hangingPunct="1">
+      <a:defRPr sz="1200" kern="1200">
+        <a:solidFill>
+          <a:schemeClr val="tx1"/>
+        </a:solidFill>
+        <a:latin typeface="Noto Sans Mono CJK JP" panose="020B0500000000000000" charset="-122"/>
+        <a:ea typeface="Noto Sans Mono CJK JP" panose="020B0500000000000000" charset="-122"/>
+        <a:cs typeface="Noto Sans Mono CJK JP" panose="020B0500000000000000" charset="-122"/>
+      </a:defRPr>
+    </a:lvl2pPr>
+    <a:lvl3pPr marL="914400" algn="l" defTabSz="914400" rtl="0" eaLnBrk="1" latinLnBrk="0" hangingPunct="1">
+      <a:defRPr sz="1200" kern="1200">
+        <a:solidFill>
+          <a:schemeClr val="tx1"/>
+        </a:solidFill>
+        <a:latin typeface="Noto Sans Mono CJK JP" panose="020B0500000000000000" charset="-122"/>
+        <a:ea typeface="Noto Sans Mono CJK JP" panose="020B0500000000000000" charset="-122"/>
+        <a:cs typeface="Noto Sans Mono CJK JP" panose="020B0500000000000000" charset="-122"/>
+      </a:defRPr>
+    </a:lvl3pPr>
+    <a:lvl4pPr marL="1371600" algn="l" defTabSz="914400" rtl="0" eaLnBrk="1" latinLnBrk="0" hangingPunct="1">
+      <a:defRPr sz="1200" kern="1200">
+        <a:solidFill>
+          <a:schemeClr val="tx1"/>
+        </a:solidFill>
+        <a:latin typeface="Noto Sans Mono CJK JP" panose="020B0500000000000000" charset="-122"/>
+        <a:ea typeface="Noto Sans Mono CJK JP" panose="020B0500000000000000" charset="-122"/>
+        <a:cs typeface="Noto Sans Mono CJK JP" panose="020B0500000000000000" charset="-122"/>
+      </a:defRPr>
+    </a:lvl4pPr>
+    <a:lvl5pPr marL="1828800" algn="l" defTabSz="914400" rtl="0" eaLnBrk="1" latinLnBrk="0" hangingPunct="1">
+      <a:defRPr sz="1200" kern="1200">
+        <a:solidFill>
+          <a:schemeClr val="tx1"/>
+        </a:solidFill>
+        <a:latin typeface="Noto Sans Mono CJK JP" panose="020B0500000000000000" charset="-122"/>
+        <a:ea typeface="Noto Sans Mono CJK JP" panose="020B0500000000000000" charset="-122"/>
+        <a:cs typeface="Noto Sans Mono CJK JP" panose="020B0500000000000000" charset="-122"/>
+      </a:defRPr>
+    </a:lvl5pPr>
+    <a:lvl6pPr marL="2286000" algn="l" defTabSz="914400" rtl="0" eaLnBrk="1" latinLnBrk="0" hangingPunct="1">
+      <a:defRPr sz="1200" kern="1200">
+        <a:solidFill>
+          <a:schemeClr val="tx1"/>
+        </a:solidFill>
+        <a:latin typeface="+mn-lt"/>
+        <a:ea typeface="+mn-ea"/>
+        <a:cs typeface="+mn-cs"/>
+      </a:defRPr>
+    </a:lvl6pPr>
+    <a:lvl7pPr marL="2743200" algn="l" defTabSz="914400" rtl="0" eaLnBrk="1" latinLnBrk="0" hangingPunct="1">
+      <a:defRPr sz="1200" kern="1200">
+        <a:solidFill>
+          <a:schemeClr val="tx1"/>
+        </a:solidFill>
+        <a:latin typeface="+mn-lt"/>
+        <a:ea typeface="+mn-ea"/>
+        <a:cs typeface="+mn-cs"/>
+      </a:defRPr>
+    </a:lvl7pPr>
+    <a:lvl8pPr marL="3200400" algn="l" defTabSz="914400" rtl="0" eaLnBrk="1" latinLnBrk="0" hangingPunct="1">
+      <a:defRPr sz="1200" kern="1200">
+        <a:solidFill>
+          <a:schemeClr val="tx1"/>
+        </a:solidFill>
+        <a:latin typeface="+mn-lt"/>
+        <a:ea typeface="+mn-ea"/>
+        <a:cs typeface="+mn-cs"/>
+      </a:defRPr>
+    </a:lvl8pPr>
+    <a:lvl9pPr marL="3657600" algn="l" defTabSz="914400" rtl="0" eaLnBrk="1" latinLnBrk="0" hangingPunct="1">
+      <a:defRPr sz="1200" kern="1200">
+        <a:solidFill>
+          <a:schemeClr val="tx1"/>
+        </a:solidFill>
+        <a:latin typeface="+mn-lt"/>
+        <a:ea typeface="+mn-ea"/>
+        <a:cs typeface="+mn-cs"/>
+      </a:defRPr>
+    </a:lvl9pPr>
+  </p:notesStyle>
+</p:notesMaster>
+</file>
+
 <file path=ppt/slideLayouts/slideLayout1.xml><?xml version="1.0" encoding="utf-8"?>
 <p:sldLayout xmlns:a="http://schemas.openxmlformats.org/drawingml/2006/main" xmlns:r="http://schemas.openxmlformats.org/officeDocument/2006/relationships" xmlns:p="http://schemas.openxmlformats.org/presentationml/2006/main" type="title" preserve="1">
   <p:cSld name="Title Slide">
@@ -3870,7 +4398,11 @@
           <a:bodyPr vert="horz" wrap="square" lIns="91440" tIns="45720" rIns="91440" bIns="45720" numCol="1" anchor="t" anchorCtr="0" compatLnSpc="1"/>
           <a:lstStyle>
             <a:lvl1pPr>
-              <a:defRPr sz="1400"/>
+              <a:defRPr sz="1400">
+                <a:latin typeface="Noto Sans Mono CJK JP" panose="020B0500000000000000" charset="-122"/>
+                <a:ea typeface="Noto Sans Mono CJK JP" panose="020B0500000000000000" charset="-122"/>
+                <a:cs typeface="Noto Sans Mono CJK JP" panose="020B0500000000000000" charset="-122"/>
+              </a:defRPr>
             </a:lvl1pPr>
           </a:lstStyle>
           <a:p>
@@ -3934,7 +4466,11 @@
           <a:bodyPr vert="horz" wrap="square" lIns="91440" tIns="45720" rIns="91440" bIns="45720" numCol="1" anchor="t" anchorCtr="0" compatLnSpc="1"/>
           <a:lstStyle>
             <a:lvl1pPr algn="ctr">
-              <a:defRPr sz="1400"/>
+              <a:defRPr sz="1400">
+                <a:latin typeface="Noto Sans Mono CJK JP" panose="020B0500000000000000" charset="-122"/>
+                <a:ea typeface="Noto Sans Mono CJK JP" panose="020B0500000000000000" charset="-122"/>
+                <a:cs typeface="Noto Sans Mono CJK JP" panose="020B0500000000000000" charset="-122"/>
+              </a:defRPr>
             </a:lvl1pPr>
           </a:lstStyle>
           <a:p>
@@ -3998,7 +4534,11 @@
           <a:bodyPr vert="horz" wrap="square" lIns="91440" tIns="45720" rIns="91440" bIns="45720" numCol="1" anchor="t" anchorCtr="0" compatLnSpc="1"/>
           <a:lstStyle>
             <a:lvl1pPr algn="r">
-              <a:defRPr sz="1400"/>
+              <a:defRPr sz="1400">
+                <a:latin typeface="Noto Sans Mono CJK JP" panose="020B0500000000000000" charset="-122"/>
+                <a:ea typeface="Noto Sans Mono CJK JP" panose="020B0500000000000000" charset="-122"/>
+                <a:cs typeface="Noto Sans Mono CJK JP" panose="020B0500000000000000" charset="-122"/>
+              </a:defRPr>
             </a:lvl1pPr>
           </a:lstStyle>
           <a:p>
@@ -4045,9 +4585,9 @@
           <a:solidFill>
             <a:schemeClr val="tx2"/>
           </a:solidFill>
-          <a:latin typeface="+mj-lt"/>
-          <a:ea typeface="+mj-ea"/>
-          <a:cs typeface="+mj-cs"/>
+          <a:latin typeface="Noto Sans Mono CJK JP" panose="020B0500000000000000" charset="-122"/>
+          <a:ea typeface="Noto Sans Mono CJK JP" panose="020B0500000000000000" charset="-122"/>
+          <a:cs typeface="Noto Sans Mono CJK JP" panose="020B0500000000000000" charset="-122"/>
         </a:defRPr>
       </a:lvl1pPr>
       <a:lvl2pPr algn="ctr" rtl="0" eaLnBrk="1" fontAlgn="base" hangingPunct="1">
@@ -4176,9 +4716,9 @@
           <a:solidFill>
             <a:schemeClr val="tx1"/>
           </a:solidFill>
-          <a:latin typeface="+mn-lt"/>
-          <a:ea typeface="+mn-ea"/>
-          <a:cs typeface="+mn-cs"/>
+          <a:latin typeface="Noto Sans Mono CJK JP" panose="020B0500000000000000" charset="-122"/>
+          <a:ea typeface="Noto Sans Mono CJK JP" panose="020B0500000000000000" charset="-122"/>
+          <a:cs typeface="Noto Sans Mono CJK JP" panose="020B0500000000000000" charset="-122"/>
         </a:defRPr>
       </a:lvl1pPr>
       <a:lvl2pPr marL="742950" indent="-285750" algn="l" rtl="0" eaLnBrk="1" fontAlgn="base" hangingPunct="1">
@@ -4193,9 +4733,9 @@
           <a:solidFill>
             <a:schemeClr val="tx1"/>
           </a:solidFill>
-          <a:latin typeface="+mn-lt"/>
-          <a:ea typeface="+mn-ea"/>
-          <a:cs typeface="+mn-cs"/>
+          <a:latin typeface="Noto Sans Mono CJK JP" panose="020B0500000000000000" charset="-122"/>
+          <a:ea typeface="Noto Sans Mono CJK JP" panose="020B0500000000000000" charset="-122"/>
+          <a:cs typeface="Noto Sans Mono CJK JP" panose="020B0500000000000000" charset="-122"/>
         </a:defRPr>
       </a:lvl2pPr>
       <a:lvl3pPr marL="1143000" indent="-228600" algn="l" rtl="0" eaLnBrk="1" fontAlgn="base" hangingPunct="1">
@@ -4210,9 +4750,9 @@
           <a:solidFill>
             <a:schemeClr val="tx1"/>
           </a:solidFill>
-          <a:latin typeface="+mn-lt"/>
-          <a:ea typeface="+mn-ea"/>
-          <a:cs typeface="+mn-cs"/>
+          <a:latin typeface="Noto Sans Mono CJK JP" panose="020B0500000000000000" charset="-122"/>
+          <a:ea typeface="Noto Sans Mono CJK JP" panose="020B0500000000000000" charset="-122"/>
+          <a:cs typeface="Noto Sans Mono CJK JP" panose="020B0500000000000000" charset="-122"/>
         </a:defRPr>
       </a:lvl3pPr>
       <a:lvl4pPr marL="1600200" indent="-228600" algn="l" rtl="0" eaLnBrk="1" fontAlgn="base" hangingPunct="1">
@@ -4227,9 +4767,9 @@
           <a:solidFill>
             <a:schemeClr val="tx1"/>
           </a:solidFill>
-          <a:latin typeface="+mn-lt"/>
-          <a:ea typeface="+mn-ea"/>
-          <a:cs typeface="+mn-cs"/>
+          <a:latin typeface="Noto Sans Mono CJK JP" panose="020B0500000000000000" charset="-122"/>
+          <a:ea typeface="Noto Sans Mono CJK JP" panose="020B0500000000000000" charset="-122"/>
+          <a:cs typeface="Noto Sans Mono CJK JP" panose="020B0500000000000000" charset="-122"/>
         </a:defRPr>
       </a:lvl4pPr>
       <a:lvl5pPr marL="2057400" indent="-228600" algn="l" rtl="0" eaLnBrk="1" fontAlgn="base" hangingPunct="1">
@@ -4244,9 +4784,9 @@
           <a:solidFill>
             <a:schemeClr val="tx1"/>
           </a:solidFill>
-          <a:latin typeface="+mn-lt"/>
-          <a:ea typeface="+mn-ea"/>
-          <a:cs typeface="+mn-cs"/>
+          <a:latin typeface="Noto Sans Mono CJK JP" panose="020B0500000000000000" charset="-122"/>
+          <a:ea typeface="Noto Sans Mono CJK JP" panose="020B0500000000000000" charset="-122"/>
+          <a:cs typeface="Noto Sans Mono CJK JP" panose="020B0500000000000000" charset="-122"/>
         </a:defRPr>
       </a:lvl5pPr>
       <a:lvl6pPr marL="2514600" indent="-228600" algn="l" defTabSz="914400" rtl="0" eaLnBrk="1" latinLnBrk="0" hangingPunct="1">
@@ -4459,13 +4999,13 @@
           <a:lstStyle/>
           <a:p>
             <a:r>
-              <a:rPr lang="" altLang="en-IN" sz="4800" dirty="0">
+              <a:rPr lang="en-US" altLang="en-IN" sz="4800" dirty="0">
                 <a:latin typeface="Noto Serif CJK JP" panose="02020400000000000000" charset="-122"/>
                 <a:ea typeface="Noto Serif CJK JP" panose="02020400000000000000" charset="-122"/>
               </a:rPr>
               <a:t>Data Structures</a:t>
             </a:r>
-            <a:endParaRPr lang="" altLang="en-IN" sz="4800" dirty="0">
+            <a:endParaRPr lang="en-US" altLang="en-IN" sz="4800" dirty="0">
               <a:latin typeface="Noto Serif CJK JP" panose="02020400000000000000" charset="-122"/>
               <a:ea typeface="Noto Serif CJK JP" panose="02020400000000000000" charset="-122"/>
             </a:endParaRPr>
@@ -4517,13 +5057,13 @@
           <a:bodyPr/>
           <a:p>
             <a:r>
-              <a:rPr lang="" altLang="en-US" sz="2800">
+              <a:rPr lang="en-US" altLang="en-US" sz="2800">
                 <a:latin typeface="Noto Serif CJK JP" panose="02020400000000000000" charset="-122"/>
                 <a:ea typeface="Noto Serif CJK JP" panose="02020400000000000000" charset="-122"/>
               </a:rPr>
               <a:t>Overview &amp; Why ?</a:t>
             </a:r>
-            <a:endParaRPr lang="" altLang="en-US" sz="2800">
+            <a:endParaRPr lang="en-US" altLang="en-US" sz="2800">
               <a:latin typeface="Noto Serif CJK JP" panose="02020400000000000000" charset="-122"/>
               <a:ea typeface="Noto Serif CJK JP" panose="02020400000000000000" charset="-122"/>
             </a:endParaRPr>
@@ -4559,14 +5099,14 @@
                 <a:latin typeface="Noto Serif CJK JP" panose="02020400000000000000" charset="-122"/>
                 <a:ea typeface="Noto Serif CJK JP" panose="02020400000000000000" charset="-122"/>
               </a:rPr>
-              <a:t>P</a:t>
+              <a:t>W</a:t>
             </a:r>
             <a:r>
               <a:rPr lang="en-US" sz="2400">
                 <a:latin typeface="Noto Serif CJK JP" panose="02020400000000000000" charset="-122"/>
                 <a:ea typeface="Noto Serif CJK JP" panose="02020400000000000000" charset="-122"/>
               </a:rPr>
-              <a:t>articular way of organizing data</a:t>
+              <a:t>ay of organizing data</a:t>
             </a:r>
             <a:endParaRPr lang="en-US" sz="2400">
               <a:latin typeface="Noto Serif CJK JP" panose="02020400000000000000" charset="-122"/>
@@ -4580,7 +5120,7 @@
               </a:lnSpc>
             </a:pPr>
             <a:r>
-              <a:rPr lang="" altLang="en-US" sz="2400">
+              <a:rPr lang="en-US" altLang="en-US" sz="2400">
                 <a:latin typeface="Noto Serif CJK JP" panose="02020400000000000000" charset="-122"/>
                 <a:ea typeface="Noto Serif CJK JP" panose="02020400000000000000" charset="-122"/>
               </a:rPr>
@@ -4605,7 +5145,7 @@
               </a:lnSpc>
             </a:pPr>
             <a:r>
-              <a:rPr lang="" altLang="en-US" sz="2400">
+              <a:rPr lang="en-US" altLang="en-US" sz="2400">
                 <a:latin typeface="Noto Serif CJK JP" panose="02020400000000000000" charset="-122"/>
                 <a:ea typeface="Noto Serif CJK JP" panose="02020400000000000000" charset="-122"/>
               </a:rPr>
@@ -4619,7 +5159,7 @@
               <a:t>igh speed </a:t>
             </a:r>
             <a:r>
-              <a:rPr lang="" altLang="en-US" sz="2400">
+              <a:rPr lang="en-US" altLang="en-US" sz="2400">
                 <a:latin typeface="Noto Serif CJK JP" panose="02020400000000000000" charset="-122"/>
                 <a:ea typeface="Noto Serif CJK JP" panose="02020400000000000000" charset="-122"/>
               </a:rPr>
@@ -4669,13 +5209,13 @@
               <a:t>Reusability </a:t>
             </a:r>
             <a:r>
-              <a:rPr lang="" altLang="en-US" sz="2400">
+              <a:rPr lang="en-US" altLang="en-US" sz="2400">
                 <a:latin typeface="Noto Serif CJK JP" panose="02020400000000000000" charset="-122"/>
                 <a:ea typeface="Noto Serif CJK JP" panose="02020400000000000000" charset="-122"/>
               </a:rPr>
               <a:t>and Abstraction</a:t>
             </a:r>
-            <a:endParaRPr lang="" altLang="en-US" sz="2400">
+            <a:endParaRPr lang="en-US" altLang="en-US" sz="2400">
               <a:latin typeface="Noto Serif CJK JP" panose="02020400000000000000" charset="-122"/>
               <a:ea typeface="Noto Serif CJK JP" panose="02020400000000000000" charset="-122"/>
             </a:endParaRPr>
@@ -4789,8 +5329,8 @@
         </p:nvSpPr>
         <p:spPr>
           <a:xfrm>
-            <a:off x="685800" y="306705"/>
-            <a:ext cx="7772400" cy="1143000"/>
+            <a:off x="685800" y="203835"/>
+            <a:ext cx="7772400" cy="652145"/>
           </a:xfrm>
         </p:spPr>
         <p:txBody>
@@ -4801,7 +5341,7 @@
                 <a:latin typeface="Noto Serif CJK JP" panose="02020400000000000000" charset="-122"/>
                 <a:ea typeface="Noto Serif CJK JP" panose="02020400000000000000" charset="-122"/>
               </a:rPr>
-              <a:t>Linked list</a:t>
+              <a:t>Array</a:t>
             </a:r>
             <a:endParaRPr lang="" altLang="en-US" sz="2800">
               <a:latin typeface="Noto Serif CJK JP" panose="02020400000000000000" charset="-122"/>
@@ -4822,15 +5362,15 @@
         </p:nvSpPr>
         <p:spPr>
           <a:xfrm>
-            <a:off x="685800" y="1449705"/>
-            <a:ext cx="7772400" cy="4969510"/>
+            <a:off x="685800" y="1036955"/>
+            <a:ext cx="7772400" cy="5382260"/>
           </a:xfrm>
         </p:spPr>
         <p:txBody>
           <a:bodyPr/>
           <a:p>
             <a:r>
-              <a:rPr lang="" altLang="en-US" sz="2400">
+              <a:rPr lang="en-US" altLang="en-US" sz="2400">
                 <a:latin typeface="Noto Serif CJK JP" panose="02020400000000000000" charset="-122"/>
                 <a:ea typeface="Noto Serif CJK JP" panose="02020400000000000000" charset="-122"/>
               </a:rPr>
@@ -4850,58 +5390,105 @@
           </a:p>
           <a:p>
             <a:r>
+              <a:rPr lang="en-US" altLang="en-US" sz="2400">
+                <a:latin typeface="Noto Serif CJK JP" panose="02020400000000000000" charset="-122"/>
+                <a:ea typeface="Noto Serif CJK JP" panose="02020400000000000000" charset="-122"/>
+              </a:rPr>
+              <a:t>E</a:t>
+            </a:r>
+            <a:r>
+              <a:rPr lang="en-US" sz="2400">
+                <a:latin typeface="Noto Serif CJK JP" panose="02020400000000000000" charset="-122"/>
+                <a:ea typeface="Noto Serif CJK JP" panose="02020400000000000000" charset="-122"/>
+              </a:rPr>
+              <a:t>lements are stored at contiguous memory locations.</a:t>
+            </a:r>
+            <a:endParaRPr lang="en-US" altLang="en-US" sz="2400">
+              <a:latin typeface="Noto Serif CJK JP" panose="02020400000000000000" charset="-122"/>
+              <a:ea typeface="Noto Serif CJK JP" panose="02020400000000000000" charset="-122"/>
+            </a:endParaRPr>
+          </a:p>
+          <a:p>
+            <a:r>
               <a:rPr lang="" altLang="en-US" sz="2400">
                 <a:latin typeface="Noto Serif CJK JP" panose="02020400000000000000" charset="-122"/>
                 <a:ea typeface="Noto Serif CJK JP" panose="02020400000000000000" charset="-122"/>
               </a:rPr>
-              <a:t>E</a:t>
-            </a:r>
-            <a:r>
-              <a:rPr lang="en-US" sz="2400">
+              <a:t>S</a:t>
+            </a:r>
+            <a:r>
+              <a:rPr lang="en-US" altLang="en-US" sz="2400">
                 <a:latin typeface="Noto Serif CJK JP" panose="02020400000000000000" charset="-122"/>
                 <a:ea typeface="Noto Serif CJK JP" panose="02020400000000000000" charset="-122"/>
               </a:rPr>
-              <a:t>lements are not stored at contiguous memory locations.</a:t>
-            </a:r>
-            <a:endParaRPr lang="" altLang="en-US" sz="2400">
+              <a:t>tore multiple items of the same type together</a:t>
+            </a:r>
+            <a:endParaRPr lang="en-US" altLang="en-US" sz="2400">
               <a:latin typeface="Noto Serif CJK JP" panose="02020400000000000000" charset="-122"/>
               <a:ea typeface="Noto Serif CJK JP" panose="02020400000000000000" charset="-122"/>
             </a:endParaRPr>
           </a:p>
           <a:p>
-            <a:r>
-              <a:rPr lang="" altLang="en-US" sz="2400">
-                <a:latin typeface="Noto Serif CJK JP" panose="02020400000000000000" charset="-122"/>
-                <a:ea typeface="Noto Serif CJK JP" panose="02020400000000000000" charset="-122"/>
-              </a:rPr>
-              <a:t>Elements are linked using pointers</a:t>
-            </a:r>
-            <a:endParaRPr lang="" altLang="en-US" sz="2400">
+            <a:endParaRPr lang="en-US" altLang="en-US" sz="2400">
               <a:latin typeface="Noto Serif CJK JP" panose="02020400000000000000" charset="-122"/>
               <a:ea typeface="Noto Serif CJK JP" panose="02020400000000000000" charset="-122"/>
             </a:endParaRPr>
           </a:p>
           <a:p>
-            <a:r>
-              <a:rPr lang="" altLang="en-US" sz="2400">
-                <a:latin typeface="Noto Serif CJK JP" panose="02020400000000000000" charset="-122"/>
-                <a:ea typeface="Noto Serif CJK JP" panose="02020400000000000000" charset="-122"/>
-              </a:rPr>
-              <a:t>Advantages :</a:t>
-            </a:r>
-            <a:endParaRPr lang="" altLang="en-US" sz="2400">
+            <a:endParaRPr lang="en-US" altLang="en-US" sz="2400">
               <a:latin typeface="Noto Serif CJK JP" panose="02020400000000000000" charset="-122"/>
               <a:ea typeface="Noto Serif CJK JP" panose="02020400000000000000" charset="-122"/>
             </a:endParaRPr>
           </a:p>
           <a:p>
+            <a:endParaRPr lang="en-US" altLang="en-US" sz="2400">
+              <a:latin typeface="Noto Serif CJK JP" panose="02020400000000000000" charset="-122"/>
+              <a:ea typeface="Noto Serif CJK JP" panose="02020400000000000000" charset="-122"/>
+            </a:endParaRPr>
+          </a:p>
+          <a:p>
+            <a:r>
+              <a:rPr lang="en-US" altLang="en-US" sz="2400">
+                <a:latin typeface="Noto Serif CJK JP" panose="02020400000000000000" charset="-122"/>
+                <a:ea typeface="Noto Serif CJK JP" panose="02020400000000000000" charset="-122"/>
+              </a:rPr>
+              <a:t>Advantages :</a:t>
+            </a:r>
+            <a:endParaRPr lang="en-US" altLang="en-US" sz="2400">
+              <a:latin typeface="Noto Serif CJK JP" panose="02020400000000000000" charset="-122"/>
+              <a:ea typeface="Noto Serif CJK JP" panose="02020400000000000000" charset="-122"/>
+            </a:endParaRPr>
+          </a:p>
+          <a:p>
             <a:pPr lvl="1"/>
+            <a:r>
+              <a:rPr lang="en-US" altLang="en-US" sz="2100">
+                <a:latin typeface="Noto Serif CJK JP" panose="02020400000000000000" charset="-122"/>
+                <a:ea typeface="Noto Serif CJK JP" panose="02020400000000000000" charset="-122"/>
+                <a:sym typeface="+mn-ea"/>
+              </a:rPr>
+              <a:t>Random access is allowed</a:t>
+            </a:r>
+            <a:endParaRPr lang="en-US" altLang="en-US" sz="2100">
+              <a:latin typeface="Noto Serif CJK JP" panose="02020400000000000000" charset="-122"/>
+              <a:ea typeface="Noto Serif CJK JP" panose="02020400000000000000" charset="-122"/>
+            </a:endParaRPr>
+          </a:p>
+          <a:p>
+            <a:pPr lvl="1"/>
+            <a:r>
+              <a:rPr lang="en-US" altLang="en-US" sz="2100">
+                <a:latin typeface="Noto Serif CJK JP" panose="02020400000000000000" charset="-122"/>
+                <a:ea typeface="Noto Serif CJK JP" panose="02020400000000000000" charset="-122"/>
+              </a:rPr>
+              <a:t>Ease of insertion </a:t>
+            </a:r>
             <a:r>
               <a:rPr lang="" altLang="en-US" sz="2100">
                 <a:latin typeface="Noto Serif CJK JP" panose="02020400000000000000" charset="-122"/>
                 <a:ea typeface="Noto Serif CJK JP" panose="02020400000000000000" charset="-122"/>
               </a:rPr>
-              <a:t>Dynamic size (dynamic memory allocation)</a:t>
+              <a:t>and in Accesss</a:t>
             </a:r>
             <a:endParaRPr lang="" altLang="en-US" sz="2100">
               <a:latin typeface="Noto Serif CJK JP" panose="02020400000000000000" charset="-122"/>
@@ -4909,62 +5496,81 @@
             </a:endParaRPr>
           </a:p>
           <a:p>
+            <a:pPr lvl="0"/>
+            <a:r>
+              <a:rPr lang="en-US" altLang="en-US" sz="2400">
+                <a:latin typeface="Noto Serif CJK JP" panose="02020400000000000000" charset="-122"/>
+                <a:ea typeface="Noto Serif CJK JP" panose="02020400000000000000" charset="-122"/>
+              </a:rPr>
+              <a:t>Drawbacks</a:t>
+            </a:r>
+            <a:r>
+              <a:rPr lang="en-US" altLang="en-US" sz="2740">
+                <a:latin typeface="Noto Serif CJK JP" panose="02020400000000000000" charset="-122"/>
+                <a:ea typeface="Noto Serif CJK JP" panose="02020400000000000000" charset="-122"/>
+              </a:rPr>
+              <a:t>:</a:t>
+            </a:r>
+            <a:endParaRPr lang="en-US" altLang="en-US" sz="2740">
+              <a:latin typeface="Noto Serif CJK JP" panose="02020400000000000000" charset="-122"/>
+              <a:ea typeface="Noto Serif CJK JP" panose="02020400000000000000" charset="-122"/>
+            </a:endParaRPr>
+          </a:p>
+          <a:p>
+            <a:pPr lvl="1"/>
+            <a:r>
+              <a:rPr lang="en-US" altLang="en-US" sz="2395">
+                <a:latin typeface="Noto Serif CJK JP" panose="02020400000000000000" charset="-122"/>
+                <a:ea typeface="Noto Serif CJK JP" panose="02020400000000000000" charset="-122"/>
+                <a:sym typeface="+mn-ea"/>
+              </a:rPr>
+              <a:t>Static memory allocation</a:t>
+            </a:r>
+            <a:endParaRPr lang="en-US" altLang="en-US" sz="2740">
+              <a:latin typeface="Noto Serif CJK JP" panose="02020400000000000000" charset="-122"/>
+              <a:ea typeface="Noto Serif CJK JP" panose="02020400000000000000" charset="-122"/>
+            </a:endParaRPr>
+          </a:p>
+          <a:p>
             <a:pPr lvl="1"/>
             <a:r>
               <a:rPr lang="" altLang="en-US" sz="2100">
                 <a:latin typeface="Noto Serif CJK JP" panose="02020400000000000000" charset="-122"/>
                 <a:ea typeface="Noto Serif CJK JP" panose="02020400000000000000" charset="-122"/>
               </a:rPr>
-              <a:t> Ease of insertion/deletion over unsorted approach</a:t>
-            </a:r>
-            <a:endParaRPr lang="" altLang="en-US" sz="2100">
+              <a:t>Deletion requires Shifting of elements</a:t>
+            </a:r>
+            <a:endParaRPr lang="en-US" altLang="en-US" sz="2100">
               <a:latin typeface="Noto Serif CJK JP" panose="02020400000000000000" charset="-122"/>
               <a:ea typeface="Noto Serif CJK JP" panose="02020400000000000000" charset="-122"/>
             </a:endParaRPr>
           </a:p>
-          <a:p>
-            <a:r>
-              <a:rPr lang="" altLang="en-US" sz="2400">
-                <a:latin typeface="Noto Serif CJK JP" panose="02020400000000000000" charset="-122"/>
-                <a:ea typeface="Noto Serif CJK JP" panose="02020400000000000000" charset="-122"/>
-              </a:rPr>
-              <a:t>Drawbacks:</a:t>
-            </a:r>
-            <a:endParaRPr lang="" altLang="en-US" sz="2400">
-              <a:latin typeface="Noto Serif CJK JP" panose="02020400000000000000" charset="-122"/>
-              <a:ea typeface="Noto Serif CJK JP" panose="02020400000000000000" charset="-122"/>
-            </a:endParaRPr>
-          </a:p>
-          <a:p>
-            <a:pPr lvl="1"/>
-            <a:r>
-              <a:rPr lang="" altLang="en-US" sz="2100">
-                <a:latin typeface="Noto Serif CJK JP" panose="02020400000000000000" charset="-122"/>
-                <a:ea typeface="Noto Serif CJK JP" panose="02020400000000000000" charset="-122"/>
-              </a:rPr>
-              <a:t>Random access is not allowed</a:t>
-            </a:r>
-            <a:endParaRPr lang="" altLang="en-US" sz="2100">
-              <a:latin typeface="Noto Serif CJK JP" panose="02020400000000000000" charset="-122"/>
-              <a:ea typeface="Noto Serif CJK JP" panose="02020400000000000000" charset="-122"/>
-            </a:endParaRPr>
-          </a:p>
-          <a:p>
-            <a:pPr lvl="1"/>
-            <a:r>
-              <a:rPr lang="" altLang="en-US" sz="2100">
-                <a:latin typeface="Noto Serif CJK JP" panose="02020400000000000000" charset="-122"/>
-                <a:ea typeface="Noto Serif CJK JP" panose="02020400000000000000" charset="-122"/>
-              </a:rPr>
-              <a:t>Extra memory space for a pointer</a:t>
-            </a:r>
-            <a:endParaRPr lang="" altLang="en-US" sz="2100">
-              <a:latin typeface="Noto Serif CJK JP" panose="02020400000000000000" charset="-122"/>
-              <a:ea typeface="Noto Serif CJK JP" panose="02020400000000000000" charset="-122"/>
-            </a:endParaRPr>
-          </a:p>
-        </p:txBody>
-      </p:sp>
+        </p:txBody>
+      </p:sp>
+      <p:pic>
+        <p:nvPicPr>
+          <p:cNvPr id="4" name="Picture 3" descr="array-2"/>
+          <p:cNvPicPr>
+            <a:picLocks noChangeAspect="1"/>
+          </p:cNvPicPr>
+          <p:nvPr/>
+        </p:nvPicPr>
+        <p:blipFill>
+          <a:blip r:embed="rId1"/>
+          <a:stretch>
+            <a:fillRect/>
+          </a:stretch>
+        </p:blipFill>
+        <p:spPr>
+          <a:xfrm>
+            <a:off x="1521460" y="2755900"/>
+            <a:ext cx="6411595" cy="1345565"/>
+          </a:xfrm>
+          <a:prstGeom prst="rect">
+            <a:avLst/>
+          </a:prstGeom>
+        </p:spPr>
+      </p:pic>
     </p:spTree>
   </p:cSld>
   <p:clrMapOvr>
@@ -4995,21 +5601,227 @@
         </p:nvSpPr>
         <p:spPr>
           <a:xfrm>
-            <a:off x="685800" y="306705"/>
-            <a:ext cx="7772400" cy="1143000"/>
+            <a:off x="685800" y="203835"/>
+            <a:ext cx="7772400" cy="652145"/>
           </a:xfrm>
         </p:spPr>
         <p:txBody>
           <a:bodyPr/>
           <a:p>
             <a:r>
-              <a:rPr lang="" altLang="en-US" sz="2800">
+              <a:rPr lang="en-US" altLang="en-US" sz="2800">
                 <a:latin typeface="Noto Serif CJK JP" panose="02020400000000000000" charset="-122"/>
                 <a:ea typeface="Noto Serif CJK JP" panose="02020400000000000000" charset="-122"/>
               </a:rPr>
+              <a:t>Linked list</a:t>
+            </a:r>
+            <a:endParaRPr lang="en-US" altLang="en-US" sz="2800">
+              <a:latin typeface="Noto Serif CJK JP" panose="02020400000000000000" charset="-122"/>
+              <a:ea typeface="Noto Serif CJK JP" panose="02020400000000000000" charset="-122"/>
+            </a:endParaRPr>
+          </a:p>
+        </p:txBody>
+      </p:sp>
+      <p:sp>
+        <p:nvSpPr>
+          <p:cNvPr id="3" name="Content Placeholder 2"/>
+          <p:cNvSpPr>
+            <a:spLocks noGrp="1"/>
+          </p:cNvSpPr>
+          <p:nvPr>
+            <p:ph idx="1"/>
+          </p:nvPr>
+        </p:nvSpPr>
+        <p:spPr>
+          <a:xfrm>
+            <a:off x="685800" y="1036955"/>
+            <a:ext cx="7772400" cy="5382260"/>
+          </a:xfrm>
+        </p:spPr>
+        <p:txBody>
+          <a:bodyPr/>
+          <a:p>
+            <a:r>
+              <a:rPr lang="en-US" altLang="en-US" sz="2400">
+                <a:latin typeface="Noto Serif CJK JP" panose="02020400000000000000" charset="-122"/>
+                <a:ea typeface="Noto Serif CJK JP" panose="02020400000000000000" charset="-122"/>
+              </a:rPr>
+              <a:t>L</a:t>
+            </a:r>
+            <a:r>
+              <a:rPr lang="en-US" sz="2400">
+                <a:latin typeface="Noto Serif CJK JP" panose="02020400000000000000" charset="-122"/>
+                <a:ea typeface="Noto Serif CJK JP" panose="02020400000000000000" charset="-122"/>
+              </a:rPr>
+              <a:t>inear data structure</a:t>
+            </a:r>
+            <a:endParaRPr lang="en-US" sz="2400">
+              <a:latin typeface="Noto Serif CJK JP" panose="02020400000000000000" charset="-122"/>
+              <a:ea typeface="Noto Serif CJK JP" panose="02020400000000000000" charset="-122"/>
+            </a:endParaRPr>
+          </a:p>
+          <a:p>
+            <a:r>
+              <a:rPr lang="en-US" altLang="en-US" sz="2400">
+                <a:latin typeface="Noto Serif CJK JP" panose="02020400000000000000" charset="-122"/>
+                <a:ea typeface="Noto Serif CJK JP" panose="02020400000000000000" charset="-122"/>
+              </a:rPr>
+              <a:t>E</a:t>
+            </a:r>
+            <a:r>
+              <a:rPr lang="en-US" sz="2400">
+                <a:latin typeface="Noto Serif CJK JP" panose="02020400000000000000" charset="-122"/>
+                <a:ea typeface="Noto Serif CJK JP" panose="02020400000000000000" charset="-122"/>
+              </a:rPr>
+              <a:t>lements are not stored at contiguous memory locations.</a:t>
+            </a:r>
+            <a:endParaRPr lang="en-US" altLang="en-US" sz="2400">
+              <a:latin typeface="Noto Serif CJK JP" panose="02020400000000000000" charset="-122"/>
+              <a:ea typeface="Noto Serif CJK JP" panose="02020400000000000000" charset="-122"/>
+            </a:endParaRPr>
+          </a:p>
+          <a:p>
+            <a:r>
+              <a:rPr lang="en-US" altLang="en-US" sz="2400">
+                <a:latin typeface="Noto Serif CJK JP" panose="02020400000000000000" charset="-122"/>
+                <a:ea typeface="Noto Serif CJK JP" panose="02020400000000000000" charset="-122"/>
+              </a:rPr>
+              <a:t>Elements are linked using pointers</a:t>
+            </a:r>
+            <a:endParaRPr lang="en-US" altLang="en-US" sz="2400">
+              <a:latin typeface="Noto Serif CJK JP" panose="02020400000000000000" charset="-122"/>
+              <a:ea typeface="Noto Serif CJK JP" panose="02020400000000000000" charset="-122"/>
+            </a:endParaRPr>
+          </a:p>
+          <a:p>
+            <a:r>
+              <a:rPr lang="en-US" altLang="en-US" sz="2400">
+                <a:latin typeface="Noto Serif CJK JP" panose="02020400000000000000" charset="-122"/>
+                <a:ea typeface="Noto Serif CJK JP" panose="02020400000000000000" charset="-122"/>
+              </a:rPr>
+              <a:t>Advantages :</a:t>
+            </a:r>
+            <a:endParaRPr lang="en-US" altLang="en-US" sz="2400">
+              <a:latin typeface="Noto Serif CJK JP" panose="02020400000000000000" charset="-122"/>
+              <a:ea typeface="Noto Serif CJK JP" panose="02020400000000000000" charset="-122"/>
+            </a:endParaRPr>
+          </a:p>
+          <a:p>
+            <a:pPr lvl="1"/>
+            <a:r>
+              <a:rPr lang="en-US" altLang="en-US" sz="2100">
+                <a:latin typeface="Noto Serif CJK JP" panose="02020400000000000000" charset="-122"/>
+                <a:ea typeface="Noto Serif CJK JP" panose="02020400000000000000" charset="-122"/>
+              </a:rPr>
+              <a:t>Dynamic size (dynamic memory allocation)</a:t>
+            </a:r>
+            <a:endParaRPr lang="en-US" altLang="en-US" sz="2100">
+              <a:latin typeface="Noto Serif CJK JP" panose="02020400000000000000" charset="-122"/>
+              <a:ea typeface="Noto Serif CJK JP" panose="02020400000000000000" charset="-122"/>
+            </a:endParaRPr>
+          </a:p>
+          <a:p>
+            <a:pPr lvl="1"/>
+            <a:r>
+              <a:rPr lang="en-US" altLang="en-US" sz="2100">
+                <a:latin typeface="Noto Serif CJK JP" panose="02020400000000000000" charset="-122"/>
+                <a:ea typeface="Noto Serif CJK JP" panose="02020400000000000000" charset="-122"/>
+              </a:rPr>
+              <a:t> Ease of insertion/deletion over unsorted approach</a:t>
+            </a:r>
+            <a:endParaRPr lang="en-US" altLang="en-US" sz="2100">
+              <a:latin typeface="Noto Serif CJK JP" panose="02020400000000000000" charset="-122"/>
+              <a:ea typeface="Noto Serif CJK JP" panose="02020400000000000000" charset="-122"/>
+            </a:endParaRPr>
+          </a:p>
+          <a:p>
+            <a:r>
+              <a:rPr lang="en-US" altLang="en-US" sz="2400">
+                <a:latin typeface="Noto Serif CJK JP" panose="02020400000000000000" charset="-122"/>
+                <a:ea typeface="Noto Serif CJK JP" panose="02020400000000000000" charset="-122"/>
+              </a:rPr>
+              <a:t>Drawbacks:</a:t>
+            </a:r>
+            <a:endParaRPr lang="en-US" altLang="en-US" sz="2400">
+              <a:latin typeface="Noto Serif CJK JP" panose="02020400000000000000" charset="-122"/>
+              <a:ea typeface="Noto Serif CJK JP" panose="02020400000000000000" charset="-122"/>
+            </a:endParaRPr>
+          </a:p>
+          <a:p>
+            <a:pPr lvl="1"/>
+            <a:r>
+              <a:rPr lang="en-US" altLang="en-US" sz="2100">
+                <a:latin typeface="Noto Serif CJK JP" panose="02020400000000000000" charset="-122"/>
+                <a:ea typeface="Noto Serif CJK JP" panose="02020400000000000000" charset="-122"/>
+              </a:rPr>
+              <a:t>Random access is not allowed</a:t>
+            </a:r>
+            <a:endParaRPr lang="en-US" altLang="en-US" sz="2100">
+              <a:latin typeface="Noto Serif CJK JP" panose="02020400000000000000" charset="-122"/>
+              <a:ea typeface="Noto Serif CJK JP" panose="02020400000000000000" charset="-122"/>
+            </a:endParaRPr>
+          </a:p>
+          <a:p>
+            <a:pPr lvl="1"/>
+            <a:r>
+              <a:rPr lang="en-US" altLang="en-US" sz="2100">
+                <a:latin typeface="Noto Serif CJK JP" panose="02020400000000000000" charset="-122"/>
+                <a:ea typeface="Noto Serif CJK JP" panose="02020400000000000000" charset="-122"/>
+              </a:rPr>
+              <a:t>Extra memory space for a pointer</a:t>
+            </a:r>
+            <a:endParaRPr lang="en-US" altLang="en-US" sz="2100">
+              <a:latin typeface="Noto Serif CJK JP" panose="02020400000000000000" charset="-122"/>
+              <a:ea typeface="Noto Serif CJK JP" panose="02020400000000000000" charset="-122"/>
+            </a:endParaRPr>
+          </a:p>
+        </p:txBody>
+      </p:sp>
+    </p:spTree>
+  </p:cSld>
+  <p:clrMapOvr>
+    <a:masterClrMapping/>
+  </p:clrMapOvr>
+</p:sld>
+</file>
+
+<file path=ppt/slides/slide6.xml><?xml version="1.0" encoding="utf-8"?>
+<p:sld xmlns:a="http://schemas.openxmlformats.org/drawingml/2006/main" xmlns:r="http://schemas.openxmlformats.org/officeDocument/2006/relationships" xmlns:p="http://schemas.openxmlformats.org/presentationml/2006/main">
+  <p:cSld>
+    <p:spTree>
+      <p:nvGrpSpPr>
+        <p:cNvPr id="1" name=""/>
+        <p:cNvGrpSpPr/>
+        <p:nvPr/>
+      </p:nvGrpSpPr>
+      <p:grpSpPr/>
+      <p:sp>
+        <p:nvSpPr>
+          <p:cNvPr id="2" name="Title 1"/>
+          <p:cNvSpPr>
+            <a:spLocks noGrp="1"/>
+          </p:cNvSpPr>
+          <p:nvPr>
+            <p:ph type="title"/>
+          </p:nvPr>
+        </p:nvSpPr>
+        <p:spPr>
+          <a:xfrm>
+            <a:off x="544195" y="228600"/>
+            <a:ext cx="7772400" cy="859155"/>
+          </a:xfrm>
+        </p:spPr>
+        <p:txBody>
+          <a:bodyPr/>
+          <a:p>
+            <a:r>
+              <a:rPr lang="en-US" altLang="en-US" sz="2800">
+                <a:latin typeface="Noto Serif CJK JP" panose="02020400000000000000" charset="-122"/>
+                <a:ea typeface="Noto Serif CJK JP" panose="02020400000000000000" charset="-122"/>
+              </a:rPr>
               <a:t>Singly Linked List </a:t>
             </a:r>
-            <a:endParaRPr lang="" altLang="en-US" sz="2800">
+            <a:endParaRPr lang="en-US" altLang="en-US" sz="2800">
               <a:latin typeface="Noto Serif CJK JP" panose="02020400000000000000" charset="-122"/>
               <a:ea typeface="Noto Serif CJK JP" panose="02020400000000000000" charset="-122"/>
             </a:endParaRPr>
@@ -5036,13 +5848,13 @@
           <a:bodyPr/>
           <a:p>
             <a:r>
-              <a:rPr lang="" altLang="en-US" sz="2400">
+              <a:rPr lang="en-US" altLang="en-US" sz="2400">
                 <a:latin typeface="Noto Serif CJK JP" panose="02020400000000000000" charset="-122"/>
                 <a:ea typeface="Noto Serif CJK JP" panose="02020400000000000000" charset="-122"/>
               </a:rPr>
               <a:t>Node</a:t>
             </a:r>
-            <a:endParaRPr lang="" altLang="en-US" sz="2400">
+            <a:endParaRPr lang="en-US" altLang="en-US" sz="2400">
               <a:latin typeface="Noto Serif CJK JP" panose="02020400000000000000" charset="-122"/>
               <a:ea typeface="Noto Serif CJK JP" panose="02020400000000000000" charset="-122"/>
             </a:endParaRPr>
@@ -5050,13 +5862,13 @@
           <a:p>
             <a:pPr lvl="1"/>
             <a:r>
-              <a:rPr lang="" altLang="en-US" sz="2100">
+              <a:rPr lang="en-US" altLang="en-US" sz="2100">
                 <a:latin typeface="Noto Serif CJK JP" panose="02020400000000000000" charset="-122"/>
                 <a:ea typeface="Noto Serif CJK JP" panose="02020400000000000000" charset="-122"/>
               </a:rPr>
               <a:t>Each element in the List</a:t>
             </a:r>
-            <a:endParaRPr lang="" altLang="en-US" sz="2100">
+            <a:endParaRPr lang="en-US" altLang="en-US" sz="2100">
               <a:latin typeface="Noto Serif CJK JP" panose="02020400000000000000" charset="-122"/>
               <a:ea typeface="Noto Serif CJK JP" panose="02020400000000000000" charset="-122"/>
             </a:endParaRPr>
@@ -5064,13 +5876,13 @@
           <a:p>
             <a:pPr lvl="1"/>
             <a:r>
-              <a:rPr lang="" altLang="en-US" sz="2100">
+              <a:rPr lang="en-US" altLang="en-US" sz="2100">
                 <a:latin typeface="Noto Serif CJK JP" panose="02020400000000000000" charset="-122"/>
                 <a:ea typeface="Noto Serif CJK JP" panose="02020400000000000000" charset="-122"/>
               </a:rPr>
               <a:t>consists of at least two parts:</a:t>
             </a:r>
-            <a:endParaRPr lang="" altLang="en-US" sz="2100">
+            <a:endParaRPr lang="en-US" altLang="en-US" sz="2100">
               <a:latin typeface="Noto Serif CJK JP" panose="02020400000000000000" charset="-122"/>
               <a:ea typeface="Noto Serif CJK JP" panose="02020400000000000000" charset="-122"/>
             </a:endParaRPr>
@@ -5078,13 +5890,13 @@
           <a:p>
             <a:pPr lvl="2"/>
             <a:r>
-              <a:rPr lang="" altLang="en-US" sz="1800">
+              <a:rPr lang="en-US" altLang="en-US" sz="1800">
                 <a:latin typeface="Noto Serif CJK JP" panose="02020400000000000000" charset="-122"/>
                 <a:ea typeface="Noto Serif CJK JP" panose="02020400000000000000" charset="-122"/>
               </a:rPr>
               <a:t>Data</a:t>
             </a:r>
-            <a:endParaRPr lang="" altLang="en-US" sz="1800">
+            <a:endParaRPr lang="en-US" altLang="en-US" sz="1800">
               <a:latin typeface="Noto Serif CJK JP" panose="02020400000000000000" charset="-122"/>
               <a:ea typeface="Noto Serif CJK JP" panose="02020400000000000000" charset="-122"/>
             </a:endParaRPr>
@@ -5092,13 +5904,13 @@
           <a:p>
             <a:pPr lvl="2"/>
             <a:r>
-              <a:rPr lang="" altLang="en-US" sz="1800">
+              <a:rPr lang="en-US" altLang="en-US" sz="1800">
                 <a:latin typeface="Noto Serif CJK JP" panose="02020400000000000000" charset="-122"/>
                 <a:ea typeface="Noto Serif CJK JP" panose="02020400000000000000" charset="-122"/>
               </a:rPr>
               <a:t>Pointer (Or Reference) to the next node</a:t>
             </a:r>
-            <a:endParaRPr lang="" altLang="en-US" sz="1800">
+            <a:endParaRPr lang="en-US" altLang="en-US" sz="1800">
               <a:latin typeface="Noto Serif CJK JP" panose="02020400000000000000" charset="-122"/>
               <a:ea typeface="Noto Serif CJK JP" panose="02020400000000000000" charset="-122"/>
             </a:endParaRPr>
@@ -5106,20 +5918,20 @@
           <a:p>
             <a:pPr lvl="0"/>
             <a:r>
-              <a:rPr lang="" altLang="en-US" sz="2400">
+              <a:rPr lang="en-US" altLang="en-US" sz="2400">
                 <a:latin typeface="Noto Serif CJK JP" panose="02020400000000000000" charset="-122"/>
                 <a:ea typeface="Noto Serif CJK JP" panose="02020400000000000000" charset="-122"/>
               </a:rPr>
               <a:t>Linked List</a:t>
             </a:r>
-            <a:endParaRPr lang="" altLang="en-US" sz="2400">
+            <a:endParaRPr lang="en-US" altLang="en-US" sz="2400">
               <a:latin typeface="Noto Serif CJK JP" panose="02020400000000000000" charset="-122"/>
               <a:ea typeface="Noto Serif CJK JP" panose="02020400000000000000" charset="-122"/>
             </a:endParaRPr>
           </a:p>
           <a:p>
             <a:pPr lvl="0"/>
-            <a:endParaRPr lang="" altLang="en-US" sz="2400">
+            <a:endParaRPr lang="en-US" altLang="en-US" sz="2400">
               <a:latin typeface="Noto Serif CJK JP" panose="02020400000000000000" charset="-122"/>
               <a:ea typeface="Noto Serif CJK JP" panose="02020400000000000000" charset="-122"/>
             </a:endParaRPr>
@@ -5134,8 +5946,8 @@
         </p:nvSpPr>
         <p:spPr>
           <a:xfrm>
-            <a:off x="5432425" y="1280795"/>
-            <a:ext cx="3546475" cy="1476375"/>
+            <a:off x="5458460" y="1087755"/>
+            <a:ext cx="3211195" cy="1476375"/>
           </a:xfrm>
           <a:prstGeom prst="rect">
             <a:avLst/>
@@ -5159,6 +5971,7 @@
               <a:rPr lang="en-US">
                 <a:latin typeface="FreeMono" panose="020F0409020205020404" charset="0"/>
                 <a:ea typeface="FreeMono" panose="020F0409020205020404" charset="0"/>
+                <a:cs typeface="Noto Sans Mono CJK JP" panose="020B0500000000000000" charset="-122"/>
               </a:rPr>
               <a:t>class </a:t>
             </a:r>
@@ -5171,12 +5984,14 @@
                 </a:ln>
                 <a:latin typeface="FreeMono" panose="020F0409020205020404" charset="0"/>
                 <a:ea typeface="FreeMono" panose="020F0409020205020404" charset="0"/>
+                <a:cs typeface="Noto Sans Mono CJK JP" panose="020B0500000000000000" charset="-122"/>
               </a:rPr>
               <a:t>Node  </a:t>
             </a:r>
             <a:endParaRPr lang="en-US">
               <a:latin typeface="FreeMono" panose="020F0409020205020404" charset="0"/>
               <a:ea typeface="FreeMono" panose="020F0409020205020404" charset="0"/>
+              <a:cs typeface="Noto Sans Mono CJK JP" panose="020B0500000000000000" charset="-122"/>
             </a:endParaRPr>
           </a:p>
           <a:p>
@@ -5184,12 +5999,14 @@
               <a:rPr lang="en-US">
                 <a:latin typeface="FreeMono" panose="020F0409020205020404" charset="0"/>
                 <a:ea typeface="FreeMono" panose="020F0409020205020404" charset="0"/>
+                <a:cs typeface="Noto Sans Mono CJK JP" panose="020B0500000000000000" charset="-122"/>
               </a:rPr>
               <a:t>{  </a:t>
             </a:r>
             <a:endParaRPr lang="en-US">
               <a:latin typeface="FreeMono" panose="020F0409020205020404" charset="0"/>
               <a:ea typeface="FreeMono" panose="020F0409020205020404" charset="0"/>
+              <a:cs typeface="Noto Sans Mono CJK JP" panose="020B0500000000000000" charset="-122"/>
             </a:endParaRPr>
           </a:p>
           <a:p>
@@ -5197,6 +6014,7 @@
               <a:rPr lang="en-US">
                 <a:latin typeface="FreeMono" panose="020F0409020205020404" charset="0"/>
                 <a:ea typeface="FreeMono" panose="020F0409020205020404" charset="0"/>
+                <a:cs typeface="Noto Sans Mono CJK JP" panose="020B0500000000000000" charset="-122"/>
               </a:rPr>
               <a:t>   </a:t>
             </a:r>
@@ -5204,6 +6022,7 @@
               <a:rPr lang="en-US">
                 <a:latin typeface="FreeMono" panose="020F0409020205020404" charset="0"/>
                 <a:ea typeface="FreeMono" panose="020F0409020205020404" charset="0"/>
+                <a:cs typeface="Noto Sans Mono CJK JP" panose="020B0500000000000000" charset="-122"/>
                 <a:sym typeface="+mn-ea"/>
               </a:rPr>
               <a:t>public</a:t>
@@ -5212,12 +6031,14 @@
               <a:rPr lang="en-US">
                 <a:latin typeface="FreeMono" panose="020F0409020205020404" charset="0"/>
                 <a:ea typeface="FreeMono" panose="020F0409020205020404" charset="0"/>
+                <a:cs typeface="Noto Sans Mono CJK JP" panose="020B0500000000000000" charset="-122"/>
               </a:rPr>
               <a:t> int data;  </a:t>
             </a:r>
             <a:endParaRPr lang="en-US">
               <a:latin typeface="FreeMono" panose="020F0409020205020404" charset="0"/>
               <a:ea typeface="FreeMono" panose="020F0409020205020404" charset="0"/>
+              <a:cs typeface="Noto Sans Mono CJK JP" panose="020B0500000000000000" charset="-122"/>
             </a:endParaRPr>
           </a:p>
           <a:p>
@@ -5225,6 +6046,7 @@
               <a:rPr lang="en-US">
                 <a:latin typeface="FreeMono" panose="020F0409020205020404" charset="0"/>
                 <a:ea typeface="FreeMono" panose="020F0409020205020404" charset="0"/>
+                <a:cs typeface="Noto Sans Mono CJK JP" panose="020B0500000000000000" charset="-122"/>
               </a:rPr>
               <a:t>   </a:t>
             </a:r>
@@ -5232,6 +6054,7 @@
               <a:rPr lang="en-US">
                 <a:latin typeface="FreeMono" panose="020F0409020205020404" charset="0"/>
                 <a:ea typeface="FreeMono" panose="020F0409020205020404" charset="0"/>
+                <a:cs typeface="Noto Sans Mono CJK JP" panose="020B0500000000000000" charset="-122"/>
                 <a:sym typeface="+mn-ea"/>
               </a:rPr>
               <a:t>public</a:t>
@@ -5240,12 +6063,14 @@
               <a:rPr lang="en-US">
                 <a:latin typeface="FreeMono" panose="020F0409020205020404" charset="0"/>
                 <a:ea typeface="FreeMono" panose="020F0409020205020404" charset="0"/>
+                <a:cs typeface="Noto Sans Mono CJK JP" panose="020B0500000000000000" charset="-122"/>
               </a:rPr>
               <a:t> Node *next;  </a:t>
             </a:r>
             <a:endParaRPr lang="en-US">
               <a:latin typeface="FreeMono" panose="020F0409020205020404" charset="0"/>
               <a:ea typeface="FreeMono" panose="020F0409020205020404" charset="0"/>
+              <a:cs typeface="Noto Sans Mono CJK JP" panose="020B0500000000000000" charset="-122"/>
             </a:endParaRPr>
           </a:p>
           <a:p>
@@ -5253,12 +6078,14 @@
               <a:rPr lang="en-US">
                 <a:latin typeface="FreeMono" panose="020F0409020205020404" charset="0"/>
                 <a:ea typeface="FreeMono" panose="020F0409020205020404" charset="0"/>
+                <a:cs typeface="Noto Sans Mono CJK JP" panose="020B0500000000000000" charset="-122"/>
               </a:rPr>
               <a:t>};  </a:t>
             </a:r>
             <a:endParaRPr lang="en-US">
               <a:latin typeface="FreeMono" panose="020F0409020205020404" charset="0"/>
               <a:ea typeface="FreeMono" panose="020F0409020205020404" charset="0"/>
+              <a:cs typeface="Noto Sans Mono CJK JP" panose="020B0500000000000000" charset="-122"/>
             </a:endParaRPr>
           </a:p>
         </p:txBody>
@@ -5295,7 +6122,7 @@
 </p:sld>
 </file>
 
-<file path=ppt/slides/slide6.xml><?xml version="1.0" encoding="utf-8"?>
+<file path=ppt/slides/slide7.xml><?xml version="1.0" encoding="utf-8"?>
 <p:sld xmlns:a="http://schemas.openxmlformats.org/drawingml/2006/main" xmlns:r="http://schemas.openxmlformats.org/officeDocument/2006/relationships" xmlns:p="http://schemas.openxmlformats.org/presentationml/2006/main">
   <p:cSld>
     <p:spTree>
@@ -5325,18 +6152,11 @@
           <a:bodyPr/>
           <a:p>
             <a:r>
-              <a:rPr lang="" altLang="en-US" sz="2800">
-                <a:latin typeface="Noto Serif CJK JP" panose="02020400000000000000" charset="-122"/>
-                <a:ea typeface="Noto Serif CJK JP" panose="02020400000000000000" charset="-122"/>
-              </a:rPr>
-              <a:t>Doubly </a:t>
-            </a:r>
-            <a:r>
               <a:rPr lang="en-US" altLang="en-US" sz="2800">
                 <a:latin typeface="Noto Serif CJK JP" panose="02020400000000000000" charset="-122"/>
                 <a:ea typeface="Noto Serif CJK JP" panose="02020400000000000000" charset="-122"/>
               </a:rPr>
-              <a:t>Linked List </a:t>
+              <a:t>Doubly Linked List </a:t>
             </a:r>
             <a:endParaRPr lang="en-US" altLang="en-US" sz="2800">
               <a:latin typeface="Noto Serif CJK JP" panose="02020400000000000000" charset="-122"/>
@@ -5397,21 +6217,7 @@
                 <a:latin typeface="Noto Serif CJK JP" panose="02020400000000000000" charset="-122"/>
                 <a:ea typeface="Noto Serif CJK JP" panose="02020400000000000000" charset="-122"/>
               </a:rPr>
-              <a:t>consists of at least </a:t>
-            </a:r>
-            <a:r>
-              <a:rPr lang="" altLang="en-US" sz="2100">
-                <a:latin typeface="Noto Serif CJK JP" panose="02020400000000000000" charset="-122"/>
-                <a:ea typeface="Noto Serif CJK JP" panose="02020400000000000000" charset="-122"/>
-              </a:rPr>
-              <a:t>three</a:t>
-            </a:r>
-            <a:r>
-              <a:rPr lang="en-US" altLang="en-US" sz="2100">
-                <a:latin typeface="Noto Serif CJK JP" panose="02020400000000000000" charset="-122"/>
-                <a:ea typeface="Noto Serif CJK JP" panose="02020400000000000000" charset="-122"/>
-              </a:rPr>
-              <a:t> parts:</a:t>
+              <a:t>consists of at least three parts:</a:t>
             </a:r>
             <a:endParaRPr lang="en-US" altLang="en-US" sz="2100">
               <a:latin typeface="Noto Serif CJK JP" panose="02020400000000000000" charset="-122"/>
@@ -5449,7 +6255,7 @@
           <a:p>
             <a:pPr lvl="2"/>
             <a:r>
-              <a:rPr lang="" altLang="en-US" sz="1800">
+              <a:rPr lang="en-US" altLang="en-US" sz="1800">
                 <a:latin typeface="Noto Serif CJK JP" panose="02020400000000000000" charset="-122"/>
                 <a:ea typeface="Noto Serif CJK JP" panose="02020400000000000000" charset="-122"/>
               </a:rPr>
@@ -5461,31 +6267,7 @@
                 <a:ea typeface="Noto Serif CJK JP" panose="02020400000000000000" charset="-122"/>
                 <a:sym typeface="+mn-ea"/>
               </a:rPr>
-              <a:t>Or Reference) to the  </a:t>
-            </a:r>
-            <a:r>
-              <a:rPr lang="" altLang="en-US" sz="1800">
-                <a:latin typeface="Noto Serif CJK JP" panose="02020400000000000000" charset="-122"/>
-                <a:ea typeface="Noto Serif CJK JP" panose="02020400000000000000" charset="-122"/>
-                <a:sym typeface="+mn-ea"/>
-              </a:rPr>
-              <a:t>previous</a:t>
-            </a:r>
-            <a:r>
-              <a:rPr lang="en-US" altLang="en-US" sz="1800">
-                <a:latin typeface="Noto Serif CJK JP" panose="02020400000000000000" charset="-122"/>
-                <a:ea typeface="Noto Serif CJK JP" panose="02020400000000000000" charset="-122"/>
-                <a:sym typeface="+mn-ea"/>
-              </a:rPr>
-              <a:t> nod</a:t>
-            </a:r>
-            <a:r>
-              <a:rPr lang="" altLang="en-US" sz="1800">
-                <a:latin typeface="Noto Serif CJK JP" panose="02020400000000000000" charset="-122"/>
-                <a:ea typeface="Noto Serif CJK JP" panose="02020400000000000000" charset="-122"/>
-                <a:sym typeface="+mn-ea"/>
-              </a:rPr>
-              <a:t>e</a:t>
+              <a:t>Or Reference) to the  previous node</a:t>
             </a:r>
             <a:endParaRPr lang="en-US" altLang="en-US" sz="1800">
               <a:latin typeface="Noto Serif CJK JP" panose="02020400000000000000" charset="-122"/>
@@ -5523,7 +6305,7 @@
         </p:nvSpPr>
         <p:spPr>
           <a:xfrm>
-            <a:off x="5817870" y="1156335"/>
+            <a:off x="5507990" y="1143000"/>
             <a:ext cx="3175635" cy="1753235"/>
           </a:xfrm>
           <a:prstGeom prst="rect">
@@ -5548,6 +6330,7 @@
               <a:rPr lang="en-US">
                 <a:latin typeface="FreeMono" panose="020F0409020205020404" charset="0"/>
                 <a:ea typeface="FreeMono" panose="020F0409020205020404" charset="0"/>
+                <a:cs typeface="Noto Sans Mono CJK JP" panose="020B0500000000000000" charset="-122"/>
               </a:rPr>
               <a:t>class </a:t>
             </a:r>
@@ -5560,12 +6343,14 @@
                 </a:ln>
                 <a:latin typeface="FreeMono" panose="020F0409020205020404" charset="0"/>
                 <a:ea typeface="FreeMono" panose="020F0409020205020404" charset="0"/>
+                <a:cs typeface="Noto Sans Mono CJK JP" panose="020B0500000000000000" charset="-122"/>
               </a:rPr>
               <a:t>Node  </a:t>
             </a:r>
             <a:endParaRPr lang="en-US">
               <a:latin typeface="FreeMono" panose="020F0409020205020404" charset="0"/>
               <a:ea typeface="FreeMono" panose="020F0409020205020404" charset="0"/>
+              <a:cs typeface="Noto Sans Mono CJK JP" panose="020B0500000000000000" charset="-122"/>
             </a:endParaRPr>
           </a:p>
           <a:p>
@@ -5573,12 +6358,14 @@
               <a:rPr lang="en-US">
                 <a:latin typeface="FreeMono" panose="020F0409020205020404" charset="0"/>
                 <a:ea typeface="FreeMono" panose="020F0409020205020404" charset="0"/>
+                <a:cs typeface="Noto Sans Mono CJK JP" panose="020B0500000000000000" charset="-122"/>
               </a:rPr>
               <a:t>{  </a:t>
             </a:r>
             <a:endParaRPr lang="en-US">
               <a:latin typeface="FreeMono" panose="020F0409020205020404" charset="0"/>
               <a:ea typeface="FreeMono" panose="020F0409020205020404" charset="0"/>
+              <a:cs typeface="Noto Sans Mono CJK JP" panose="020B0500000000000000" charset="-122"/>
             </a:endParaRPr>
           </a:p>
           <a:p>
@@ -5586,6 +6373,7 @@
               <a:rPr lang="en-US">
                 <a:latin typeface="FreeMono" panose="020F0409020205020404" charset="0"/>
                 <a:ea typeface="FreeMono" panose="020F0409020205020404" charset="0"/>
+                <a:cs typeface="Noto Sans Mono CJK JP" panose="020B0500000000000000" charset="-122"/>
               </a:rPr>
               <a:t>   </a:t>
             </a:r>
@@ -5593,6 +6381,7 @@
               <a:rPr lang="en-US">
                 <a:latin typeface="FreeMono" panose="020F0409020205020404" charset="0"/>
                 <a:ea typeface="FreeMono" panose="020F0409020205020404" charset="0"/>
+                <a:cs typeface="Noto Sans Mono CJK JP" panose="020B0500000000000000" charset="-122"/>
                 <a:sym typeface="+mn-ea"/>
               </a:rPr>
               <a:t>public</a:t>
@@ -5601,12 +6390,14 @@
               <a:rPr lang="en-US">
                 <a:latin typeface="FreeMono" panose="020F0409020205020404" charset="0"/>
                 <a:ea typeface="FreeMono" panose="020F0409020205020404" charset="0"/>
+                <a:cs typeface="Noto Sans Mono CJK JP" panose="020B0500000000000000" charset="-122"/>
               </a:rPr>
               <a:t> int data;  </a:t>
             </a:r>
             <a:endParaRPr lang="en-US">
               <a:latin typeface="FreeMono" panose="020F0409020205020404" charset="0"/>
               <a:ea typeface="FreeMono" panose="020F0409020205020404" charset="0"/>
+              <a:cs typeface="Noto Sans Mono CJK JP" panose="020B0500000000000000" charset="-122"/>
             </a:endParaRPr>
           </a:p>
           <a:p>
@@ -5614,6 +6405,7 @@
               <a:rPr lang="en-US">
                 <a:latin typeface="FreeMono" panose="020F0409020205020404" charset="0"/>
                 <a:ea typeface="FreeMono" panose="020F0409020205020404" charset="0"/>
+                <a:cs typeface="Noto Sans Mono CJK JP" panose="020B0500000000000000" charset="-122"/>
               </a:rPr>
               <a:t>   </a:t>
             </a:r>
@@ -5621,6 +6413,7 @@
               <a:rPr lang="en-US">
                 <a:latin typeface="FreeMono" panose="020F0409020205020404" charset="0"/>
                 <a:ea typeface="FreeMono" panose="020F0409020205020404" charset="0"/>
+                <a:cs typeface="Noto Sans Mono CJK JP" panose="020B0500000000000000" charset="-122"/>
                 <a:sym typeface="+mn-ea"/>
               </a:rPr>
               <a:t>public</a:t>
@@ -5629,12 +6422,14 @@
               <a:rPr lang="en-US">
                 <a:latin typeface="FreeMono" panose="020F0409020205020404" charset="0"/>
                 <a:ea typeface="FreeMono" panose="020F0409020205020404" charset="0"/>
+                <a:cs typeface="Noto Sans Mono CJK JP" panose="020B0500000000000000" charset="-122"/>
               </a:rPr>
               <a:t> Node *next;</a:t>
             </a:r>
             <a:endParaRPr lang="en-US">
               <a:latin typeface="FreeMono" panose="020F0409020205020404" charset="0"/>
               <a:ea typeface="FreeMono" panose="020F0409020205020404" charset="0"/>
+              <a:cs typeface="Noto Sans Mono CJK JP" panose="020B0500000000000000" charset="-122"/>
             </a:endParaRPr>
           </a:p>
           <a:p>
@@ -5642,57 +6437,56 @@
               <a:rPr lang="en-US">
                 <a:latin typeface="FreeMono" panose="020F0409020205020404" charset="0"/>
                 <a:ea typeface="FreeMono" panose="020F0409020205020404" charset="0"/>
+                <a:cs typeface="Noto Sans Mono CJK JP" panose="020B0500000000000000" charset="-122"/>
                 <a:sym typeface="+mn-ea"/>
               </a:rPr>
-              <a:t>   public</a:t>
+              <a:t>   public Node *</a:t>
+            </a:r>
+            <a:r>
+              <a:rPr lang="en-US" altLang="en-US">
+                <a:latin typeface="FreeMono" panose="020F0409020205020404" charset="0"/>
+                <a:ea typeface="FreeMono" panose="020F0409020205020404" charset="0"/>
+                <a:cs typeface="Noto Sans Mono CJK JP" panose="020B0500000000000000" charset="-122"/>
+                <a:sym typeface="+mn-ea"/>
+              </a:rPr>
+              <a:t>prev</a:t>
             </a:r>
             <a:r>
               <a:rPr lang="en-US">
                 <a:latin typeface="FreeMono" panose="020F0409020205020404" charset="0"/>
                 <a:ea typeface="FreeMono" panose="020F0409020205020404" charset="0"/>
+                <a:cs typeface="Noto Sans Mono CJK JP" panose="020B0500000000000000" charset="-122"/>
                 <a:sym typeface="+mn-ea"/>
               </a:rPr>
-              <a:t> Node *</a:t>
-            </a:r>
-            <a:r>
-              <a:rPr lang="" altLang="en-US">
-                <a:latin typeface="FreeMono" panose="020F0409020205020404" charset="0"/>
-                <a:ea typeface="FreeMono" panose="020F0409020205020404" charset="0"/>
-                <a:sym typeface="+mn-ea"/>
-              </a:rPr>
-              <a:t>prev</a:t>
+              <a:t>;</a:t>
             </a:r>
             <a:r>
               <a:rPr lang="en-US">
                 <a:latin typeface="FreeMono" panose="020F0409020205020404" charset="0"/>
                 <a:ea typeface="FreeMono" panose="020F0409020205020404" charset="0"/>
-                <a:sym typeface="+mn-ea"/>
-              </a:rPr>
-              <a:t>;</a:t>
-            </a:r>
+                <a:cs typeface="Noto Sans Mono CJK JP" panose="020B0500000000000000" charset="-122"/>
+              </a:rPr>
+              <a:t>  </a:t>
+            </a:r>
+            <a:endParaRPr lang="en-US">
+              <a:latin typeface="FreeMono" panose="020F0409020205020404" charset="0"/>
+              <a:ea typeface="FreeMono" panose="020F0409020205020404" charset="0"/>
+              <a:cs typeface="Noto Sans Mono CJK JP" panose="020B0500000000000000" charset="-122"/>
+            </a:endParaRPr>
+          </a:p>
+          <a:p>
             <a:r>
               <a:rPr lang="en-US">
                 <a:latin typeface="FreeMono" panose="020F0409020205020404" charset="0"/>
                 <a:ea typeface="FreeMono" panose="020F0409020205020404" charset="0"/>
-              </a:rPr>
-              <a:t>  </a:t>
+                <a:cs typeface="Noto Sans Mono CJK JP" panose="020B0500000000000000" charset="-122"/>
+              </a:rPr>
+              <a:t>};  </a:t>
             </a:r>
             <a:endParaRPr lang="en-US">
               <a:latin typeface="FreeMono" panose="020F0409020205020404" charset="0"/>
               <a:ea typeface="FreeMono" panose="020F0409020205020404" charset="0"/>
-            </a:endParaRPr>
-          </a:p>
-          <a:p>
-            <a:r>
-              <a:rPr lang="en-US">
-                <a:latin typeface="FreeMono" panose="020F0409020205020404" charset="0"/>
-                <a:ea typeface="FreeMono" panose="020F0409020205020404" charset="0"/>
-              </a:rPr>
-              <a:t>};  </a:t>
-            </a:r>
-            <a:endParaRPr lang="en-US">
-              <a:latin typeface="FreeMono" panose="020F0409020205020404" charset="0"/>
-              <a:ea typeface="FreeMono" panose="020F0409020205020404" charset="0"/>
+              <a:cs typeface="Noto Sans Mono CJK JP" panose="020B0500000000000000" charset="-122"/>
             </a:endParaRPr>
           </a:p>
         </p:txBody>
@@ -5730,7 +6524,7 @@
 </p:sld>
 </file>
 
-<file path=ppt/slides/slide7.xml><?xml version="1.0" encoding="utf-8"?>
+<file path=ppt/slides/slide8.xml><?xml version="1.0" encoding="utf-8"?>
 <p:sld xmlns:a="http://schemas.openxmlformats.org/drawingml/2006/main" xmlns:r="http://schemas.openxmlformats.org/officeDocument/2006/relationships" xmlns:p="http://schemas.openxmlformats.org/presentationml/2006/main">
   <p:cSld>
     <p:spTree>
@@ -5752,26 +6546,19 @@
         </p:nvSpPr>
         <p:spPr>
           <a:xfrm>
-            <a:off x="685800" y="306705"/>
-            <a:ext cx="7772400" cy="1143000"/>
+            <a:off x="388620" y="129540"/>
+            <a:ext cx="7772400" cy="858520"/>
           </a:xfrm>
         </p:spPr>
         <p:txBody>
           <a:bodyPr/>
           <a:p>
-            <a:r>
-              <a:rPr lang="" altLang="en-US" sz="2800">
-                <a:latin typeface="Noto Serif CJK JP" panose="02020400000000000000" charset="-122"/>
-                <a:ea typeface="Noto Serif CJK JP" panose="02020400000000000000" charset="-122"/>
-              </a:rPr>
-              <a:t>Circular </a:t>
-            </a:r>
             <a:r>
               <a:rPr lang="en-US" altLang="en-US" sz="2800">
                 <a:latin typeface="Noto Serif CJK JP" panose="02020400000000000000" charset="-122"/>
                 <a:ea typeface="Noto Serif CJK JP" panose="02020400000000000000" charset="-122"/>
               </a:rPr>
-              <a:t>Linked List </a:t>
+              <a:t>Circular Linked List </a:t>
             </a:r>
             <a:endParaRPr lang="en-US" altLang="en-US" sz="2800">
               <a:latin typeface="Noto Serif CJK JP" panose="02020400000000000000" charset="-122"/>
@@ -5879,18 +6666,11 @@
           <a:p>
             <a:pPr lvl="1"/>
             <a:r>
-              <a:rPr lang="" altLang="en-US" sz="2100">
-                <a:latin typeface="Noto Serif CJK JP" panose="02020400000000000000" charset="-122"/>
-                <a:ea typeface="Noto Serif CJK JP" panose="02020400000000000000" charset="-122"/>
-              </a:rPr>
-              <a:t>T</a:t>
-            </a:r>
-            <a:r>
               <a:rPr lang="en-US" altLang="en-US" sz="2100">
                 <a:latin typeface="Noto Serif CJK JP" panose="02020400000000000000" charset="-122"/>
                 <a:ea typeface="Noto Serif CJK JP" panose="02020400000000000000" charset="-122"/>
               </a:rPr>
-              <a:t>wo consecutive elements are linked or connected by previous and next pointer </a:t>
+              <a:t>Two consecutive elements are linked or connected by previous and next pointer </a:t>
             </a:r>
             <a:endParaRPr lang="en-US" altLang="en-US" sz="2100">
               <a:latin typeface="Noto Serif CJK JP" panose="02020400000000000000" charset="-122"/>
@@ -5900,18 +6680,11 @@
           <a:p>
             <a:pPr lvl="1"/>
             <a:r>
-              <a:rPr lang="" altLang="en-US" sz="2100">
-                <a:latin typeface="Noto Serif CJK JP" panose="02020400000000000000" charset="-122"/>
-                <a:ea typeface="Noto Serif CJK JP" panose="02020400000000000000" charset="-122"/>
-              </a:rPr>
-              <a:t>L</a:t>
-            </a:r>
-            <a:r>
               <a:rPr lang="en-US" altLang="en-US" sz="2100">
                 <a:latin typeface="Noto Serif CJK JP" panose="02020400000000000000" charset="-122"/>
                 <a:ea typeface="Noto Serif CJK JP" panose="02020400000000000000" charset="-122"/>
               </a:rPr>
-              <a:t>ast node points to first node by next pointer </a:t>
+              <a:t>Last node points to first node by next pointer </a:t>
             </a:r>
             <a:endParaRPr lang="en-US" altLang="en-US" sz="2100">
               <a:latin typeface="Noto Serif CJK JP" panose="02020400000000000000" charset="-122"/>
@@ -5921,18 +6694,11 @@
           <a:p>
             <a:pPr lvl="1"/>
             <a:r>
-              <a:rPr lang="" altLang="en-US" sz="2100">
-                <a:latin typeface="Noto Serif CJK JP" panose="02020400000000000000" charset="-122"/>
-                <a:ea typeface="Noto Serif CJK JP" panose="02020400000000000000" charset="-122"/>
-              </a:rPr>
-              <a:t>F</a:t>
-            </a:r>
-            <a:r>
               <a:rPr lang="en-US" altLang="en-US" sz="2100">
                 <a:latin typeface="Noto Serif CJK JP" panose="02020400000000000000" charset="-122"/>
                 <a:ea typeface="Noto Serif CJK JP" panose="02020400000000000000" charset="-122"/>
               </a:rPr>
-              <a:t>irst node points to last node by previous pointer</a:t>
+              <a:t>First node points to last node by previous pointer</a:t>
             </a:r>
             <a:endParaRPr lang="en-US" altLang="en-US" sz="2450">
               <a:latin typeface="Noto Serif CJK JP" panose="02020400000000000000" charset="-122"/>
@@ -5970,7 +6736,7 @@
         </p:nvSpPr>
         <p:spPr>
           <a:xfrm>
-            <a:off x="5817870" y="1156335"/>
+            <a:off x="5584825" y="859155"/>
             <a:ext cx="3175635" cy="1753235"/>
           </a:xfrm>
           <a:prstGeom prst="rect">
@@ -5995,6 +6761,7 @@
               <a:rPr lang="en-US">
                 <a:latin typeface="FreeMono" panose="020F0409020205020404" charset="0"/>
                 <a:ea typeface="FreeMono" panose="020F0409020205020404" charset="0"/>
+                <a:cs typeface="Noto Sans Mono CJK JP" panose="020B0500000000000000" charset="-122"/>
               </a:rPr>
               <a:t>class </a:t>
             </a:r>
@@ -6007,12 +6774,14 @@
                 </a:ln>
                 <a:latin typeface="FreeMono" panose="020F0409020205020404" charset="0"/>
                 <a:ea typeface="FreeMono" panose="020F0409020205020404" charset="0"/>
+                <a:cs typeface="Noto Sans Mono CJK JP" panose="020B0500000000000000" charset="-122"/>
               </a:rPr>
               <a:t>Node  </a:t>
             </a:r>
             <a:endParaRPr lang="en-US">
               <a:latin typeface="FreeMono" panose="020F0409020205020404" charset="0"/>
               <a:ea typeface="FreeMono" panose="020F0409020205020404" charset="0"/>
+              <a:cs typeface="Noto Sans Mono CJK JP" panose="020B0500000000000000" charset="-122"/>
             </a:endParaRPr>
           </a:p>
           <a:p>
@@ -6020,12 +6789,14 @@
               <a:rPr lang="en-US">
                 <a:latin typeface="FreeMono" panose="020F0409020205020404" charset="0"/>
                 <a:ea typeface="FreeMono" panose="020F0409020205020404" charset="0"/>
+                <a:cs typeface="Noto Sans Mono CJK JP" panose="020B0500000000000000" charset="-122"/>
               </a:rPr>
               <a:t>{  </a:t>
             </a:r>
             <a:endParaRPr lang="en-US">
               <a:latin typeface="FreeMono" panose="020F0409020205020404" charset="0"/>
               <a:ea typeface="FreeMono" panose="020F0409020205020404" charset="0"/>
+              <a:cs typeface="Noto Sans Mono CJK JP" panose="020B0500000000000000" charset="-122"/>
             </a:endParaRPr>
           </a:p>
           <a:p>
@@ -6033,6 +6804,7 @@
               <a:rPr lang="en-US">
                 <a:latin typeface="FreeMono" panose="020F0409020205020404" charset="0"/>
                 <a:ea typeface="FreeMono" panose="020F0409020205020404" charset="0"/>
+                <a:cs typeface="Noto Sans Mono CJK JP" panose="020B0500000000000000" charset="-122"/>
               </a:rPr>
               <a:t>   </a:t>
             </a:r>
@@ -6040,6 +6812,7 @@
               <a:rPr lang="en-US">
                 <a:latin typeface="FreeMono" panose="020F0409020205020404" charset="0"/>
                 <a:ea typeface="FreeMono" panose="020F0409020205020404" charset="0"/>
+                <a:cs typeface="Noto Sans Mono CJK JP" panose="020B0500000000000000" charset="-122"/>
                 <a:sym typeface="+mn-ea"/>
               </a:rPr>
               <a:t>public</a:t>
@@ -6048,12 +6821,14 @@
               <a:rPr lang="en-US">
                 <a:latin typeface="FreeMono" panose="020F0409020205020404" charset="0"/>
                 <a:ea typeface="FreeMono" panose="020F0409020205020404" charset="0"/>
+                <a:cs typeface="Noto Sans Mono CJK JP" panose="020B0500000000000000" charset="-122"/>
               </a:rPr>
               <a:t> int data;  </a:t>
             </a:r>
             <a:endParaRPr lang="en-US">
               <a:latin typeface="FreeMono" panose="020F0409020205020404" charset="0"/>
               <a:ea typeface="FreeMono" panose="020F0409020205020404" charset="0"/>
+              <a:cs typeface="Noto Sans Mono CJK JP" panose="020B0500000000000000" charset="-122"/>
             </a:endParaRPr>
           </a:p>
           <a:p>
@@ -6061,6 +6836,7 @@
               <a:rPr lang="en-US">
                 <a:latin typeface="FreeMono" panose="020F0409020205020404" charset="0"/>
                 <a:ea typeface="FreeMono" panose="020F0409020205020404" charset="0"/>
+                <a:cs typeface="Noto Sans Mono CJK JP" panose="020B0500000000000000" charset="-122"/>
               </a:rPr>
               <a:t>   </a:t>
             </a:r>
@@ -6068,6 +6844,7 @@
               <a:rPr lang="en-US">
                 <a:latin typeface="FreeMono" panose="020F0409020205020404" charset="0"/>
                 <a:ea typeface="FreeMono" panose="020F0409020205020404" charset="0"/>
+                <a:cs typeface="Noto Sans Mono CJK JP" panose="020B0500000000000000" charset="-122"/>
                 <a:sym typeface="+mn-ea"/>
               </a:rPr>
               <a:t>public</a:t>
@@ -6076,12 +6853,14 @@
               <a:rPr lang="en-US">
                 <a:latin typeface="FreeMono" panose="020F0409020205020404" charset="0"/>
                 <a:ea typeface="FreeMono" panose="020F0409020205020404" charset="0"/>
+                <a:cs typeface="Noto Sans Mono CJK JP" panose="020B0500000000000000" charset="-122"/>
               </a:rPr>
               <a:t> Node *next;</a:t>
             </a:r>
             <a:endParaRPr lang="en-US">
               <a:latin typeface="FreeMono" panose="020F0409020205020404" charset="0"/>
               <a:ea typeface="FreeMono" panose="020F0409020205020404" charset="0"/>
+              <a:cs typeface="Noto Sans Mono CJK JP" panose="020B0500000000000000" charset="-122"/>
             </a:endParaRPr>
           </a:p>
           <a:p>
@@ -6089,6 +6868,7 @@
               <a:rPr lang="en-US">
                 <a:latin typeface="FreeMono" panose="020F0409020205020404" charset="0"/>
                 <a:ea typeface="FreeMono" panose="020F0409020205020404" charset="0"/>
+                <a:cs typeface="Noto Sans Mono CJK JP" panose="020B0500000000000000" charset="-122"/>
                 <a:sym typeface="+mn-ea"/>
               </a:rPr>
               <a:t>   public Node *</a:t>
@@ -6097,6 +6877,7 @@
               <a:rPr lang="en-US" altLang="en-US">
                 <a:latin typeface="FreeMono" panose="020F0409020205020404" charset="0"/>
                 <a:ea typeface="FreeMono" panose="020F0409020205020404" charset="0"/>
+                <a:cs typeface="Noto Sans Mono CJK JP" panose="020B0500000000000000" charset="-122"/>
                 <a:sym typeface="+mn-ea"/>
               </a:rPr>
               <a:t>prev</a:t>
@@ -6105,6 +6886,7 @@
               <a:rPr lang="en-US">
                 <a:latin typeface="FreeMono" panose="020F0409020205020404" charset="0"/>
                 <a:ea typeface="FreeMono" panose="020F0409020205020404" charset="0"/>
+                <a:cs typeface="Noto Sans Mono CJK JP" panose="020B0500000000000000" charset="-122"/>
                 <a:sym typeface="+mn-ea"/>
               </a:rPr>
               <a:t>;</a:t>
@@ -6113,12 +6895,14 @@
               <a:rPr lang="en-US">
                 <a:latin typeface="FreeMono" panose="020F0409020205020404" charset="0"/>
                 <a:ea typeface="FreeMono" panose="020F0409020205020404" charset="0"/>
+                <a:cs typeface="Noto Sans Mono CJK JP" panose="020B0500000000000000" charset="-122"/>
               </a:rPr>
               <a:t>  </a:t>
             </a:r>
             <a:endParaRPr lang="en-US">
               <a:latin typeface="FreeMono" panose="020F0409020205020404" charset="0"/>
               <a:ea typeface="FreeMono" panose="020F0409020205020404" charset="0"/>
+              <a:cs typeface="Noto Sans Mono CJK JP" panose="020B0500000000000000" charset="-122"/>
             </a:endParaRPr>
           </a:p>
           <a:p>
@@ -6126,12 +6910,14 @@
               <a:rPr lang="en-US">
                 <a:latin typeface="FreeMono" panose="020F0409020205020404" charset="0"/>
                 <a:ea typeface="FreeMono" panose="020F0409020205020404" charset="0"/>
+                <a:cs typeface="Noto Sans Mono CJK JP" panose="020B0500000000000000" charset="-122"/>
               </a:rPr>
               <a:t>};  </a:t>
             </a:r>
             <a:endParaRPr lang="en-US">
               <a:latin typeface="FreeMono" panose="020F0409020205020404" charset="0"/>
               <a:ea typeface="FreeMono" panose="020F0409020205020404" charset="0"/>
+              <a:cs typeface="Noto Sans Mono CJK JP" panose="020B0500000000000000" charset="-122"/>
             </a:endParaRPr>
           </a:p>
         </p:txBody>
@@ -6169,7 +6955,7 @@
 </p:sld>
 </file>
 
-<file path=ppt/slides/slide8.xml><?xml version="1.0" encoding="utf-8"?>
+<file path=ppt/slides/slide9.xml><?xml version="1.0" encoding="utf-8"?>
 <p:sld xmlns:a="http://schemas.openxmlformats.org/drawingml/2006/main" xmlns:r="http://schemas.openxmlformats.org/officeDocument/2006/relationships" xmlns:p="http://schemas.openxmlformats.org/presentationml/2006/main">
   <p:cSld>
     <p:spTree>
@@ -6725,4 +7511,522 @@
     </a:ext>
   </a:extLst>
 </a:theme>
+</file>
+
+<file path=ppt/theme/theme2.xml><?xml version="1.0" encoding="utf-8"?>
+<a:theme xmlns:a="http://schemas.openxmlformats.org/drawingml/2006/main" name="Office Theme">
+  <a:themeElements>
+    <a:clrScheme name="Office">
+      <a:dk1>
+        <a:sysClr val="windowText" lastClr="000000"/>
+      </a:dk1>
+      <a:lt1>
+        <a:sysClr val="window" lastClr="FFFFFF"/>
+      </a:lt1>
+      <a:dk2>
+        <a:srgbClr val="44546A"/>
+      </a:dk2>
+      <a:lt2>
+        <a:srgbClr val="E7E6E6"/>
+      </a:lt2>
+      <a:accent1>
+        <a:srgbClr val="5B9BD5"/>
+      </a:accent1>
+      <a:accent2>
+        <a:srgbClr val="ED7D31"/>
+      </a:accent2>
+      <a:accent3>
+        <a:srgbClr val="A5A5A5"/>
+      </a:accent3>
+      <a:accent4>
+        <a:srgbClr val="FFC000"/>
+      </a:accent4>
+      <a:accent5>
+        <a:srgbClr val="4472C4"/>
+      </a:accent5>
+      <a:accent6>
+        <a:srgbClr val="70AD47"/>
+      </a:accent6>
+      <a:hlink>
+        <a:srgbClr val="0563C1"/>
+      </a:hlink>
+      <a:folHlink>
+        <a:srgbClr val="954F72"/>
+      </a:folHlink>
+    </a:clrScheme>
+    <a:fontScheme name="Office">
+      <a:majorFont>
+        <a:latin typeface="Calibri Light"/>
+        <a:ea typeface=""/>
+        <a:cs typeface=""/>
+        <a:font script="Jpan" typeface="ＭＳ Ｐゴシック"/>
+        <a:font script="Hang" typeface="맑은 고딕"/>
+        <a:font script="Hans" typeface="宋体"/>
+        <a:font script="Hant" typeface="新細明體"/>
+        <a:font script="Arab" typeface="Times New Roman"/>
+        <a:font script="Hebr" typeface="Times New Roman"/>
+        <a:font script="Thai" typeface="Angsana New"/>
+        <a:font script="Ethi" typeface="Nyala"/>
+        <a:font script="Beng" typeface="Vrinda"/>
+        <a:font script="Gujr" typeface="Shruti"/>
+        <a:font script="Khmr" typeface="MoolBoran"/>
+        <a:font script="Knda" typeface="Tunga"/>
+        <a:font script="Guru" typeface="Raavi"/>
+        <a:font script="Cans" typeface="Euphemia"/>
+        <a:font script="Cher" typeface="Plantagenet Cherokee"/>
+        <a:font script="Yiii" typeface="Microsoft Yi Baiti"/>
+        <a:font script="Tibt" typeface="Microsoft Himalaya"/>
+        <a:font script="Thaa" typeface="MV Boli"/>
+        <a:font script="Deva" typeface="Mangal"/>
+        <a:font script="Telu" typeface="Gautami"/>
+        <a:font script="Taml" typeface="Latha"/>
+        <a:font script="Syrc" typeface="Estrangelo Edessa"/>
+        <a:font script="Orya" typeface="Kalinga"/>
+        <a:font script="Mlym" typeface="Kartika"/>
+        <a:font script="Laoo" typeface="DokChampa"/>
+        <a:font script="Sinh" typeface="Iskoola Pota"/>
+        <a:font script="Mong" typeface="Mongolian Baiti"/>
+        <a:font script="Viet" typeface="Times New Roman"/>
+        <a:font script="Uigh" typeface="Microsoft Uighur"/>
+        <a:font script="Geor" typeface="Sylfaen"/>
+      </a:majorFont>
+      <a:minorFont>
+        <a:latin typeface="Calibri"/>
+        <a:ea typeface=""/>
+        <a:cs typeface=""/>
+        <a:font script="Jpan" typeface="ＭＳ Ｐゴシック"/>
+        <a:font script="Hang" typeface="맑은 고딕"/>
+        <a:font script="Hans" typeface="宋体"/>
+        <a:font script="Hant" typeface="新細明體"/>
+        <a:font script="Arab" typeface="Arial"/>
+        <a:font script="Hebr" typeface="Arial"/>
+        <a:font script="Thai" typeface="Cordia New"/>
+        <a:font script="Ethi" typeface="Nyala"/>
+        <a:font script="Beng" typeface="Vrinda"/>
+        <a:font script="Gujr" typeface="Shruti"/>
+        <a:font script="Khmr" typeface="DaunPenh"/>
+        <a:font script="Knda" typeface="Tunga"/>
+        <a:font script="Guru" typeface="Raavi"/>
+        <a:font script="Cans" typeface="Euphemia"/>
+        <a:font script="Cher" typeface="Plantagenet Cherokee"/>
+        <a:font script="Yiii" typeface="Microsoft Yi Baiti"/>
+        <a:font script="Tibt" typeface="Microsoft Himalaya"/>
+        <a:font script="Thaa" typeface="MV Boli"/>
+        <a:font script="Deva" typeface="Mangal"/>
+        <a:font script="Telu" typeface="Gautami"/>
+        <a:font script="Taml" typeface="Latha"/>
+        <a:font script="Syrc" typeface="Estrangelo Edessa"/>
+        <a:font script="Orya" typeface="Kalinga"/>
+        <a:font script="Mlym" typeface="Kartika"/>
+        <a:font script="Laoo" typeface="DokChampa"/>
+        <a:font script="Sinh" typeface="Iskoola Pota"/>
+        <a:font script="Mong" typeface="Mongolian Baiti"/>
+        <a:font script="Viet" typeface="Arial"/>
+        <a:font script="Uigh" typeface="Microsoft Uighur"/>
+        <a:font script="Geor" typeface="Sylfaen"/>
+      </a:minorFont>
+    </a:fontScheme>
+    <a:fmtScheme name="Office">
+      <a:fillStyleLst>
+        <a:solidFill>
+          <a:schemeClr val="phClr"/>
+        </a:solidFill>
+        <a:gradFill rotWithShape="1">
+          <a:gsLst>
+            <a:gs pos="0">
+              <a:schemeClr val="phClr">
+                <a:lumMod val="110000"/>
+                <a:satMod val="105000"/>
+                <a:tint val="67000"/>
+              </a:schemeClr>
+            </a:gs>
+            <a:gs pos="50000">
+              <a:schemeClr val="phClr">
+                <a:lumMod val="105000"/>
+                <a:satMod val="103000"/>
+                <a:tint val="73000"/>
+              </a:schemeClr>
+            </a:gs>
+            <a:gs pos="100000">
+              <a:schemeClr val="phClr">
+                <a:lumMod val="105000"/>
+                <a:satMod val="109000"/>
+                <a:tint val="81000"/>
+              </a:schemeClr>
+            </a:gs>
+          </a:gsLst>
+          <a:lin ang="5400000" scaled="0"/>
+        </a:gradFill>
+        <a:gradFill rotWithShape="1">
+          <a:gsLst>
+            <a:gs pos="0">
+              <a:schemeClr val="phClr">
+                <a:satMod val="103000"/>
+                <a:lumMod val="102000"/>
+                <a:tint val="94000"/>
+              </a:schemeClr>
+            </a:gs>
+            <a:gs pos="50000">
+              <a:schemeClr val="phClr">
+                <a:satMod val="110000"/>
+                <a:lumMod val="100000"/>
+                <a:shade val="100000"/>
+              </a:schemeClr>
+            </a:gs>
+            <a:gs pos="100000">
+              <a:schemeClr val="phClr">
+                <a:lumMod val="99000"/>
+                <a:satMod val="120000"/>
+                <a:shade val="78000"/>
+              </a:schemeClr>
+            </a:gs>
+          </a:gsLst>
+          <a:lin ang="5400000" scaled="0"/>
+        </a:gradFill>
+      </a:fillStyleLst>
+      <a:lnStyleLst>
+        <a:ln w="6350" cap="flat" cmpd="sng" algn="ctr">
+          <a:solidFill>
+            <a:schemeClr val="phClr"/>
+          </a:solidFill>
+          <a:prstDash val="solid"/>
+          <a:miter lim="800000"/>
+        </a:ln>
+        <a:ln w="12700" cap="flat" cmpd="sng" algn="ctr">
+          <a:solidFill>
+            <a:schemeClr val="phClr"/>
+          </a:solidFill>
+          <a:prstDash val="solid"/>
+          <a:miter lim="800000"/>
+        </a:ln>
+        <a:ln w="19050" cap="flat" cmpd="sng" algn="ctr">
+          <a:solidFill>
+            <a:schemeClr val="phClr"/>
+          </a:solidFill>
+          <a:prstDash val="solid"/>
+          <a:miter lim="800000"/>
+        </a:ln>
+      </a:lnStyleLst>
+      <a:effectStyleLst>
+        <a:effectStyle>
+          <a:effectLst/>
+        </a:effectStyle>
+        <a:effectStyle>
+          <a:effectLst/>
+        </a:effectStyle>
+        <a:effectStyle>
+          <a:effectLst>
+            <a:outerShdw blurRad="57150" dist="19050" dir="5400000" algn="ctr" rotWithShape="0">
+              <a:srgbClr val="000000">
+                <a:alpha val="63000"/>
+              </a:srgbClr>
+            </a:outerShdw>
+          </a:effectLst>
+        </a:effectStyle>
+      </a:effectStyleLst>
+      <a:bgFillStyleLst>
+        <a:solidFill>
+          <a:schemeClr val="phClr"/>
+        </a:solidFill>
+        <a:solidFill>
+          <a:schemeClr val="phClr">
+            <a:tint val="95000"/>
+            <a:satMod val="170000"/>
+          </a:schemeClr>
+        </a:solidFill>
+        <a:gradFill rotWithShape="1">
+          <a:gsLst>
+            <a:gs pos="0">
+              <a:schemeClr val="phClr">
+                <a:tint val="93000"/>
+                <a:satMod val="150000"/>
+                <a:shade val="98000"/>
+                <a:lumMod val="102000"/>
+              </a:schemeClr>
+            </a:gs>
+            <a:gs pos="50000">
+              <a:schemeClr val="phClr">
+                <a:tint val="98000"/>
+                <a:satMod val="130000"/>
+                <a:shade val="90000"/>
+                <a:lumMod val="103000"/>
+              </a:schemeClr>
+            </a:gs>
+            <a:gs pos="100000">
+              <a:schemeClr val="phClr">
+                <a:shade val="63000"/>
+                <a:satMod val="120000"/>
+              </a:schemeClr>
+            </a:gs>
+          </a:gsLst>
+          <a:lin ang="5400000" scaled="0"/>
+        </a:gradFill>
+      </a:bgFillStyleLst>
+    </a:fmtScheme>
+  </a:themeElements>
+  <a:extLst>
+    <a:ext uri="{05A4C25C-085E-4340-85A3-A5531E510DB2}">
+      <thm15:themeFamily xmlns:thm15="http://schemas.microsoft.com/office/thememl/2012/main" name="Office Theme" id="{62F939B6-93AF-4DB8-9C6B-D6C7DFDC589F}" vid="{4A3C46E8-61CC-4603-A589-7422A47A8E4A}"/>
+    </a:ext>
+  </a:extLst>
+</a:theme>
+</file>
+
+<file path=ppt/theme/theme3.xml><?xml version="1.0" encoding="utf-8"?>
+<a:theme xmlns:a="http://schemas.openxmlformats.org/drawingml/2006/main" name="Office Theme">
+  <a:themeElements>
+    <a:clrScheme name="Office">
+      <a:dk1>
+        <a:sysClr val="windowText" lastClr="000000"/>
+      </a:dk1>
+      <a:lt1>
+        <a:sysClr val="window" lastClr="FFFFFF"/>
+      </a:lt1>
+      <a:dk2>
+        <a:srgbClr val="44546A"/>
+      </a:dk2>
+      <a:lt2>
+        <a:srgbClr val="E7E6E6"/>
+      </a:lt2>
+      <a:accent1>
+        <a:srgbClr val="5B9BD5"/>
+      </a:accent1>
+      <a:accent2>
+        <a:srgbClr val="ED7D31"/>
+      </a:accent2>
+      <a:accent3>
+        <a:srgbClr val="A5A5A5"/>
+      </a:accent3>
+      <a:accent4>
+        <a:srgbClr val="FFC000"/>
+      </a:accent4>
+      <a:accent5>
+        <a:srgbClr val="4472C4"/>
+      </a:accent5>
+      <a:accent6>
+        <a:srgbClr val="70AD47"/>
+      </a:accent6>
+      <a:hlink>
+        <a:srgbClr val="0563C1"/>
+      </a:hlink>
+      <a:folHlink>
+        <a:srgbClr val="954F72"/>
+      </a:folHlink>
+    </a:clrScheme>
+    <a:fontScheme name="Office">
+      <a:majorFont>
+        <a:latin typeface="Calibri Light"/>
+        <a:ea typeface=""/>
+        <a:cs typeface=""/>
+        <a:font script="Jpan" typeface="ＭＳ Ｐゴシック"/>
+        <a:font script="Hang" typeface="맑은 고딕"/>
+        <a:font script="Hans" typeface="宋体"/>
+        <a:font script="Hant" typeface="新細明體"/>
+        <a:font script="Arab" typeface="Times New Roman"/>
+        <a:font script="Hebr" typeface="Times New Roman"/>
+        <a:font script="Thai" typeface="Angsana New"/>
+        <a:font script="Ethi" typeface="Nyala"/>
+        <a:font script="Beng" typeface="Vrinda"/>
+        <a:font script="Gujr" typeface="Shruti"/>
+        <a:font script="Khmr" typeface="MoolBoran"/>
+        <a:font script="Knda" typeface="Tunga"/>
+        <a:font script="Guru" typeface="Raavi"/>
+        <a:font script="Cans" typeface="Euphemia"/>
+        <a:font script="Cher" typeface="Plantagenet Cherokee"/>
+        <a:font script="Yiii" typeface="Microsoft Yi Baiti"/>
+        <a:font script="Tibt" typeface="Microsoft Himalaya"/>
+        <a:font script="Thaa" typeface="MV Boli"/>
+        <a:font script="Deva" typeface="Mangal"/>
+        <a:font script="Telu" typeface="Gautami"/>
+        <a:font script="Taml" typeface="Latha"/>
+        <a:font script="Syrc" typeface="Estrangelo Edessa"/>
+        <a:font script="Orya" typeface="Kalinga"/>
+        <a:font script="Mlym" typeface="Kartika"/>
+        <a:font script="Laoo" typeface="DokChampa"/>
+        <a:font script="Sinh" typeface="Iskoola Pota"/>
+        <a:font script="Mong" typeface="Mongolian Baiti"/>
+        <a:font script="Viet" typeface="Times New Roman"/>
+        <a:font script="Uigh" typeface="Microsoft Uighur"/>
+        <a:font script="Geor" typeface="Sylfaen"/>
+      </a:majorFont>
+      <a:minorFont>
+        <a:latin typeface="Calibri"/>
+        <a:ea typeface=""/>
+        <a:cs typeface=""/>
+        <a:font script="Jpan" typeface="ＭＳ Ｐゴシック"/>
+        <a:font script="Hang" typeface="맑은 고딕"/>
+        <a:font script="Hans" typeface="宋体"/>
+        <a:font script="Hant" typeface="新細明體"/>
+        <a:font script="Arab" typeface="Arial"/>
+        <a:font script="Hebr" typeface="Arial"/>
+        <a:font script="Thai" typeface="Cordia New"/>
+        <a:font script="Ethi" typeface="Nyala"/>
+        <a:font script="Beng" typeface="Vrinda"/>
+        <a:font script="Gujr" typeface="Shruti"/>
+        <a:font script="Khmr" typeface="DaunPenh"/>
+        <a:font script="Knda" typeface="Tunga"/>
+        <a:font script="Guru" typeface="Raavi"/>
+        <a:font script="Cans" typeface="Euphemia"/>
+        <a:font script="Cher" typeface="Plantagenet Cherokee"/>
+        <a:font script="Yiii" typeface="Microsoft Yi Baiti"/>
+        <a:font script="Tibt" typeface="Microsoft Himalaya"/>
+        <a:font script="Thaa" typeface="MV Boli"/>
+        <a:font script="Deva" typeface="Mangal"/>
+        <a:font script="Telu" typeface="Gautami"/>
+        <a:font script="Taml" typeface="Latha"/>
+        <a:font script="Syrc" typeface="Estrangelo Edessa"/>
+        <a:font script="Orya" typeface="Kalinga"/>
+        <a:font script="Mlym" typeface="Kartika"/>
+        <a:font script="Laoo" typeface="DokChampa"/>
+        <a:font script="Sinh" typeface="Iskoola Pota"/>
+        <a:font script="Mong" typeface="Mongolian Baiti"/>
+        <a:font script="Viet" typeface="Arial"/>
+        <a:font script="Uigh" typeface="Microsoft Uighur"/>
+        <a:font script="Geor" typeface="Sylfaen"/>
+      </a:minorFont>
+    </a:fontScheme>
+    <a:fmtScheme name="Office">
+      <a:fillStyleLst>
+        <a:solidFill>
+          <a:schemeClr val="phClr"/>
+        </a:solidFill>
+        <a:gradFill rotWithShape="1">
+          <a:gsLst>
+            <a:gs pos="0">
+              <a:schemeClr val="phClr">
+                <a:lumMod val="110000"/>
+                <a:satMod val="105000"/>
+                <a:tint val="67000"/>
+              </a:schemeClr>
+            </a:gs>
+            <a:gs pos="50000">
+              <a:schemeClr val="phClr">
+                <a:lumMod val="105000"/>
+                <a:satMod val="103000"/>
+                <a:tint val="73000"/>
+              </a:schemeClr>
+            </a:gs>
+            <a:gs pos="100000">
+              <a:schemeClr val="phClr">
+                <a:lumMod val="105000"/>
+                <a:satMod val="109000"/>
+                <a:tint val="81000"/>
+              </a:schemeClr>
+            </a:gs>
+          </a:gsLst>
+          <a:lin ang="5400000" scaled="0"/>
+        </a:gradFill>
+        <a:gradFill rotWithShape="1">
+          <a:gsLst>
+            <a:gs pos="0">
+              <a:schemeClr val="phClr">
+                <a:satMod val="103000"/>
+                <a:lumMod val="102000"/>
+                <a:tint val="94000"/>
+              </a:schemeClr>
+            </a:gs>
+            <a:gs pos="50000">
+              <a:schemeClr val="phClr">
+                <a:satMod val="110000"/>
+                <a:lumMod val="100000"/>
+                <a:shade val="100000"/>
+              </a:schemeClr>
+            </a:gs>
+            <a:gs pos="100000">
+              <a:schemeClr val="phClr">
+                <a:lumMod val="99000"/>
+                <a:satMod val="120000"/>
+                <a:shade val="78000"/>
+              </a:schemeClr>
+            </a:gs>
+          </a:gsLst>
+          <a:lin ang="5400000" scaled="0"/>
+        </a:gradFill>
+      </a:fillStyleLst>
+      <a:lnStyleLst>
+        <a:ln w="6350" cap="flat" cmpd="sng" algn="ctr">
+          <a:solidFill>
+            <a:schemeClr val="phClr"/>
+          </a:solidFill>
+          <a:prstDash val="solid"/>
+          <a:miter lim="800000"/>
+        </a:ln>
+        <a:ln w="12700" cap="flat" cmpd="sng" algn="ctr">
+          <a:solidFill>
+            <a:schemeClr val="phClr"/>
+          </a:solidFill>
+          <a:prstDash val="solid"/>
+          <a:miter lim="800000"/>
+        </a:ln>
+        <a:ln w="19050" cap="flat" cmpd="sng" algn="ctr">
+          <a:solidFill>
+            <a:schemeClr val="phClr"/>
+          </a:solidFill>
+          <a:prstDash val="solid"/>
+          <a:miter lim="800000"/>
+        </a:ln>
+      </a:lnStyleLst>
+      <a:effectStyleLst>
+        <a:effectStyle>
+          <a:effectLst/>
+        </a:effectStyle>
+        <a:effectStyle>
+          <a:effectLst/>
+        </a:effectStyle>
+        <a:effectStyle>
+          <a:effectLst>
+            <a:outerShdw blurRad="57150" dist="19050" dir="5400000" algn="ctr" rotWithShape="0">
+              <a:srgbClr val="000000">
+                <a:alpha val="63000"/>
+              </a:srgbClr>
+            </a:outerShdw>
+          </a:effectLst>
+        </a:effectStyle>
+      </a:effectStyleLst>
+      <a:bgFillStyleLst>
+        <a:solidFill>
+          <a:schemeClr val="phClr"/>
+        </a:solidFill>
+        <a:solidFill>
+          <a:schemeClr val="phClr">
+            <a:tint val="95000"/>
+            <a:satMod val="170000"/>
+          </a:schemeClr>
+        </a:solidFill>
+        <a:gradFill rotWithShape="1">
+          <a:gsLst>
+            <a:gs pos="0">
+              <a:schemeClr val="phClr">
+                <a:tint val="93000"/>
+                <a:satMod val="150000"/>
+                <a:shade val="98000"/>
+                <a:lumMod val="102000"/>
+              </a:schemeClr>
+            </a:gs>
+            <a:gs pos="50000">
+              <a:schemeClr val="phClr">
+                <a:tint val="98000"/>
+                <a:satMod val="130000"/>
+                <a:shade val="90000"/>
+                <a:lumMod val="103000"/>
+              </a:schemeClr>
+            </a:gs>
+            <a:gs pos="100000">
+              <a:schemeClr val="phClr">
+                <a:shade val="63000"/>
+                <a:satMod val="120000"/>
+              </a:schemeClr>
+            </a:gs>
+          </a:gsLst>
+          <a:lin ang="5400000" scaled="0"/>
+        </a:gradFill>
+      </a:bgFillStyleLst>
+    </a:fmtScheme>
+  </a:themeElements>
+  <a:extLst>
+    <a:ext uri="{05A4C25C-085E-4340-85A3-A5531E510DB2}">
+      <thm15:themeFamily xmlns:thm15="http://schemas.microsoft.com/office/thememl/2012/main" name="Office Theme" id="{62F939B6-93AF-4DB8-9C6B-D6C7DFDC589F}" vid="{4A3C46E8-61CC-4603-A589-7422A47A8E4A}"/>
+    </a:ext>
+  </a:extLst>
+</a:theme>
 </file>
--- a/Objected Oriented Programming Concepts Using C++ & Data Structures/Data Structures.pptx
+++ b/Objected Oriented Programming Concepts Using C++ & Data Structures/Data Structures.pptx
@@ -5,21 +5,34 @@
     <p:sldMasterId id="2147483648" r:id="rId1"/>
   </p:sldMasterIdLst>
   <p:notesMasterIdLst>
-    <p:notesMasterId r:id="rId12"/>
+    <p:notesMasterId r:id="rId25"/>
   </p:notesMasterIdLst>
   <p:handoutMasterIdLst>
-    <p:handoutMasterId r:id="rId13"/>
+    <p:handoutMasterId r:id="rId26"/>
   </p:handoutMasterIdLst>
   <p:sldIdLst>
     <p:sldId id="257" r:id="rId3"/>
     <p:sldId id="258" r:id="rId4"/>
     <p:sldId id="259" r:id="rId5"/>
     <p:sldId id="261" r:id="rId6"/>
-    <p:sldId id="267" r:id="rId7"/>
-    <p:sldId id="260" r:id="rId8"/>
-    <p:sldId id="264" r:id="rId9"/>
-    <p:sldId id="265" r:id="rId10"/>
-    <p:sldId id="263" r:id="rId11"/>
+    <p:sldId id="271" r:id="rId7"/>
+    <p:sldId id="272" r:id="rId8"/>
+    <p:sldId id="273" r:id="rId9"/>
+    <p:sldId id="267" r:id="rId10"/>
+    <p:sldId id="260" r:id="rId11"/>
+    <p:sldId id="264" r:id="rId12"/>
+    <p:sldId id="265" r:id="rId13"/>
+    <p:sldId id="263" r:id="rId14"/>
+    <p:sldId id="268" r:id="rId15"/>
+    <p:sldId id="270" r:id="rId16"/>
+    <p:sldId id="281" r:id="rId17"/>
+    <p:sldId id="287" r:id="rId18"/>
+    <p:sldId id="282" r:id="rId19"/>
+    <p:sldId id="283" r:id="rId20"/>
+    <p:sldId id="284" r:id="rId21"/>
+    <p:sldId id="288" r:id="rId22"/>
+    <p:sldId id="285" r:id="rId23"/>
+    <p:sldId id="286" r:id="rId24"/>
   </p:sldIdLst>
   <p:sldSz cx="9144000" cy="6858000" type="screen4x3"/>
   <p:notesSz cx="6858000" cy="9144000"/>
@@ -5027,6 +5040,2560 @@
 </p:sld>
 </file>
 
+<file path=ppt/slides/slide10.xml><?xml version="1.0" encoding="utf-8"?>
+<p:sld xmlns:a="http://schemas.openxmlformats.org/drawingml/2006/main" xmlns:r="http://schemas.openxmlformats.org/officeDocument/2006/relationships" xmlns:p="http://schemas.openxmlformats.org/presentationml/2006/main">
+  <p:cSld>
+    <p:spTree>
+      <p:nvGrpSpPr>
+        <p:cNvPr id="1" name=""/>
+        <p:cNvGrpSpPr/>
+        <p:nvPr/>
+      </p:nvGrpSpPr>
+      <p:grpSpPr/>
+      <p:sp>
+        <p:nvSpPr>
+          <p:cNvPr id="2" name="Title 1"/>
+          <p:cNvSpPr>
+            <a:spLocks noGrp="1"/>
+          </p:cNvSpPr>
+          <p:nvPr>
+            <p:ph type="title"/>
+          </p:nvPr>
+        </p:nvSpPr>
+        <p:spPr>
+          <a:xfrm>
+            <a:off x="685800" y="306705"/>
+            <a:ext cx="7772400" cy="1143000"/>
+          </a:xfrm>
+        </p:spPr>
+        <p:txBody>
+          <a:bodyPr/>
+          <a:p>
+            <a:r>
+              <a:rPr lang="en-US" altLang="en-US" sz="2800">
+                <a:latin typeface="Noto Serif CJK JP" panose="02020400000000000000" charset="-122"/>
+                <a:ea typeface="Noto Serif CJK JP" panose="02020400000000000000" charset="-122"/>
+              </a:rPr>
+              <a:t>Doubly Linked List </a:t>
+            </a:r>
+            <a:endParaRPr lang="en-US" altLang="en-US" sz="2800">
+              <a:latin typeface="Noto Serif CJK JP" panose="02020400000000000000" charset="-122"/>
+              <a:ea typeface="Noto Serif CJK JP" panose="02020400000000000000" charset="-122"/>
+            </a:endParaRPr>
+          </a:p>
+        </p:txBody>
+      </p:sp>
+      <p:sp>
+        <p:nvSpPr>
+          <p:cNvPr id="3" name="Content Placeholder 2"/>
+          <p:cNvSpPr>
+            <a:spLocks noGrp="1"/>
+          </p:cNvSpPr>
+          <p:nvPr>
+            <p:ph idx="1"/>
+          </p:nvPr>
+        </p:nvSpPr>
+        <p:spPr>
+          <a:xfrm>
+            <a:off x="685800" y="1449705"/>
+            <a:ext cx="7772400" cy="4969510"/>
+          </a:xfrm>
+        </p:spPr>
+        <p:txBody>
+          <a:bodyPr/>
+          <a:p>
+            <a:r>
+              <a:rPr lang="en-US" altLang="en-US" sz="2400">
+                <a:latin typeface="Noto Serif CJK JP" panose="02020400000000000000" charset="-122"/>
+                <a:ea typeface="Noto Serif CJK JP" panose="02020400000000000000" charset="-122"/>
+              </a:rPr>
+              <a:t>Node</a:t>
+            </a:r>
+            <a:endParaRPr lang="en-US" altLang="en-US" sz="2400">
+              <a:latin typeface="Noto Serif CJK JP" panose="02020400000000000000" charset="-122"/>
+              <a:ea typeface="Noto Serif CJK JP" panose="02020400000000000000" charset="-122"/>
+            </a:endParaRPr>
+          </a:p>
+          <a:p>
+            <a:pPr lvl="1"/>
+            <a:r>
+              <a:rPr lang="en-US" altLang="en-US" sz="2100">
+                <a:latin typeface="Noto Serif CJK JP" panose="02020400000000000000" charset="-122"/>
+                <a:ea typeface="Noto Serif CJK JP" panose="02020400000000000000" charset="-122"/>
+              </a:rPr>
+              <a:t>Each element in the List</a:t>
+            </a:r>
+            <a:endParaRPr lang="en-US" altLang="en-US" sz="2100">
+              <a:latin typeface="Noto Serif CJK JP" panose="02020400000000000000" charset="-122"/>
+              <a:ea typeface="Noto Serif CJK JP" panose="02020400000000000000" charset="-122"/>
+            </a:endParaRPr>
+          </a:p>
+          <a:p>
+            <a:pPr lvl="1"/>
+            <a:r>
+              <a:rPr lang="en-US" altLang="en-US" sz="2100">
+                <a:latin typeface="Noto Serif CJK JP" panose="02020400000000000000" charset="-122"/>
+                <a:ea typeface="Noto Serif CJK JP" panose="02020400000000000000" charset="-122"/>
+              </a:rPr>
+              <a:t>consists of at least three parts:</a:t>
+            </a:r>
+            <a:endParaRPr lang="en-US" altLang="en-US" sz="2100">
+              <a:latin typeface="Noto Serif CJK JP" panose="02020400000000000000" charset="-122"/>
+              <a:ea typeface="Noto Serif CJK JP" panose="02020400000000000000" charset="-122"/>
+            </a:endParaRPr>
+          </a:p>
+          <a:p>
+            <a:pPr lvl="2"/>
+            <a:r>
+              <a:rPr lang="en-US" altLang="en-US" sz="1800">
+                <a:latin typeface="Noto Serif CJK JP" panose="02020400000000000000" charset="-122"/>
+                <a:ea typeface="Noto Serif CJK JP" panose="02020400000000000000" charset="-122"/>
+              </a:rPr>
+              <a:t>Data</a:t>
+            </a:r>
+            <a:endParaRPr lang="en-US" altLang="en-US" sz="1800">
+              <a:latin typeface="Noto Serif CJK JP" panose="02020400000000000000" charset="-122"/>
+              <a:ea typeface="Noto Serif CJK JP" panose="02020400000000000000" charset="-122"/>
+            </a:endParaRPr>
+          </a:p>
+          <a:p>
+            <a:pPr lvl="2"/>
+            <a:r>
+              <a:rPr lang="en-US" altLang="en-US" sz="1800">
+                <a:latin typeface="Noto Serif CJK JP" panose="02020400000000000000" charset="-122"/>
+                <a:ea typeface="Noto Serif CJK JP" panose="02020400000000000000" charset="-122"/>
+              </a:rPr>
+              <a:t>Pointer (Or Reference) to the next node</a:t>
+            </a:r>
+            <a:endParaRPr lang="en-US" altLang="en-US" sz="1800">
+              <a:latin typeface="Noto Serif CJK JP" panose="02020400000000000000" charset="-122"/>
+              <a:ea typeface="Noto Serif CJK JP" panose="02020400000000000000" charset="-122"/>
+            </a:endParaRPr>
+          </a:p>
+          <a:p>
+            <a:pPr lvl="2"/>
+            <a:r>
+              <a:rPr lang="en-US" altLang="en-US" sz="1800">
+                <a:latin typeface="Noto Serif CJK JP" panose="02020400000000000000" charset="-122"/>
+                <a:ea typeface="Noto Serif CJK JP" panose="02020400000000000000" charset="-122"/>
+              </a:rPr>
+              <a:t>Pointer </a:t>
+            </a:r>
+            <a:r>
+              <a:rPr lang="en-US" altLang="en-US" sz="1800">
+                <a:latin typeface="Noto Serif CJK JP" panose="02020400000000000000" charset="-122"/>
+                <a:ea typeface="Noto Serif CJK JP" panose="02020400000000000000" charset="-122"/>
+                <a:sym typeface="+mn-ea"/>
+              </a:rPr>
+              <a:t>Or Reference) to the  previous node</a:t>
+            </a:r>
+            <a:endParaRPr lang="en-US" altLang="en-US" sz="1800">
+              <a:latin typeface="Noto Serif CJK JP" panose="02020400000000000000" charset="-122"/>
+              <a:ea typeface="Noto Serif CJK JP" panose="02020400000000000000" charset="-122"/>
+            </a:endParaRPr>
+          </a:p>
+          <a:p>
+            <a:pPr lvl="0"/>
+            <a:r>
+              <a:rPr lang="en-US" altLang="en-US" sz="2400">
+                <a:latin typeface="Noto Serif CJK JP" panose="02020400000000000000" charset="-122"/>
+                <a:ea typeface="Noto Serif CJK JP" panose="02020400000000000000" charset="-122"/>
+              </a:rPr>
+              <a:t>Linked List </a:t>
+            </a:r>
+            <a:endParaRPr lang="en-US" altLang="en-US" sz="2400">
+              <a:latin typeface="Noto Serif CJK JP" panose="02020400000000000000" charset="-122"/>
+              <a:ea typeface="Noto Serif CJK JP" panose="02020400000000000000" charset="-122"/>
+            </a:endParaRPr>
+          </a:p>
+          <a:p>
+            <a:pPr lvl="0"/>
+            <a:endParaRPr lang="en-US" altLang="en-US" sz="2400">
+              <a:latin typeface="Noto Serif CJK JP" panose="02020400000000000000" charset="-122"/>
+              <a:ea typeface="Noto Serif CJK JP" panose="02020400000000000000" charset="-122"/>
+            </a:endParaRPr>
+          </a:p>
+        </p:txBody>
+      </p:sp>
+      <p:sp>
+        <p:nvSpPr>
+          <p:cNvPr id="4" name="Text Box 3"/>
+          <p:cNvSpPr txBox="1"/>
+          <p:nvPr/>
+        </p:nvSpPr>
+        <p:spPr>
+          <a:xfrm>
+            <a:off x="5507990" y="1143000"/>
+            <a:ext cx="3175635" cy="1753235"/>
+          </a:xfrm>
+          <a:prstGeom prst="rect">
+            <a:avLst/>
+          </a:prstGeom>
+          <a:noFill/>
+          <a:ln w="12700" cmpd="sng">
+            <a:solidFill>
+              <a:schemeClr val="accent1">
+                <a:shade val="50000"/>
+              </a:schemeClr>
+            </a:solidFill>
+            <a:prstDash val="solid"/>
+          </a:ln>
+        </p:spPr>
+        <p:txBody>
+          <a:bodyPr wrap="square" rtlCol="0">
+            <a:spAutoFit/>
+          </a:bodyPr>
+          <a:p>
+            <a:r>
+              <a:rPr lang="en-US">
+                <a:latin typeface="FreeMono" panose="020F0409020205020404" charset="0"/>
+                <a:ea typeface="FreeMono" panose="020F0409020205020404" charset="0"/>
+                <a:cs typeface="Noto Sans Mono CJK JP" panose="020B0500000000000000" charset="-122"/>
+              </a:rPr>
+              <a:t>class </a:t>
+            </a:r>
+            <a:r>
+              <a:rPr lang="en-US">
+                <a:ln>
+                  <a:solidFill>
+                    <a:sysClr val="windowText" lastClr="000000"/>
+                  </a:solidFill>
+                </a:ln>
+                <a:latin typeface="FreeMono" panose="020F0409020205020404" charset="0"/>
+                <a:ea typeface="FreeMono" panose="020F0409020205020404" charset="0"/>
+                <a:cs typeface="Noto Sans Mono CJK JP" panose="020B0500000000000000" charset="-122"/>
+              </a:rPr>
+              <a:t>Node  </a:t>
+            </a:r>
+            <a:endParaRPr lang="en-US">
+              <a:latin typeface="FreeMono" panose="020F0409020205020404" charset="0"/>
+              <a:ea typeface="FreeMono" panose="020F0409020205020404" charset="0"/>
+              <a:cs typeface="Noto Sans Mono CJK JP" panose="020B0500000000000000" charset="-122"/>
+            </a:endParaRPr>
+          </a:p>
+          <a:p>
+            <a:r>
+              <a:rPr lang="en-US">
+                <a:latin typeface="FreeMono" panose="020F0409020205020404" charset="0"/>
+                <a:ea typeface="FreeMono" panose="020F0409020205020404" charset="0"/>
+                <a:cs typeface="Noto Sans Mono CJK JP" panose="020B0500000000000000" charset="-122"/>
+              </a:rPr>
+              <a:t>{  </a:t>
+            </a:r>
+            <a:endParaRPr lang="en-US">
+              <a:latin typeface="FreeMono" panose="020F0409020205020404" charset="0"/>
+              <a:ea typeface="FreeMono" panose="020F0409020205020404" charset="0"/>
+              <a:cs typeface="Noto Sans Mono CJK JP" panose="020B0500000000000000" charset="-122"/>
+            </a:endParaRPr>
+          </a:p>
+          <a:p>
+            <a:r>
+              <a:rPr lang="en-US">
+                <a:latin typeface="FreeMono" panose="020F0409020205020404" charset="0"/>
+                <a:ea typeface="FreeMono" panose="020F0409020205020404" charset="0"/>
+                <a:cs typeface="Noto Sans Mono CJK JP" panose="020B0500000000000000" charset="-122"/>
+              </a:rPr>
+              <a:t>   </a:t>
+            </a:r>
+            <a:r>
+              <a:rPr lang="en-US">
+                <a:latin typeface="FreeMono" panose="020F0409020205020404" charset="0"/>
+                <a:ea typeface="FreeMono" panose="020F0409020205020404" charset="0"/>
+                <a:cs typeface="Noto Sans Mono CJK JP" panose="020B0500000000000000" charset="-122"/>
+                <a:sym typeface="+mn-ea"/>
+              </a:rPr>
+              <a:t>public</a:t>
+            </a:r>
+            <a:r>
+              <a:rPr lang="en-US">
+                <a:latin typeface="FreeMono" panose="020F0409020205020404" charset="0"/>
+                <a:ea typeface="FreeMono" panose="020F0409020205020404" charset="0"/>
+                <a:cs typeface="Noto Sans Mono CJK JP" panose="020B0500000000000000" charset="-122"/>
+              </a:rPr>
+              <a:t> int data;  </a:t>
+            </a:r>
+            <a:endParaRPr lang="en-US">
+              <a:latin typeface="FreeMono" panose="020F0409020205020404" charset="0"/>
+              <a:ea typeface="FreeMono" panose="020F0409020205020404" charset="0"/>
+              <a:cs typeface="Noto Sans Mono CJK JP" panose="020B0500000000000000" charset="-122"/>
+            </a:endParaRPr>
+          </a:p>
+          <a:p>
+            <a:r>
+              <a:rPr lang="en-US">
+                <a:latin typeface="FreeMono" panose="020F0409020205020404" charset="0"/>
+                <a:ea typeface="FreeMono" panose="020F0409020205020404" charset="0"/>
+                <a:cs typeface="Noto Sans Mono CJK JP" panose="020B0500000000000000" charset="-122"/>
+              </a:rPr>
+              <a:t>   </a:t>
+            </a:r>
+            <a:r>
+              <a:rPr lang="en-US">
+                <a:latin typeface="FreeMono" panose="020F0409020205020404" charset="0"/>
+                <a:ea typeface="FreeMono" panose="020F0409020205020404" charset="0"/>
+                <a:cs typeface="Noto Sans Mono CJK JP" panose="020B0500000000000000" charset="-122"/>
+                <a:sym typeface="+mn-ea"/>
+              </a:rPr>
+              <a:t>public</a:t>
+            </a:r>
+            <a:r>
+              <a:rPr lang="en-US">
+                <a:latin typeface="FreeMono" panose="020F0409020205020404" charset="0"/>
+                <a:ea typeface="FreeMono" panose="020F0409020205020404" charset="0"/>
+                <a:cs typeface="Noto Sans Mono CJK JP" panose="020B0500000000000000" charset="-122"/>
+              </a:rPr>
+              <a:t> Node *next;</a:t>
+            </a:r>
+            <a:endParaRPr lang="en-US">
+              <a:latin typeface="FreeMono" panose="020F0409020205020404" charset="0"/>
+              <a:ea typeface="FreeMono" panose="020F0409020205020404" charset="0"/>
+              <a:cs typeface="Noto Sans Mono CJK JP" panose="020B0500000000000000" charset="-122"/>
+            </a:endParaRPr>
+          </a:p>
+          <a:p>
+            <a:r>
+              <a:rPr lang="en-US">
+                <a:latin typeface="FreeMono" panose="020F0409020205020404" charset="0"/>
+                <a:ea typeface="FreeMono" panose="020F0409020205020404" charset="0"/>
+                <a:cs typeface="Noto Sans Mono CJK JP" panose="020B0500000000000000" charset="-122"/>
+                <a:sym typeface="+mn-ea"/>
+              </a:rPr>
+              <a:t>   public Node *</a:t>
+            </a:r>
+            <a:r>
+              <a:rPr lang="en-US" altLang="en-US">
+                <a:latin typeface="FreeMono" panose="020F0409020205020404" charset="0"/>
+                <a:ea typeface="FreeMono" panose="020F0409020205020404" charset="0"/>
+                <a:cs typeface="Noto Sans Mono CJK JP" panose="020B0500000000000000" charset="-122"/>
+                <a:sym typeface="+mn-ea"/>
+              </a:rPr>
+              <a:t>prev</a:t>
+            </a:r>
+            <a:r>
+              <a:rPr lang="en-US">
+                <a:latin typeface="FreeMono" panose="020F0409020205020404" charset="0"/>
+                <a:ea typeface="FreeMono" panose="020F0409020205020404" charset="0"/>
+                <a:cs typeface="Noto Sans Mono CJK JP" panose="020B0500000000000000" charset="-122"/>
+                <a:sym typeface="+mn-ea"/>
+              </a:rPr>
+              <a:t>;</a:t>
+            </a:r>
+            <a:r>
+              <a:rPr lang="en-US">
+                <a:latin typeface="FreeMono" panose="020F0409020205020404" charset="0"/>
+                <a:ea typeface="FreeMono" panose="020F0409020205020404" charset="0"/>
+                <a:cs typeface="Noto Sans Mono CJK JP" panose="020B0500000000000000" charset="-122"/>
+              </a:rPr>
+              <a:t>  </a:t>
+            </a:r>
+            <a:endParaRPr lang="en-US">
+              <a:latin typeface="FreeMono" panose="020F0409020205020404" charset="0"/>
+              <a:ea typeface="FreeMono" panose="020F0409020205020404" charset="0"/>
+              <a:cs typeface="Noto Sans Mono CJK JP" panose="020B0500000000000000" charset="-122"/>
+            </a:endParaRPr>
+          </a:p>
+          <a:p>
+            <a:r>
+              <a:rPr lang="en-US">
+                <a:latin typeface="FreeMono" panose="020F0409020205020404" charset="0"/>
+                <a:ea typeface="FreeMono" panose="020F0409020205020404" charset="0"/>
+                <a:cs typeface="Noto Sans Mono CJK JP" panose="020B0500000000000000" charset="-122"/>
+              </a:rPr>
+              <a:t>};  </a:t>
+            </a:r>
+            <a:endParaRPr lang="en-US">
+              <a:latin typeface="FreeMono" panose="020F0409020205020404" charset="0"/>
+              <a:ea typeface="FreeMono" panose="020F0409020205020404" charset="0"/>
+              <a:cs typeface="Noto Sans Mono CJK JP" panose="020B0500000000000000" charset="-122"/>
+            </a:endParaRPr>
+          </a:p>
+        </p:txBody>
+      </p:sp>
+      <p:pic>
+        <p:nvPicPr>
+          <p:cNvPr id="5" name="Picture 4" descr="/home/jishnu/Repositories/CDAC-Trainer-Materials/Training Materials/Objected Oriented Programming Concepts Using C++ &amp; Data Structures/DoublyLinkedlist.pngDoublyLinkedlist"/>
+          <p:cNvPicPr>
+            <a:picLocks noChangeAspect="1"/>
+          </p:cNvPicPr>
+          <p:nvPr/>
+        </p:nvPicPr>
+        <p:blipFill>
+          <a:blip r:embed="rId1"/>
+          <a:srcRect/>
+          <a:stretch>
+            <a:fillRect/>
+          </a:stretch>
+        </p:blipFill>
+        <p:spPr>
+          <a:xfrm>
+            <a:off x="957580" y="4354513"/>
+            <a:ext cx="7229475" cy="1482090"/>
+          </a:xfrm>
+          <a:prstGeom prst="rect">
+            <a:avLst/>
+          </a:prstGeom>
+        </p:spPr>
+      </p:pic>
+    </p:spTree>
+  </p:cSld>
+  <p:clrMapOvr>
+    <a:masterClrMapping/>
+  </p:clrMapOvr>
+</p:sld>
+</file>
+
+<file path=ppt/slides/slide11.xml><?xml version="1.0" encoding="utf-8"?>
+<p:sld xmlns:a="http://schemas.openxmlformats.org/drawingml/2006/main" xmlns:r="http://schemas.openxmlformats.org/officeDocument/2006/relationships" xmlns:p="http://schemas.openxmlformats.org/presentationml/2006/main">
+  <p:cSld>
+    <p:spTree>
+      <p:nvGrpSpPr>
+        <p:cNvPr id="1" name=""/>
+        <p:cNvGrpSpPr/>
+        <p:nvPr/>
+      </p:nvGrpSpPr>
+      <p:grpSpPr/>
+      <p:sp>
+        <p:nvSpPr>
+          <p:cNvPr id="2" name="Title 1"/>
+          <p:cNvSpPr>
+            <a:spLocks noGrp="1"/>
+          </p:cNvSpPr>
+          <p:nvPr>
+            <p:ph type="title"/>
+          </p:nvPr>
+        </p:nvSpPr>
+        <p:spPr>
+          <a:xfrm>
+            <a:off x="388620" y="129540"/>
+            <a:ext cx="7772400" cy="858520"/>
+          </a:xfrm>
+        </p:spPr>
+        <p:txBody>
+          <a:bodyPr/>
+          <a:p>
+            <a:r>
+              <a:rPr lang="en-US" altLang="en-US" sz="2800">
+                <a:latin typeface="Noto Serif CJK JP" panose="02020400000000000000" charset="-122"/>
+                <a:ea typeface="Noto Serif CJK JP" panose="02020400000000000000" charset="-122"/>
+              </a:rPr>
+              <a:t>Circular Linked List </a:t>
+            </a:r>
+            <a:endParaRPr lang="en-US" altLang="en-US" sz="2800">
+              <a:latin typeface="Noto Serif CJK JP" panose="02020400000000000000" charset="-122"/>
+              <a:ea typeface="Noto Serif CJK JP" panose="02020400000000000000" charset="-122"/>
+            </a:endParaRPr>
+          </a:p>
+        </p:txBody>
+      </p:sp>
+      <p:sp>
+        <p:nvSpPr>
+          <p:cNvPr id="3" name="Content Placeholder 2"/>
+          <p:cNvSpPr>
+            <a:spLocks noGrp="1"/>
+          </p:cNvSpPr>
+          <p:nvPr>
+            <p:ph idx="1"/>
+          </p:nvPr>
+        </p:nvSpPr>
+        <p:spPr>
+          <a:xfrm>
+            <a:off x="685800" y="1449705"/>
+            <a:ext cx="7772400" cy="4969510"/>
+          </a:xfrm>
+        </p:spPr>
+        <p:txBody>
+          <a:bodyPr/>
+          <a:p>
+            <a:r>
+              <a:rPr lang="en-US" altLang="en-US" sz="2400">
+                <a:latin typeface="Noto Serif CJK JP" panose="02020400000000000000" charset="-122"/>
+                <a:ea typeface="Noto Serif CJK JP" panose="02020400000000000000" charset="-122"/>
+              </a:rPr>
+              <a:t>Node</a:t>
+            </a:r>
+            <a:endParaRPr lang="en-US" altLang="en-US" sz="2400">
+              <a:latin typeface="Noto Serif CJK JP" panose="02020400000000000000" charset="-122"/>
+              <a:ea typeface="Noto Serif CJK JP" panose="02020400000000000000" charset="-122"/>
+            </a:endParaRPr>
+          </a:p>
+          <a:p>
+            <a:pPr lvl="1"/>
+            <a:r>
+              <a:rPr lang="en-US" altLang="en-US" sz="2100">
+                <a:latin typeface="Noto Serif CJK JP" panose="02020400000000000000" charset="-122"/>
+                <a:ea typeface="Noto Serif CJK JP" panose="02020400000000000000" charset="-122"/>
+              </a:rPr>
+              <a:t>consists of at least three parts:</a:t>
+            </a:r>
+            <a:endParaRPr lang="en-US" altLang="en-US" sz="2100">
+              <a:latin typeface="Noto Serif CJK JP" panose="02020400000000000000" charset="-122"/>
+              <a:ea typeface="Noto Serif CJK JP" panose="02020400000000000000" charset="-122"/>
+            </a:endParaRPr>
+          </a:p>
+          <a:p>
+            <a:pPr lvl="2"/>
+            <a:r>
+              <a:rPr lang="en-US" altLang="en-US" sz="1800">
+                <a:latin typeface="Noto Serif CJK JP" panose="02020400000000000000" charset="-122"/>
+                <a:ea typeface="Noto Serif CJK JP" panose="02020400000000000000" charset="-122"/>
+              </a:rPr>
+              <a:t>Data</a:t>
+            </a:r>
+            <a:endParaRPr lang="en-US" altLang="en-US" sz="1800">
+              <a:latin typeface="Noto Serif CJK JP" panose="02020400000000000000" charset="-122"/>
+              <a:ea typeface="Noto Serif CJK JP" panose="02020400000000000000" charset="-122"/>
+            </a:endParaRPr>
+          </a:p>
+          <a:p>
+            <a:pPr lvl="2"/>
+            <a:r>
+              <a:rPr lang="en-US" altLang="en-US" sz="1800">
+                <a:latin typeface="Noto Serif CJK JP" panose="02020400000000000000" charset="-122"/>
+                <a:ea typeface="Noto Serif CJK JP" panose="02020400000000000000" charset="-122"/>
+              </a:rPr>
+              <a:t>Pointer (Or Reference) to the next node</a:t>
+            </a:r>
+            <a:endParaRPr lang="en-US" altLang="en-US" sz="1800">
+              <a:latin typeface="Noto Serif CJK JP" panose="02020400000000000000" charset="-122"/>
+              <a:ea typeface="Noto Serif CJK JP" panose="02020400000000000000" charset="-122"/>
+            </a:endParaRPr>
+          </a:p>
+          <a:p>
+            <a:pPr lvl="2"/>
+            <a:r>
+              <a:rPr lang="en-US" altLang="en-US" sz="1800">
+                <a:latin typeface="Noto Serif CJK JP" panose="02020400000000000000" charset="-122"/>
+                <a:ea typeface="Noto Serif CJK JP" panose="02020400000000000000" charset="-122"/>
+              </a:rPr>
+              <a:t>Pointer </a:t>
+            </a:r>
+            <a:r>
+              <a:rPr lang="en-US" altLang="en-US" sz="1800">
+                <a:latin typeface="Noto Serif CJK JP" panose="02020400000000000000" charset="-122"/>
+                <a:ea typeface="Noto Serif CJK JP" panose="02020400000000000000" charset="-122"/>
+                <a:sym typeface="+mn-ea"/>
+              </a:rPr>
+              <a:t>Or Reference) to the  previous node</a:t>
+            </a:r>
+            <a:endParaRPr lang="en-US" altLang="en-US" sz="1800">
+              <a:latin typeface="Noto Serif CJK JP" panose="02020400000000000000" charset="-122"/>
+              <a:ea typeface="Noto Serif CJK JP" panose="02020400000000000000" charset="-122"/>
+              <a:sym typeface="+mn-ea"/>
+            </a:endParaRPr>
+          </a:p>
+          <a:p>
+            <a:pPr lvl="1"/>
+            <a:r>
+              <a:rPr lang="en-US" altLang="en-US" sz="2100">
+                <a:latin typeface="Noto Serif CJK JP" panose="02020400000000000000" charset="-122"/>
+                <a:ea typeface="Noto Serif CJK JP" panose="02020400000000000000" charset="-122"/>
+              </a:rPr>
+              <a:t>Two consecutive elements are linked or connected by previous and next pointer </a:t>
+            </a:r>
+            <a:endParaRPr lang="en-US" altLang="en-US" sz="2100">
+              <a:latin typeface="Noto Serif CJK JP" panose="02020400000000000000" charset="-122"/>
+              <a:ea typeface="Noto Serif CJK JP" panose="02020400000000000000" charset="-122"/>
+            </a:endParaRPr>
+          </a:p>
+          <a:p>
+            <a:pPr lvl="1"/>
+            <a:r>
+              <a:rPr lang="en-US" altLang="en-US" sz="2100">
+                <a:latin typeface="Noto Serif CJK JP" panose="02020400000000000000" charset="-122"/>
+                <a:ea typeface="Noto Serif CJK JP" panose="02020400000000000000" charset="-122"/>
+              </a:rPr>
+              <a:t>Last node points to first node by next pointer </a:t>
+            </a:r>
+            <a:endParaRPr lang="en-US" altLang="en-US" sz="2100">
+              <a:latin typeface="Noto Serif CJK JP" panose="02020400000000000000" charset="-122"/>
+              <a:ea typeface="Noto Serif CJK JP" panose="02020400000000000000" charset="-122"/>
+            </a:endParaRPr>
+          </a:p>
+          <a:p>
+            <a:pPr lvl="1"/>
+            <a:r>
+              <a:rPr lang="en-US" altLang="en-US" sz="2100">
+                <a:latin typeface="Noto Serif CJK JP" panose="02020400000000000000" charset="-122"/>
+                <a:ea typeface="Noto Serif CJK JP" panose="02020400000000000000" charset="-122"/>
+              </a:rPr>
+              <a:t>First node points to last node by previous pointer</a:t>
+            </a:r>
+            <a:endParaRPr lang="en-US" altLang="en-US" sz="2450">
+              <a:latin typeface="Noto Serif CJK JP" panose="02020400000000000000" charset="-122"/>
+              <a:ea typeface="Noto Serif CJK JP" panose="02020400000000000000" charset="-122"/>
+            </a:endParaRPr>
+          </a:p>
+          <a:p>
+            <a:pPr lvl="0"/>
+            <a:r>
+              <a:rPr lang="en-US" altLang="en-US" sz="2400">
+                <a:latin typeface="Noto Serif CJK JP" panose="02020400000000000000" charset="-122"/>
+                <a:ea typeface="Noto Serif CJK JP" panose="02020400000000000000" charset="-122"/>
+              </a:rPr>
+              <a:t>Linked List </a:t>
+            </a:r>
+            <a:endParaRPr lang="en-US" altLang="en-US" sz="2400">
+              <a:latin typeface="Noto Serif CJK JP" panose="02020400000000000000" charset="-122"/>
+              <a:ea typeface="Noto Serif CJK JP" panose="02020400000000000000" charset="-122"/>
+            </a:endParaRPr>
+          </a:p>
+          <a:p>
+            <a:pPr lvl="0"/>
+            <a:endParaRPr lang="en-US" altLang="en-US" sz="2400">
+              <a:latin typeface="Noto Serif CJK JP" panose="02020400000000000000" charset="-122"/>
+              <a:ea typeface="Noto Serif CJK JP" panose="02020400000000000000" charset="-122"/>
+            </a:endParaRPr>
+          </a:p>
+        </p:txBody>
+      </p:sp>
+      <p:sp>
+        <p:nvSpPr>
+          <p:cNvPr id="4" name="Text Box 3"/>
+          <p:cNvSpPr txBox="1"/>
+          <p:nvPr/>
+        </p:nvSpPr>
+        <p:spPr>
+          <a:xfrm>
+            <a:off x="5584825" y="859155"/>
+            <a:ext cx="3175635" cy="1753235"/>
+          </a:xfrm>
+          <a:prstGeom prst="rect">
+            <a:avLst/>
+          </a:prstGeom>
+          <a:noFill/>
+          <a:ln w="12700" cmpd="sng">
+            <a:solidFill>
+              <a:schemeClr val="accent1">
+                <a:shade val="50000"/>
+              </a:schemeClr>
+            </a:solidFill>
+            <a:prstDash val="solid"/>
+          </a:ln>
+        </p:spPr>
+        <p:txBody>
+          <a:bodyPr wrap="square" rtlCol="0">
+            <a:spAutoFit/>
+          </a:bodyPr>
+          <a:p>
+            <a:r>
+              <a:rPr lang="en-US">
+                <a:latin typeface="FreeMono" panose="020F0409020205020404" charset="0"/>
+                <a:ea typeface="FreeMono" panose="020F0409020205020404" charset="0"/>
+                <a:cs typeface="Noto Sans Mono CJK JP" panose="020B0500000000000000" charset="-122"/>
+              </a:rPr>
+              <a:t>class </a:t>
+            </a:r>
+            <a:r>
+              <a:rPr lang="en-US">
+                <a:ln>
+                  <a:solidFill>
+                    <a:sysClr val="windowText" lastClr="000000"/>
+                  </a:solidFill>
+                </a:ln>
+                <a:latin typeface="FreeMono" panose="020F0409020205020404" charset="0"/>
+                <a:ea typeface="FreeMono" panose="020F0409020205020404" charset="0"/>
+                <a:cs typeface="Noto Sans Mono CJK JP" panose="020B0500000000000000" charset="-122"/>
+              </a:rPr>
+              <a:t>Node  </a:t>
+            </a:r>
+            <a:endParaRPr lang="en-US">
+              <a:latin typeface="FreeMono" panose="020F0409020205020404" charset="0"/>
+              <a:ea typeface="FreeMono" panose="020F0409020205020404" charset="0"/>
+              <a:cs typeface="Noto Sans Mono CJK JP" panose="020B0500000000000000" charset="-122"/>
+            </a:endParaRPr>
+          </a:p>
+          <a:p>
+            <a:r>
+              <a:rPr lang="en-US">
+                <a:latin typeface="FreeMono" panose="020F0409020205020404" charset="0"/>
+                <a:ea typeface="FreeMono" panose="020F0409020205020404" charset="0"/>
+                <a:cs typeface="Noto Sans Mono CJK JP" panose="020B0500000000000000" charset="-122"/>
+              </a:rPr>
+              <a:t>{  </a:t>
+            </a:r>
+            <a:endParaRPr lang="en-US">
+              <a:latin typeface="FreeMono" panose="020F0409020205020404" charset="0"/>
+              <a:ea typeface="FreeMono" panose="020F0409020205020404" charset="0"/>
+              <a:cs typeface="Noto Sans Mono CJK JP" panose="020B0500000000000000" charset="-122"/>
+            </a:endParaRPr>
+          </a:p>
+          <a:p>
+            <a:r>
+              <a:rPr lang="en-US">
+                <a:latin typeface="FreeMono" panose="020F0409020205020404" charset="0"/>
+                <a:ea typeface="FreeMono" panose="020F0409020205020404" charset="0"/>
+                <a:cs typeface="Noto Sans Mono CJK JP" panose="020B0500000000000000" charset="-122"/>
+              </a:rPr>
+              <a:t>   </a:t>
+            </a:r>
+            <a:r>
+              <a:rPr lang="en-US">
+                <a:latin typeface="FreeMono" panose="020F0409020205020404" charset="0"/>
+                <a:ea typeface="FreeMono" panose="020F0409020205020404" charset="0"/>
+                <a:cs typeface="Noto Sans Mono CJK JP" panose="020B0500000000000000" charset="-122"/>
+                <a:sym typeface="+mn-ea"/>
+              </a:rPr>
+              <a:t>public</a:t>
+            </a:r>
+            <a:r>
+              <a:rPr lang="en-US">
+                <a:latin typeface="FreeMono" panose="020F0409020205020404" charset="0"/>
+                <a:ea typeface="FreeMono" panose="020F0409020205020404" charset="0"/>
+                <a:cs typeface="Noto Sans Mono CJK JP" panose="020B0500000000000000" charset="-122"/>
+              </a:rPr>
+              <a:t> int data;  </a:t>
+            </a:r>
+            <a:endParaRPr lang="en-US">
+              <a:latin typeface="FreeMono" panose="020F0409020205020404" charset="0"/>
+              <a:ea typeface="FreeMono" panose="020F0409020205020404" charset="0"/>
+              <a:cs typeface="Noto Sans Mono CJK JP" panose="020B0500000000000000" charset="-122"/>
+            </a:endParaRPr>
+          </a:p>
+          <a:p>
+            <a:r>
+              <a:rPr lang="en-US">
+                <a:latin typeface="FreeMono" panose="020F0409020205020404" charset="0"/>
+                <a:ea typeface="FreeMono" panose="020F0409020205020404" charset="0"/>
+                <a:cs typeface="Noto Sans Mono CJK JP" panose="020B0500000000000000" charset="-122"/>
+              </a:rPr>
+              <a:t>   </a:t>
+            </a:r>
+            <a:r>
+              <a:rPr lang="en-US">
+                <a:latin typeface="FreeMono" panose="020F0409020205020404" charset="0"/>
+                <a:ea typeface="FreeMono" panose="020F0409020205020404" charset="0"/>
+                <a:cs typeface="Noto Sans Mono CJK JP" panose="020B0500000000000000" charset="-122"/>
+                <a:sym typeface="+mn-ea"/>
+              </a:rPr>
+              <a:t>public</a:t>
+            </a:r>
+            <a:r>
+              <a:rPr lang="en-US">
+                <a:latin typeface="FreeMono" panose="020F0409020205020404" charset="0"/>
+                <a:ea typeface="FreeMono" panose="020F0409020205020404" charset="0"/>
+                <a:cs typeface="Noto Sans Mono CJK JP" panose="020B0500000000000000" charset="-122"/>
+              </a:rPr>
+              <a:t> Node *next;</a:t>
+            </a:r>
+            <a:endParaRPr lang="en-US">
+              <a:latin typeface="FreeMono" panose="020F0409020205020404" charset="0"/>
+              <a:ea typeface="FreeMono" panose="020F0409020205020404" charset="0"/>
+              <a:cs typeface="Noto Sans Mono CJK JP" panose="020B0500000000000000" charset="-122"/>
+            </a:endParaRPr>
+          </a:p>
+          <a:p>
+            <a:r>
+              <a:rPr lang="en-US">
+                <a:latin typeface="FreeMono" panose="020F0409020205020404" charset="0"/>
+                <a:ea typeface="FreeMono" panose="020F0409020205020404" charset="0"/>
+                <a:cs typeface="Noto Sans Mono CJK JP" panose="020B0500000000000000" charset="-122"/>
+                <a:sym typeface="+mn-ea"/>
+              </a:rPr>
+              <a:t>   public Node *</a:t>
+            </a:r>
+            <a:r>
+              <a:rPr lang="en-US" altLang="en-US">
+                <a:latin typeface="FreeMono" panose="020F0409020205020404" charset="0"/>
+                <a:ea typeface="FreeMono" panose="020F0409020205020404" charset="0"/>
+                <a:cs typeface="Noto Sans Mono CJK JP" panose="020B0500000000000000" charset="-122"/>
+                <a:sym typeface="+mn-ea"/>
+              </a:rPr>
+              <a:t>prev</a:t>
+            </a:r>
+            <a:r>
+              <a:rPr lang="en-US">
+                <a:latin typeface="FreeMono" panose="020F0409020205020404" charset="0"/>
+                <a:ea typeface="FreeMono" panose="020F0409020205020404" charset="0"/>
+                <a:cs typeface="Noto Sans Mono CJK JP" panose="020B0500000000000000" charset="-122"/>
+                <a:sym typeface="+mn-ea"/>
+              </a:rPr>
+              <a:t>;</a:t>
+            </a:r>
+            <a:r>
+              <a:rPr lang="en-US">
+                <a:latin typeface="FreeMono" panose="020F0409020205020404" charset="0"/>
+                <a:ea typeface="FreeMono" panose="020F0409020205020404" charset="0"/>
+                <a:cs typeface="Noto Sans Mono CJK JP" panose="020B0500000000000000" charset="-122"/>
+              </a:rPr>
+              <a:t>  </a:t>
+            </a:r>
+            <a:endParaRPr lang="en-US">
+              <a:latin typeface="FreeMono" panose="020F0409020205020404" charset="0"/>
+              <a:ea typeface="FreeMono" panose="020F0409020205020404" charset="0"/>
+              <a:cs typeface="Noto Sans Mono CJK JP" panose="020B0500000000000000" charset="-122"/>
+            </a:endParaRPr>
+          </a:p>
+          <a:p>
+            <a:r>
+              <a:rPr lang="en-US">
+                <a:latin typeface="FreeMono" panose="020F0409020205020404" charset="0"/>
+                <a:ea typeface="FreeMono" panose="020F0409020205020404" charset="0"/>
+                <a:cs typeface="Noto Sans Mono CJK JP" panose="020B0500000000000000" charset="-122"/>
+              </a:rPr>
+              <a:t>};  </a:t>
+            </a:r>
+            <a:endParaRPr lang="en-US">
+              <a:latin typeface="FreeMono" panose="020F0409020205020404" charset="0"/>
+              <a:ea typeface="FreeMono" panose="020F0409020205020404" charset="0"/>
+              <a:cs typeface="Noto Sans Mono CJK JP" panose="020B0500000000000000" charset="-122"/>
+            </a:endParaRPr>
+          </a:p>
+        </p:txBody>
+      </p:sp>
+      <p:pic>
+        <p:nvPicPr>
+          <p:cNvPr id="5" name="Picture 4" descr="/home/jishnu/Repositories/CDAC-Trainer-Materials/Training Materials/Objected Oriented Programming Concepts Using C++ &amp; Data Structures/Circular-doubly-linked-list.pngCircular-doubly-linked-list"/>
+          <p:cNvPicPr>
+            <a:picLocks noChangeAspect="1"/>
+          </p:cNvPicPr>
+          <p:nvPr/>
+        </p:nvPicPr>
+        <p:blipFill>
+          <a:blip r:embed="rId1"/>
+          <a:srcRect/>
+          <a:stretch>
+            <a:fillRect/>
+          </a:stretch>
+        </p:blipFill>
+        <p:spPr>
+          <a:xfrm>
+            <a:off x="1419543" y="5126038"/>
+            <a:ext cx="6304280" cy="1482090"/>
+          </a:xfrm>
+          <a:prstGeom prst="rect">
+            <a:avLst/>
+          </a:prstGeom>
+        </p:spPr>
+      </p:pic>
+    </p:spTree>
+  </p:cSld>
+  <p:clrMapOvr>
+    <a:masterClrMapping/>
+  </p:clrMapOvr>
+</p:sld>
+</file>
+
+<file path=ppt/slides/slide12.xml><?xml version="1.0" encoding="utf-8"?>
+<p:sld xmlns:a="http://schemas.openxmlformats.org/drawingml/2006/main" xmlns:r="http://schemas.openxmlformats.org/officeDocument/2006/relationships" xmlns:p="http://schemas.openxmlformats.org/presentationml/2006/main">
+  <p:cSld>
+    <p:spTree>
+      <p:nvGrpSpPr>
+        <p:cNvPr id="1" name=""/>
+        <p:cNvGrpSpPr/>
+        <p:nvPr/>
+      </p:nvGrpSpPr>
+      <p:grpSpPr/>
+      <p:sp>
+        <p:nvSpPr>
+          <p:cNvPr id="2" name="Title 1"/>
+          <p:cNvSpPr>
+            <a:spLocks noGrp="1"/>
+          </p:cNvSpPr>
+          <p:nvPr>
+            <p:ph type="title"/>
+          </p:nvPr>
+        </p:nvSpPr>
+        <p:spPr>
+          <a:xfrm>
+            <a:off x="685800" y="306705"/>
+            <a:ext cx="7772400" cy="688975"/>
+          </a:xfrm>
+        </p:spPr>
+        <p:txBody>
+          <a:bodyPr/>
+          <a:p>
+            <a:r>
+              <a:rPr lang="en-US" altLang="en-US" sz="2800">
+                <a:latin typeface="Noto Serif CJK JP" panose="02020400000000000000" charset="-122"/>
+                <a:ea typeface="Noto Serif CJK JP" panose="02020400000000000000" charset="-122"/>
+              </a:rPr>
+              <a:t>Accessing Element</a:t>
+            </a:r>
+            <a:endParaRPr lang="en-US" altLang="en-US" sz="2800">
+              <a:latin typeface="Noto Serif CJK JP" panose="02020400000000000000" charset="-122"/>
+              <a:ea typeface="Noto Serif CJK JP" panose="02020400000000000000" charset="-122"/>
+            </a:endParaRPr>
+          </a:p>
+        </p:txBody>
+      </p:sp>
+      <p:sp>
+        <p:nvSpPr>
+          <p:cNvPr id="3" name="Content Placeholder 2"/>
+          <p:cNvSpPr>
+            <a:spLocks noGrp="1"/>
+          </p:cNvSpPr>
+          <p:nvPr>
+            <p:ph idx="1"/>
+          </p:nvPr>
+        </p:nvSpPr>
+        <p:spPr>
+          <a:xfrm>
+            <a:off x="685800" y="1449705"/>
+            <a:ext cx="7772400" cy="4969510"/>
+          </a:xfrm>
+        </p:spPr>
+        <p:txBody>
+          <a:bodyPr/>
+          <a:p>
+            <a:endParaRPr lang="en-US" altLang="en-US" sz="2400">
+              <a:latin typeface="Noto Serif CJK JP" panose="02020400000000000000" charset="-122"/>
+              <a:ea typeface="Noto Serif CJK JP" panose="02020400000000000000" charset="-122"/>
+            </a:endParaRPr>
+          </a:p>
+        </p:txBody>
+      </p:sp>
+    </p:spTree>
+  </p:cSld>
+  <p:clrMapOvr>
+    <a:masterClrMapping/>
+  </p:clrMapOvr>
+</p:sld>
+</file>
+
+<file path=ppt/slides/slide13.xml><?xml version="1.0" encoding="utf-8"?>
+<p:sld xmlns:a="http://schemas.openxmlformats.org/drawingml/2006/main" xmlns:r="http://schemas.openxmlformats.org/officeDocument/2006/relationships" xmlns:p="http://schemas.openxmlformats.org/presentationml/2006/main">
+  <p:cSld>
+    <p:spTree>
+      <p:nvGrpSpPr>
+        <p:cNvPr id="1" name=""/>
+        <p:cNvGrpSpPr/>
+        <p:nvPr/>
+      </p:nvGrpSpPr>
+      <p:grpSpPr/>
+      <p:sp>
+        <p:nvSpPr>
+          <p:cNvPr id="2" name="Title 1"/>
+          <p:cNvSpPr>
+            <a:spLocks noGrp="1"/>
+          </p:cNvSpPr>
+          <p:nvPr>
+            <p:ph type="title"/>
+          </p:nvPr>
+        </p:nvSpPr>
+        <p:spPr>
+          <a:xfrm>
+            <a:off x="685800" y="306705"/>
+            <a:ext cx="7772400" cy="688975"/>
+          </a:xfrm>
+        </p:spPr>
+        <p:txBody>
+          <a:bodyPr/>
+          <a:p>
+            <a:r>
+              <a:rPr lang="en-US" altLang="en-US" sz="2800">
+                <a:latin typeface="Noto Serif CJK JP" panose="02020400000000000000" charset="-122"/>
+                <a:ea typeface="Noto Serif CJK JP" panose="02020400000000000000" charset="-122"/>
+              </a:rPr>
+              <a:t>Insertion of Element</a:t>
+            </a:r>
+            <a:endParaRPr lang="en-US" altLang="en-US" sz="2800">
+              <a:latin typeface="Noto Serif CJK JP" panose="02020400000000000000" charset="-122"/>
+              <a:ea typeface="Noto Serif CJK JP" panose="02020400000000000000" charset="-122"/>
+            </a:endParaRPr>
+          </a:p>
+        </p:txBody>
+      </p:sp>
+      <p:sp>
+        <p:nvSpPr>
+          <p:cNvPr id="3" name="Content Placeholder 2"/>
+          <p:cNvSpPr>
+            <a:spLocks noGrp="1"/>
+          </p:cNvSpPr>
+          <p:nvPr>
+            <p:ph idx="1"/>
+          </p:nvPr>
+        </p:nvSpPr>
+        <p:spPr>
+          <a:xfrm>
+            <a:off x="685800" y="1449705"/>
+            <a:ext cx="7772400" cy="4969510"/>
+          </a:xfrm>
+        </p:spPr>
+        <p:txBody>
+          <a:bodyPr/>
+          <a:p>
+            <a:endParaRPr lang="en-US" altLang="en-US" sz="2400">
+              <a:latin typeface="Noto Serif CJK JP" panose="02020400000000000000" charset="-122"/>
+              <a:ea typeface="Noto Serif CJK JP" panose="02020400000000000000" charset="-122"/>
+            </a:endParaRPr>
+          </a:p>
+        </p:txBody>
+      </p:sp>
+    </p:spTree>
+  </p:cSld>
+  <p:clrMapOvr>
+    <a:masterClrMapping/>
+  </p:clrMapOvr>
+</p:sld>
+</file>
+
+<file path=ppt/slides/slide14.xml><?xml version="1.0" encoding="utf-8"?>
+<p:sld xmlns:a="http://schemas.openxmlformats.org/drawingml/2006/main" xmlns:r="http://schemas.openxmlformats.org/officeDocument/2006/relationships" xmlns:p="http://schemas.openxmlformats.org/presentationml/2006/main">
+  <p:cSld>
+    <p:spTree>
+      <p:nvGrpSpPr>
+        <p:cNvPr id="1" name=""/>
+        <p:cNvGrpSpPr/>
+        <p:nvPr/>
+      </p:nvGrpSpPr>
+      <p:grpSpPr/>
+      <p:sp>
+        <p:nvSpPr>
+          <p:cNvPr id="2" name="Title 1"/>
+          <p:cNvSpPr>
+            <a:spLocks noGrp="1"/>
+          </p:cNvSpPr>
+          <p:nvPr>
+            <p:ph type="title"/>
+          </p:nvPr>
+        </p:nvSpPr>
+        <p:spPr>
+          <a:xfrm>
+            <a:off x="685800" y="306705"/>
+            <a:ext cx="7772400" cy="688975"/>
+          </a:xfrm>
+        </p:spPr>
+        <p:txBody>
+          <a:bodyPr/>
+          <a:p>
+            <a:r>
+              <a:rPr lang="en-US" altLang="en-US" sz="2800">
+                <a:latin typeface="Noto Serif CJK JP" panose="02020400000000000000" charset="-122"/>
+                <a:ea typeface="Noto Serif CJK JP" panose="02020400000000000000" charset="-122"/>
+              </a:rPr>
+              <a:t>Deletion of Element</a:t>
+            </a:r>
+            <a:endParaRPr lang="en-US" altLang="en-US" sz="2800">
+              <a:latin typeface="Noto Serif CJK JP" panose="02020400000000000000" charset="-122"/>
+              <a:ea typeface="Noto Serif CJK JP" panose="02020400000000000000" charset="-122"/>
+            </a:endParaRPr>
+          </a:p>
+        </p:txBody>
+      </p:sp>
+      <p:sp>
+        <p:nvSpPr>
+          <p:cNvPr id="3" name="Content Placeholder 2"/>
+          <p:cNvSpPr>
+            <a:spLocks noGrp="1"/>
+          </p:cNvSpPr>
+          <p:nvPr>
+            <p:ph idx="1"/>
+          </p:nvPr>
+        </p:nvSpPr>
+        <p:spPr>
+          <a:xfrm>
+            <a:off x="685800" y="1449705"/>
+            <a:ext cx="7772400" cy="4969510"/>
+          </a:xfrm>
+        </p:spPr>
+        <p:txBody>
+          <a:bodyPr/>
+          <a:p>
+            <a:endParaRPr lang="en-US" altLang="en-US" sz="2400">
+              <a:latin typeface="Noto Serif CJK JP" panose="02020400000000000000" charset="-122"/>
+              <a:ea typeface="Noto Serif CJK JP" panose="02020400000000000000" charset="-122"/>
+            </a:endParaRPr>
+          </a:p>
+        </p:txBody>
+      </p:sp>
+    </p:spTree>
+  </p:cSld>
+  <p:clrMapOvr>
+    <a:masterClrMapping/>
+  </p:clrMapOvr>
+</p:sld>
+</file>
+
+<file path=ppt/slides/slide15.xml><?xml version="1.0" encoding="utf-8"?>
+<p:sld xmlns:a="http://schemas.openxmlformats.org/drawingml/2006/main" xmlns:r="http://schemas.openxmlformats.org/officeDocument/2006/relationships" xmlns:p="http://schemas.openxmlformats.org/presentationml/2006/main">
+  <p:cSld>
+    <p:spTree>
+      <p:nvGrpSpPr>
+        <p:cNvPr id="1" name=""/>
+        <p:cNvGrpSpPr/>
+        <p:nvPr/>
+      </p:nvGrpSpPr>
+      <p:grpSpPr/>
+      <p:sp>
+        <p:nvSpPr>
+          <p:cNvPr id="2" name="Title 1"/>
+          <p:cNvSpPr>
+            <a:spLocks noGrp="1"/>
+          </p:cNvSpPr>
+          <p:nvPr>
+            <p:ph type="title"/>
+          </p:nvPr>
+        </p:nvSpPr>
+        <p:spPr>
+          <a:xfrm>
+            <a:off x="685800" y="203835"/>
+            <a:ext cx="7772400" cy="652145"/>
+          </a:xfrm>
+        </p:spPr>
+        <p:txBody>
+          <a:bodyPr/>
+          <a:p>
+            <a:r>
+              <a:rPr lang="" altLang="en-US" sz="2800">
+                <a:latin typeface="Noto Serif CJK JP" panose="02020400000000000000" charset="-122"/>
+                <a:ea typeface="Noto Serif CJK JP" panose="02020400000000000000" charset="-122"/>
+              </a:rPr>
+              <a:t>Stack </a:t>
+            </a:r>
+            <a:endParaRPr lang="" altLang="en-US" sz="2800">
+              <a:latin typeface="Noto Serif CJK JP" panose="02020400000000000000" charset="-122"/>
+              <a:ea typeface="Noto Serif CJK JP" panose="02020400000000000000" charset="-122"/>
+            </a:endParaRPr>
+          </a:p>
+        </p:txBody>
+      </p:sp>
+      <p:sp>
+        <p:nvSpPr>
+          <p:cNvPr id="3" name="Content Placeholder 2"/>
+          <p:cNvSpPr>
+            <a:spLocks noGrp="1"/>
+          </p:cNvSpPr>
+          <p:nvPr>
+            <p:ph idx="1"/>
+          </p:nvPr>
+        </p:nvSpPr>
+        <p:spPr>
+          <a:xfrm>
+            <a:off x="685800" y="1036955"/>
+            <a:ext cx="7772400" cy="5382260"/>
+          </a:xfrm>
+        </p:spPr>
+        <p:txBody>
+          <a:bodyPr/>
+          <a:p>
+            <a:pPr>
+              <a:lnSpc>
+                <a:spcPct val="180000"/>
+              </a:lnSpc>
+            </a:pPr>
+            <a:r>
+              <a:rPr lang="en-US" altLang="en-US" sz="2400">
+                <a:latin typeface="Noto Serif CJK JP" panose="02020400000000000000" charset="-122"/>
+                <a:ea typeface="Noto Serif CJK JP" panose="02020400000000000000" charset="-122"/>
+              </a:rPr>
+              <a:t>L</a:t>
+            </a:r>
+            <a:r>
+              <a:rPr lang="en-US" sz="2400">
+                <a:latin typeface="Noto Serif CJK JP" panose="02020400000000000000" charset="-122"/>
+                <a:ea typeface="Noto Serif CJK JP" panose="02020400000000000000" charset="-122"/>
+              </a:rPr>
+              <a:t>inear data structure</a:t>
+            </a:r>
+            <a:endParaRPr lang="en-US" sz="2400">
+              <a:latin typeface="Noto Serif CJK JP" panose="02020400000000000000" charset="-122"/>
+              <a:ea typeface="Noto Serif CJK JP" panose="02020400000000000000" charset="-122"/>
+            </a:endParaRPr>
+          </a:p>
+          <a:p>
+            <a:pPr>
+              <a:lnSpc>
+                <a:spcPct val="180000"/>
+              </a:lnSpc>
+            </a:pPr>
+            <a:r>
+              <a:rPr lang="" altLang="en-US" sz="2400">
+                <a:latin typeface="Noto Serif CJK JP" panose="02020400000000000000" charset="-122"/>
+                <a:ea typeface="Noto Serif CJK JP" panose="02020400000000000000" charset="-122"/>
+              </a:rPr>
+              <a:t>N</a:t>
+            </a:r>
+            <a:r>
+              <a:rPr lang="en-US" sz="2400">
+                <a:latin typeface="Noto Serif CJK JP" panose="02020400000000000000" charset="-122"/>
+                <a:ea typeface="Noto Serif CJK JP" panose="02020400000000000000" charset="-122"/>
+              </a:rPr>
+              <a:t>ew element is added at one end and (top) an element is removed from that end only.</a:t>
+            </a:r>
+            <a:endParaRPr lang="en-US" sz="2400">
+              <a:latin typeface="Noto Serif CJK JP" panose="02020400000000000000" charset="-122"/>
+              <a:ea typeface="Noto Serif CJK JP" panose="02020400000000000000" charset="-122"/>
+            </a:endParaRPr>
+          </a:p>
+          <a:p>
+            <a:pPr>
+              <a:lnSpc>
+                <a:spcPct val="180000"/>
+              </a:lnSpc>
+            </a:pPr>
+            <a:r>
+              <a:rPr lang="en-US" sz="2400">
+                <a:latin typeface="Noto Serif CJK JP" panose="02020400000000000000" charset="-122"/>
+                <a:ea typeface="Noto Serif CJK JP" panose="02020400000000000000" charset="-122"/>
+              </a:rPr>
+              <a:t>LIFO(Last In First Out) or FILO(First In Last Out).</a:t>
+            </a:r>
+            <a:endParaRPr lang="en-US" sz="2400">
+              <a:latin typeface="Noto Serif CJK JP" panose="02020400000000000000" charset="-122"/>
+              <a:ea typeface="Noto Serif CJK JP" panose="02020400000000000000" charset="-122"/>
+            </a:endParaRPr>
+          </a:p>
+          <a:p>
+            <a:pPr>
+              <a:lnSpc>
+                <a:spcPct val="180000"/>
+              </a:lnSpc>
+            </a:pPr>
+            <a:r>
+              <a:rPr lang="" altLang="en-US" sz="2400">
+                <a:latin typeface="Noto Serif CJK JP" panose="02020400000000000000" charset="-122"/>
+                <a:ea typeface="Noto Serif CJK JP" panose="02020400000000000000" charset="-122"/>
+              </a:rPr>
+              <a:t>Example : </a:t>
+            </a:r>
+            <a:r>
+              <a:rPr lang="en-US" altLang="en-US" sz="2400">
+                <a:latin typeface="Noto Serif CJK JP" panose="02020400000000000000" charset="-122"/>
+                <a:ea typeface="Noto Serif CJK JP" panose="02020400000000000000" charset="-122"/>
+              </a:rPr>
+              <a:t>plates stacked over one another </a:t>
+            </a:r>
+            <a:endParaRPr lang="en-US" altLang="en-US" sz="2400">
+              <a:latin typeface="Noto Serif CJK JP" panose="02020400000000000000" charset="-122"/>
+              <a:ea typeface="Noto Serif CJK JP" panose="02020400000000000000" charset="-122"/>
+            </a:endParaRPr>
+          </a:p>
+          <a:p>
+            <a:pPr>
+              <a:lnSpc>
+                <a:spcPct val="180000"/>
+              </a:lnSpc>
+            </a:pPr>
+            <a:r>
+              <a:rPr lang="" altLang="en-US" sz="2400">
+                <a:latin typeface="Noto Serif CJK JP" panose="02020400000000000000" charset="-122"/>
+                <a:ea typeface="Noto Serif CJK JP" panose="02020400000000000000" charset="-122"/>
+              </a:rPr>
+              <a:t>Can be Implemented u</a:t>
+            </a:r>
+            <a:r>
+              <a:rPr lang="en-US" altLang="en-US" sz="2400">
+                <a:latin typeface="Noto Serif CJK JP" panose="02020400000000000000" charset="-122"/>
+                <a:ea typeface="Noto Serif CJK JP" panose="02020400000000000000" charset="-122"/>
+              </a:rPr>
+              <a:t>s</a:t>
+            </a:r>
+            <a:r>
+              <a:rPr lang="" altLang="en-US" sz="2400">
+                <a:latin typeface="Noto Serif CJK JP" panose="02020400000000000000" charset="-122"/>
+                <a:ea typeface="Noto Serif CJK JP" panose="02020400000000000000" charset="-122"/>
+              </a:rPr>
+              <a:t>ing Array or Linked List</a:t>
+            </a:r>
+            <a:endParaRPr lang="en-US" altLang="en-US" sz="2400">
+              <a:latin typeface="Noto Serif CJK JP" panose="02020400000000000000" charset="-122"/>
+              <a:ea typeface="Noto Serif CJK JP" panose="02020400000000000000" charset="-122"/>
+            </a:endParaRPr>
+          </a:p>
+          <a:p>
+            <a:pPr marL="0" indent="0">
+              <a:buNone/>
+            </a:pPr>
+            <a:endParaRPr lang="en-US" altLang="en-US" sz="2100">
+              <a:latin typeface="Noto Serif CJK JP" panose="02020400000000000000" charset="-122"/>
+              <a:ea typeface="Noto Serif CJK JP" panose="02020400000000000000" charset="-122"/>
+            </a:endParaRPr>
+          </a:p>
+        </p:txBody>
+      </p:sp>
+    </p:spTree>
+  </p:cSld>
+  <p:clrMapOvr>
+    <a:masterClrMapping/>
+  </p:clrMapOvr>
+</p:sld>
+</file>
+
+<file path=ppt/slides/slide16.xml><?xml version="1.0" encoding="utf-8"?>
+<p:sld xmlns:a="http://schemas.openxmlformats.org/drawingml/2006/main" xmlns:r="http://schemas.openxmlformats.org/officeDocument/2006/relationships" xmlns:p="http://schemas.openxmlformats.org/presentationml/2006/main">
+  <p:cSld>
+    <p:spTree>
+      <p:nvGrpSpPr>
+        <p:cNvPr id="1" name=""/>
+        <p:cNvGrpSpPr/>
+        <p:nvPr/>
+      </p:nvGrpSpPr>
+      <p:grpSpPr/>
+      <p:sp>
+        <p:nvSpPr>
+          <p:cNvPr id="2" name="Title 1"/>
+          <p:cNvSpPr>
+            <a:spLocks noGrp="1"/>
+          </p:cNvSpPr>
+          <p:nvPr>
+            <p:ph type="title"/>
+          </p:nvPr>
+        </p:nvSpPr>
+        <p:spPr>
+          <a:xfrm>
+            <a:off x="685800" y="203835"/>
+            <a:ext cx="7772400" cy="652145"/>
+          </a:xfrm>
+        </p:spPr>
+        <p:txBody>
+          <a:bodyPr/>
+          <a:p>
+            <a:r>
+              <a:rPr lang="en-US" altLang="en-US" sz="2800">
+                <a:latin typeface="Noto Serif CJK JP" panose="02020400000000000000" charset="-122"/>
+                <a:ea typeface="Noto Serif CJK JP" panose="02020400000000000000" charset="-122"/>
+              </a:rPr>
+              <a:t>Stack  </a:t>
+            </a:r>
+            <a:r>
+              <a:rPr lang="" altLang="en-US" sz="2800">
+                <a:latin typeface="Noto Serif CJK JP" panose="02020400000000000000" charset="-122"/>
+                <a:ea typeface="Noto Serif CJK JP" panose="02020400000000000000" charset="-122"/>
+              </a:rPr>
+              <a:t>Example</a:t>
+            </a:r>
+            <a:endParaRPr lang="" altLang="en-US" sz="2800">
+              <a:latin typeface="Noto Serif CJK JP" panose="02020400000000000000" charset="-122"/>
+              <a:ea typeface="Noto Serif CJK JP" panose="02020400000000000000" charset="-122"/>
+            </a:endParaRPr>
+          </a:p>
+        </p:txBody>
+      </p:sp>
+      <p:pic>
+        <p:nvPicPr>
+          <p:cNvPr id="4" name="Content Placeholder 3" descr="stack"/>
+          <p:cNvPicPr>
+            <a:picLocks noChangeAspect="1"/>
+          </p:cNvPicPr>
+          <p:nvPr>
+            <p:ph idx="1"/>
+          </p:nvPr>
+        </p:nvPicPr>
+        <p:blipFill>
+          <a:blip r:embed="rId1"/>
+          <a:stretch>
+            <a:fillRect/>
+          </a:stretch>
+        </p:blipFill>
+        <p:spPr>
+          <a:xfrm>
+            <a:off x="768985" y="1295400"/>
+            <a:ext cx="7605395" cy="5382260"/>
+          </a:xfrm>
+          <a:prstGeom prst="rect">
+            <a:avLst/>
+          </a:prstGeom>
+        </p:spPr>
+      </p:pic>
+    </p:spTree>
+  </p:cSld>
+  <p:clrMapOvr>
+    <a:masterClrMapping/>
+  </p:clrMapOvr>
+</p:sld>
+</file>
+
+<file path=ppt/slides/slide17.xml><?xml version="1.0" encoding="utf-8"?>
+<p:sld xmlns:a="http://schemas.openxmlformats.org/drawingml/2006/main" xmlns:r="http://schemas.openxmlformats.org/officeDocument/2006/relationships" xmlns:p="http://schemas.openxmlformats.org/presentationml/2006/main">
+  <p:cSld>
+    <p:spTree>
+      <p:nvGrpSpPr>
+        <p:cNvPr id="1" name=""/>
+        <p:cNvGrpSpPr/>
+        <p:nvPr/>
+      </p:nvGrpSpPr>
+      <p:grpSpPr/>
+      <p:sp>
+        <p:nvSpPr>
+          <p:cNvPr id="3" name="Content Placeholder 2"/>
+          <p:cNvSpPr>
+            <a:spLocks noGrp="1"/>
+          </p:cNvSpPr>
+          <p:nvPr>
+            <p:ph idx="1"/>
+          </p:nvPr>
+        </p:nvSpPr>
+        <p:spPr>
+          <a:xfrm>
+            <a:off x="685800" y="928370"/>
+            <a:ext cx="7772400" cy="5702300"/>
+          </a:xfrm>
+        </p:spPr>
+        <p:txBody>
+          <a:bodyPr/>
+          <a:p>
+            <a:pPr marL="0" indent="0">
+              <a:lnSpc>
+                <a:spcPct val="80000"/>
+              </a:lnSpc>
+              <a:buNone/>
+            </a:pPr>
+            <a:r>
+              <a:rPr lang="en-US" sz="1800">
+                <a:latin typeface="FreeMono" panose="020F0409020205020404" charset="0"/>
+                <a:ea typeface="FreeMono" panose="020F0409020205020404" charset="0"/>
+              </a:rPr>
+              <a:t>class </a:t>
+            </a:r>
+            <a:r>
+              <a:rPr lang="en-US" sz="1800" b="1">
+                <a:latin typeface="FreeMono" panose="020F0409020205020404" charset="0"/>
+                <a:ea typeface="FreeMono" panose="020F0409020205020404" charset="0"/>
+              </a:rPr>
+              <a:t>StackX</a:t>
+            </a:r>
+            <a:endParaRPr lang="en-US" sz="1800">
+              <a:latin typeface="FreeMono" panose="020F0409020205020404" charset="0"/>
+              <a:ea typeface="FreeMono" panose="020F0409020205020404" charset="0"/>
+            </a:endParaRPr>
+          </a:p>
+          <a:p>
+            <a:pPr marL="0" indent="0">
+              <a:lnSpc>
+                <a:spcPct val="80000"/>
+              </a:lnSpc>
+              <a:buNone/>
+            </a:pPr>
+            <a:r>
+              <a:rPr lang="en-US" sz="1800">
+                <a:latin typeface="FreeMono" panose="020F0409020205020404" charset="0"/>
+                <a:ea typeface="FreeMono" panose="020F0409020205020404" charset="0"/>
+              </a:rPr>
+              <a:t>{</a:t>
+            </a:r>
+            <a:endParaRPr lang="en-US" sz="1800">
+              <a:latin typeface="FreeMono" panose="020F0409020205020404" charset="0"/>
+              <a:ea typeface="FreeMono" panose="020F0409020205020404" charset="0"/>
+            </a:endParaRPr>
+          </a:p>
+          <a:p>
+            <a:pPr marL="0" indent="0">
+              <a:lnSpc>
+                <a:spcPct val="80000"/>
+              </a:lnSpc>
+              <a:buNone/>
+            </a:pPr>
+            <a:r>
+              <a:rPr lang="" altLang="en-US" sz="1800">
+                <a:latin typeface="FreeMono" panose="020F0409020205020404" charset="0"/>
+                <a:ea typeface="FreeMono" panose="020F0409020205020404" charset="0"/>
+              </a:rPr>
+              <a:t>	</a:t>
+            </a:r>
+            <a:r>
+              <a:rPr lang="en-US" sz="1800">
+                <a:latin typeface="FreeMono" panose="020F0409020205020404" charset="0"/>
+                <a:ea typeface="FreeMono" panose="020F0409020205020404" charset="0"/>
+              </a:rPr>
+              <a:t>private int maxSize; // size of stack array</a:t>
+            </a:r>
+            <a:endParaRPr lang="en-US" sz="1800">
+              <a:latin typeface="FreeMono" panose="020F0409020205020404" charset="0"/>
+              <a:ea typeface="FreeMono" panose="020F0409020205020404" charset="0"/>
+            </a:endParaRPr>
+          </a:p>
+          <a:p>
+            <a:pPr marL="0" indent="0">
+              <a:lnSpc>
+                <a:spcPct val="80000"/>
+              </a:lnSpc>
+              <a:buNone/>
+            </a:pPr>
+            <a:r>
+              <a:rPr lang="" altLang="en-US" sz="1800">
+                <a:latin typeface="FreeMono" panose="020F0409020205020404" charset="0"/>
+                <a:ea typeface="FreeMono" panose="020F0409020205020404" charset="0"/>
+              </a:rPr>
+              <a:t>	</a:t>
+            </a:r>
+            <a:r>
+              <a:rPr lang="en-US" sz="1800">
+                <a:latin typeface="FreeMono" panose="020F0409020205020404" charset="0"/>
+                <a:ea typeface="FreeMono" panose="020F0409020205020404" charset="0"/>
+              </a:rPr>
+              <a:t>private long[] stackArray;</a:t>
+            </a:r>
+            <a:endParaRPr lang="en-US" sz="1800">
+              <a:latin typeface="FreeMono" panose="020F0409020205020404" charset="0"/>
+              <a:ea typeface="FreeMono" panose="020F0409020205020404" charset="0"/>
+            </a:endParaRPr>
+          </a:p>
+          <a:p>
+            <a:pPr marL="0" indent="0">
+              <a:lnSpc>
+                <a:spcPct val="80000"/>
+              </a:lnSpc>
+              <a:buNone/>
+            </a:pPr>
+            <a:r>
+              <a:rPr lang="" altLang="en-US" sz="1800">
+                <a:latin typeface="FreeMono" panose="020F0409020205020404" charset="0"/>
+                <a:ea typeface="FreeMono" panose="020F0409020205020404" charset="0"/>
+              </a:rPr>
+              <a:t>	</a:t>
+            </a:r>
+            <a:r>
+              <a:rPr lang="en-US" sz="1800">
+                <a:latin typeface="FreeMono" panose="020F0409020205020404" charset="0"/>
+                <a:ea typeface="FreeMono" panose="020F0409020205020404" charset="0"/>
+              </a:rPr>
+              <a:t>private int top; // top of stack</a:t>
+            </a:r>
+            <a:endParaRPr lang="en-US" sz="1800">
+              <a:latin typeface="FreeMono" panose="020F0409020205020404" charset="0"/>
+              <a:ea typeface="FreeMono" panose="020F0409020205020404" charset="0"/>
+            </a:endParaRPr>
+          </a:p>
+          <a:p>
+            <a:pPr marL="0" indent="0">
+              <a:lnSpc>
+                <a:spcPct val="80000"/>
+              </a:lnSpc>
+              <a:buNone/>
+            </a:pPr>
+            <a:r>
+              <a:rPr lang="en-US" sz="1800">
+                <a:latin typeface="FreeMono" panose="020F0409020205020404" charset="0"/>
+                <a:ea typeface="FreeMono" panose="020F0409020205020404" charset="0"/>
+              </a:rPr>
+              <a:t>-------------------------------------------------------</a:t>
+            </a:r>
+            <a:endParaRPr lang="en-US" sz="1800">
+              <a:latin typeface="FreeMono" panose="020F0409020205020404" charset="0"/>
+              <a:ea typeface="FreeMono" panose="020F0409020205020404" charset="0"/>
+            </a:endParaRPr>
+          </a:p>
+          <a:p>
+            <a:pPr marL="0" indent="0">
+              <a:lnSpc>
+                <a:spcPct val="80000"/>
+              </a:lnSpc>
+              <a:buNone/>
+            </a:pPr>
+            <a:r>
+              <a:rPr lang="en-US" sz="1800">
+                <a:latin typeface="FreeMono" panose="020F0409020205020404" charset="0"/>
+                <a:ea typeface="FreeMono" panose="020F0409020205020404" charset="0"/>
+              </a:rPr>
+              <a:t>public </a:t>
+            </a:r>
+            <a:r>
+              <a:rPr lang="" altLang="en-US" sz="1800">
+                <a:latin typeface="FreeMono" panose="020F0409020205020404" charset="0"/>
+                <a:ea typeface="FreeMono" panose="020F0409020205020404" charset="0"/>
+              </a:rPr>
+              <a:t>void </a:t>
+            </a:r>
+            <a:r>
+              <a:rPr lang="en-US" sz="1800">
+                <a:latin typeface="FreeMono" panose="020F0409020205020404" charset="0"/>
+                <a:ea typeface="FreeMono" panose="020F0409020205020404" charset="0"/>
+              </a:rPr>
+              <a:t>StackX(int s) // constructor</a:t>
+            </a:r>
+            <a:endParaRPr lang="en-US" sz="1800">
+              <a:latin typeface="FreeMono" panose="020F0409020205020404" charset="0"/>
+              <a:ea typeface="FreeMono" panose="020F0409020205020404" charset="0"/>
+            </a:endParaRPr>
+          </a:p>
+          <a:p>
+            <a:pPr marL="0" indent="0">
+              <a:lnSpc>
+                <a:spcPct val="80000"/>
+              </a:lnSpc>
+              <a:buNone/>
+            </a:pPr>
+            <a:r>
+              <a:rPr lang="en-US" sz="1800">
+                <a:latin typeface="FreeMono" panose="020F0409020205020404" charset="0"/>
+                <a:ea typeface="FreeMono" panose="020F0409020205020404" charset="0"/>
+              </a:rPr>
+              <a:t>{</a:t>
+            </a:r>
+            <a:endParaRPr lang="en-US" sz="1800">
+              <a:latin typeface="FreeMono" panose="020F0409020205020404" charset="0"/>
+              <a:ea typeface="FreeMono" panose="020F0409020205020404" charset="0"/>
+            </a:endParaRPr>
+          </a:p>
+          <a:p>
+            <a:pPr marL="0" indent="0">
+              <a:lnSpc>
+                <a:spcPct val="80000"/>
+              </a:lnSpc>
+              <a:buNone/>
+            </a:pPr>
+            <a:r>
+              <a:rPr lang="" altLang="en-US" sz="1800">
+                <a:latin typeface="FreeMono" panose="020F0409020205020404" charset="0"/>
+                <a:ea typeface="FreeMono" panose="020F0409020205020404" charset="0"/>
+              </a:rPr>
+              <a:t>	</a:t>
+            </a:r>
+            <a:r>
+              <a:rPr lang="en-US" sz="1800">
+                <a:latin typeface="FreeMono" panose="020F0409020205020404" charset="0"/>
+                <a:ea typeface="FreeMono" panose="020F0409020205020404" charset="0"/>
+              </a:rPr>
+              <a:t>maxSize = s; // set array size</a:t>
+            </a:r>
+            <a:endParaRPr lang="en-US" sz="1800">
+              <a:latin typeface="FreeMono" panose="020F0409020205020404" charset="0"/>
+              <a:ea typeface="FreeMono" panose="020F0409020205020404" charset="0"/>
+            </a:endParaRPr>
+          </a:p>
+          <a:p>
+            <a:pPr marL="0" indent="0">
+              <a:lnSpc>
+                <a:spcPct val="80000"/>
+              </a:lnSpc>
+              <a:buNone/>
+            </a:pPr>
+            <a:r>
+              <a:rPr lang="" altLang="en-US" sz="1800">
+                <a:latin typeface="FreeMono" panose="020F0409020205020404" charset="0"/>
+                <a:ea typeface="FreeMono" panose="020F0409020205020404" charset="0"/>
+              </a:rPr>
+              <a:t>	</a:t>
+            </a:r>
+            <a:r>
+              <a:rPr lang="en-US" sz="1800">
+                <a:latin typeface="FreeMono" panose="020F0409020205020404" charset="0"/>
+                <a:ea typeface="FreeMono" panose="020F0409020205020404" charset="0"/>
+              </a:rPr>
+              <a:t>stackArray = new long[maxSize]; // create array</a:t>
+            </a:r>
+            <a:endParaRPr lang="en-US" sz="1800">
+              <a:latin typeface="FreeMono" panose="020F0409020205020404" charset="0"/>
+              <a:ea typeface="FreeMono" panose="020F0409020205020404" charset="0"/>
+            </a:endParaRPr>
+          </a:p>
+          <a:p>
+            <a:pPr marL="0" indent="0">
+              <a:lnSpc>
+                <a:spcPct val="80000"/>
+              </a:lnSpc>
+              <a:buNone/>
+            </a:pPr>
+            <a:r>
+              <a:rPr lang="" altLang="en-US" sz="1800">
+                <a:latin typeface="FreeMono" panose="020F0409020205020404" charset="0"/>
+                <a:ea typeface="FreeMono" panose="020F0409020205020404" charset="0"/>
+              </a:rPr>
+              <a:t>	</a:t>
+            </a:r>
+            <a:r>
+              <a:rPr lang="en-US" sz="1800">
+                <a:latin typeface="FreeMono" panose="020F0409020205020404" charset="0"/>
+                <a:ea typeface="FreeMono" panose="020F0409020205020404" charset="0"/>
+              </a:rPr>
+              <a:t>top = -1; // no items yet</a:t>
+            </a:r>
+            <a:endParaRPr lang="en-US" sz="1800">
+              <a:latin typeface="FreeMono" panose="020F0409020205020404" charset="0"/>
+              <a:ea typeface="FreeMono" panose="020F0409020205020404" charset="0"/>
+            </a:endParaRPr>
+          </a:p>
+          <a:p>
+            <a:pPr marL="0" indent="0">
+              <a:lnSpc>
+                <a:spcPct val="80000"/>
+              </a:lnSpc>
+              <a:buNone/>
+            </a:pPr>
+            <a:r>
+              <a:rPr lang="en-US" sz="1800">
+                <a:latin typeface="FreeMono" panose="020F0409020205020404" charset="0"/>
+                <a:ea typeface="FreeMono" panose="020F0409020205020404" charset="0"/>
+              </a:rPr>
+              <a:t>}</a:t>
+            </a:r>
+            <a:endParaRPr lang="en-US" sz="1800">
+              <a:latin typeface="FreeMono" panose="020F0409020205020404" charset="0"/>
+              <a:ea typeface="FreeMono" panose="020F0409020205020404" charset="0"/>
+            </a:endParaRPr>
+          </a:p>
+          <a:p>
+            <a:pPr marL="0" indent="0">
+              <a:lnSpc>
+                <a:spcPct val="80000"/>
+              </a:lnSpc>
+              <a:buNone/>
+            </a:pPr>
+            <a:r>
+              <a:rPr lang="en-US" sz="1800">
+                <a:latin typeface="FreeMono" panose="020F0409020205020404" charset="0"/>
+                <a:ea typeface="FreeMono" panose="020F0409020205020404" charset="0"/>
+              </a:rPr>
+              <a:t>-----------------------------------------------------</a:t>
+            </a:r>
+            <a:r>
+              <a:rPr lang="" altLang="en-US" sz="1800">
+                <a:latin typeface="FreeMono" panose="020F0409020205020404" charset="0"/>
+                <a:ea typeface="FreeMono" panose="020F0409020205020404" charset="0"/>
+              </a:rPr>
+              <a:t>--</a:t>
+            </a:r>
+            <a:endParaRPr lang="en-US" sz="1800">
+              <a:latin typeface="FreeMono" panose="020F0409020205020404" charset="0"/>
+              <a:ea typeface="FreeMono" panose="020F0409020205020404" charset="0"/>
+            </a:endParaRPr>
+          </a:p>
+          <a:p>
+            <a:pPr marL="0" indent="0">
+              <a:lnSpc>
+                <a:spcPct val="80000"/>
+              </a:lnSpc>
+              <a:buNone/>
+            </a:pPr>
+            <a:endParaRPr lang="en-US" sz="1800">
+              <a:latin typeface="FreeMono" panose="020F0409020205020404" charset="0"/>
+              <a:ea typeface="FreeMono" panose="020F0409020205020404" charset="0"/>
+            </a:endParaRPr>
+          </a:p>
+          <a:p>
+            <a:pPr marL="0" indent="0">
+              <a:lnSpc>
+                <a:spcPct val="80000"/>
+              </a:lnSpc>
+              <a:buNone/>
+            </a:pPr>
+            <a:r>
+              <a:rPr lang="en-US" sz="1800">
+                <a:latin typeface="FreeMono" panose="020F0409020205020404" charset="0"/>
+                <a:ea typeface="FreeMono" panose="020F0409020205020404" charset="0"/>
+              </a:rPr>
+              <a:t>public void push(long j) // put item on top of stack</a:t>
+            </a:r>
+            <a:endParaRPr lang="en-US" sz="1800">
+              <a:latin typeface="FreeMono" panose="020F0409020205020404" charset="0"/>
+              <a:ea typeface="FreeMono" panose="020F0409020205020404" charset="0"/>
+            </a:endParaRPr>
+          </a:p>
+          <a:p>
+            <a:pPr marL="0" indent="0">
+              <a:lnSpc>
+                <a:spcPct val="80000"/>
+              </a:lnSpc>
+              <a:buNone/>
+            </a:pPr>
+            <a:r>
+              <a:rPr lang="en-US" sz="1800">
+                <a:latin typeface="FreeMono" panose="020F0409020205020404" charset="0"/>
+                <a:ea typeface="FreeMono" panose="020F0409020205020404" charset="0"/>
+              </a:rPr>
+              <a:t>{</a:t>
+            </a:r>
+            <a:endParaRPr lang="en-US" sz="1800">
+              <a:latin typeface="FreeMono" panose="020F0409020205020404" charset="0"/>
+              <a:ea typeface="FreeMono" panose="020F0409020205020404" charset="0"/>
+            </a:endParaRPr>
+          </a:p>
+          <a:p>
+            <a:pPr marL="0" indent="0">
+              <a:lnSpc>
+                <a:spcPct val="80000"/>
+              </a:lnSpc>
+              <a:buNone/>
+            </a:pPr>
+            <a:r>
+              <a:rPr lang="en-US" sz="1800">
+                <a:latin typeface="FreeMono" panose="020F0409020205020404" charset="0"/>
+                <a:ea typeface="FreeMono" panose="020F0409020205020404" charset="0"/>
+              </a:rPr>
+              <a:t>stackArray[++top] = j; // increment top, insert item</a:t>
+            </a:r>
+            <a:endParaRPr lang="en-US" sz="1800">
+              <a:latin typeface="FreeMono" panose="020F0409020205020404" charset="0"/>
+              <a:ea typeface="FreeMono" panose="020F0409020205020404" charset="0"/>
+            </a:endParaRPr>
+          </a:p>
+          <a:p>
+            <a:pPr marL="0" indent="0">
+              <a:lnSpc>
+                <a:spcPct val="80000"/>
+              </a:lnSpc>
+              <a:buNone/>
+            </a:pPr>
+            <a:r>
+              <a:rPr lang="en-US" sz="1800">
+                <a:latin typeface="FreeMono" panose="020F0409020205020404" charset="0"/>
+                <a:ea typeface="FreeMono" panose="020F0409020205020404" charset="0"/>
+              </a:rPr>
+              <a:t>}</a:t>
+            </a:r>
+            <a:endParaRPr lang="en-US" sz="1800">
+              <a:latin typeface="FreeMono" panose="020F0409020205020404" charset="0"/>
+              <a:ea typeface="FreeMono" panose="020F0409020205020404" charset="0"/>
+            </a:endParaRPr>
+          </a:p>
+        </p:txBody>
+      </p:sp>
+      <p:sp>
+        <p:nvSpPr>
+          <p:cNvPr id="2" name="Title 1"/>
+          <p:cNvSpPr>
+            <a:spLocks noGrp="1"/>
+          </p:cNvSpPr>
+          <p:nvPr>
+            <p:ph type="title"/>
+          </p:nvPr>
+        </p:nvSpPr>
+        <p:spPr>
+          <a:xfrm>
+            <a:off x="466090" y="15875"/>
+            <a:ext cx="7772400" cy="911860"/>
+          </a:xfrm>
+        </p:spPr>
+        <p:txBody>
+          <a:bodyPr/>
+          <a:p>
+            <a:r>
+              <a:rPr lang="en-US" altLang="en-US">
+                <a:latin typeface="Noto Serif CJK JP" panose="02020400000000000000" charset="-122"/>
+                <a:ea typeface="Noto Serif CJK JP" panose="02020400000000000000" charset="-122"/>
+                <a:sym typeface="+mn-ea"/>
+              </a:rPr>
+              <a:t>Implementation</a:t>
+            </a:r>
+            <a:endParaRPr lang="en-US" altLang="en-US">
+              <a:latin typeface="Noto Serif CJK JP" panose="02020400000000000000" charset="-122"/>
+              <a:ea typeface="Noto Serif CJK JP" panose="02020400000000000000" charset="-122"/>
+            </a:endParaRPr>
+          </a:p>
+        </p:txBody>
+      </p:sp>
+    </p:spTree>
+  </p:cSld>
+  <p:clrMapOvr>
+    <a:masterClrMapping/>
+  </p:clrMapOvr>
+</p:sld>
+</file>
+
+<file path=ppt/slides/slide18.xml><?xml version="1.0" encoding="utf-8"?>
+<p:sld xmlns:a="http://schemas.openxmlformats.org/drawingml/2006/main" xmlns:r="http://schemas.openxmlformats.org/officeDocument/2006/relationships" xmlns:p="http://schemas.openxmlformats.org/presentationml/2006/main">
+  <p:cSld>
+    <p:spTree>
+      <p:nvGrpSpPr>
+        <p:cNvPr id="1" name=""/>
+        <p:cNvGrpSpPr/>
+        <p:nvPr/>
+      </p:nvGrpSpPr>
+      <p:grpSpPr/>
+      <p:sp>
+        <p:nvSpPr>
+          <p:cNvPr id="3" name="Content Placeholder 2"/>
+          <p:cNvSpPr>
+            <a:spLocks noGrp="1"/>
+          </p:cNvSpPr>
+          <p:nvPr>
+            <p:ph idx="1"/>
+          </p:nvPr>
+        </p:nvSpPr>
+        <p:spPr>
+          <a:xfrm>
+            <a:off x="685800" y="928370"/>
+            <a:ext cx="7772400" cy="5702300"/>
+          </a:xfrm>
+        </p:spPr>
+        <p:txBody>
+          <a:bodyPr/>
+          <a:p>
+            <a:pPr marL="0" indent="0">
+              <a:lnSpc>
+                <a:spcPct val="80000"/>
+              </a:lnSpc>
+              <a:buNone/>
+            </a:pPr>
+            <a:r>
+              <a:rPr lang="en-US" sz="1800">
+                <a:latin typeface="FreeMono" panose="020F0409020205020404" charset="0"/>
+                <a:ea typeface="FreeMono" panose="020F0409020205020404" charset="0"/>
+              </a:rPr>
+              <a:t>public long pop() // take item from top of stack</a:t>
+            </a:r>
+            <a:endParaRPr lang="en-US" sz="1800">
+              <a:latin typeface="FreeMono" panose="020F0409020205020404" charset="0"/>
+              <a:ea typeface="FreeMono" panose="020F0409020205020404" charset="0"/>
+            </a:endParaRPr>
+          </a:p>
+          <a:p>
+            <a:pPr marL="0" indent="0">
+              <a:lnSpc>
+                <a:spcPct val="80000"/>
+              </a:lnSpc>
+              <a:buNone/>
+            </a:pPr>
+            <a:r>
+              <a:rPr lang="en-US" sz="1800">
+                <a:latin typeface="FreeMono" panose="020F0409020205020404" charset="0"/>
+                <a:ea typeface="FreeMono" panose="020F0409020205020404" charset="0"/>
+              </a:rPr>
+              <a:t>{</a:t>
+            </a:r>
+            <a:endParaRPr lang="en-US" sz="1800">
+              <a:latin typeface="FreeMono" panose="020F0409020205020404" charset="0"/>
+              <a:ea typeface="FreeMono" panose="020F0409020205020404" charset="0"/>
+            </a:endParaRPr>
+          </a:p>
+          <a:p>
+            <a:pPr marL="0" indent="0">
+              <a:lnSpc>
+                <a:spcPct val="80000"/>
+              </a:lnSpc>
+              <a:buNone/>
+            </a:pPr>
+            <a:r>
+              <a:rPr lang="en-US" sz="1800">
+                <a:latin typeface="FreeMono" panose="020F0409020205020404" charset="0"/>
+                <a:ea typeface="FreeMono" panose="020F0409020205020404" charset="0"/>
+              </a:rPr>
+              <a:t>return stackArray[top--]; // access item, decrement top</a:t>
+            </a:r>
+            <a:endParaRPr lang="en-US" sz="1800">
+              <a:latin typeface="FreeMono" panose="020F0409020205020404" charset="0"/>
+              <a:ea typeface="FreeMono" panose="020F0409020205020404" charset="0"/>
+            </a:endParaRPr>
+          </a:p>
+          <a:p>
+            <a:pPr marL="0" indent="0">
+              <a:lnSpc>
+                <a:spcPct val="80000"/>
+              </a:lnSpc>
+              <a:buNone/>
+            </a:pPr>
+            <a:r>
+              <a:rPr lang="en-US" sz="1800">
+                <a:latin typeface="FreeMono" panose="020F0409020205020404" charset="0"/>
+                <a:ea typeface="FreeMono" panose="020F0409020205020404" charset="0"/>
+              </a:rPr>
+              <a:t>}</a:t>
+            </a:r>
+            <a:endParaRPr lang="en-US" sz="1800">
+              <a:latin typeface="FreeMono" panose="020F0409020205020404" charset="0"/>
+              <a:ea typeface="FreeMono" panose="020F0409020205020404" charset="0"/>
+            </a:endParaRPr>
+          </a:p>
+          <a:p>
+            <a:pPr marL="0" indent="0">
+              <a:lnSpc>
+                <a:spcPct val="80000"/>
+              </a:lnSpc>
+              <a:buNone/>
+            </a:pPr>
+            <a:r>
+              <a:rPr lang="en-US" sz="1800">
+                <a:latin typeface="FreeMono" panose="020F0409020205020404" charset="0"/>
+                <a:ea typeface="FreeMono" panose="020F0409020205020404" charset="0"/>
+              </a:rPr>
+              <a:t>-----------------------------------------------------</a:t>
+            </a:r>
+            <a:endParaRPr lang="en-US" sz="1800">
+              <a:latin typeface="FreeMono" panose="020F0409020205020404" charset="0"/>
+              <a:ea typeface="FreeMono" panose="020F0409020205020404" charset="0"/>
+            </a:endParaRPr>
+          </a:p>
+          <a:p>
+            <a:pPr marL="0" indent="0">
+              <a:lnSpc>
+                <a:spcPct val="80000"/>
+              </a:lnSpc>
+              <a:buNone/>
+            </a:pPr>
+            <a:r>
+              <a:rPr lang="en-US" sz="1800">
+                <a:latin typeface="FreeMono" panose="020F0409020205020404" charset="0"/>
+                <a:ea typeface="FreeMono" panose="020F0409020205020404" charset="0"/>
+              </a:rPr>
+              <a:t>public long peek() // peek at top of stack</a:t>
+            </a:r>
+            <a:endParaRPr lang="en-US" sz="1800">
+              <a:latin typeface="FreeMono" panose="020F0409020205020404" charset="0"/>
+              <a:ea typeface="FreeMono" panose="020F0409020205020404" charset="0"/>
+            </a:endParaRPr>
+          </a:p>
+          <a:p>
+            <a:pPr marL="0" indent="0">
+              <a:lnSpc>
+                <a:spcPct val="80000"/>
+              </a:lnSpc>
+              <a:buNone/>
+            </a:pPr>
+            <a:r>
+              <a:rPr lang="en-US" sz="1800">
+                <a:latin typeface="FreeMono" panose="020F0409020205020404" charset="0"/>
+                <a:ea typeface="FreeMono" panose="020F0409020205020404" charset="0"/>
+              </a:rPr>
+              <a:t>{</a:t>
+            </a:r>
+            <a:endParaRPr lang="en-US" sz="1800">
+              <a:latin typeface="FreeMono" panose="020F0409020205020404" charset="0"/>
+              <a:ea typeface="FreeMono" panose="020F0409020205020404" charset="0"/>
+            </a:endParaRPr>
+          </a:p>
+          <a:p>
+            <a:pPr marL="0" indent="0">
+              <a:lnSpc>
+                <a:spcPct val="80000"/>
+              </a:lnSpc>
+              <a:buNone/>
+            </a:pPr>
+            <a:r>
+              <a:rPr lang="en-US" sz="1800">
+                <a:latin typeface="FreeMono" panose="020F0409020205020404" charset="0"/>
+                <a:ea typeface="FreeMono" panose="020F0409020205020404" charset="0"/>
+              </a:rPr>
+              <a:t>return stackArray[top];</a:t>
+            </a:r>
+            <a:endParaRPr lang="en-US" sz="1800">
+              <a:latin typeface="FreeMono" panose="020F0409020205020404" charset="0"/>
+              <a:ea typeface="FreeMono" panose="020F0409020205020404" charset="0"/>
+            </a:endParaRPr>
+          </a:p>
+          <a:p>
+            <a:pPr marL="0" indent="0">
+              <a:lnSpc>
+                <a:spcPct val="80000"/>
+              </a:lnSpc>
+              <a:buNone/>
+            </a:pPr>
+            <a:r>
+              <a:rPr lang="en-US" sz="1800">
+                <a:latin typeface="FreeMono" panose="020F0409020205020404" charset="0"/>
+                <a:ea typeface="FreeMono" panose="020F0409020205020404" charset="0"/>
+              </a:rPr>
+              <a:t>}</a:t>
+            </a:r>
+            <a:endParaRPr lang="en-US" sz="1800">
+              <a:latin typeface="FreeMono" panose="020F0409020205020404" charset="0"/>
+              <a:ea typeface="FreeMono" panose="020F0409020205020404" charset="0"/>
+            </a:endParaRPr>
+          </a:p>
+          <a:p>
+            <a:pPr marL="0" indent="0">
+              <a:lnSpc>
+                <a:spcPct val="80000"/>
+              </a:lnSpc>
+              <a:buNone/>
+            </a:pPr>
+            <a:r>
+              <a:rPr lang="en-US" sz="1800">
+                <a:latin typeface="FreeMono" panose="020F0409020205020404" charset="0"/>
+                <a:ea typeface="FreeMono" panose="020F0409020205020404" charset="0"/>
+              </a:rPr>
+              <a:t>-----------------------------------------------------</a:t>
+            </a:r>
+            <a:r>
+              <a:rPr lang="" altLang="en-US" sz="1800">
+                <a:latin typeface="FreeMono" panose="020F0409020205020404" charset="0"/>
+                <a:ea typeface="FreeMono" panose="020F0409020205020404" charset="0"/>
+              </a:rPr>
+              <a:t>--</a:t>
+            </a:r>
+            <a:endParaRPr lang="en-US" sz="1800">
+              <a:latin typeface="FreeMono" panose="020F0409020205020404" charset="0"/>
+              <a:ea typeface="FreeMono" panose="020F0409020205020404" charset="0"/>
+            </a:endParaRPr>
+          </a:p>
+          <a:p>
+            <a:pPr marL="0" indent="0">
+              <a:lnSpc>
+                <a:spcPct val="80000"/>
+              </a:lnSpc>
+              <a:buNone/>
+            </a:pPr>
+            <a:r>
+              <a:rPr lang="en-US" sz="1800">
+                <a:latin typeface="FreeMono" panose="020F0409020205020404" charset="0"/>
+                <a:ea typeface="FreeMono" panose="020F0409020205020404" charset="0"/>
+              </a:rPr>
+              <a:t>public boolean isEmpty() // true if stack is empty</a:t>
+            </a:r>
+            <a:endParaRPr lang="en-US" sz="1800">
+              <a:latin typeface="FreeMono" panose="020F0409020205020404" charset="0"/>
+              <a:ea typeface="FreeMono" panose="020F0409020205020404" charset="0"/>
+            </a:endParaRPr>
+          </a:p>
+          <a:p>
+            <a:pPr marL="0" indent="0">
+              <a:lnSpc>
+                <a:spcPct val="80000"/>
+              </a:lnSpc>
+              <a:buNone/>
+            </a:pPr>
+            <a:r>
+              <a:rPr lang="en-US" sz="1800">
+                <a:latin typeface="FreeMono" panose="020F0409020205020404" charset="0"/>
+                <a:ea typeface="FreeMono" panose="020F0409020205020404" charset="0"/>
+              </a:rPr>
+              <a:t>{</a:t>
+            </a:r>
+            <a:endParaRPr lang="en-US" sz="1800">
+              <a:latin typeface="FreeMono" panose="020F0409020205020404" charset="0"/>
+              <a:ea typeface="FreeMono" panose="020F0409020205020404" charset="0"/>
+            </a:endParaRPr>
+          </a:p>
+          <a:p>
+            <a:pPr marL="0" indent="0">
+              <a:lnSpc>
+                <a:spcPct val="80000"/>
+              </a:lnSpc>
+              <a:buNone/>
+            </a:pPr>
+            <a:r>
+              <a:rPr lang="en-US" sz="1800">
+                <a:latin typeface="FreeMono" panose="020F0409020205020404" charset="0"/>
+                <a:ea typeface="FreeMono" panose="020F0409020205020404" charset="0"/>
+              </a:rPr>
+              <a:t>return (top == -1);</a:t>
+            </a:r>
+            <a:endParaRPr lang="en-US" sz="1800">
+              <a:latin typeface="FreeMono" panose="020F0409020205020404" charset="0"/>
+              <a:ea typeface="FreeMono" panose="020F0409020205020404" charset="0"/>
+            </a:endParaRPr>
+          </a:p>
+          <a:p>
+            <a:pPr marL="0" indent="0">
+              <a:lnSpc>
+                <a:spcPct val="80000"/>
+              </a:lnSpc>
+              <a:buNone/>
+            </a:pPr>
+            <a:r>
+              <a:rPr lang="en-US" sz="1800">
+                <a:latin typeface="FreeMono" panose="020F0409020205020404" charset="0"/>
+                <a:ea typeface="FreeMono" panose="020F0409020205020404" charset="0"/>
+              </a:rPr>
+              <a:t>}</a:t>
+            </a:r>
+            <a:endParaRPr lang="en-US" sz="1800">
+              <a:latin typeface="FreeMono" panose="020F0409020205020404" charset="0"/>
+              <a:ea typeface="FreeMono" panose="020F0409020205020404" charset="0"/>
+            </a:endParaRPr>
+          </a:p>
+          <a:p>
+            <a:pPr marL="0" indent="0">
+              <a:lnSpc>
+                <a:spcPct val="80000"/>
+              </a:lnSpc>
+              <a:buNone/>
+            </a:pPr>
+            <a:r>
+              <a:rPr lang="en-US" sz="1800">
+                <a:latin typeface="FreeMono" panose="020F0409020205020404" charset="0"/>
+                <a:ea typeface="FreeMono" panose="020F0409020205020404" charset="0"/>
+              </a:rPr>
+              <a:t>-------------------------------------------------------</a:t>
+            </a:r>
+            <a:endParaRPr lang="en-US" sz="1800">
+              <a:latin typeface="FreeMono" panose="020F0409020205020404" charset="0"/>
+              <a:ea typeface="FreeMono" panose="020F0409020205020404" charset="0"/>
+            </a:endParaRPr>
+          </a:p>
+          <a:p>
+            <a:pPr marL="0" indent="0">
+              <a:lnSpc>
+                <a:spcPct val="80000"/>
+              </a:lnSpc>
+              <a:buNone/>
+            </a:pPr>
+            <a:r>
+              <a:rPr lang="en-US" sz="1800">
+                <a:latin typeface="FreeMono" panose="020F0409020205020404" charset="0"/>
+                <a:ea typeface="FreeMono" panose="020F0409020205020404" charset="0"/>
+              </a:rPr>
+              <a:t>public boolean isFull() // true if stack is full</a:t>
+            </a:r>
+            <a:endParaRPr lang="en-US" sz="1800">
+              <a:latin typeface="FreeMono" panose="020F0409020205020404" charset="0"/>
+              <a:ea typeface="FreeMono" panose="020F0409020205020404" charset="0"/>
+            </a:endParaRPr>
+          </a:p>
+          <a:p>
+            <a:pPr marL="0" indent="0">
+              <a:lnSpc>
+                <a:spcPct val="80000"/>
+              </a:lnSpc>
+              <a:buNone/>
+            </a:pPr>
+            <a:r>
+              <a:rPr lang="en-US" sz="1800">
+                <a:latin typeface="FreeMono" panose="020F0409020205020404" charset="0"/>
+                <a:ea typeface="FreeMono" panose="020F0409020205020404" charset="0"/>
+              </a:rPr>
+              <a:t>{</a:t>
+            </a:r>
+            <a:endParaRPr lang="en-US" sz="1800">
+              <a:latin typeface="FreeMono" panose="020F0409020205020404" charset="0"/>
+              <a:ea typeface="FreeMono" panose="020F0409020205020404" charset="0"/>
+            </a:endParaRPr>
+          </a:p>
+          <a:p>
+            <a:pPr marL="0" indent="0">
+              <a:lnSpc>
+                <a:spcPct val="80000"/>
+              </a:lnSpc>
+              <a:buNone/>
+            </a:pPr>
+            <a:r>
+              <a:rPr lang="en-US" sz="1800">
+                <a:latin typeface="FreeMono" panose="020F0409020205020404" charset="0"/>
+                <a:ea typeface="FreeMono" panose="020F0409020205020404" charset="0"/>
+              </a:rPr>
+              <a:t>return (top == maxSize-1);</a:t>
+            </a:r>
+            <a:endParaRPr lang="en-US" sz="1800">
+              <a:latin typeface="FreeMono" panose="020F0409020205020404" charset="0"/>
+              <a:ea typeface="FreeMono" panose="020F0409020205020404" charset="0"/>
+            </a:endParaRPr>
+          </a:p>
+          <a:p>
+            <a:pPr marL="0" indent="0">
+              <a:lnSpc>
+                <a:spcPct val="80000"/>
+              </a:lnSpc>
+              <a:buNone/>
+            </a:pPr>
+            <a:r>
+              <a:rPr lang="en-US" sz="1800">
+                <a:latin typeface="FreeMono" panose="020F0409020205020404" charset="0"/>
+                <a:ea typeface="FreeMono" panose="020F0409020205020404" charset="0"/>
+              </a:rPr>
+              <a:t>}</a:t>
+            </a:r>
+            <a:endParaRPr lang="en-US" sz="1800">
+              <a:latin typeface="FreeMono" panose="020F0409020205020404" charset="0"/>
+              <a:ea typeface="FreeMono" panose="020F0409020205020404" charset="0"/>
+            </a:endParaRPr>
+          </a:p>
+          <a:p>
+            <a:pPr marL="0" indent="0">
+              <a:lnSpc>
+                <a:spcPct val="80000"/>
+              </a:lnSpc>
+              <a:buNone/>
+            </a:pPr>
+            <a:r>
+              <a:rPr lang="en-US" sz="1800">
+                <a:latin typeface="FreeMono" panose="020F0409020205020404" charset="0"/>
+                <a:ea typeface="FreeMono" panose="020F0409020205020404" charset="0"/>
+              </a:rPr>
+              <a:t>-----------------------------------------------------</a:t>
+            </a:r>
+            <a:r>
+              <a:rPr lang="" altLang="en-US" sz="1800">
+                <a:latin typeface="FreeMono" panose="020F0409020205020404" charset="0"/>
+                <a:ea typeface="FreeMono" panose="020F0409020205020404" charset="0"/>
+              </a:rPr>
+              <a:t>--</a:t>
+            </a:r>
+            <a:endParaRPr lang="en-US" sz="1800">
+              <a:latin typeface="FreeMono" panose="020F0409020205020404" charset="0"/>
+              <a:ea typeface="FreeMono" panose="020F0409020205020404" charset="0"/>
+            </a:endParaRPr>
+          </a:p>
+          <a:p>
+            <a:pPr marL="0" indent="0">
+              <a:lnSpc>
+                <a:spcPct val="80000"/>
+              </a:lnSpc>
+              <a:buNone/>
+            </a:pPr>
+            <a:r>
+              <a:rPr lang="en-US" sz="1800">
+                <a:latin typeface="FreeMono" panose="020F0409020205020404" charset="0"/>
+                <a:ea typeface="FreeMono" panose="020F0409020205020404" charset="0"/>
+              </a:rPr>
+              <a:t>} // end class StackX</a:t>
+            </a:r>
+            <a:endParaRPr lang="en-US" sz="1800">
+              <a:latin typeface="FreeMono" panose="020F0409020205020404" charset="0"/>
+              <a:ea typeface="FreeMono" panose="020F0409020205020404" charset="0"/>
+            </a:endParaRPr>
+          </a:p>
+        </p:txBody>
+      </p:sp>
+      <p:sp>
+        <p:nvSpPr>
+          <p:cNvPr id="2" name="Title 1"/>
+          <p:cNvSpPr>
+            <a:spLocks noGrp="1"/>
+          </p:cNvSpPr>
+          <p:nvPr>
+            <p:ph type="title"/>
+          </p:nvPr>
+        </p:nvSpPr>
+        <p:spPr>
+          <a:xfrm>
+            <a:off x="466090" y="15875"/>
+            <a:ext cx="7772400" cy="911860"/>
+          </a:xfrm>
+        </p:spPr>
+        <p:txBody>
+          <a:bodyPr/>
+          <a:p>
+            <a:r>
+              <a:rPr lang="" altLang="en-US">
+                <a:latin typeface="Noto Serif CJK JP" panose="02020400000000000000" charset="-122"/>
+                <a:ea typeface="Noto Serif CJK JP" panose="02020400000000000000" charset="-122"/>
+              </a:rPr>
+              <a:t>Cont.</a:t>
+            </a:r>
+            <a:endParaRPr lang="" altLang="en-US">
+              <a:latin typeface="Noto Serif CJK JP" panose="02020400000000000000" charset="-122"/>
+              <a:ea typeface="Noto Serif CJK JP" panose="02020400000000000000" charset="-122"/>
+            </a:endParaRPr>
+          </a:p>
+        </p:txBody>
+      </p:sp>
+    </p:spTree>
+  </p:cSld>
+  <p:clrMapOvr>
+    <a:masterClrMapping/>
+  </p:clrMapOvr>
+</p:sld>
+</file>
+
+<file path=ppt/slides/slide19.xml><?xml version="1.0" encoding="utf-8"?>
+<p:sld xmlns:a="http://schemas.openxmlformats.org/drawingml/2006/main" xmlns:r="http://schemas.openxmlformats.org/officeDocument/2006/relationships" xmlns:p="http://schemas.openxmlformats.org/presentationml/2006/main">
+  <p:cSld>
+    <p:spTree>
+      <p:nvGrpSpPr>
+        <p:cNvPr id="1" name=""/>
+        <p:cNvGrpSpPr/>
+        <p:nvPr/>
+      </p:nvGrpSpPr>
+      <p:grpSpPr/>
+      <p:sp>
+        <p:nvSpPr>
+          <p:cNvPr id="2" name="Title 1"/>
+          <p:cNvSpPr>
+            <a:spLocks noGrp="1"/>
+          </p:cNvSpPr>
+          <p:nvPr>
+            <p:ph type="title"/>
+          </p:nvPr>
+        </p:nvSpPr>
+        <p:spPr>
+          <a:xfrm>
+            <a:off x="685800" y="203835"/>
+            <a:ext cx="7772400" cy="652145"/>
+          </a:xfrm>
+        </p:spPr>
+        <p:txBody>
+          <a:bodyPr/>
+          <a:p>
+            <a:r>
+              <a:rPr lang="" altLang="en-US" sz="2800">
+                <a:latin typeface="Noto Serif CJK JP" panose="02020400000000000000" charset="-122"/>
+                <a:ea typeface="Noto Serif CJK JP" panose="02020400000000000000" charset="-122"/>
+              </a:rPr>
+              <a:t>Queue</a:t>
+            </a:r>
+            <a:endParaRPr lang="" altLang="en-US" sz="2800">
+              <a:latin typeface="Noto Serif CJK JP" panose="02020400000000000000" charset="-122"/>
+              <a:ea typeface="Noto Serif CJK JP" panose="02020400000000000000" charset="-122"/>
+            </a:endParaRPr>
+          </a:p>
+        </p:txBody>
+      </p:sp>
+      <p:sp>
+        <p:nvSpPr>
+          <p:cNvPr id="3" name="Content Placeholder 2"/>
+          <p:cNvSpPr>
+            <a:spLocks noGrp="1"/>
+          </p:cNvSpPr>
+          <p:nvPr>
+            <p:ph idx="1"/>
+          </p:nvPr>
+        </p:nvSpPr>
+        <p:spPr>
+          <a:xfrm>
+            <a:off x="685800" y="1036955"/>
+            <a:ext cx="7772400" cy="5382260"/>
+          </a:xfrm>
+        </p:spPr>
+        <p:txBody>
+          <a:bodyPr/>
+          <a:p>
+            <a:pPr>
+              <a:lnSpc>
+                <a:spcPct val="180000"/>
+              </a:lnSpc>
+            </a:pPr>
+            <a:r>
+              <a:rPr lang="en-US" altLang="en-US" sz="2400">
+                <a:latin typeface="Noto Serif CJK JP" panose="02020400000000000000" charset="-122"/>
+                <a:ea typeface="Noto Serif CJK JP" panose="02020400000000000000" charset="-122"/>
+              </a:rPr>
+              <a:t>L</a:t>
+            </a:r>
+            <a:r>
+              <a:rPr lang="en-US" sz="2400">
+                <a:latin typeface="Noto Serif CJK JP" panose="02020400000000000000" charset="-122"/>
+                <a:ea typeface="Noto Serif CJK JP" panose="02020400000000000000" charset="-122"/>
+              </a:rPr>
+              <a:t>inear data structure</a:t>
+            </a:r>
+            <a:endParaRPr lang="en-US" sz="2400">
+              <a:latin typeface="Noto Serif CJK JP" panose="02020400000000000000" charset="-122"/>
+              <a:ea typeface="Noto Serif CJK JP" panose="02020400000000000000" charset="-122"/>
+            </a:endParaRPr>
+          </a:p>
+          <a:p>
+            <a:pPr>
+              <a:lnSpc>
+                <a:spcPct val="180000"/>
+              </a:lnSpc>
+            </a:pPr>
+            <a:r>
+              <a:rPr lang="en-US" altLang="en-US" sz="2400">
+                <a:latin typeface="Noto Serif CJK JP" panose="02020400000000000000" charset="-122"/>
+                <a:ea typeface="Noto Serif CJK JP" panose="02020400000000000000" charset="-122"/>
+              </a:rPr>
+              <a:t>N</a:t>
+            </a:r>
+            <a:r>
+              <a:rPr lang="en-US" sz="2400">
+                <a:latin typeface="Noto Serif CJK JP" panose="02020400000000000000" charset="-122"/>
+                <a:ea typeface="Noto Serif CJK JP" panose="02020400000000000000" charset="-122"/>
+              </a:rPr>
+              <a:t>ew element is added at one end and (</a:t>
+            </a:r>
+            <a:r>
+              <a:rPr lang="" altLang="en-US" sz="2400">
+                <a:latin typeface="Noto Serif CJK JP" panose="02020400000000000000" charset="-122"/>
+                <a:ea typeface="Noto Serif CJK JP" panose="02020400000000000000" charset="-122"/>
+              </a:rPr>
+              <a:t>rear</a:t>
+            </a:r>
+            <a:r>
+              <a:rPr lang="en-US" sz="2400">
+                <a:latin typeface="Noto Serif CJK JP" panose="02020400000000000000" charset="-122"/>
+                <a:ea typeface="Noto Serif CJK JP" panose="02020400000000000000" charset="-122"/>
+              </a:rPr>
+              <a:t>) an element is removed  </a:t>
+            </a:r>
+            <a:r>
+              <a:rPr lang="" altLang="en-US" sz="2400">
+                <a:latin typeface="Noto Serif CJK JP" panose="02020400000000000000" charset="-122"/>
+                <a:ea typeface="Noto Serif CJK JP" panose="02020400000000000000" charset="-122"/>
+              </a:rPr>
+              <a:t>other </a:t>
+            </a:r>
+            <a:r>
+              <a:rPr lang="en-US" sz="2400">
+                <a:latin typeface="Noto Serif CJK JP" panose="02020400000000000000" charset="-122"/>
+                <a:ea typeface="Noto Serif CJK JP" panose="02020400000000000000" charset="-122"/>
+              </a:rPr>
+              <a:t>end </a:t>
+            </a:r>
+            <a:r>
+              <a:rPr lang="" altLang="en-US" sz="2400">
+                <a:latin typeface="Noto Serif CJK JP" panose="02020400000000000000" charset="-122"/>
+                <a:ea typeface="Noto Serif CJK JP" panose="02020400000000000000" charset="-122"/>
+              </a:rPr>
+              <a:t>(front)</a:t>
+            </a:r>
+            <a:r>
+              <a:rPr lang="en-US" sz="2400">
+                <a:latin typeface="Noto Serif CJK JP" panose="02020400000000000000" charset="-122"/>
+                <a:ea typeface="Noto Serif CJK JP" panose="02020400000000000000" charset="-122"/>
+              </a:rPr>
+              <a:t>.</a:t>
+            </a:r>
+            <a:endParaRPr lang="en-US" sz="2400">
+              <a:latin typeface="Noto Serif CJK JP" panose="02020400000000000000" charset="-122"/>
+              <a:ea typeface="Noto Serif CJK JP" panose="02020400000000000000" charset="-122"/>
+            </a:endParaRPr>
+          </a:p>
+          <a:p>
+            <a:pPr>
+              <a:lnSpc>
+                <a:spcPct val="180000"/>
+              </a:lnSpc>
+            </a:pPr>
+            <a:r>
+              <a:rPr lang="en-US" sz="2400">
+                <a:latin typeface="Noto Serif CJK JP" panose="02020400000000000000" charset="-122"/>
+                <a:ea typeface="Noto Serif CJK JP" panose="02020400000000000000" charset="-122"/>
+              </a:rPr>
+              <a:t>First In First Out (FIFO)..</a:t>
+            </a:r>
+            <a:endParaRPr lang="en-US" sz="2400">
+              <a:latin typeface="Noto Serif CJK JP" panose="02020400000000000000" charset="-122"/>
+              <a:ea typeface="Noto Serif CJK JP" panose="02020400000000000000" charset="-122"/>
+            </a:endParaRPr>
+          </a:p>
+          <a:p>
+            <a:pPr>
+              <a:lnSpc>
+                <a:spcPct val="180000"/>
+              </a:lnSpc>
+            </a:pPr>
+            <a:r>
+              <a:rPr lang="en-US" altLang="en-US" sz="2400">
+                <a:latin typeface="Noto Serif CJK JP" panose="02020400000000000000" charset="-122"/>
+                <a:ea typeface="Noto Serif CJK JP" panose="02020400000000000000" charset="-122"/>
+              </a:rPr>
+              <a:t>Example : </a:t>
+            </a:r>
+            <a:r>
+              <a:rPr lang="" altLang="en-US" sz="2400">
+                <a:latin typeface="Noto Serif CJK JP" panose="02020400000000000000" charset="-122"/>
+                <a:ea typeface="Noto Serif CJK JP" panose="02020400000000000000" charset="-122"/>
+              </a:rPr>
+              <a:t>Queue for Customer Service</a:t>
+            </a:r>
+            <a:r>
+              <a:rPr lang="en-US" altLang="en-US" sz="2400">
+                <a:latin typeface="Noto Serif CJK JP" panose="02020400000000000000" charset="-122"/>
+                <a:ea typeface="Noto Serif CJK JP" panose="02020400000000000000" charset="-122"/>
+              </a:rPr>
+              <a:t> </a:t>
+            </a:r>
+            <a:endParaRPr lang="en-US" altLang="en-US" sz="2400">
+              <a:latin typeface="Noto Serif CJK JP" panose="02020400000000000000" charset="-122"/>
+              <a:ea typeface="Noto Serif CJK JP" panose="02020400000000000000" charset="-122"/>
+            </a:endParaRPr>
+          </a:p>
+          <a:p>
+            <a:pPr>
+              <a:lnSpc>
+                <a:spcPct val="180000"/>
+              </a:lnSpc>
+            </a:pPr>
+            <a:r>
+              <a:rPr lang="en-US" altLang="en-US" sz="2400">
+                <a:latin typeface="Noto Serif CJK JP" panose="02020400000000000000" charset="-122"/>
+                <a:ea typeface="Noto Serif CJK JP" panose="02020400000000000000" charset="-122"/>
+              </a:rPr>
+              <a:t>Can be Implemented using Array or Linked List</a:t>
+            </a:r>
+            <a:endParaRPr lang="en-US" altLang="en-US" sz="2400">
+              <a:latin typeface="Noto Serif CJK JP" panose="02020400000000000000" charset="-122"/>
+              <a:ea typeface="Noto Serif CJK JP" panose="02020400000000000000" charset="-122"/>
+            </a:endParaRPr>
+          </a:p>
+          <a:p>
+            <a:pPr marL="0" indent="0">
+              <a:buNone/>
+            </a:pPr>
+            <a:endParaRPr lang="en-US" altLang="en-US" sz="2100">
+              <a:latin typeface="Noto Serif CJK JP" panose="02020400000000000000" charset="-122"/>
+              <a:ea typeface="Noto Serif CJK JP" panose="02020400000000000000" charset="-122"/>
+            </a:endParaRPr>
+          </a:p>
+        </p:txBody>
+      </p:sp>
+    </p:spTree>
+  </p:cSld>
+  <p:clrMapOvr>
+    <a:masterClrMapping/>
+  </p:clrMapOvr>
+</p:sld>
+</file>
+
 <file path=ppt/slides/slide2.xml><?xml version="1.0" encoding="utf-8"?>
 <p:sld xmlns:a="http://schemas.openxmlformats.org/drawingml/2006/main" xmlns:r="http://schemas.openxmlformats.org/officeDocument/2006/relationships" xmlns:p="http://schemas.openxmlformats.org/presentationml/2006/main">
   <p:cSld>
@@ -5095,7 +7662,7 @@
               </a:lnSpc>
             </a:pPr>
             <a:r>
-              <a:rPr lang="" altLang="en-US" sz="2400">
+              <a:rPr lang="en-US" altLang="en-US" sz="2400">
                 <a:latin typeface="Noto Serif CJK JP" panose="02020400000000000000" charset="-122"/>
                 <a:ea typeface="Noto Serif CJK JP" panose="02020400000000000000" charset="-122"/>
               </a:rPr>
@@ -5218,6 +7785,1063 @@
             <a:endParaRPr lang="en-US" altLang="en-US" sz="2400">
               <a:latin typeface="Noto Serif CJK JP" panose="02020400000000000000" charset="-122"/>
               <a:ea typeface="Noto Serif CJK JP" panose="02020400000000000000" charset="-122"/>
+            </a:endParaRPr>
+          </a:p>
+        </p:txBody>
+      </p:sp>
+    </p:spTree>
+  </p:cSld>
+  <p:clrMapOvr>
+    <a:masterClrMapping/>
+  </p:clrMapOvr>
+</p:sld>
+</file>
+
+<file path=ppt/slides/slide20.xml><?xml version="1.0" encoding="utf-8"?>
+<p:sld xmlns:a="http://schemas.openxmlformats.org/drawingml/2006/main" xmlns:r="http://schemas.openxmlformats.org/officeDocument/2006/relationships" xmlns:p="http://schemas.openxmlformats.org/presentationml/2006/main">
+  <p:cSld>
+    <p:spTree>
+      <p:nvGrpSpPr>
+        <p:cNvPr id="1" name=""/>
+        <p:cNvGrpSpPr/>
+        <p:nvPr/>
+      </p:nvGrpSpPr>
+      <p:grpSpPr/>
+      <p:sp>
+        <p:nvSpPr>
+          <p:cNvPr id="2" name="Title 1"/>
+          <p:cNvSpPr>
+            <a:spLocks noGrp="1"/>
+          </p:cNvSpPr>
+          <p:nvPr>
+            <p:ph type="title"/>
+          </p:nvPr>
+        </p:nvSpPr>
+        <p:spPr>
+          <a:xfrm>
+            <a:off x="685800" y="203835"/>
+            <a:ext cx="7772400" cy="652145"/>
+          </a:xfrm>
+        </p:spPr>
+        <p:txBody>
+          <a:bodyPr/>
+          <a:p>
+            <a:r>
+              <a:rPr lang="en-US" altLang="en-US" sz="2800">
+                <a:latin typeface="Noto Serif CJK JP" panose="02020400000000000000" charset="-122"/>
+                <a:ea typeface="Noto Serif CJK JP" panose="02020400000000000000" charset="-122"/>
+              </a:rPr>
+              <a:t>Queue </a:t>
+            </a:r>
+            <a:r>
+              <a:rPr lang="" altLang="en-US" sz="2800">
+                <a:latin typeface="Noto Serif CJK JP" panose="02020400000000000000" charset="-122"/>
+                <a:ea typeface="Noto Serif CJK JP" panose="02020400000000000000" charset="-122"/>
+              </a:rPr>
+              <a:t>Example</a:t>
+            </a:r>
+            <a:endParaRPr lang="" altLang="en-US" sz="2800">
+              <a:latin typeface="Noto Serif CJK JP" panose="02020400000000000000" charset="-122"/>
+              <a:ea typeface="Noto Serif CJK JP" panose="02020400000000000000" charset="-122"/>
+            </a:endParaRPr>
+          </a:p>
+        </p:txBody>
+      </p:sp>
+      <p:pic>
+        <p:nvPicPr>
+          <p:cNvPr id="4" name="Content Placeholder 3" descr="queue"/>
+          <p:cNvPicPr>
+            <a:picLocks noChangeAspect="1"/>
+          </p:cNvPicPr>
+          <p:nvPr>
+            <p:ph idx="1"/>
+          </p:nvPr>
+        </p:nvPicPr>
+        <p:blipFill>
+          <a:blip r:embed="rId1"/>
+          <a:stretch>
+            <a:fillRect/>
+          </a:stretch>
+        </p:blipFill>
+        <p:spPr>
+          <a:xfrm>
+            <a:off x="1513840" y="1098550"/>
+            <a:ext cx="6115050" cy="5257800"/>
+          </a:xfrm>
+          <a:prstGeom prst="rect">
+            <a:avLst/>
+          </a:prstGeom>
+        </p:spPr>
+      </p:pic>
+    </p:spTree>
+  </p:cSld>
+  <p:clrMapOvr>
+    <a:masterClrMapping/>
+  </p:clrMapOvr>
+</p:sld>
+</file>
+
+<file path=ppt/slides/slide21.xml><?xml version="1.0" encoding="utf-8"?>
+<p:sld xmlns:a="http://schemas.openxmlformats.org/drawingml/2006/main" xmlns:r="http://schemas.openxmlformats.org/officeDocument/2006/relationships" xmlns:p="http://schemas.openxmlformats.org/presentationml/2006/main">
+  <p:cSld>
+    <p:spTree>
+      <p:nvGrpSpPr>
+        <p:cNvPr id="1" name=""/>
+        <p:cNvGrpSpPr/>
+        <p:nvPr/>
+      </p:nvGrpSpPr>
+      <p:grpSpPr/>
+      <p:sp>
+        <p:nvSpPr>
+          <p:cNvPr id="3" name="Content Placeholder 2"/>
+          <p:cNvSpPr>
+            <a:spLocks noGrp="1"/>
+          </p:cNvSpPr>
+          <p:nvPr>
+            <p:ph idx="1"/>
+          </p:nvPr>
+        </p:nvSpPr>
+        <p:spPr>
+          <a:xfrm>
+            <a:off x="466090" y="927735"/>
+            <a:ext cx="7772400" cy="5766435"/>
+          </a:xfrm>
+        </p:spPr>
+        <p:txBody>
+          <a:bodyPr/>
+          <a:p>
+            <a:pPr marL="0" indent="0">
+              <a:lnSpc>
+                <a:spcPct val="80000"/>
+              </a:lnSpc>
+              <a:buNone/>
+            </a:pPr>
+            <a:r>
+              <a:rPr lang="en-US" sz="1800">
+                <a:latin typeface="FreeMono" panose="020F0409020205020404" charset="0"/>
+                <a:ea typeface="FreeMono" panose="020F0409020205020404" charset="0"/>
+              </a:rPr>
+              <a:t>class </a:t>
+            </a:r>
+            <a:r>
+              <a:rPr lang="en-US" sz="1800" b="1">
+                <a:latin typeface="FreeMono" panose="020F0409020205020404" charset="0"/>
+                <a:ea typeface="FreeMono" panose="020F0409020205020404" charset="0"/>
+              </a:rPr>
+              <a:t>Queue</a:t>
+            </a:r>
+            <a:endParaRPr lang="en-US" sz="1800">
+              <a:latin typeface="FreeMono" panose="020F0409020205020404" charset="0"/>
+              <a:ea typeface="FreeMono" panose="020F0409020205020404" charset="0"/>
+            </a:endParaRPr>
+          </a:p>
+          <a:p>
+            <a:pPr marL="0" indent="0">
+              <a:lnSpc>
+                <a:spcPct val="80000"/>
+              </a:lnSpc>
+              <a:buNone/>
+            </a:pPr>
+            <a:r>
+              <a:rPr lang="en-US" sz="1800">
+                <a:latin typeface="FreeMono" panose="020F0409020205020404" charset="0"/>
+                <a:ea typeface="FreeMono" panose="020F0409020205020404" charset="0"/>
+              </a:rPr>
+              <a:t>{</a:t>
+            </a:r>
+            <a:endParaRPr lang="en-US" sz="1800">
+              <a:latin typeface="FreeMono" panose="020F0409020205020404" charset="0"/>
+              <a:ea typeface="FreeMono" panose="020F0409020205020404" charset="0"/>
+            </a:endParaRPr>
+          </a:p>
+          <a:p>
+            <a:pPr marL="457200" lvl="1" indent="0">
+              <a:lnSpc>
+                <a:spcPct val="80000"/>
+              </a:lnSpc>
+              <a:buNone/>
+            </a:pPr>
+            <a:r>
+              <a:rPr lang="en-US" sz="1575">
+                <a:latin typeface="FreeMono" panose="020F0409020205020404" charset="0"/>
+                <a:ea typeface="FreeMono" panose="020F0409020205020404" charset="0"/>
+              </a:rPr>
+              <a:t>private int maxSize;</a:t>
+            </a:r>
+            <a:endParaRPr lang="en-US" sz="1575">
+              <a:latin typeface="FreeMono" panose="020F0409020205020404" charset="0"/>
+              <a:ea typeface="FreeMono" panose="020F0409020205020404" charset="0"/>
+            </a:endParaRPr>
+          </a:p>
+          <a:p>
+            <a:pPr marL="457200" lvl="1" indent="0">
+              <a:lnSpc>
+                <a:spcPct val="80000"/>
+              </a:lnSpc>
+              <a:buNone/>
+            </a:pPr>
+            <a:r>
+              <a:rPr lang="en-US" sz="1575">
+                <a:latin typeface="FreeMono" panose="020F0409020205020404" charset="0"/>
+                <a:ea typeface="FreeMono" panose="020F0409020205020404" charset="0"/>
+              </a:rPr>
+              <a:t>private long[] queArray;</a:t>
+            </a:r>
+            <a:endParaRPr lang="en-US" sz="1575">
+              <a:latin typeface="FreeMono" panose="020F0409020205020404" charset="0"/>
+              <a:ea typeface="FreeMono" panose="020F0409020205020404" charset="0"/>
+            </a:endParaRPr>
+          </a:p>
+          <a:p>
+            <a:pPr marL="457200" lvl="1" indent="0">
+              <a:lnSpc>
+                <a:spcPct val="80000"/>
+              </a:lnSpc>
+              <a:buNone/>
+            </a:pPr>
+            <a:r>
+              <a:rPr lang="en-US" sz="1575">
+                <a:latin typeface="FreeMono" panose="020F0409020205020404" charset="0"/>
+                <a:ea typeface="FreeMono" panose="020F0409020205020404" charset="0"/>
+              </a:rPr>
+              <a:t>private int front;</a:t>
+            </a:r>
+            <a:endParaRPr lang="en-US" sz="1575">
+              <a:latin typeface="FreeMono" panose="020F0409020205020404" charset="0"/>
+              <a:ea typeface="FreeMono" panose="020F0409020205020404" charset="0"/>
+            </a:endParaRPr>
+          </a:p>
+          <a:p>
+            <a:pPr marL="457200" lvl="1" indent="0">
+              <a:lnSpc>
+                <a:spcPct val="80000"/>
+              </a:lnSpc>
+              <a:buNone/>
+            </a:pPr>
+            <a:r>
+              <a:rPr lang="en-US" sz="1575">
+                <a:latin typeface="FreeMono" panose="020F0409020205020404" charset="0"/>
+                <a:ea typeface="FreeMono" panose="020F0409020205020404" charset="0"/>
+              </a:rPr>
+              <a:t>private int rear;</a:t>
+            </a:r>
+            <a:endParaRPr lang="en-US" sz="1575">
+              <a:latin typeface="FreeMono" panose="020F0409020205020404" charset="0"/>
+              <a:ea typeface="FreeMono" panose="020F0409020205020404" charset="0"/>
+            </a:endParaRPr>
+          </a:p>
+          <a:p>
+            <a:pPr marL="0" indent="0">
+              <a:lnSpc>
+                <a:spcPct val="80000"/>
+              </a:lnSpc>
+              <a:buNone/>
+            </a:pPr>
+            <a:r>
+              <a:rPr lang="en-US" sz="1800">
+                <a:latin typeface="FreeMono" panose="020F0409020205020404" charset="0"/>
+                <a:ea typeface="FreeMono" panose="020F0409020205020404" charset="0"/>
+              </a:rPr>
+              <a:t>-----------------------------------------------------</a:t>
+            </a:r>
+            <a:endParaRPr lang="en-US" sz="1800">
+              <a:latin typeface="FreeMono" panose="020F0409020205020404" charset="0"/>
+              <a:ea typeface="FreeMono" panose="020F0409020205020404" charset="0"/>
+            </a:endParaRPr>
+          </a:p>
+          <a:p>
+            <a:pPr marL="0" indent="0">
+              <a:lnSpc>
+                <a:spcPct val="80000"/>
+              </a:lnSpc>
+              <a:buNone/>
+            </a:pPr>
+            <a:r>
+              <a:rPr lang="en-US" sz="1800">
+                <a:latin typeface="FreeMono" panose="020F0409020205020404" charset="0"/>
+                <a:ea typeface="FreeMono" panose="020F0409020205020404" charset="0"/>
+              </a:rPr>
+              <a:t>public Queue(int s) // constructor</a:t>
+            </a:r>
+            <a:endParaRPr lang="en-US" sz="1800">
+              <a:latin typeface="FreeMono" panose="020F0409020205020404" charset="0"/>
+              <a:ea typeface="FreeMono" panose="020F0409020205020404" charset="0"/>
+            </a:endParaRPr>
+          </a:p>
+          <a:p>
+            <a:pPr marL="0" indent="0">
+              <a:lnSpc>
+                <a:spcPct val="80000"/>
+              </a:lnSpc>
+              <a:buNone/>
+            </a:pPr>
+            <a:r>
+              <a:rPr lang="en-US" sz="1800">
+                <a:latin typeface="FreeMono" panose="020F0409020205020404" charset="0"/>
+                <a:ea typeface="FreeMono" panose="020F0409020205020404" charset="0"/>
+              </a:rPr>
+              <a:t>{</a:t>
+            </a:r>
+            <a:endParaRPr lang="en-US" sz="1800">
+              <a:latin typeface="FreeMono" panose="020F0409020205020404" charset="0"/>
+              <a:ea typeface="FreeMono" panose="020F0409020205020404" charset="0"/>
+            </a:endParaRPr>
+          </a:p>
+          <a:p>
+            <a:pPr marL="457200" lvl="1" indent="0">
+              <a:lnSpc>
+                <a:spcPct val="80000"/>
+              </a:lnSpc>
+              <a:buNone/>
+            </a:pPr>
+            <a:r>
+              <a:rPr lang="en-US" sz="1575">
+                <a:latin typeface="FreeMono" panose="020F0409020205020404" charset="0"/>
+                <a:ea typeface="FreeMono" panose="020F0409020205020404" charset="0"/>
+              </a:rPr>
+              <a:t>maxSize = s+1; // array is 1 cell larger</a:t>
+            </a:r>
+            <a:endParaRPr lang="en-US" sz="1575">
+              <a:latin typeface="FreeMono" panose="020F0409020205020404" charset="0"/>
+              <a:ea typeface="FreeMono" panose="020F0409020205020404" charset="0"/>
+            </a:endParaRPr>
+          </a:p>
+          <a:p>
+            <a:pPr marL="457200" lvl="1" indent="0">
+              <a:lnSpc>
+                <a:spcPct val="80000"/>
+              </a:lnSpc>
+              <a:buNone/>
+            </a:pPr>
+            <a:r>
+              <a:rPr lang="en-US" sz="1575">
+                <a:latin typeface="FreeMono" panose="020F0409020205020404" charset="0"/>
+                <a:ea typeface="FreeMono" panose="020F0409020205020404" charset="0"/>
+              </a:rPr>
+              <a:t>queArray = new long[maxSize]; // than requested</a:t>
+            </a:r>
+            <a:endParaRPr lang="en-US" sz="1575">
+              <a:latin typeface="FreeMono" panose="020F0409020205020404" charset="0"/>
+              <a:ea typeface="FreeMono" panose="020F0409020205020404" charset="0"/>
+            </a:endParaRPr>
+          </a:p>
+          <a:p>
+            <a:pPr marL="457200" lvl="1" indent="0">
+              <a:lnSpc>
+                <a:spcPct val="80000"/>
+              </a:lnSpc>
+              <a:buNone/>
+            </a:pPr>
+            <a:r>
+              <a:rPr lang="en-US" sz="1575">
+                <a:latin typeface="FreeMono" panose="020F0409020205020404" charset="0"/>
+                <a:ea typeface="FreeMono" panose="020F0409020205020404" charset="0"/>
+              </a:rPr>
+              <a:t>front = 0;</a:t>
+            </a:r>
+            <a:endParaRPr lang="en-US" sz="1575">
+              <a:latin typeface="FreeMono" panose="020F0409020205020404" charset="0"/>
+              <a:ea typeface="FreeMono" panose="020F0409020205020404" charset="0"/>
+            </a:endParaRPr>
+          </a:p>
+          <a:p>
+            <a:pPr marL="457200" lvl="1" indent="0">
+              <a:lnSpc>
+                <a:spcPct val="80000"/>
+              </a:lnSpc>
+              <a:buNone/>
+            </a:pPr>
+            <a:r>
+              <a:rPr lang="en-US" sz="1575">
+                <a:latin typeface="FreeMono" panose="020F0409020205020404" charset="0"/>
+                <a:ea typeface="FreeMono" panose="020F0409020205020404" charset="0"/>
+              </a:rPr>
+              <a:t>rear = -1;</a:t>
+            </a:r>
+            <a:endParaRPr lang="en-US" sz="1575">
+              <a:latin typeface="FreeMono" panose="020F0409020205020404" charset="0"/>
+              <a:ea typeface="FreeMono" panose="020F0409020205020404" charset="0"/>
+            </a:endParaRPr>
+          </a:p>
+          <a:p>
+            <a:pPr marL="0" indent="0">
+              <a:lnSpc>
+                <a:spcPct val="80000"/>
+              </a:lnSpc>
+              <a:buNone/>
+            </a:pPr>
+            <a:r>
+              <a:rPr lang="en-US" sz="1800">
+                <a:latin typeface="FreeMono" panose="020F0409020205020404" charset="0"/>
+                <a:ea typeface="FreeMono" panose="020F0409020205020404" charset="0"/>
+              </a:rPr>
+              <a:t>}</a:t>
+            </a:r>
+            <a:endParaRPr lang="en-US" sz="1800">
+              <a:latin typeface="FreeMono" panose="020F0409020205020404" charset="0"/>
+              <a:ea typeface="FreeMono" panose="020F0409020205020404" charset="0"/>
+            </a:endParaRPr>
+          </a:p>
+          <a:p>
+            <a:pPr marL="0" indent="0">
+              <a:lnSpc>
+                <a:spcPct val="80000"/>
+              </a:lnSpc>
+              <a:buNone/>
+            </a:pPr>
+            <a:r>
+              <a:rPr lang="en-US" sz="1800">
+                <a:latin typeface="FreeMono" panose="020F0409020205020404" charset="0"/>
+                <a:ea typeface="FreeMono" panose="020F0409020205020404" charset="0"/>
+              </a:rPr>
+              <a:t>-------------------------------------------------------</a:t>
+            </a:r>
+            <a:endParaRPr lang="en-US" sz="1800">
+              <a:latin typeface="FreeMono" panose="020F0409020205020404" charset="0"/>
+              <a:ea typeface="FreeMono" panose="020F0409020205020404" charset="0"/>
+            </a:endParaRPr>
+          </a:p>
+          <a:p>
+            <a:pPr marL="0" indent="0">
+              <a:lnSpc>
+                <a:spcPct val="80000"/>
+              </a:lnSpc>
+              <a:buNone/>
+            </a:pPr>
+            <a:r>
+              <a:rPr lang="en-US" sz="1800">
+                <a:latin typeface="FreeMono" panose="020F0409020205020404" charset="0"/>
+                <a:ea typeface="FreeMono" panose="020F0409020205020404" charset="0"/>
+              </a:rPr>
+              <a:t>public void insert(long j) // put item at rear of queue</a:t>
+            </a:r>
+            <a:endParaRPr lang="en-US" sz="1800">
+              <a:latin typeface="FreeMono" panose="020F0409020205020404" charset="0"/>
+              <a:ea typeface="FreeMono" panose="020F0409020205020404" charset="0"/>
+            </a:endParaRPr>
+          </a:p>
+          <a:p>
+            <a:pPr marL="0" indent="0">
+              <a:lnSpc>
+                <a:spcPct val="80000"/>
+              </a:lnSpc>
+              <a:buNone/>
+            </a:pPr>
+            <a:r>
+              <a:rPr lang="en-US" sz="1800">
+                <a:latin typeface="FreeMono" panose="020F0409020205020404" charset="0"/>
+                <a:ea typeface="FreeMono" panose="020F0409020205020404" charset="0"/>
+              </a:rPr>
+              <a:t>{</a:t>
+            </a:r>
+            <a:endParaRPr lang="en-US" sz="1800">
+              <a:latin typeface="FreeMono" panose="020F0409020205020404" charset="0"/>
+              <a:ea typeface="FreeMono" panose="020F0409020205020404" charset="0"/>
+            </a:endParaRPr>
+          </a:p>
+          <a:p>
+            <a:pPr marL="0" indent="0">
+              <a:lnSpc>
+                <a:spcPct val="80000"/>
+              </a:lnSpc>
+              <a:buNone/>
+            </a:pPr>
+            <a:r>
+              <a:rPr lang="en-US" sz="1800">
+                <a:latin typeface="FreeMono" panose="020F0409020205020404" charset="0"/>
+                <a:ea typeface="FreeMono" panose="020F0409020205020404" charset="0"/>
+              </a:rPr>
+              <a:t>if(rear == maxSize-1)</a:t>
+            </a:r>
+            <a:endParaRPr lang="en-US" sz="1800">
+              <a:latin typeface="FreeMono" panose="020F0409020205020404" charset="0"/>
+              <a:ea typeface="FreeMono" panose="020F0409020205020404" charset="0"/>
+            </a:endParaRPr>
+          </a:p>
+          <a:p>
+            <a:pPr marL="0" indent="0">
+              <a:lnSpc>
+                <a:spcPct val="80000"/>
+              </a:lnSpc>
+              <a:buNone/>
+            </a:pPr>
+            <a:r>
+              <a:rPr lang="en-US" sz="1800">
+                <a:latin typeface="FreeMono" panose="020F0409020205020404" charset="0"/>
+                <a:ea typeface="FreeMono" panose="020F0409020205020404" charset="0"/>
+              </a:rPr>
+              <a:t>rear = -1;</a:t>
+            </a:r>
+            <a:endParaRPr lang="en-US" sz="1800">
+              <a:latin typeface="FreeMono" panose="020F0409020205020404" charset="0"/>
+              <a:ea typeface="FreeMono" panose="020F0409020205020404" charset="0"/>
+            </a:endParaRPr>
+          </a:p>
+          <a:p>
+            <a:pPr marL="0" indent="0">
+              <a:lnSpc>
+                <a:spcPct val="80000"/>
+              </a:lnSpc>
+              <a:buNone/>
+            </a:pPr>
+            <a:r>
+              <a:rPr lang="en-US" sz="1800">
+                <a:latin typeface="FreeMono" panose="020F0409020205020404" charset="0"/>
+                <a:ea typeface="FreeMono" panose="020F0409020205020404" charset="0"/>
+              </a:rPr>
+              <a:t>queArray[++rear] = j;</a:t>
+            </a:r>
+            <a:endParaRPr lang="en-US" sz="1800">
+              <a:latin typeface="FreeMono" panose="020F0409020205020404" charset="0"/>
+              <a:ea typeface="FreeMono" panose="020F0409020205020404" charset="0"/>
+            </a:endParaRPr>
+          </a:p>
+          <a:p>
+            <a:pPr marL="0" indent="0">
+              <a:lnSpc>
+                <a:spcPct val="80000"/>
+              </a:lnSpc>
+              <a:buNone/>
+            </a:pPr>
+            <a:r>
+              <a:rPr lang="en-US" sz="1800">
+                <a:latin typeface="FreeMono" panose="020F0409020205020404" charset="0"/>
+                <a:ea typeface="FreeMono" panose="020F0409020205020404" charset="0"/>
+              </a:rPr>
+              <a:t>}</a:t>
+            </a:r>
+            <a:endParaRPr lang="en-US" sz="1800">
+              <a:latin typeface="FreeMono" panose="020F0409020205020404" charset="0"/>
+              <a:ea typeface="FreeMono" panose="020F0409020205020404" charset="0"/>
+            </a:endParaRPr>
+          </a:p>
+        </p:txBody>
+      </p:sp>
+      <p:sp>
+        <p:nvSpPr>
+          <p:cNvPr id="2" name="Title 1"/>
+          <p:cNvSpPr>
+            <a:spLocks noGrp="1"/>
+          </p:cNvSpPr>
+          <p:nvPr>
+            <p:ph type="title"/>
+          </p:nvPr>
+        </p:nvSpPr>
+        <p:spPr>
+          <a:xfrm>
+            <a:off x="466090" y="15875"/>
+            <a:ext cx="7772400" cy="911860"/>
+          </a:xfrm>
+        </p:spPr>
+        <p:txBody>
+          <a:bodyPr/>
+          <a:p>
+            <a:r>
+              <a:rPr lang="" altLang="en-US">
+                <a:latin typeface="Noto Serif CJK JP" panose="02020400000000000000" charset="-122"/>
+                <a:ea typeface="Noto Serif CJK JP" panose="02020400000000000000" charset="-122"/>
+              </a:rPr>
+              <a:t>Implementation</a:t>
+            </a:r>
+            <a:endParaRPr lang="" altLang="en-US">
+              <a:latin typeface="Noto Serif CJK JP" panose="02020400000000000000" charset="-122"/>
+              <a:ea typeface="Noto Serif CJK JP" panose="02020400000000000000" charset="-122"/>
+            </a:endParaRPr>
+          </a:p>
+        </p:txBody>
+      </p:sp>
+    </p:spTree>
+  </p:cSld>
+  <p:clrMapOvr>
+    <a:masterClrMapping/>
+  </p:clrMapOvr>
+</p:sld>
+</file>
+
+<file path=ppt/slides/slide22.xml><?xml version="1.0" encoding="utf-8"?>
+<p:sld xmlns:a="http://schemas.openxmlformats.org/drawingml/2006/main" xmlns:r="http://schemas.openxmlformats.org/officeDocument/2006/relationships" xmlns:p="http://schemas.openxmlformats.org/presentationml/2006/main">
+  <p:cSld>
+    <p:spTree>
+      <p:nvGrpSpPr>
+        <p:cNvPr id="1" name=""/>
+        <p:cNvGrpSpPr/>
+        <p:nvPr/>
+      </p:nvGrpSpPr>
+      <p:grpSpPr/>
+      <p:sp>
+        <p:nvSpPr>
+          <p:cNvPr id="3" name="Content Placeholder 2"/>
+          <p:cNvSpPr>
+            <a:spLocks noGrp="1"/>
+          </p:cNvSpPr>
+          <p:nvPr>
+            <p:ph idx="1"/>
+          </p:nvPr>
+        </p:nvSpPr>
+        <p:spPr>
+          <a:xfrm>
+            <a:off x="181610" y="533400"/>
+            <a:ext cx="7992110" cy="5791200"/>
+          </a:xfrm>
+        </p:spPr>
+        <p:txBody>
+          <a:bodyPr/>
+          <a:p>
+            <a:pPr marL="0" indent="0">
+              <a:lnSpc>
+                <a:spcPct val="80000"/>
+              </a:lnSpc>
+              <a:buNone/>
+            </a:pPr>
+            <a:r>
+              <a:rPr lang="en-US" sz="1800">
+                <a:latin typeface="FreeMono" panose="020F0409020205020404" charset="0"/>
+                <a:ea typeface="FreeMono" panose="020F0409020205020404" charset="0"/>
+              </a:rPr>
+              <a:t>public long remove() // take item from front of queue</a:t>
+            </a:r>
+            <a:endParaRPr lang="en-US" sz="1800">
+              <a:latin typeface="FreeMono" panose="020F0409020205020404" charset="0"/>
+              <a:ea typeface="FreeMono" panose="020F0409020205020404" charset="0"/>
+            </a:endParaRPr>
+          </a:p>
+          <a:p>
+            <a:pPr marL="0" indent="0">
+              <a:lnSpc>
+                <a:spcPct val="80000"/>
+              </a:lnSpc>
+              <a:buNone/>
+            </a:pPr>
+            <a:r>
+              <a:rPr lang="en-US" sz="1800">
+                <a:latin typeface="FreeMono" panose="020F0409020205020404" charset="0"/>
+                <a:ea typeface="FreeMono" panose="020F0409020205020404" charset="0"/>
+              </a:rPr>
+              <a:t>{</a:t>
+            </a:r>
+            <a:endParaRPr lang="en-US" sz="1800">
+              <a:latin typeface="FreeMono" panose="020F0409020205020404" charset="0"/>
+              <a:ea typeface="FreeMono" panose="020F0409020205020404" charset="0"/>
+            </a:endParaRPr>
+          </a:p>
+          <a:p>
+            <a:pPr marL="457200" lvl="1" indent="0">
+              <a:lnSpc>
+                <a:spcPct val="80000"/>
+              </a:lnSpc>
+              <a:buNone/>
+            </a:pPr>
+            <a:r>
+              <a:rPr lang="en-US" sz="1575">
+                <a:latin typeface="FreeMono" panose="020F0409020205020404" charset="0"/>
+                <a:ea typeface="FreeMono" panose="020F0409020205020404" charset="0"/>
+              </a:rPr>
+              <a:t>long temp = queArray[front++];</a:t>
+            </a:r>
+            <a:endParaRPr lang="en-US" sz="1575">
+              <a:latin typeface="FreeMono" panose="020F0409020205020404" charset="0"/>
+              <a:ea typeface="FreeMono" panose="020F0409020205020404" charset="0"/>
+            </a:endParaRPr>
+          </a:p>
+          <a:p>
+            <a:pPr marL="457200" lvl="1" indent="0">
+              <a:lnSpc>
+                <a:spcPct val="80000"/>
+              </a:lnSpc>
+              <a:buNone/>
+            </a:pPr>
+            <a:r>
+              <a:rPr lang="en-US" sz="1575">
+                <a:latin typeface="FreeMono" panose="020F0409020205020404" charset="0"/>
+                <a:ea typeface="FreeMono" panose="020F0409020205020404" charset="0"/>
+              </a:rPr>
+              <a:t>if(front == maxSize)</a:t>
+            </a:r>
+            <a:endParaRPr lang="en-US" sz="1575">
+              <a:latin typeface="FreeMono" panose="020F0409020205020404" charset="0"/>
+              <a:ea typeface="FreeMono" panose="020F0409020205020404" charset="0"/>
+            </a:endParaRPr>
+          </a:p>
+          <a:p>
+            <a:pPr marL="457200" lvl="1" indent="0">
+              <a:lnSpc>
+                <a:spcPct val="80000"/>
+              </a:lnSpc>
+              <a:buNone/>
+            </a:pPr>
+            <a:r>
+              <a:rPr lang="en-US" sz="1575">
+                <a:latin typeface="FreeMono" panose="020F0409020205020404" charset="0"/>
+                <a:ea typeface="FreeMono" panose="020F0409020205020404" charset="0"/>
+              </a:rPr>
+              <a:t>front = 0;</a:t>
+            </a:r>
+            <a:endParaRPr lang="en-US" sz="1575">
+              <a:latin typeface="FreeMono" panose="020F0409020205020404" charset="0"/>
+              <a:ea typeface="FreeMono" panose="020F0409020205020404" charset="0"/>
+            </a:endParaRPr>
+          </a:p>
+          <a:p>
+            <a:pPr marL="457200" lvl="1" indent="0">
+              <a:lnSpc>
+                <a:spcPct val="80000"/>
+              </a:lnSpc>
+              <a:buNone/>
+            </a:pPr>
+            <a:r>
+              <a:rPr lang="en-US" sz="1575">
+                <a:latin typeface="FreeMono" panose="020F0409020205020404" charset="0"/>
+                <a:ea typeface="FreeMono" panose="020F0409020205020404" charset="0"/>
+              </a:rPr>
+              <a:t>return temp;</a:t>
+            </a:r>
+            <a:endParaRPr lang="en-US" sz="1575">
+              <a:latin typeface="FreeMono" panose="020F0409020205020404" charset="0"/>
+              <a:ea typeface="FreeMono" panose="020F0409020205020404" charset="0"/>
+            </a:endParaRPr>
+          </a:p>
+          <a:p>
+            <a:pPr marL="0" lvl="0" indent="0">
+              <a:lnSpc>
+                <a:spcPct val="80000"/>
+              </a:lnSpc>
+              <a:buNone/>
+            </a:pPr>
+            <a:r>
+              <a:rPr lang="en-US" sz="1800">
+                <a:latin typeface="FreeMono" panose="020F0409020205020404" charset="0"/>
+                <a:ea typeface="FreeMono" panose="020F0409020205020404" charset="0"/>
+              </a:rPr>
+              <a:t>}</a:t>
+            </a:r>
+            <a:endParaRPr lang="en-US" sz="1800">
+              <a:latin typeface="FreeMono" panose="020F0409020205020404" charset="0"/>
+              <a:ea typeface="FreeMono" panose="020F0409020205020404" charset="0"/>
+            </a:endParaRPr>
+          </a:p>
+          <a:p>
+            <a:pPr marL="0" lvl="0" indent="0">
+              <a:lnSpc>
+                <a:spcPct val="80000"/>
+              </a:lnSpc>
+              <a:buNone/>
+            </a:pPr>
+            <a:r>
+              <a:rPr lang="en-US" sz="1800">
+                <a:latin typeface="FreeMono" panose="020F0409020205020404" charset="0"/>
+                <a:ea typeface="FreeMono" panose="020F0409020205020404" charset="0"/>
+              </a:rPr>
+              <a:t>------------------------------------------------------</a:t>
+            </a:r>
+            <a:endParaRPr lang="en-US" sz="1800">
+              <a:latin typeface="FreeMono" panose="020F0409020205020404" charset="0"/>
+              <a:ea typeface="FreeMono" panose="020F0409020205020404" charset="0"/>
+            </a:endParaRPr>
+          </a:p>
+          <a:p>
+            <a:pPr marL="0" lvl="0" indent="0">
+              <a:lnSpc>
+                <a:spcPct val="80000"/>
+              </a:lnSpc>
+              <a:buNone/>
+            </a:pPr>
+            <a:r>
+              <a:rPr lang="en-US" sz="1800">
+                <a:latin typeface="FreeMono" panose="020F0409020205020404" charset="0"/>
+                <a:ea typeface="FreeMono" panose="020F0409020205020404" charset="0"/>
+              </a:rPr>
+              <a:t>public long peek() // peek at front of queue</a:t>
+            </a:r>
+            <a:endParaRPr lang="en-US" sz="1800">
+              <a:latin typeface="FreeMono" panose="020F0409020205020404" charset="0"/>
+              <a:ea typeface="FreeMono" panose="020F0409020205020404" charset="0"/>
+            </a:endParaRPr>
+          </a:p>
+          <a:p>
+            <a:pPr marL="0" lvl="0" indent="0">
+              <a:lnSpc>
+                <a:spcPct val="80000"/>
+              </a:lnSpc>
+              <a:buNone/>
+            </a:pPr>
+            <a:r>
+              <a:rPr lang="en-US" sz="1800">
+                <a:latin typeface="FreeMono" panose="020F0409020205020404" charset="0"/>
+                <a:ea typeface="FreeMono" panose="020F0409020205020404" charset="0"/>
+              </a:rPr>
+              <a:t>{</a:t>
+            </a:r>
+            <a:endParaRPr lang="en-US" sz="1800">
+              <a:latin typeface="FreeMono" panose="020F0409020205020404" charset="0"/>
+              <a:ea typeface="FreeMono" panose="020F0409020205020404" charset="0"/>
+            </a:endParaRPr>
+          </a:p>
+          <a:p>
+            <a:pPr marL="0" lvl="0" indent="0">
+              <a:lnSpc>
+                <a:spcPct val="80000"/>
+              </a:lnSpc>
+              <a:buNone/>
+            </a:pPr>
+            <a:r>
+              <a:rPr lang="" altLang="en-US" sz="1800">
+                <a:latin typeface="FreeMono" panose="020F0409020205020404" charset="0"/>
+                <a:ea typeface="FreeMono" panose="020F0409020205020404" charset="0"/>
+              </a:rPr>
+              <a:t>	</a:t>
+            </a:r>
+            <a:r>
+              <a:rPr lang="en-US" sz="1800">
+                <a:latin typeface="FreeMono" panose="020F0409020205020404" charset="0"/>
+                <a:ea typeface="FreeMono" panose="020F0409020205020404" charset="0"/>
+              </a:rPr>
+              <a:t>return queArray[front];</a:t>
+            </a:r>
+            <a:endParaRPr lang="en-US" sz="1800">
+              <a:latin typeface="FreeMono" panose="020F0409020205020404" charset="0"/>
+              <a:ea typeface="FreeMono" panose="020F0409020205020404" charset="0"/>
+            </a:endParaRPr>
+          </a:p>
+          <a:p>
+            <a:pPr marL="0" lvl="0" indent="0">
+              <a:lnSpc>
+                <a:spcPct val="80000"/>
+              </a:lnSpc>
+              <a:buNone/>
+            </a:pPr>
+            <a:r>
+              <a:rPr lang="en-US" sz="1800">
+                <a:latin typeface="FreeMono" panose="020F0409020205020404" charset="0"/>
+                <a:ea typeface="FreeMono" panose="020F0409020205020404" charset="0"/>
+              </a:rPr>
+              <a:t>}</a:t>
+            </a:r>
+            <a:endParaRPr lang="en-US" sz="1800">
+              <a:latin typeface="FreeMono" panose="020F0409020205020404" charset="0"/>
+              <a:ea typeface="FreeMono" panose="020F0409020205020404" charset="0"/>
+            </a:endParaRPr>
+          </a:p>
+          <a:p>
+            <a:pPr marL="0" lvl="0" indent="0">
+              <a:lnSpc>
+                <a:spcPct val="80000"/>
+              </a:lnSpc>
+              <a:buNone/>
+            </a:pPr>
+            <a:r>
+              <a:rPr lang="en-US" sz="1800">
+                <a:latin typeface="FreeMono" panose="020F0409020205020404" charset="0"/>
+                <a:ea typeface="FreeMono" panose="020F0409020205020404" charset="0"/>
+              </a:rPr>
+              <a:t>------------------------------------------------------</a:t>
+            </a:r>
+            <a:endParaRPr lang="en-US" sz="1800">
+              <a:latin typeface="FreeMono" panose="020F0409020205020404" charset="0"/>
+              <a:ea typeface="FreeMono" panose="020F0409020205020404" charset="0"/>
+            </a:endParaRPr>
+          </a:p>
+          <a:p>
+            <a:pPr marL="0" lvl="0" indent="0">
+              <a:lnSpc>
+                <a:spcPct val="80000"/>
+              </a:lnSpc>
+              <a:buNone/>
+            </a:pPr>
+            <a:r>
+              <a:rPr lang="en-US" sz="1800">
+                <a:latin typeface="FreeMono" panose="020F0409020205020404" charset="0"/>
+                <a:ea typeface="FreeMono" panose="020F0409020205020404" charset="0"/>
+              </a:rPr>
+              <a:t>public boolean isEmpty() // true if queue is empty</a:t>
+            </a:r>
+            <a:endParaRPr lang="en-US" sz="1800">
+              <a:latin typeface="FreeMono" panose="020F0409020205020404" charset="0"/>
+              <a:ea typeface="FreeMono" panose="020F0409020205020404" charset="0"/>
+            </a:endParaRPr>
+          </a:p>
+          <a:p>
+            <a:pPr marL="0" lvl="0" indent="0">
+              <a:lnSpc>
+                <a:spcPct val="80000"/>
+              </a:lnSpc>
+              <a:buNone/>
+            </a:pPr>
+            <a:r>
+              <a:rPr lang="en-US" sz="1800">
+                <a:latin typeface="FreeMono" panose="020F0409020205020404" charset="0"/>
+                <a:ea typeface="FreeMono" panose="020F0409020205020404" charset="0"/>
+              </a:rPr>
+              <a:t>{</a:t>
+            </a:r>
+            <a:endParaRPr lang="en-US" sz="1800">
+              <a:latin typeface="FreeMono" panose="020F0409020205020404" charset="0"/>
+              <a:ea typeface="FreeMono" panose="020F0409020205020404" charset="0"/>
+            </a:endParaRPr>
+          </a:p>
+          <a:p>
+            <a:pPr marL="0" lvl="0" indent="0">
+              <a:lnSpc>
+                <a:spcPct val="80000"/>
+              </a:lnSpc>
+              <a:buNone/>
+            </a:pPr>
+            <a:r>
+              <a:rPr lang="" altLang="en-US" sz="1800">
+                <a:latin typeface="FreeMono" panose="020F0409020205020404" charset="0"/>
+                <a:ea typeface="FreeMono" panose="020F0409020205020404" charset="0"/>
+              </a:rPr>
+              <a:t>	</a:t>
+            </a:r>
+            <a:r>
+              <a:rPr lang="en-US" sz="1800">
+                <a:latin typeface="FreeMono" panose="020F0409020205020404" charset="0"/>
+                <a:ea typeface="FreeMono" panose="020F0409020205020404" charset="0"/>
+              </a:rPr>
+              <a:t>return(rear+1==front || (front+maxSize-1==rear) );</a:t>
+            </a:r>
+            <a:endParaRPr lang="en-US" sz="1800">
+              <a:latin typeface="FreeMono" panose="020F0409020205020404" charset="0"/>
+              <a:ea typeface="FreeMono" panose="020F0409020205020404" charset="0"/>
+            </a:endParaRPr>
+          </a:p>
+          <a:p>
+            <a:pPr marL="0" lvl="0" indent="0">
+              <a:lnSpc>
+                <a:spcPct val="80000"/>
+              </a:lnSpc>
+              <a:buNone/>
+            </a:pPr>
+            <a:r>
+              <a:rPr lang="en-US" sz="1800">
+                <a:latin typeface="FreeMono" panose="020F0409020205020404" charset="0"/>
+                <a:ea typeface="FreeMono" panose="020F0409020205020404" charset="0"/>
+              </a:rPr>
+              <a:t>}</a:t>
+            </a:r>
+            <a:endParaRPr lang="en-US" sz="1800">
+              <a:latin typeface="FreeMono" panose="020F0409020205020404" charset="0"/>
+              <a:ea typeface="FreeMono" panose="020F0409020205020404" charset="0"/>
+            </a:endParaRPr>
+          </a:p>
+          <a:p>
+            <a:pPr marL="0" lvl="0" indent="0">
+              <a:lnSpc>
+                <a:spcPct val="80000"/>
+              </a:lnSpc>
+              <a:buNone/>
+            </a:pPr>
+            <a:r>
+              <a:rPr lang="en-US" sz="1800">
+                <a:latin typeface="FreeMono" panose="020F0409020205020404" charset="0"/>
+                <a:ea typeface="FreeMono" panose="020F0409020205020404" charset="0"/>
+              </a:rPr>
+              <a:t>------------------------------------------------------</a:t>
+            </a:r>
+            <a:endParaRPr lang="en-US" sz="1800">
+              <a:latin typeface="FreeMono" panose="020F0409020205020404" charset="0"/>
+              <a:ea typeface="FreeMono" panose="020F0409020205020404" charset="0"/>
+            </a:endParaRPr>
+          </a:p>
+          <a:p>
+            <a:pPr marL="0" lvl="0" indent="0">
+              <a:lnSpc>
+                <a:spcPct val="80000"/>
+              </a:lnSpc>
+              <a:buNone/>
+            </a:pPr>
+            <a:r>
+              <a:rPr lang="en-US" sz="1800">
+                <a:latin typeface="FreeMono" panose="020F0409020205020404" charset="0"/>
+                <a:ea typeface="FreeMono" panose="020F0409020205020404" charset="0"/>
+              </a:rPr>
+              <a:t>public boolean isFull() // true if queue is full</a:t>
+            </a:r>
+            <a:endParaRPr lang="en-US" sz="1800">
+              <a:latin typeface="FreeMono" panose="020F0409020205020404" charset="0"/>
+              <a:ea typeface="FreeMono" panose="020F0409020205020404" charset="0"/>
+            </a:endParaRPr>
+          </a:p>
+          <a:p>
+            <a:pPr marL="0" lvl="0" indent="0">
+              <a:lnSpc>
+                <a:spcPct val="80000"/>
+              </a:lnSpc>
+              <a:buNone/>
+            </a:pPr>
+            <a:r>
+              <a:rPr lang="en-US" sz="1800">
+                <a:latin typeface="FreeMono" panose="020F0409020205020404" charset="0"/>
+                <a:ea typeface="FreeMono" panose="020F0409020205020404" charset="0"/>
+              </a:rPr>
+              <a:t>{</a:t>
+            </a:r>
+            <a:endParaRPr lang="en-US" sz="1800">
+              <a:latin typeface="FreeMono" panose="020F0409020205020404" charset="0"/>
+              <a:ea typeface="FreeMono" panose="020F0409020205020404" charset="0"/>
+            </a:endParaRPr>
+          </a:p>
+          <a:p>
+            <a:pPr marL="0" lvl="0" indent="0">
+              <a:lnSpc>
+                <a:spcPct val="80000"/>
+              </a:lnSpc>
+              <a:buNone/>
+            </a:pPr>
+            <a:r>
+              <a:rPr lang="" altLang="en-US" sz="1800">
+                <a:latin typeface="FreeMono" panose="020F0409020205020404" charset="0"/>
+                <a:ea typeface="FreeMono" panose="020F0409020205020404" charset="0"/>
+              </a:rPr>
+              <a:t>	</a:t>
+            </a:r>
+            <a:r>
+              <a:rPr lang="en-US" sz="1800">
+                <a:latin typeface="FreeMono" panose="020F0409020205020404" charset="0"/>
+                <a:ea typeface="FreeMono" panose="020F0409020205020404" charset="0"/>
+              </a:rPr>
+              <a:t>return (rear+2==front ||(front+maxSize-2==rear) );</a:t>
+            </a:r>
+            <a:endParaRPr lang="en-US" sz="1800">
+              <a:latin typeface="FreeMono" panose="020F0409020205020404" charset="0"/>
+              <a:ea typeface="FreeMono" panose="020F0409020205020404" charset="0"/>
+            </a:endParaRPr>
+          </a:p>
+          <a:p>
+            <a:pPr marL="0" lvl="0" indent="0">
+              <a:lnSpc>
+                <a:spcPct val="80000"/>
+              </a:lnSpc>
+              <a:buNone/>
+            </a:pPr>
+            <a:r>
+              <a:rPr lang="en-US" sz="1800">
+                <a:latin typeface="FreeMono" panose="020F0409020205020404" charset="0"/>
+                <a:ea typeface="FreeMono" panose="020F0409020205020404" charset="0"/>
+              </a:rPr>
+              <a:t>}</a:t>
+            </a:r>
+            <a:endParaRPr lang="en-US" sz="1800">
+              <a:latin typeface="FreeMono" panose="020F0409020205020404" charset="0"/>
+              <a:ea typeface="FreeMono" panose="020F0409020205020404" charset="0"/>
+            </a:endParaRPr>
+          </a:p>
+          <a:p>
+            <a:pPr marL="0" indent="0">
+              <a:lnSpc>
+                <a:spcPct val="80000"/>
+              </a:lnSpc>
+              <a:buNone/>
+            </a:pPr>
+            <a:r>
+              <a:rPr lang="en-US" sz="1800">
+                <a:latin typeface="FreeMono" panose="020F0409020205020404" charset="0"/>
+                <a:ea typeface="FreeMono" panose="020F0409020205020404" charset="0"/>
+              </a:rPr>
+              <a:t>} // end class Queue</a:t>
+            </a:r>
+            <a:endParaRPr lang="en-US" sz="1800">
+              <a:latin typeface="FreeMono" panose="020F0409020205020404" charset="0"/>
+              <a:ea typeface="FreeMono" panose="020F0409020205020404" charset="0"/>
             </a:endParaRPr>
           </a:p>
         </p:txBody>
@@ -5337,13 +8961,13 @@
           <a:bodyPr/>
           <a:p>
             <a:r>
-              <a:rPr lang="" altLang="en-US" sz="2800">
+              <a:rPr lang="en-US" altLang="en-US" sz="2800">
                 <a:latin typeface="Noto Serif CJK JP" panose="02020400000000000000" charset="-122"/>
                 <a:ea typeface="Noto Serif CJK JP" panose="02020400000000000000" charset="-122"/>
               </a:rPr>
               <a:t>Array</a:t>
             </a:r>
-            <a:endParaRPr lang="" altLang="en-US" sz="2800">
+            <a:endParaRPr lang="en-US" altLang="en-US" sz="2800">
               <a:latin typeface="Noto Serif CJK JP" panose="02020400000000000000" charset="-122"/>
               <a:ea typeface="Noto Serif CJK JP" panose="02020400000000000000" charset="-122"/>
             </a:endParaRPr>
@@ -5410,18 +9034,11 @@
           </a:p>
           <a:p>
             <a:r>
-              <a:rPr lang="" altLang="en-US" sz="2400">
-                <a:latin typeface="Noto Serif CJK JP" panose="02020400000000000000" charset="-122"/>
-                <a:ea typeface="Noto Serif CJK JP" panose="02020400000000000000" charset="-122"/>
-              </a:rPr>
-              <a:t>S</a:t>
-            </a:r>
-            <a:r>
               <a:rPr lang="en-US" altLang="en-US" sz="2400">
                 <a:latin typeface="Noto Serif CJK JP" panose="02020400000000000000" charset="-122"/>
                 <a:ea typeface="Noto Serif CJK JP" panose="02020400000000000000" charset="-122"/>
               </a:rPr>
-              <a:t>tore multiple items of the same type together</a:t>
+              <a:t>Store multiple items of the same type together</a:t>
             </a:r>
             <a:endParaRPr lang="en-US" altLang="en-US" sz="2400">
               <a:latin typeface="Noto Serif CJK JP" panose="02020400000000000000" charset="-122"/>
@@ -5481,16 +9098,9 @@
                 <a:latin typeface="Noto Serif CJK JP" panose="02020400000000000000" charset="-122"/>
                 <a:ea typeface="Noto Serif CJK JP" panose="02020400000000000000" charset="-122"/>
               </a:rPr>
-              <a:t>Ease of insertion </a:t>
-            </a:r>
-            <a:r>
-              <a:rPr lang="" altLang="en-US" sz="2100">
-                <a:latin typeface="Noto Serif CJK JP" panose="02020400000000000000" charset="-122"/>
-                <a:ea typeface="Noto Serif CJK JP" panose="02020400000000000000" charset="-122"/>
-              </a:rPr>
-              <a:t>and in Accesss</a:t>
-            </a:r>
-            <a:endParaRPr lang="" altLang="en-US" sz="2100">
+              <a:t>Ease of insertion and in Accesss</a:t>
+            </a:r>
+            <a:endParaRPr lang="en-US" altLang="en-US" sz="2100">
               <a:latin typeface="Noto Serif CJK JP" panose="02020400000000000000" charset="-122"/>
               <a:ea typeface="Noto Serif CJK JP" panose="02020400000000000000" charset="-122"/>
             </a:endParaRPr>
@@ -5534,7 +9144,7 @@
           <a:p>
             <a:pPr lvl="1"/>
             <a:r>
-              <a:rPr lang="" altLang="en-US" sz="2100">
+              <a:rPr lang="en-US" altLang="en-US" sz="2100">
                 <a:latin typeface="Noto Serif CJK JP" panose="02020400000000000000" charset="-122"/>
                 <a:ea typeface="Noto Serif CJK JP" panose="02020400000000000000" charset="-122"/>
               </a:rPr>
@@ -5601,8 +9211,8 @@
         </p:nvSpPr>
         <p:spPr>
           <a:xfrm>
-            <a:off x="685800" y="203835"/>
-            <a:ext cx="7772400" cy="652145"/>
+            <a:off x="685800" y="306705"/>
+            <a:ext cx="7772400" cy="688975"/>
           </a:xfrm>
         </p:spPr>
         <p:txBody>
@@ -5613,7 +9223,7 @@
                 <a:latin typeface="Noto Serif CJK JP" panose="02020400000000000000" charset="-122"/>
                 <a:ea typeface="Noto Serif CJK JP" panose="02020400000000000000" charset="-122"/>
               </a:rPr>
-              <a:t>Linked list</a:t>
+              <a:t>Array - Accessing Element</a:t>
             </a:r>
             <a:endParaRPr lang="en-US" altLang="en-US" sz="2800">
               <a:latin typeface="Noto Serif CJK JP" panose="02020400000000000000" charset="-122"/>
@@ -5634,46 +9244,24 @@
         </p:nvSpPr>
         <p:spPr>
           <a:xfrm>
-            <a:off x="685800" y="1036955"/>
-            <a:ext cx="7772400" cy="5382260"/>
+            <a:off x="685800" y="1449705"/>
+            <a:ext cx="7772400" cy="4969510"/>
           </a:xfrm>
         </p:spPr>
         <p:txBody>
           <a:bodyPr/>
           <a:p>
+            <a:pPr>
+              <a:lnSpc>
+                <a:spcPct val="130000"/>
+              </a:lnSpc>
+            </a:pPr>
             <a:r>
               <a:rPr lang="en-US" altLang="en-US" sz="2400">
                 <a:latin typeface="Noto Serif CJK JP" panose="02020400000000000000" charset="-122"/>
                 <a:ea typeface="Noto Serif CJK JP" panose="02020400000000000000" charset="-122"/>
               </a:rPr>
-              <a:t>L</a:t>
-            </a:r>
-            <a:r>
-              <a:rPr lang="en-US" sz="2400">
-                <a:latin typeface="Noto Serif CJK JP" panose="02020400000000000000" charset="-122"/>
-                <a:ea typeface="Noto Serif CJK JP" panose="02020400000000000000" charset="-122"/>
-              </a:rPr>
-              <a:t>inear data structure</a:t>
-            </a:r>
-            <a:endParaRPr lang="en-US" sz="2400">
-              <a:latin typeface="Noto Serif CJK JP" panose="02020400000000000000" charset="-122"/>
-              <a:ea typeface="Noto Serif CJK JP" panose="02020400000000000000" charset="-122"/>
-            </a:endParaRPr>
-          </a:p>
-          <a:p>
-            <a:r>
-              <a:rPr lang="en-US" altLang="en-US" sz="2400">
-                <a:latin typeface="Noto Serif CJK JP" panose="02020400000000000000" charset="-122"/>
-                <a:ea typeface="Noto Serif CJK JP" panose="02020400000000000000" charset="-122"/>
-              </a:rPr>
-              <a:t>E</a:t>
-            </a:r>
-            <a:r>
-              <a:rPr lang="en-US" sz="2400">
-                <a:latin typeface="Noto Serif CJK JP" panose="02020400000000000000" charset="-122"/>
-                <a:ea typeface="Noto Serif CJK JP" panose="02020400000000000000" charset="-122"/>
-              </a:rPr>
-              <a:t>lements are not stored at contiguous memory locations.</a:t>
+              <a:t>accessed using an index number</a:t>
             </a:r>
             <a:endParaRPr lang="en-US" altLang="en-US" sz="2400">
               <a:latin typeface="Noto Serif CJK JP" panose="02020400000000000000" charset="-122"/>
@@ -5681,12 +9269,17 @@
             </a:endParaRPr>
           </a:p>
           <a:p>
+            <a:pPr>
+              <a:lnSpc>
+                <a:spcPct val="130000"/>
+              </a:lnSpc>
+            </a:pPr>
             <a:r>
               <a:rPr lang="en-US" altLang="en-US" sz="2400">
                 <a:latin typeface="Noto Serif CJK JP" panose="02020400000000000000" charset="-122"/>
                 <a:ea typeface="Noto Serif CJK JP" panose="02020400000000000000" charset="-122"/>
               </a:rPr>
-              <a:t>Elements are linked using pointers</a:t>
+              <a:t>first element is numbered 0, so that the indices in an array of 10 elements run from 0 to 9.</a:t>
             </a:r>
             <a:endParaRPr lang="en-US" altLang="en-US" sz="2400">
               <a:latin typeface="Noto Serif CJK JP" panose="02020400000000000000" charset="-122"/>
@@ -5694,12 +9287,24 @@
             </a:endParaRPr>
           </a:p>
           <a:p>
+            <a:pPr>
+              <a:lnSpc>
+                <a:spcPct val="130000"/>
+              </a:lnSpc>
+            </a:pPr>
             <a:r>
               <a:rPr lang="en-US" altLang="en-US" sz="2400">
                 <a:latin typeface="Noto Serif CJK JP" panose="02020400000000000000" charset="-122"/>
                 <a:ea typeface="Noto Serif CJK JP" panose="02020400000000000000" charset="-122"/>
               </a:rPr>
-              <a:t>Advantages :</a:t>
+              <a:t>Complexity : </a:t>
+            </a:r>
+            <a:r>
+              <a:rPr lang="" altLang="en-US" sz="2400">
+                <a:latin typeface="Noto Serif CJK JP" panose="02020400000000000000" charset="-122"/>
+                <a:ea typeface="Noto Serif CJK JP" panose="02020400000000000000" charset="-122"/>
+              </a:rPr>
+              <a:t>O(1)</a:t>
             </a:r>
             <a:endParaRPr lang="en-US" altLang="en-US" sz="2400">
               <a:latin typeface="Noto Serif CJK JP" panose="02020400000000000000" charset="-122"/>
@@ -5707,72 +9312,83 @@
             </a:endParaRPr>
           </a:p>
           <a:p>
-            <a:pPr lvl="1"/>
-            <a:r>
-              <a:rPr lang="en-US" altLang="en-US" sz="2100">
-                <a:latin typeface="Noto Serif CJK JP" panose="02020400000000000000" charset="-122"/>
-                <a:ea typeface="Noto Serif CJK JP" panose="02020400000000000000" charset="-122"/>
-              </a:rPr>
-              <a:t>Dynamic size (dynamic memory allocation)</a:t>
-            </a:r>
-            <a:endParaRPr lang="en-US" altLang="en-US" sz="2100">
-              <a:latin typeface="Noto Serif CJK JP" panose="02020400000000000000" charset="-122"/>
-              <a:ea typeface="Noto Serif CJK JP" panose="02020400000000000000" charset="-122"/>
-            </a:endParaRPr>
-          </a:p>
-          <a:p>
-            <a:pPr lvl="1"/>
-            <a:r>
-              <a:rPr lang="en-US" altLang="en-US" sz="2100">
-                <a:latin typeface="Noto Serif CJK JP" panose="02020400000000000000" charset="-122"/>
-                <a:ea typeface="Noto Serif CJK JP" panose="02020400000000000000" charset="-122"/>
-              </a:rPr>
-              <a:t> Ease of insertion/deletion over unsorted approach</a:t>
-            </a:r>
-            <a:endParaRPr lang="en-US" altLang="en-US" sz="2100">
-              <a:latin typeface="Noto Serif CJK JP" panose="02020400000000000000" charset="-122"/>
-              <a:ea typeface="Noto Serif CJK JP" panose="02020400000000000000" charset="-122"/>
-            </a:endParaRPr>
-          </a:p>
-          <a:p>
-            <a:r>
-              <a:rPr lang="en-US" altLang="en-US" sz="2400">
-                <a:latin typeface="Noto Serif CJK JP" panose="02020400000000000000" charset="-122"/>
-                <a:ea typeface="Noto Serif CJK JP" panose="02020400000000000000" charset="-122"/>
-              </a:rPr>
-              <a:t>Drawbacks:</a:t>
-            </a:r>
             <a:endParaRPr lang="en-US" altLang="en-US" sz="2400">
               <a:latin typeface="Noto Serif CJK JP" panose="02020400000000000000" charset="-122"/>
               <a:ea typeface="Noto Serif CJK JP" panose="02020400000000000000" charset="-122"/>
             </a:endParaRPr>
           </a:p>
           <a:p>
-            <a:pPr lvl="1"/>
-            <a:r>
-              <a:rPr lang="en-US" altLang="en-US" sz="2100">
-                <a:latin typeface="Noto Serif CJK JP" panose="02020400000000000000" charset="-122"/>
-                <a:ea typeface="Noto Serif CJK JP" panose="02020400000000000000" charset="-122"/>
-              </a:rPr>
-              <a:t>Random access is not allowed</a:t>
-            </a:r>
-            <a:endParaRPr lang="en-US" altLang="en-US" sz="2100">
+            <a:endParaRPr lang="en-US" altLang="en-US" sz="2400">
               <a:latin typeface="Noto Serif CJK JP" panose="02020400000000000000" charset="-122"/>
               <a:ea typeface="Noto Serif CJK JP" panose="02020400000000000000" charset="-122"/>
             </a:endParaRPr>
           </a:p>
           <a:p>
-            <a:pPr lvl="1"/>
-            <a:r>
-              <a:rPr lang="en-US" altLang="en-US" sz="2100">
-                <a:latin typeface="Noto Serif CJK JP" panose="02020400000000000000" charset="-122"/>
-                <a:ea typeface="Noto Serif CJK JP" panose="02020400000000000000" charset="-122"/>
-              </a:rPr>
-              <a:t>Extra memory space for a pointer</a:t>
-            </a:r>
-            <a:endParaRPr lang="en-US" altLang="en-US" sz="2100">
+            <a:endParaRPr lang="en-US" altLang="en-US" sz="2400">
               <a:latin typeface="Noto Serif CJK JP" panose="02020400000000000000" charset="-122"/>
               <a:ea typeface="Noto Serif CJK JP" panose="02020400000000000000" charset="-122"/>
+            </a:endParaRPr>
+          </a:p>
+        </p:txBody>
+      </p:sp>
+      <p:sp>
+        <p:nvSpPr>
+          <p:cNvPr id="4" name="Text Box 3"/>
+          <p:cNvSpPr txBox="1"/>
+          <p:nvPr/>
+        </p:nvSpPr>
+        <p:spPr>
+          <a:xfrm>
+            <a:off x="2526665" y="4083685"/>
+            <a:ext cx="3211195" cy="368300"/>
+          </a:xfrm>
+          <a:prstGeom prst="rect">
+            <a:avLst/>
+          </a:prstGeom>
+          <a:noFill/>
+          <a:ln w="12700" cmpd="sng">
+            <a:solidFill>
+              <a:schemeClr val="accent1">
+                <a:shade val="50000"/>
+              </a:schemeClr>
+            </a:solidFill>
+            <a:prstDash val="solid"/>
+          </a:ln>
+        </p:spPr>
+        <p:txBody>
+          <a:bodyPr wrap="square" rtlCol="0">
+            <a:spAutoFit/>
+          </a:bodyPr>
+          <a:p>
+            <a:r>
+              <a:rPr lang="en-US">
+                <a:latin typeface="FreeMono" panose="020F0409020205020404" charset="0"/>
+                <a:ea typeface="FreeMono" panose="020F0409020205020404" charset="0"/>
+                <a:cs typeface="Noto Sans Mono CJK JP" panose="020B0500000000000000" charset="-122"/>
+              </a:rPr>
+              <a:t>temp = </a:t>
+            </a:r>
+            <a:r>
+              <a:rPr lang="en-US" altLang="en-US">
+                <a:latin typeface="FreeMono" panose="020F0409020205020404" charset="0"/>
+                <a:ea typeface="FreeMono" panose="020F0409020205020404" charset="0"/>
+                <a:cs typeface="Noto Sans Mono CJK JP" panose="020B0500000000000000" charset="-122"/>
+                <a:sym typeface="+mn-ea"/>
+              </a:rPr>
+              <a:t>myArray</a:t>
+            </a:r>
+            <a:r>
+              <a:rPr lang="en-US">
+                <a:latin typeface="FreeMono" panose="020F0409020205020404" charset="0"/>
+                <a:ea typeface="FreeMono" panose="020F0409020205020404" charset="0"/>
+                <a:cs typeface="Noto Sans Mono CJK JP" panose="020B0500000000000000" charset="-122"/>
+              </a:rPr>
+              <a:t>[3];   </a:t>
+            </a:r>
+            <a:endParaRPr lang="en-US">
+              <a:latin typeface="FreeMono" panose="020F0409020205020404" charset="0"/>
+              <a:ea typeface="FreeMono" panose="020F0409020205020404" charset="0"/>
+              <a:cs typeface="Noto Sans Mono CJK JP" panose="020B0500000000000000" charset="-122"/>
             </a:endParaRPr>
           </a:p>
         </p:txBody>
@@ -5786,6 +9402,954 @@
 </file>
 
 <file path=ppt/slides/slide6.xml><?xml version="1.0" encoding="utf-8"?>
+<p:sld xmlns:a="http://schemas.openxmlformats.org/drawingml/2006/main" xmlns:r="http://schemas.openxmlformats.org/officeDocument/2006/relationships" xmlns:p="http://schemas.openxmlformats.org/presentationml/2006/main">
+  <p:cSld>
+    <p:spTree>
+      <p:nvGrpSpPr>
+        <p:cNvPr id="1" name=""/>
+        <p:cNvGrpSpPr/>
+        <p:nvPr/>
+      </p:nvGrpSpPr>
+      <p:grpSpPr/>
+      <p:sp>
+        <p:nvSpPr>
+          <p:cNvPr id="2" name="Title 1"/>
+          <p:cNvSpPr>
+            <a:spLocks noGrp="1"/>
+          </p:cNvSpPr>
+          <p:nvPr>
+            <p:ph type="title"/>
+          </p:nvPr>
+        </p:nvSpPr>
+        <p:spPr>
+          <a:xfrm>
+            <a:off x="685800" y="306705"/>
+            <a:ext cx="7772400" cy="688975"/>
+          </a:xfrm>
+        </p:spPr>
+        <p:txBody>
+          <a:bodyPr/>
+          <a:p>
+            <a:r>
+              <a:rPr lang="" altLang="en-US" sz="2800">
+                <a:latin typeface="Noto Serif CJK JP" panose="02020400000000000000" charset="-122"/>
+                <a:ea typeface="Noto Serif CJK JP" panose="02020400000000000000" charset="-122"/>
+              </a:rPr>
+              <a:t>Array - </a:t>
+            </a:r>
+            <a:r>
+              <a:rPr lang="en-US" altLang="en-US" sz="2800">
+                <a:latin typeface="Noto Serif CJK JP" panose="02020400000000000000" charset="-122"/>
+                <a:ea typeface="Noto Serif CJK JP" panose="02020400000000000000" charset="-122"/>
+              </a:rPr>
+              <a:t>Insertion of Element</a:t>
+            </a:r>
+            <a:endParaRPr lang="en-US" altLang="en-US" sz="2800">
+              <a:latin typeface="Noto Serif CJK JP" panose="02020400000000000000" charset="-122"/>
+              <a:ea typeface="Noto Serif CJK JP" panose="02020400000000000000" charset="-122"/>
+            </a:endParaRPr>
+          </a:p>
+        </p:txBody>
+      </p:sp>
+      <p:sp>
+        <p:nvSpPr>
+          <p:cNvPr id="3" name="Content Placeholder 2"/>
+          <p:cNvSpPr>
+            <a:spLocks noGrp="1"/>
+          </p:cNvSpPr>
+          <p:nvPr>
+            <p:ph idx="1"/>
+          </p:nvPr>
+        </p:nvSpPr>
+        <p:spPr>
+          <a:xfrm>
+            <a:off x="685800" y="1449705"/>
+            <a:ext cx="7772400" cy="4969510"/>
+          </a:xfrm>
+        </p:spPr>
+        <p:txBody>
+          <a:bodyPr/>
+          <a:p>
+            <a:pPr marL="0" indent="0">
+              <a:buNone/>
+            </a:pPr>
+            <a:endParaRPr lang="" altLang="en-US" sz="2400">
+              <a:latin typeface="Noto Serif CJK JP" panose="02020400000000000000" charset="-122"/>
+              <a:ea typeface="Noto Serif CJK JP" panose="02020400000000000000" charset="-122"/>
+            </a:endParaRPr>
+          </a:p>
+          <a:p>
+            <a:r>
+              <a:rPr lang="" altLang="en-US" sz="2400">
+                <a:latin typeface="Noto Serif CJK JP" panose="02020400000000000000" charset="-122"/>
+                <a:ea typeface="Noto Serif CJK JP" panose="02020400000000000000" charset="-122"/>
+              </a:rPr>
+              <a:t>Unsorted </a:t>
+            </a:r>
+            <a:endParaRPr lang="" altLang="en-US" sz="2400">
+              <a:latin typeface="Noto Serif CJK JP" panose="02020400000000000000" charset="-122"/>
+              <a:ea typeface="Noto Serif CJK JP" panose="02020400000000000000" charset="-122"/>
+            </a:endParaRPr>
+          </a:p>
+          <a:p>
+            <a:pPr lvl="1"/>
+            <a:r>
+              <a:rPr lang="" altLang="en-US" sz="2100">
+                <a:latin typeface="Noto Serif CJK JP" panose="02020400000000000000" charset="-122"/>
+                <a:ea typeface="Noto Serif CJK JP" panose="02020400000000000000" charset="-122"/>
+              </a:rPr>
+              <a:t>Keep track of number of elements in array - nElts</a:t>
+            </a:r>
+            <a:endParaRPr lang="" altLang="en-US" sz="2100">
+              <a:latin typeface="Noto Serif CJK JP" panose="02020400000000000000" charset="-122"/>
+              <a:ea typeface="Noto Serif CJK JP" panose="02020400000000000000" charset="-122"/>
+            </a:endParaRPr>
+          </a:p>
+          <a:p>
+            <a:pPr lvl="1"/>
+            <a:r>
+              <a:rPr lang="" altLang="en-US" sz="2100">
+                <a:latin typeface="Noto Serif CJK JP" panose="02020400000000000000" charset="-122"/>
+                <a:ea typeface="Noto Serif CJK JP" panose="02020400000000000000" charset="-122"/>
+              </a:rPr>
+              <a:t>Insert using index and Increment the tracking object</a:t>
+            </a:r>
+            <a:endParaRPr lang="" altLang="en-US" sz="2100">
+              <a:latin typeface="Noto Serif CJK JP" panose="02020400000000000000" charset="-122"/>
+              <a:ea typeface="Noto Serif CJK JP" panose="02020400000000000000" charset="-122"/>
+            </a:endParaRPr>
+          </a:p>
+          <a:p>
+            <a:pPr lvl="1"/>
+            <a:r>
+              <a:rPr lang="" altLang="en-US" sz="2100">
+                <a:latin typeface="Noto Serif CJK JP" panose="02020400000000000000" charset="-122"/>
+                <a:ea typeface="Noto Serif CJK JP" panose="02020400000000000000" charset="-122"/>
+              </a:rPr>
+              <a:t>Complexity : O(1)</a:t>
+            </a:r>
+            <a:endParaRPr lang="" altLang="en-US" sz="2100">
+              <a:latin typeface="Noto Serif CJK JP" panose="02020400000000000000" charset="-122"/>
+              <a:ea typeface="Noto Serif CJK JP" panose="02020400000000000000" charset="-122"/>
+            </a:endParaRPr>
+          </a:p>
+          <a:p>
+            <a:r>
+              <a:rPr lang="" altLang="en-US" sz="2400">
+                <a:latin typeface="Noto Serif CJK JP" panose="02020400000000000000" charset="-122"/>
+                <a:ea typeface="Noto Serif CJK JP" panose="02020400000000000000" charset="-122"/>
+              </a:rPr>
+              <a:t>Sorted</a:t>
+            </a:r>
+            <a:endParaRPr lang="" altLang="en-US" sz="2400">
+              <a:latin typeface="Noto Serif CJK JP" panose="02020400000000000000" charset="-122"/>
+              <a:ea typeface="Noto Serif CJK JP" panose="02020400000000000000" charset="-122"/>
+            </a:endParaRPr>
+          </a:p>
+          <a:p>
+            <a:pPr lvl="1"/>
+            <a:r>
+              <a:rPr lang="" altLang="en-US" sz="2100">
+                <a:latin typeface="Noto Serif CJK JP" panose="02020400000000000000" charset="-122"/>
+                <a:ea typeface="Noto Serif CJK JP" panose="02020400000000000000" charset="-122"/>
+              </a:rPr>
+              <a:t>Requires Searching for the postion</a:t>
+            </a:r>
+            <a:endParaRPr lang="" altLang="en-US" sz="2100">
+              <a:latin typeface="Noto Serif CJK JP" panose="02020400000000000000" charset="-122"/>
+              <a:ea typeface="Noto Serif CJK JP" panose="02020400000000000000" charset="-122"/>
+            </a:endParaRPr>
+          </a:p>
+          <a:p>
+            <a:pPr lvl="1"/>
+            <a:r>
+              <a:rPr lang="" altLang="en-US" sz="2100">
+                <a:latin typeface="Noto Serif CJK JP" panose="02020400000000000000" charset="-122"/>
+                <a:ea typeface="Noto Serif CJK JP" panose="02020400000000000000" charset="-122"/>
+              </a:rPr>
+              <a:t>Shifting the elements to make the specfied postion to be vacant.</a:t>
+            </a:r>
+            <a:endParaRPr lang="" altLang="en-US" sz="2100">
+              <a:latin typeface="Noto Serif CJK JP" panose="02020400000000000000" charset="-122"/>
+              <a:ea typeface="Noto Serif CJK JP" panose="02020400000000000000" charset="-122"/>
+            </a:endParaRPr>
+          </a:p>
+          <a:p>
+            <a:pPr lvl="1"/>
+            <a:r>
+              <a:rPr lang="en-US" altLang="en-US" sz="2100">
+                <a:latin typeface="Noto Serif CJK JP" panose="02020400000000000000" charset="-122"/>
+                <a:ea typeface="Noto Serif CJK JP" panose="02020400000000000000" charset="-122"/>
+                <a:sym typeface="+mn-ea"/>
+              </a:rPr>
+              <a:t>Complexity : O(</a:t>
+            </a:r>
+            <a:r>
+              <a:rPr lang="" altLang="en-US" sz="2100">
+                <a:latin typeface="Noto Serif CJK JP" panose="02020400000000000000" charset="-122"/>
+                <a:ea typeface="Noto Serif CJK JP" panose="02020400000000000000" charset="-122"/>
+                <a:sym typeface="+mn-ea"/>
+              </a:rPr>
+              <a:t>N</a:t>
+            </a:r>
+            <a:r>
+              <a:rPr lang="" altLang="en-US" sz="2100" baseline="30000">
+                <a:latin typeface="Noto Serif CJK JP" panose="02020400000000000000" charset="-122"/>
+                <a:ea typeface="Noto Serif CJK JP" panose="02020400000000000000" charset="-122"/>
+                <a:sym typeface="+mn-ea"/>
+              </a:rPr>
+              <a:t>2</a:t>
+            </a:r>
+            <a:r>
+              <a:rPr lang="en-US" altLang="en-US" sz="2100">
+                <a:latin typeface="Noto Serif CJK JP" panose="02020400000000000000" charset="-122"/>
+                <a:ea typeface="Noto Serif CJK JP" panose="02020400000000000000" charset="-122"/>
+                <a:sym typeface="+mn-ea"/>
+              </a:rPr>
+              <a:t>)</a:t>
+            </a:r>
+            <a:endParaRPr lang="" altLang="en-US" sz="2100">
+              <a:latin typeface="Noto Serif CJK JP" panose="02020400000000000000" charset="-122"/>
+              <a:ea typeface="Noto Serif CJK JP" panose="02020400000000000000" charset="-122"/>
+            </a:endParaRPr>
+          </a:p>
+          <a:p>
+            <a:pPr marL="457200" lvl="1" indent="0">
+              <a:buNone/>
+            </a:pPr>
+            <a:endParaRPr lang="" altLang="en-US" sz="2100">
+              <a:latin typeface="Noto Serif CJK JP" panose="02020400000000000000" charset="-122"/>
+              <a:ea typeface="Noto Serif CJK JP" panose="02020400000000000000" charset="-122"/>
+            </a:endParaRPr>
+          </a:p>
+        </p:txBody>
+      </p:sp>
+      <p:sp>
+        <p:nvSpPr>
+          <p:cNvPr id="4" name="Text Box 3"/>
+          <p:cNvSpPr txBox="1"/>
+          <p:nvPr/>
+        </p:nvSpPr>
+        <p:spPr>
+          <a:xfrm>
+            <a:off x="4707890" y="4962525"/>
+            <a:ext cx="3211195" cy="1198880"/>
+          </a:xfrm>
+          <a:prstGeom prst="rect">
+            <a:avLst/>
+          </a:prstGeom>
+          <a:noFill/>
+          <a:ln w="12700" cmpd="sng">
+            <a:solidFill>
+              <a:schemeClr val="accent1">
+                <a:shade val="50000"/>
+              </a:schemeClr>
+            </a:solidFill>
+            <a:prstDash val="solid"/>
+          </a:ln>
+        </p:spPr>
+        <p:txBody>
+          <a:bodyPr wrap="square" rtlCol="0">
+            <a:spAutoFit/>
+          </a:bodyPr>
+          <a:p>
+            <a:r>
+              <a:rPr lang="en-US">
+                <a:latin typeface="FreeMono" panose="020F0409020205020404" charset="0"/>
+                <a:ea typeface="FreeMono" panose="020F0409020205020404" charset="0"/>
+                <a:cs typeface="Noto Sans Mono CJK JP" panose="020B0500000000000000" charset="-122"/>
+              </a:rPr>
+              <a:t>arr[0] = 77</a:t>
+            </a:r>
+            <a:endParaRPr lang="en-US">
+              <a:latin typeface="FreeMono" panose="020F0409020205020404" charset="0"/>
+              <a:ea typeface="FreeMono" panose="020F0409020205020404" charset="0"/>
+              <a:cs typeface="Noto Sans Mono CJK JP" panose="020B0500000000000000" charset="-122"/>
+            </a:endParaRPr>
+          </a:p>
+          <a:p>
+            <a:endParaRPr lang="en-US">
+              <a:latin typeface="FreeMono" panose="020F0409020205020404" charset="0"/>
+              <a:ea typeface="FreeMono" panose="020F0409020205020404" charset="0"/>
+              <a:cs typeface="Noto Sans Mono CJK JP" panose="020B0500000000000000" charset="-122"/>
+            </a:endParaRPr>
+          </a:p>
+          <a:p>
+            <a:r>
+              <a:rPr lang="" altLang="en-US">
+                <a:latin typeface="FreeMono" panose="020F0409020205020404" charset="0"/>
+                <a:ea typeface="FreeMono" panose="020F0409020205020404" charset="0"/>
+                <a:cs typeface="Noto Sans Mono CJK JP" panose="020B0500000000000000" charset="-122"/>
+              </a:rPr>
+              <a:t>arr[</a:t>
+            </a:r>
+            <a:r>
+              <a:rPr lang="en-US" altLang="en-US">
+                <a:latin typeface="Noto Serif CJK JP" panose="02020400000000000000" charset="-122"/>
+                <a:ea typeface="Noto Serif CJK JP" panose="02020400000000000000" charset="-122"/>
+                <a:sym typeface="+mn-ea"/>
+              </a:rPr>
+              <a:t>nElts</a:t>
+            </a:r>
+            <a:r>
+              <a:rPr lang="" altLang="en-US">
+                <a:latin typeface="Noto Serif CJK JP" panose="02020400000000000000" charset="-122"/>
+                <a:ea typeface="Noto Serif CJK JP" panose="02020400000000000000" charset="-122"/>
+                <a:sym typeface="+mn-ea"/>
+              </a:rPr>
+              <a:t>] = 12</a:t>
+            </a:r>
+            <a:endParaRPr lang="" altLang="en-US">
+              <a:latin typeface="Noto Serif CJK JP" panose="02020400000000000000" charset="-122"/>
+              <a:ea typeface="Noto Serif CJK JP" panose="02020400000000000000" charset="-122"/>
+              <a:sym typeface="+mn-ea"/>
+            </a:endParaRPr>
+          </a:p>
+          <a:p>
+            <a:r>
+              <a:rPr lang="en-US" altLang="en-US">
+                <a:latin typeface="Noto Serif CJK JP" panose="02020400000000000000" charset="-122"/>
+                <a:ea typeface="Noto Serif CJK JP" panose="02020400000000000000" charset="-122"/>
+                <a:sym typeface="+mn-ea"/>
+              </a:rPr>
+              <a:t>nElts </a:t>
+            </a:r>
+            <a:r>
+              <a:rPr lang="" altLang="en-US">
+                <a:latin typeface="Noto Serif CJK JP" panose="02020400000000000000" charset="-122"/>
+                <a:ea typeface="Noto Serif CJK JP" panose="02020400000000000000" charset="-122"/>
+                <a:sym typeface="+mn-ea"/>
+              </a:rPr>
+              <a:t>= </a:t>
+            </a:r>
+            <a:r>
+              <a:rPr lang="en-US" altLang="en-US">
+                <a:latin typeface="Noto Serif CJK JP" panose="02020400000000000000" charset="-122"/>
+                <a:ea typeface="Noto Serif CJK JP" panose="02020400000000000000" charset="-122"/>
+                <a:sym typeface="+mn-ea"/>
+              </a:rPr>
+              <a:t>nElts </a:t>
+            </a:r>
+            <a:r>
+              <a:rPr lang="" altLang="en-US">
+                <a:latin typeface="Noto Serif CJK JP" panose="02020400000000000000" charset="-122"/>
+                <a:ea typeface="Noto Serif CJK JP" panose="02020400000000000000" charset="-122"/>
+                <a:sym typeface="+mn-ea"/>
+              </a:rPr>
+              <a:t>+1</a:t>
+            </a:r>
+            <a:endParaRPr lang="" altLang="en-US">
+              <a:latin typeface="Noto Serif CJK JP" panose="02020400000000000000" charset="-122"/>
+              <a:ea typeface="Noto Serif CJK JP" panose="02020400000000000000" charset="-122"/>
+              <a:cs typeface="Noto Sans Mono CJK JP" panose="020B0500000000000000" charset="-122"/>
+              <a:sym typeface="+mn-ea"/>
+            </a:endParaRPr>
+          </a:p>
+        </p:txBody>
+      </p:sp>
+    </p:spTree>
+  </p:cSld>
+  <p:clrMapOvr>
+    <a:masterClrMapping/>
+  </p:clrMapOvr>
+</p:sld>
+</file>
+
+<file path=ppt/slides/slide7.xml><?xml version="1.0" encoding="utf-8"?>
+<p:sld xmlns:a="http://schemas.openxmlformats.org/drawingml/2006/main" xmlns:r="http://schemas.openxmlformats.org/officeDocument/2006/relationships" xmlns:p="http://schemas.openxmlformats.org/presentationml/2006/main">
+  <p:cSld>
+    <p:spTree>
+      <p:nvGrpSpPr>
+        <p:cNvPr id="1" name=""/>
+        <p:cNvGrpSpPr/>
+        <p:nvPr/>
+      </p:nvGrpSpPr>
+      <p:grpSpPr/>
+      <p:sp>
+        <p:nvSpPr>
+          <p:cNvPr id="2" name="Title 1"/>
+          <p:cNvSpPr>
+            <a:spLocks noGrp="1"/>
+          </p:cNvSpPr>
+          <p:nvPr>
+            <p:ph type="title"/>
+          </p:nvPr>
+        </p:nvSpPr>
+        <p:spPr>
+          <a:xfrm>
+            <a:off x="685800" y="306705"/>
+            <a:ext cx="7772400" cy="688975"/>
+          </a:xfrm>
+        </p:spPr>
+        <p:txBody>
+          <a:bodyPr/>
+          <a:p>
+            <a:r>
+              <a:rPr lang="en-US" altLang="en-US" sz="2800">
+                <a:latin typeface="Noto Serif CJK JP" panose="02020400000000000000" charset="-122"/>
+                <a:ea typeface="Noto Serif CJK JP" panose="02020400000000000000" charset="-122"/>
+              </a:rPr>
+              <a:t>Deletion of Element</a:t>
+            </a:r>
+            <a:endParaRPr lang="en-US" altLang="en-US" sz="2800">
+              <a:latin typeface="Noto Serif CJK JP" panose="02020400000000000000" charset="-122"/>
+              <a:ea typeface="Noto Serif CJK JP" panose="02020400000000000000" charset="-122"/>
+            </a:endParaRPr>
+          </a:p>
+        </p:txBody>
+      </p:sp>
+      <p:sp>
+        <p:nvSpPr>
+          <p:cNvPr id="3" name="Content Placeholder 2"/>
+          <p:cNvSpPr>
+            <a:spLocks noGrp="1"/>
+          </p:cNvSpPr>
+          <p:nvPr>
+            <p:ph idx="1"/>
+          </p:nvPr>
+        </p:nvSpPr>
+        <p:spPr>
+          <a:xfrm>
+            <a:off x="685800" y="1449705"/>
+            <a:ext cx="7772400" cy="4969510"/>
+          </a:xfrm>
+        </p:spPr>
+        <p:txBody>
+          <a:bodyPr/>
+          <a:p>
+            <a:r>
+              <a:rPr lang="" altLang="en-US" sz="2400">
+                <a:latin typeface="Noto Serif CJK JP" panose="02020400000000000000" charset="-122"/>
+                <a:ea typeface="Noto Serif CJK JP" panose="02020400000000000000" charset="-122"/>
+              </a:rPr>
+              <a:t>B</a:t>
+            </a:r>
+            <a:r>
+              <a:rPr lang="en-US" altLang="en-US" sz="2400">
+                <a:latin typeface="Noto Serif CJK JP" panose="02020400000000000000" charset="-122"/>
+                <a:ea typeface="Noto Serif CJK JP" panose="02020400000000000000" charset="-122"/>
+              </a:rPr>
+              <a:t>egins with a search for the specified item</a:t>
+            </a:r>
+            <a:endParaRPr lang="en-US" altLang="en-US" sz="2400">
+              <a:latin typeface="Noto Serif CJK JP" panose="02020400000000000000" charset="-122"/>
+              <a:ea typeface="Noto Serif CJK JP" panose="02020400000000000000" charset="-122"/>
+            </a:endParaRPr>
+          </a:p>
+          <a:p>
+            <a:r>
+              <a:rPr lang="en-US" altLang="en-US" sz="2400">
+                <a:latin typeface="Noto Serif CJK JP" panose="02020400000000000000" charset="-122"/>
+                <a:ea typeface="Noto Serif CJK JP" panose="02020400000000000000" charset="-122"/>
+              </a:rPr>
+              <a:t>When we find it, we move all the items with higher index values down one element to fill in the “hole” left by the deleted element</a:t>
+            </a:r>
+            <a:endParaRPr lang="en-US" altLang="en-US" sz="2400">
+              <a:latin typeface="Noto Serif CJK JP" panose="02020400000000000000" charset="-122"/>
+              <a:ea typeface="Noto Serif CJK JP" panose="02020400000000000000" charset="-122"/>
+            </a:endParaRPr>
+          </a:p>
+          <a:p>
+            <a:r>
+              <a:rPr lang="en-US" altLang="en-US" sz="2400">
+                <a:latin typeface="Noto Serif CJK JP" panose="02020400000000000000" charset="-122"/>
+                <a:ea typeface="Noto Serif CJK JP" panose="02020400000000000000" charset="-122"/>
+              </a:rPr>
+              <a:t>decrement nElems</a:t>
+            </a:r>
+            <a:endParaRPr lang="en-US" altLang="en-US" sz="2400">
+              <a:latin typeface="Noto Serif CJK JP" panose="02020400000000000000" charset="-122"/>
+              <a:ea typeface="Noto Serif CJK JP" panose="02020400000000000000" charset="-122"/>
+            </a:endParaRPr>
+          </a:p>
+        </p:txBody>
+      </p:sp>
+      <p:sp>
+        <p:nvSpPr>
+          <p:cNvPr id="4" name="Text Box 3"/>
+          <p:cNvSpPr txBox="1"/>
+          <p:nvPr/>
+        </p:nvSpPr>
+        <p:spPr>
+          <a:xfrm>
+            <a:off x="950595" y="3834765"/>
+            <a:ext cx="7781925" cy="2584450"/>
+          </a:xfrm>
+          <a:prstGeom prst="rect">
+            <a:avLst/>
+          </a:prstGeom>
+          <a:noFill/>
+          <a:ln w="12700" cmpd="sng">
+            <a:solidFill>
+              <a:schemeClr val="accent1">
+                <a:shade val="50000"/>
+              </a:schemeClr>
+            </a:solidFill>
+            <a:prstDash val="solid"/>
+          </a:ln>
+        </p:spPr>
+        <p:txBody>
+          <a:bodyPr wrap="square" rtlCol="0">
+            <a:spAutoFit/>
+          </a:bodyPr>
+          <a:p>
+            <a:r>
+              <a:rPr lang="" altLang="en-US">
+                <a:latin typeface="FreeMono" panose="020F0409020205020404" charset="0"/>
+                <a:ea typeface="FreeMono" panose="020F0409020205020404" charset="0"/>
+                <a:cs typeface="Noto Sans Mono CJK JP" panose="020B0500000000000000" charset="-122"/>
+              </a:rPr>
+              <a:t>for(j=0; j&lt;nElems; j++) // look for it</a:t>
+            </a:r>
+            <a:endParaRPr lang="" altLang="en-US">
+              <a:latin typeface="FreeMono" panose="020F0409020205020404" charset="0"/>
+              <a:ea typeface="FreeMono" panose="020F0409020205020404" charset="0"/>
+              <a:cs typeface="Noto Sans Mono CJK JP" panose="020B0500000000000000" charset="-122"/>
+            </a:endParaRPr>
+          </a:p>
+          <a:p>
+            <a:r>
+              <a:rPr lang="" altLang="en-US">
+                <a:latin typeface="FreeMono" panose="020F0409020205020404" charset="0"/>
+                <a:ea typeface="FreeMono" panose="020F0409020205020404" charset="0"/>
+                <a:cs typeface="Noto Sans Mono CJK JP" panose="020B0500000000000000" charset="-122"/>
+              </a:rPr>
+              <a:t>	if(arr[j]== eltToBeDeleted){</a:t>
+            </a:r>
+            <a:endParaRPr lang="" altLang="en-US">
+              <a:latin typeface="FreeMono" panose="020F0409020205020404" charset="0"/>
+              <a:ea typeface="FreeMono" panose="020F0409020205020404" charset="0"/>
+              <a:cs typeface="Noto Sans Mono CJK JP" panose="020B0500000000000000" charset="-122"/>
+            </a:endParaRPr>
+          </a:p>
+          <a:p>
+            <a:r>
+              <a:rPr lang="en-US" altLang="en-US">
+                <a:latin typeface="FreeMono" panose="020F0409020205020404" charset="0"/>
+                <a:ea typeface="FreeMono" panose="020F0409020205020404" charset="0"/>
+                <a:cs typeface="Noto Sans Mono CJK JP" panose="020B0500000000000000" charset="-122"/>
+                <a:sym typeface="+mn-ea"/>
+              </a:rPr>
+              <a:t>	for(int k=j; k&lt;nElems; k++) // higher ones down</a:t>
+            </a:r>
+            <a:endParaRPr lang="en-US" altLang="en-US">
+              <a:latin typeface="FreeMono" panose="020F0409020205020404" charset="0"/>
+              <a:ea typeface="FreeMono" panose="020F0409020205020404" charset="0"/>
+              <a:cs typeface="Noto Sans Mono CJK JP" panose="020B0500000000000000" charset="-122"/>
+            </a:endParaRPr>
+          </a:p>
+          <a:p>
+            <a:r>
+              <a:rPr lang="" altLang="en-US">
+                <a:latin typeface="FreeMono" panose="020F0409020205020404" charset="0"/>
+                <a:ea typeface="FreeMono" panose="020F0409020205020404" charset="0"/>
+                <a:cs typeface="Noto Sans Mono CJK JP" panose="020B0500000000000000" charset="-122"/>
+                <a:sym typeface="+mn-ea"/>
+              </a:rPr>
+              <a:t>		</a:t>
+            </a:r>
+            <a:r>
+              <a:rPr lang="en-US" altLang="en-US">
+                <a:latin typeface="FreeMono" panose="020F0409020205020404" charset="0"/>
+                <a:ea typeface="FreeMono" panose="020F0409020205020404" charset="0"/>
+                <a:cs typeface="Noto Sans Mono CJK JP" panose="020B0500000000000000" charset="-122"/>
+                <a:sym typeface="+mn-ea"/>
+              </a:rPr>
+              <a:t>arr</a:t>
+            </a:r>
+            <a:r>
+              <a:rPr lang="" altLang="en-US">
+                <a:latin typeface="FreeMono" panose="020F0409020205020404" charset="0"/>
+                <a:ea typeface="FreeMono" panose="020F0409020205020404" charset="0"/>
+                <a:cs typeface="Noto Sans Mono CJK JP" panose="020B0500000000000000" charset="-122"/>
+                <a:sym typeface="+mn-ea"/>
+              </a:rPr>
+              <a:t>[k] =</a:t>
+            </a:r>
+            <a:r>
+              <a:rPr lang="en-US" altLang="en-US">
+                <a:latin typeface="FreeMono" panose="020F0409020205020404" charset="0"/>
+                <a:ea typeface="FreeMono" panose="020F0409020205020404" charset="0"/>
+                <a:cs typeface="Noto Sans Mono CJK JP" panose="020B0500000000000000" charset="-122"/>
+                <a:sym typeface="+mn-ea"/>
+              </a:rPr>
+              <a:t> arr</a:t>
+            </a:r>
+            <a:r>
+              <a:rPr lang="" altLang="en-US">
+                <a:latin typeface="FreeMono" panose="020F0409020205020404" charset="0"/>
+                <a:ea typeface="FreeMono" panose="020F0409020205020404" charset="0"/>
+                <a:cs typeface="Noto Sans Mono CJK JP" panose="020B0500000000000000" charset="-122"/>
+                <a:sym typeface="+mn-ea"/>
+              </a:rPr>
+              <a:t>[</a:t>
+            </a:r>
+            <a:r>
+              <a:rPr lang="en-US" altLang="en-US">
+                <a:latin typeface="FreeMono" panose="020F0409020205020404" charset="0"/>
+                <a:ea typeface="FreeMono" panose="020F0409020205020404" charset="0"/>
+                <a:cs typeface="Noto Sans Mono CJK JP" panose="020B0500000000000000" charset="-122"/>
+                <a:sym typeface="+mn-ea"/>
+              </a:rPr>
+              <a:t>k+1</a:t>
+            </a:r>
+            <a:r>
+              <a:rPr lang="" altLang="en-US">
+                <a:latin typeface="FreeMono" panose="020F0409020205020404" charset="0"/>
+                <a:ea typeface="FreeMono" panose="020F0409020205020404" charset="0"/>
+                <a:cs typeface="Noto Sans Mono CJK JP" panose="020B0500000000000000" charset="-122"/>
+                <a:sym typeface="+mn-ea"/>
+              </a:rPr>
+              <a:t>]</a:t>
+            </a:r>
+            <a:r>
+              <a:rPr lang="en-US" altLang="en-US">
+                <a:latin typeface="FreeMono" panose="020F0409020205020404" charset="0"/>
+                <a:ea typeface="FreeMono" panose="020F0409020205020404" charset="0"/>
+                <a:cs typeface="Noto Sans Mono CJK JP" panose="020B0500000000000000" charset="-122"/>
+                <a:sym typeface="+mn-ea"/>
+              </a:rPr>
+              <a:t>;</a:t>
+            </a:r>
+            <a:endParaRPr lang="en-US" altLang="en-US">
+              <a:latin typeface="FreeMono" panose="020F0409020205020404" charset="0"/>
+              <a:ea typeface="FreeMono" panose="020F0409020205020404" charset="0"/>
+              <a:cs typeface="Noto Sans Mono CJK JP" panose="020B0500000000000000" charset="-122"/>
+            </a:endParaRPr>
+          </a:p>
+          <a:p>
+            <a:r>
+              <a:rPr lang="" altLang="en-US">
+                <a:latin typeface="FreeMono" panose="020F0409020205020404" charset="0"/>
+                <a:ea typeface="FreeMono" panose="020F0409020205020404" charset="0"/>
+                <a:cs typeface="Noto Sans Mono CJK JP" panose="020B0500000000000000" charset="-122"/>
+                <a:sym typeface="+mn-ea"/>
+              </a:rPr>
+              <a:t>	</a:t>
+            </a:r>
+            <a:r>
+              <a:rPr lang="en-US" altLang="en-US">
+                <a:latin typeface="FreeMono" panose="020F0409020205020404" charset="0"/>
+                <a:ea typeface="FreeMono" panose="020F0409020205020404" charset="0"/>
+                <a:cs typeface="Noto Sans Mono CJK JP" panose="020B0500000000000000" charset="-122"/>
+                <a:sym typeface="+mn-ea"/>
+              </a:rPr>
+              <a:t>nElems--; 	 </a:t>
+            </a:r>
+            <a:r>
+              <a:rPr lang="en-US" altLang="en-US">
+                <a:latin typeface="FreeMono" panose="020F0409020205020404" charset="0"/>
+                <a:ea typeface="FreeMono" panose="020F0409020205020404" charset="0"/>
+                <a:cs typeface="Noto Sans Mono CJK JP" panose="020B0500000000000000" charset="-122"/>
+                <a:sym typeface="+mn-ea"/>
+              </a:rPr>
+              <a:t>// decrement size</a:t>
+            </a:r>
+            <a:endParaRPr lang="en-US" altLang="en-US">
+              <a:latin typeface="FreeMono" panose="020F0409020205020404" charset="0"/>
+              <a:ea typeface="FreeMono" panose="020F0409020205020404" charset="0"/>
+              <a:cs typeface="Noto Sans Mono CJK JP" panose="020B0500000000000000" charset="-122"/>
+              <a:sym typeface="+mn-ea"/>
+            </a:endParaRPr>
+          </a:p>
+          <a:p>
+            <a:r>
+              <a:rPr lang="" altLang="en-US">
+                <a:latin typeface="FreeMono" panose="020F0409020205020404" charset="0"/>
+                <a:ea typeface="FreeMono" panose="020F0409020205020404" charset="0"/>
+                <a:cs typeface="Noto Sans Mono CJK JP" panose="020B0500000000000000" charset="-122"/>
+                <a:sym typeface="+mn-ea"/>
+              </a:rPr>
+              <a:t>	</a:t>
+            </a:r>
+            <a:r>
+              <a:rPr lang="en-US" altLang="en-US">
+                <a:latin typeface="FreeMono" panose="020F0409020205020404" charset="0"/>
+                <a:ea typeface="FreeMono" panose="020F0409020205020404" charset="0"/>
+                <a:cs typeface="Noto Sans Mono CJK JP" panose="020B0500000000000000" charset="-122"/>
+                <a:sym typeface="+mn-ea"/>
+              </a:rPr>
+              <a:t>break;</a:t>
+            </a:r>
+            <a:endParaRPr lang="en-US" altLang="en-US">
+              <a:latin typeface="FreeMono" panose="020F0409020205020404" charset="0"/>
+              <a:ea typeface="FreeMono" panose="020F0409020205020404" charset="0"/>
+              <a:cs typeface="Noto Sans Mono CJK JP" panose="020B0500000000000000" charset="-122"/>
+              <a:sym typeface="+mn-ea"/>
+            </a:endParaRPr>
+          </a:p>
+          <a:p>
+            <a:r>
+              <a:rPr lang="" altLang="en-US">
+                <a:latin typeface="FreeMono" panose="020F0409020205020404" charset="0"/>
+                <a:ea typeface="FreeMono" panose="020F0409020205020404" charset="0"/>
+                <a:cs typeface="Noto Sans Mono CJK JP" panose="020B0500000000000000" charset="-122"/>
+                <a:sym typeface="+mn-ea"/>
+              </a:rPr>
+              <a:t>	}</a:t>
+            </a:r>
+            <a:endParaRPr lang="en-US" altLang="en-US">
+              <a:latin typeface="FreeMono" panose="020F0409020205020404" charset="0"/>
+              <a:ea typeface="FreeMono" panose="020F0409020205020404" charset="0"/>
+              <a:cs typeface="Noto Sans Mono CJK JP" panose="020B0500000000000000" charset="-122"/>
+            </a:endParaRPr>
+          </a:p>
+          <a:p>
+            <a:r>
+              <a:rPr lang="en-US" altLang="en-US">
+                <a:latin typeface="FreeMono" panose="020F0409020205020404" charset="0"/>
+                <a:ea typeface="FreeMono" panose="020F0409020205020404" charset="0"/>
+                <a:cs typeface="Noto Sans Mono CJK JP" panose="020B0500000000000000" charset="-122"/>
+                <a:sym typeface="+mn-ea"/>
+              </a:rPr>
+              <a:t> </a:t>
+            </a:r>
+            <a:r>
+              <a:rPr lang="" altLang="en-US">
+                <a:latin typeface="FreeMono" panose="020F0409020205020404" charset="0"/>
+                <a:ea typeface="FreeMono" panose="020F0409020205020404" charset="0"/>
+                <a:cs typeface="Noto Sans Mono CJK JP" panose="020B0500000000000000" charset="-122"/>
+              </a:rPr>
+              <a:t>} </a:t>
+            </a:r>
+            <a:endParaRPr lang="en-US">
+              <a:latin typeface="FreeMono" panose="020F0409020205020404" charset="0"/>
+              <a:ea typeface="FreeMono" panose="020F0409020205020404" charset="0"/>
+              <a:cs typeface="Noto Sans Mono CJK JP" panose="020B0500000000000000" charset="-122"/>
+            </a:endParaRPr>
+          </a:p>
+          <a:p>
+            <a:r>
+              <a:rPr lang="en-US">
+                <a:latin typeface="FreeMono" panose="020F0409020205020404" charset="0"/>
+                <a:ea typeface="FreeMono" panose="020F0409020205020404" charset="0"/>
+                <a:cs typeface="Noto Sans Mono CJK JP" panose="020B0500000000000000" charset="-122"/>
+              </a:rPr>
+              <a:t>   </a:t>
+            </a:r>
+            <a:endParaRPr lang="en-US">
+              <a:latin typeface="FreeMono" panose="020F0409020205020404" charset="0"/>
+              <a:ea typeface="FreeMono" panose="020F0409020205020404" charset="0"/>
+              <a:cs typeface="Noto Sans Mono CJK JP" panose="020B0500000000000000" charset="-122"/>
+            </a:endParaRPr>
+          </a:p>
+        </p:txBody>
+      </p:sp>
+    </p:spTree>
+  </p:cSld>
+  <p:clrMapOvr>
+    <a:masterClrMapping/>
+  </p:clrMapOvr>
+</p:sld>
+</file>
+
+<file path=ppt/slides/slide8.xml><?xml version="1.0" encoding="utf-8"?>
+<p:sld xmlns:a="http://schemas.openxmlformats.org/drawingml/2006/main" xmlns:r="http://schemas.openxmlformats.org/officeDocument/2006/relationships" xmlns:p="http://schemas.openxmlformats.org/presentationml/2006/main">
+  <p:cSld>
+    <p:spTree>
+      <p:nvGrpSpPr>
+        <p:cNvPr id="1" name=""/>
+        <p:cNvGrpSpPr/>
+        <p:nvPr/>
+      </p:nvGrpSpPr>
+      <p:grpSpPr/>
+      <p:sp>
+        <p:nvSpPr>
+          <p:cNvPr id="2" name="Title 1"/>
+          <p:cNvSpPr>
+            <a:spLocks noGrp="1"/>
+          </p:cNvSpPr>
+          <p:nvPr>
+            <p:ph type="title"/>
+          </p:nvPr>
+        </p:nvSpPr>
+        <p:spPr>
+          <a:xfrm>
+            <a:off x="685800" y="203835"/>
+            <a:ext cx="7772400" cy="652145"/>
+          </a:xfrm>
+        </p:spPr>
+        <p:txBody>
+          <a:bodyPr/>
+          <a:p>
+            <a:r>
+              <a:rPr lang="en-US" altLang="en-US" sz="2800">
+                <a:latin typeface="Noto Serif CJK JP" panose="02020400000000000000" charset="-122"/>
+                <a:ea typeface="Noto Serif CJK JP" panose="02020400000000000000" charset="-122"/>
+              </a:rPr>
+              <a:t>Linked list</a:t>
+            </a:r>
+            <a:endParaRPr lang="en-US" altLang="en-US" sz="2800">
+              <a:latin typeface="Noto Serif CJK JP" panose="02020400000000000000" charset="-122"/>
+              <a:ea typeface="Noto Serif CJK JP" panose="02020400000000000000" charset="-122"/>
+            </a:endParaRPr>
+          </a:p>
+        </p:txBody>
+      </p:sp>
+      <p:sp>
+        <p:nvSpPr>
+          <p:cNvPr id="3" name="Content Placeholder 2"/>
+          <p:cNvSpPr>
+            <a:spLocks noGrp="1"/>
+          </p:cNvSpPr>
+          <p:nvPr>
+            <p:ph idx="1"/>
+          </p:nvPr>
+        </p:nvSpPr>
+        <p:spPr>
+          <a:xfrm>
+            <a:off x="685800" y="1036955"/>
+            <a:ext cx="7772400" cy="5382260"/>
+          </a:xfrm>
+        </p:spPr>
+        <p:txBody>
+          <a:bodyPr/>
+          <a:p>
+            <a:r>
+              <a:rPr lang="en-US" altLang="en-US" sz="2400">
+                <a:latin typeface="Noto Serif CJK JP" panose="02020400000000000000" charset="-122"/>
+                <a:ea typeface="Noto Serif CJK JP" panose="02020400000000000000" charset="-122"/>
+              </a:rPr>
+              <a:t>L</a:t>
+            </a:r>
+            <a:r>
+              <a:rPr lang="en-US" sz="2400">
+                <a:latin typeface="Noto Serif CJK JP" panose="02020400000000000000" charset="-122"/>
+                <a:ea typeface="Noto Serif CJK JP" panose="02020400000000000000" charset="-122"/>
+              </a:rPr>
+              <a:t>inear data structure</a:t>
+            </a:r>
+            <a:endParaRPr lang="en-US" sz="2400">
+              <a:latin typeface="Noto Serif CJK JP" panose="02020400000000000000" charset="-122"/>
+              <a:ea typeface="Noto Serif CJK JP" panose="02020400000000000000" charset="-122"/>
+            </a:endParaRPr>
+          </a:p>
+          <a:p>
+            <a:r>
+              <a:rPr lang="en-US" altLang="en-US" sz="2400">
+                <a:latin typeface="Noto Serif CJK JP" panose="02020400000000000000" charset="-122"/>
+                <a:ea typeface="Noto Serif CJK JP" panose="02020400000000000000" charset="-122"/>
+              </a:rPr>
+              <a:t>E</a:t>
+            </a:r>
+            <a:r>
+              <a:rPr lang="en-US" sz="2400">
+                <a:latin typeface="Noto Serif CJK JP" panose="02020400000000000000" charset="-122"/>
+                <a:ea typeface="Noto Serif CJK JP" panose="02020400000000000000" charset="-122"/>
+              </a:rPr>
+              <a:t>lements are not stored at contiguous memory locations.</a:t>
+            </a:r>
+            <a:endParaRPr lang="en-US" altLang="en-US" sz="2400">
+              <a:latin typeface="Noto Serif CJK JP" panose="02020400000000000000" charset="-122"/>
+              <a:ea typeface="Noto Serif CJK JP" panose="02020400000000000000" charset="-122"/>
+            </a:endParaRPr>
+          </a:p>
+          <a:p>
+            <a:r>
+              <a:rPr lang="en-US" altLang="en-US" sz="2400">
+                <a:latin typeface="Noto Serif CJK JP" panose="02020400000000000000" charset="-122"/>
+                <a:ea typeface="Noto Serif CJK JP" panose="02020400000000000000" charset="-122"/>
+              </a:rPr>
+              <a:t>Elements are linked using pointers</a:t>
+            </a:r>
+            <a:endParaRPr lang="en-US" altLang="en-US" sz="2400">
+              <a:latin typeface="Noto Serif CJK JP" panose="02020400000000000000" charset="-122"/>
+              <a:ea typeface="Noto Serif CJK JP" panose="02020400000000000000" charset="-122"/>
+            </a:endParaRPr>
+          </a:p>
+          <a:p>
+            <a:r>
+              <a:rPr lang="en-US" altLang="en-US" sz="2400">
+                <a:latin typeface="Noto Serif CJK JP" panose="02020400000000000000" charset="-122"/>
+                <a:ea typeface="Noto Serif CJK JP" panose="02020400000000000000" charset="-122"/>
+              </a:rPr>
+              <a:t>Advantages :</a:t>
+            </a:r>
+            <a:endParaRPr lang="en-US" altLang="en-US" sz="2400">
+              <a:latin typeface="Noto Serif CJK JP" panose="02020400000000000000" charset="-122"/>
+              <a:ea typeface="Noto Serif CJK JP" panose="02020400000000000000" charset="-122"/>
+            </a:endParaRPr>
+          </a:p>
+          <a:p>
+            <a:pPr lvl="1"/>
+            <a:r>
+              <a:rPr lang="en-US" altLang="en-US" sz="2100">
+                <a:latin typeface="Noto Serif CJK JP" panose="02020400000000000000" charset="-122"/>
+                <a:ea typeface="Noto Serif CJK JP" panose="02020400000000000000" charset="-122"/>
+              </a:rPr>
+              <a:t>Dynamic size (dynamic memory allocation)</a:t>
+            </a:r>
+            <a:endParaRPr lang="en-US" altLang="en-US" sz="2100">
+              <a:latin typeface="Noto Serif CJK JP" panose="02020400000000000000" charset="-122"/>
+              <a:ea typeface="Noto Serif CJK JP" panose="02020400000000000000" charset="-122"/>
+            </a:endParaRPr>
+          </a:p>
+          <a:p>
+            <a:pPr lvl="1"/>
+            <a:r>
+              <a:rPr lang="en-US" altLang="en-US" sz="2100">
+                <a:latin typeface="Noto Serif CJK JP" panose="02020400000000000000" charset="-122"/>
+                <a:ea typeface="Noto Serif CJK JP" panose="02020400000000000000" charset="-122"/>
+              </a:rPr>
+              <a:t> Ease of insertion/deletion over unsorted approach</a:t>
+            </a:r>
+            <a:endParaRPr lang="en-US" altLang="en-US" sz="2100">
+              <a:latin typeface="Noto Serif CJK JP" panose="02020400000000000000" charset="-122"/>
+              <a:ea typeface="Noto Serif CJK JP" panose="02020400000000000000" charset="-122"/>
+            </a:endParaRPr>
+          </a:p>
+          <a:p>
+            <a:r>
+              <a:rPr lang="en-US" altLang="en-US" sz="2400">
+                <a:latin typeface="Noto Serif CJK JP" panose="02020400000000000000" charset="-122"/>
+                <a:ea typeface="Noto Serif CJK JP" panose="02020400000000000000" charset="-122"/>
+              </a:rPr>
+              <a:t>Drawbacks:</a:t>
+            </a:r>
+            <a:endParaRPr lang="en-US" altLang="en-US" sz="2400">
+              <a:latin typeface="Noto Serif CJK JP" panose="02020400000000000000" charset="-122"/>
+              <a:ea typeface="Noto Serif CJK JP" panose="02020400000000000000" charset="-122"/>
+            </a:endParaRPr>
+          </a:p>
+          <a:p>
+            <a:pPr lvl="1"/>
+            <a:r>
+              <a:rPr lang="en-US" altLang="en-US" sz="2100">
+                <a:latin typeface="Noto Serif CJK JP" panose="02020400000000000000" charset="-122"/>
+                <a:ea typeface="Noto Serif CJK JP" panose="02020400000000000000" charset="-122"/>
+              </a:rPr>
+              <a:t>Random access is not allowed</a:t>
+            </a:r>
+            <a:endParaRPr lang="en-US" altLang="en-US" sz="2100">
+              <a:latin typeface="Noto Serif CJK JP" panose="02020400000000000000" charset="-122"/>
+              <a:ea typeface="Noto Serif CJK JP" panose="02020400000000000000" charset="-122"/>
+            </a:endParaRPr>
+          </a:p>
+          <a:p>
+            <a:pPr lvl="1"/>
+            <a:r>
+              <a:rPr lang="en-US" altLang="en-US" sz="2100">
+                <a:latin typeface="Noto Serif CJK JP" panose="02020400000000000000" charset="-122"/>
+                <a:ea typeface="Noto Serif CJK JP" panose="02020400000000000000" charset="-122"/>
+              </a:rPr>
+              <a:t>Extra memory space for a pointer</a:t>
+            </a:r>
+            <a:endParaRPr lang="en-US" altLang="en-US" sz="2100">
+              <a:latin typeface="Noto Serif CJK JP" panose="02020400000000000000" charset="-122"/>
+              <a:ea typeface="Noto Serif CJK JP" panose="02020400000000000000" charset="-122"/>
+            </a:endParaRPr>
+          </a:p>
+        </p:txBody>
+      </p:sp>
+    </p:spTree>
+  </p:cSld>
+  <p:clrMapOvr>
+    <a:masterClrMapping/>
+  </p:clrMapOvr>
+</p:sld>
+</file>
+
+<file path=ppt/slides/slide9.xml><?xml version="1.0" encoding="utf-8"?>
 <p:sld xmlns:a="http://schemas.openxmlformats.org/drawingml/2006/main" xmlns:r="http://schemas.openxmlformats.org/officeDocument/2006/relationships" xmlns:p="http://schemas.openxmlformats.org/presentationml/2006/main">
   <p:cSld>
     <p:spTree>
@@ -6114,909 +10678,6 @@
           </a:prstGeom>
         </p:spPr>
       </p:pic>
-    </p:spTree>
-  </p:cSld>
-  <p:clrMapOvr>
-    <a:masterClrMapping/>
-  </p:clrMapOvr>
-</p:sld>
-</file>
-
-<file path=ppt/slides/slide7.xml><?xml version="1.0" encoding="utf-8"?>
-<p:sld xmlns:a="http://schemas.openxmlformats.org/drawingml/2006/main" xmlns:r="http://schemas.openxmlformats.org/officeDocument/2006/relationships" xmlns:p="http://schemas.openxmlformats.org/presentationml/2006/main">
-  <p:cSld>
-    <p:spTree>
-      <p:nvGrpSpPr>
-        <p:cNvPr id="1" name=""/>
-        <p:cNvGrpSpPr/>
-        <p:nvPr/>
-      </p:nvGrpSpPr>
-      <p:grpSpPr/>
-      <p:sp>
-        <p:nvSpPr>
-          <p:cNvPr id="2" name="Title 1"/>
-          <p:cNvSpPr>
-            <a:spLocks noGrp="1"/>
-          </p:cNvSpPr>
-          <p:nvPr>
-            <p:ph type="title"/>
-          </p:nvPr>
-        </p:nvSpPr>
-        <p:spPr>
-          <a:xfrm>
-            <a:off x="685800" y="306705"/>
-            <a:ext cx="7772400" cy="1143000"/>
-          </a:xfrm>
-        </p:spPr>
-        <p:txBody>
-          <a:bodyPr/>
-          <a:p>
-            <a:r>
-              <a:rPr lang="en-US" altLang="en-US" sz="2800">
-                <a:latin typeface="Noto Serif CJK JP" panose="02020400000000000000" charset="-122"/>
-                <a:ea typeface="Noto Serif CJK JP" panose="02020400000000000000" charset="-122"/>
-              </a:rPr>
-              <a:t>Doubly Linked List </a:t>
-            </a:r>
-            <a:endParaRPr lang="en-US" altLang="en-US" sz="2800">
-              <a:latin typeface="Noto Serif CJK JP" panose="02020400000000000000" charset="-122"/>
-              <a:ea typeface="Noto Serif CJK JP" panose="02020400000000000000" charset="-122"/>
-            </a:endParaRPr>
-          </a:p>
-        </p:txBody>
-      </p:sp>
-      <p:sp>
-        <p:nvSpPr>
-          <p:cNvPr id="3" name="Content Placeholder 2"/>
-          <p:cNvSpPr>
-            <a:spLocks noGrp="1"/>
-          </p:cNvSpPr>
-          <p:nvPr>
-            <p:ph idx="1"/>
-          </p:nvPr>
-        </p:nvSpPr>
-        <p:spPr>
-          <a:xfrm>
-            <a:off x="685800" y="1449705"/>
-            <a:ext cx="7772400" cy="4969510"/>
-          </a:xfrm>
-        </p:spPr>
-        <p:txBody>
-          <a:bodyPr/>
-          <a:p>
-            <a:r>
-              <a:rPr lang="en-US" altLang="en-US" sz="2400">
-                <a:latin typeface="Noto Serif CJK JP" panose="02020400000000000000" charset="-122"/>
-                <a:ea typeface="Noto Serif CJK JP" panose="02020400000000000000" charset="-122"/>
-              </a:rPr>
-              <a:t>Node</a:t>
-            </a:r>
-            <a:endParaRPr lang="en-US" altLang="en-US" sz="2400">
-              <a:latin typeface="Noto Serif CJK JP" panose="02020400000000000000" charset="-122"/>
-              <a:ea typeface="Noto Serif CJK JP" panose="02020400000000000000" charset="-122"/>
-            </a:endParaRPr>
-          </a:p>
-          <a:p>
-            <a:pPr lvl="1"/>
-            <a:r>
-              <a:rPr lang="en-US" altLang="en-US" sz="2100">
-                <a:latin typeface="Noto Serif CJK JP" panose="02020400000000000000" charset="-122"/>
-                <a:ea typeface="Noto Serif CJK JP" panose="02020400000000000000" charset="-122"/>
-              </a:rPr>
-              <a:t>Each element in the List</a:t>
-            </a:r>
-            <a:endParaRPr lang="en-US" altLang="en-US" sz="2100">
-              <a:latin typeface="Noto Serif CJK JP" panose="02020400000000000000" charset="-122"/>
-              <a:ea typeface="Noto Serif CJK JP" panose="02020400000000000000" charset="-122"/>
-            </a:endParaRPr>
-          </a:p>
-          <a:p>
-            <a:pPr lvl="1"/>
-            <a:r>
-              <a:rPr lang="en-US" altLang="en-US" sz="2100">
-                <a:latin typeface="Noto Serif CJK JP" panose="02020400000000000000" charset="-122"/>
-                <a:ea typeface="Noto Serif CJK JP" panose="02020400000000000000" charset="-122"/>
-              </a:rPr>
-              <a:t>consists of at least three parts:</a:t>
-            </a:r>
-            <a:endParaRPr lang="en-US" altLang="en-US" sz="2100">
-              <a:latin typeface="Noto Serif CJK JP" panose="02020400000000000000" charset="-122"/>
-              <a:ea typeface="Noto Serif CJK JP" panose="02020400000000000000" charset="-122"/>
-            </a:endParaRPr>
-          </a:p>
-          <a:p>
-            <a:pPr lvl="2"/>
-            <a:r>
-              <a:rPr lang="en-US" altLang="en-US" sz="1800">
-                <a:latin typeface="Noto Serif CJK JP" panose="02020400000000000000" charset="-122"/>
-                <a:ea typeface="Noto Serif CJK JP" panose="02020400000000000000" charset="-122"/>
-              </a:rPr>
-              <a:t>Data</a:t>
-            </a:r>
-            <a:endParaRPr lang="en-US" altLang="en-US" sz="1800">
-              <a:latin typeface="Noto Serif CJK JP" panose="02020400000000000000" charset="-122"/>
-              <a:ea typeface="Noto Serif CJK JP" panose="02020400000000000000" charset="-122"/>
-            </a:endParaRPr>
-          </a:p>
-          <a:p>
-            <a:pPr lvl="2"/>
-            <a:r>
-              <a:rPr lang="en-US" altLang="en-US" sz="1800">
-                <a:latin typeface="Noto Serif CJK JP" panose="02020400000000000000" charset="-122"/>
-                <a:ea typeface="Noto Serif CJK JP" panose="02020400000000000000" charset="-122"/>
-              </a:rPr>
-              <a:t>Pointer (Or Reference) to the next node</a:t>
-            </a:r>
-            <a:endParaRPr lang="en-US" altLang="en-US" sz="1800">
-              <a:latin typeface="Noto Serif CJK JP" panose="02020400000000000000" charset="-122"/>
-              <a:ea typeface="Noto Serif CJK JP" panose="02020400000000000000" charset="-122"/>
-            </a:endParaRPr>
-          </a:p>
-          <a:p>
-            <a:pPr lvl="2"/>
-            <a:r>
-              <a:rPr lang="en-US" altLang="en-US" sz="1800">
-                <a:latin typeface="Noto Serif CJK JP" panose="02020400000000000000" charset="-122"/>
-                <a:ea typeface="Noto Serif CJK JP" panose="02020400000000000000" charset="-122"/>
-              </a:rPr>
-              <a:t>Pointer </a:t>
-            </a:r>
-            <a:r>
-              <a:rPr lang="en-US" altLang="en-US" sz="1800">
-                <a:latin typeface="Noto Serif CJK JP" panose="02020400000000000000" charset="-122"/>
-                <a:ea typeface="Noto Serif CJK JP" panose="02020400000000000000" charset="-122"/>
-                <a:sym typeface="+mn-ea"/>
-              </a:rPr>
-              <a:t>Or Reference) to the  previous node</a:t>
-            </a:r>
-            <a:endParaRPr lang="en-US" altLang="en-US" sz="1800">
-              <a:latin typeface="Noto Serif CJK JP" panose="02020400000000000000" charset="-122"/>
-              <a:ea typeface="Noto Serif CJK JP" panose="02020400000000000000" charset="-122"/>
-            </a:endParaRPr>
-          </a:p>
-          <a:p>
-            <a:pPr lvl="0"/>
-            <a:r>
-              <a:rPr lang="en-US" altLang="en-US" sz="2400">
-                <a:latin typeface="Noto Serif CJK JP" panose="02020400000000000000" charset="-122"/>
-                <a:ea typeface="Noto Serif CJK JP" panose="02020400000000000000" charset="-122"/>
-              </a:rPr>
-              <a:t>Linked List </a:t>
-            </a:r>
-            <a:endParaRPr lang="en-US" altLang="en-US" sz="2400">
-              <a:latin typeface="Noto Serif CJK JP" panose="02020400000000000000" charset="-122"/>
-              <a:ea typeface="Noto Serif CJK JP" panose="02020400000000000000" charset="-122"/>
-            </a:endParaRPr>
-          </a:p>
-          <a:p>
-            <a:pPr lvl="0"/>
-            <a:endParaRPr lang="en-US" altLang="en-US" sz="2400">
-              <a:latin typeface="Noto Serif CJK JP" panose="02020400000000000000" charset="-122"/>
-              <a:ea typeface="Noto Serif CJK JP" panose="02020400000000000000" charset="-122"/>
-            </a:endParaRPr>
-          </a:p>
-        </p:txBody>
-      </p:sp>
-      <p:sp>
-        <p:nvSpPr>
-          <p:cNvPr id="4" name="Text Box 3"/>
-          <p:cNvSpPr txBox="1"/>
-          <p:nvPr/>
-        </p:nvSpPr>
-        <p:spPr>
-          <a:xfrm>
-            <a:off x="5507990" y="1143000"/>
-            <a:ext cx="3175635" cy="1753235"/>
-          </a:xfrm>
-          <a:prstGeom prst="rect">
-            <a:avLst/>
-          </a:prstGeom>
-          <a:noFill/>
-          <a:ln w="12700" cmpd="sng">
-            <a:solidFill>
-              <a:schemeClr val="accent1">
-                <a:shade val="50000"/>
-              </a:schemeClr>
-            </a:solidFill>
-            <a:prstDash val="solid"/>
-          </a:ln>
-        </p:spPr>
-        <p:txBody>
-          <a:bodyPr wrap="square" rtlCol="0">
-            <a:spAutoFit/>
-          </a:bodyPr>
-          <a:p>
-            <a:r>
-              <a:rPr lang="en-US">
-                <a:latin typeface="FreeMono" panose="020F0409020205020404" charset="0"/>
-                <a:ea typeface="FreeMono" panose="020F0409020205020404" charset="0"/>
-                <a:cs typeface="Noto Sans Mono CJK JP" panose="020B0500000000000000" charset="-122"/>
-              </a:rPr>
-              <a:t>class </a:t>
-            </a:r>
-            <a:r>
-              <a:rPr lang="en-US">
-                <a:ln>
-                  <a:solidFill>
-                    <a:sysClr val="windowText" lastClr="000000"/>
-                  </a:solidFill>
-                </a:ln>
-                <a:latin typeface="FreeMono" panose="020F0409020205020404" charset="0"/>
-                <a:ea typeface="FreeMono" panose="020F0409020205020404" charset="0"/>
-                <a:cs typeface="Noto Sans Mono CJK JP" panose="020B0500000000000000" charset="-122"/>
-              </a:rPr>
-              <a:t>Node  </a:t>
-            </a:r>
-            <a:endParaRPr lang="en-US">
-              <a:latin typeface="FreeMono" panose="020F0409020205020404" charset="0"/>
-              <a:ea typeface="FreeMono" panose="020F0409020205020404" charset="0"/>
-              <a:cs typeface="Noto Sans Mono CJK JP" panose="020B0500000000000000" charset="-122"/>
-            </a:endParaRPr>
-          </a:p>
-          <a:p>
-            <a:r>
-              <a:rPr lang="en-US">
-                <a:latin typeface="FreeMono" panose="020F0409020205020404" charset="0"/>
-                <a:ea typeface="FreeMono" panose="020F0409020205020404" charset="0"/>
-                <a:cs typeface="Noto Sans Mono CJK JP" panose="020B0500000000000000" charset="-122"/>
-              </a:rPr>
-              <a:t>{  </a:t>
-            </a:r>
-            <a:endParaRPr lang="en-US">
-              <a:latin typeface="FreeMono" panose="020F0409020205020404" charset="0"/>
-              <a:ea typeface="FreeMono" panose="020F0409020205020404" charset="0"/>
-              <a:cs typeface="Noto Sans Mono CJK JP" panose="020B0500000000000000" charset="-122"/>
-            </a:endParaRPr>
-          </a:p>
-          <a:p>
-            <a:r>
-              <a:rPr lang="en-US">
-                <a:latin typeface="FreeMono" panose="020F0409020205020404" charset="0"/>
-                <a:ea typeface="FreeMono" panose="020F0409020205020404" charset="0"/>
-                <a:cs typeface="Noto Sans Mono CJK JP" panose="020B0500000000000000" charset="-122"/>
-              </a:rPr>
-              <a:t>   </a:t>
-            </a:r>
-            <a:r>
-              <a:rPr lang="en-US">
-                <a:latin typeface="FreeMono" panose="020F0409020205020404" charset="0"/>
-                <a:ea typeface="FreeMono" panose="020F0409020205020404" charset="0"/>
-                <a:cs typeface="Noto Sans Mono CJK JP" panose="020B0500000000000000" charset="-122"/>
-                <a:sym typeface="+mn-ea"/>
-              </a:rPr>
-              <a:t>public</a:t>
-            </a:r>
-            <a:r>
-              <a:rPr lang="en-US">
-                <a:latin typeface="FreeMono" panose="020F0409020205020404" charset="0"/>
-                <a:ea typeface="FreeMono" panose="020F0409020205020404" charset="0"/>
-                <a:cs typeface="Noto Sans Mono CJK JP" panose="020B0500000000000000" charset="-122"/>
-              </a:rPr>
-              <a:t> int data;  </a:t>
-            </a:r>
-            <a:endParaRPr lang="en-US">
-              <a:latin typeface="FreeMono" panose="020F0409020205020404" charset="0"/>
-              <a:ea typeface="FreeMono" panose="020F0409020205020404" charset="0"/>
-              <a:cs typeface="Noto Sans Mono CJK JP" panose="020B0500000000000000" charset="-122"/>
-            </a:endParaRPr>
-          </a:p>
-          <a:p>
-            <a:r>
-              <a:rPr lang="en-US">
-                <a:latin typeface="FreeMono" panose="020F0409020205020404" charset="0"/>
-                <a:ea typeface="FreeMono" panose="020F0409020205020404" charset="0"/>
-                <a:cs typeface="Noto Sans Mono CJK JP" panose="020B0500000000000000" charset="-122"/>
-              </a:rPr>
-              <a:t>   </a:t>
-            </a:r>
-            <a:r>
-              <a:rPr lang="en-US">
-                <a:latin typeface="FreeMono" panose="020F0409020205020404" charset="0"/>
-                <a:ea typeface="FreeMono" panose="020F0409020205020404" charset="0"/>
-                <a:cs typeface="Noto Sans Mono CJK JP" panose="020B0500000000000000" charset="-122"/>
-                <a:sym typeface="+mn-ea"/>
-              </a:rPr>
-              <a:t>public</a:t>
-            </a:r>
-            <a:r>
-              <a:rPr lang="en-US">
-                <a:latin typeface="FreeMono" panose="020F0409020205020404" charset="0"/>
-                <a:ea typeface="FreeMono" panose="020F0409020205020404" charset="0"/>
-                <a:cs typeface="Noto Sans Mono CJK JP" panose="020B0500000000000000" charset="-122"/>
-              </a:rPr>
-              <a:t> Node *next;</a:t>
-            </a:r>
-            <a:endParaRPr lang="en-US">
-              <a:latin typeface="FreeMono" panose="020F0409020205020404" charset="0"/>
-              <a:ea typeface="FreeMono" panose="020F0409020205020404" charset="0"/>
-              <a:cs typeface="Noto Sans Mono CJK JP" panose="020B0500000000000000" charset="-122"/>
-            </a:endParaRPr>
-          </a:p>
-          <a:p>
-            <a:r>
-              <a:rPr lang="en-US">
-                <a:latin typeface="FreeMono" panose="020F0409020205020404" charset="0"/>
-                <a:ea typeface="FreeMono" panose="020F0409020205020404" charset="0"/>
-                <a:cs typeface="Noto Sans Mono CJK JP" panose="020B0500000000000000" charset="-122"/>
-                <a:sym typeface="+mn-ea"/>
-              </a:rPr>
-              <a:t>   public Node *</a:t>
-            </a:r>
-            <a:r>
-              <a:rPr lang="en-US" altLang="en-US">
-                <a:latin typeface="FreeMono" panose="020F0409020205020404" charset="0"/>
-                <a:ea typeface="FreeMono" panose="020F0409020205020404" charset="0"/>
-                <a:cs typeface="Noto Sans Mono CJK JP" panose="020B0500000000000000" charset="-122"/>
-                <a:sym typeface="+mn-ea"/>
-              </a:rPr>
-              <a:t>prev</a:t>
-            </a:r>
-            <a:r>
-              <a:rPr lang="en-US">
-                <a:latin typeface="FreeMono" panose="020F0409020205020404" charset="0"/>
-                <a:ea typeface="FreeMono" panose="020F0409020205020404" charset="0"/>
-                <a:cs typeface="Noto Sans Mono CJK JP" panose="020B0500000000000000" charset="-122"/>
-                <a:sym typeface="+mn-ea"/>
-              </a:rPr>
-              <a:t>;</a:t>
-            </a:r>
-            <a:r>
-              <a:rPr lang="en-US">
-                <a:latin typeface="FreeMono" panose="020F0409020205020404" charset="0"/>
-                <a:ea typeface="FreeMono" panose="020F0409020205020404" charset="0"/>
-                <a:cs typeface="Noto Sans Mono CJK JP" panose="020B0500000000000000" charset="-122"/>
-              </a:rPr>
-              <a:t>  </a:t>
-            </a:r>
-            <a:endParaRPr lang="en-US">
-              <a:latin typeface="FreeMono" panose="020F0409020205020404" charset="0"/>
-              <a:ea typeface="FreeMono" panose="020F0409020205020404" charset="0"/>
-              <a:cs typeface="Noto Sans Mono CJK JP" panose="020B0500000000000000" charset="-122"/>
-            </a:endParaRPr>
-          </a:p>
-          <a:p>
-            <a:r>
-              <a:rPr lang="en-US">
-                <a:latin typeface="FreeMono" panose="020F0409020205020404" charset="0"/>
-                <a:ea typeface="FreeMono" panose="020F0409020205020404" charset="0"/>
-                <a:cs typeface="Noto Sans Mono CJK JP" panose="020B0500000000000000" charset="-122"/>
-              </a:rPr>
-              <a:t>};  </a:t>
-            </a:r>
-            <a:endParaRPr lang="en-US">
-              <a:latin typeface="FreeMono" panose="020F0409020205020404" charset="0"/>
-              <a:ea typeface="FreeMono" panose="020F0409020205020404" charset="0"/>
-              <a:cs typeface="Noto Sans Mono CJK JP" panose="020B0500000000000000" charset="-122"/>
-            </a:endParaRPr>
-          </a:p>
-        </p:txBody>
-      </p:sp>
-      <p:pic>
-        <p:nvPicPr>
-          <p:cNvPr id="5" name="Picture 4" descr="/home/jishnu/Repositories/CDAC-Trainer-Materials/Training Materials/Objected Oriented Programming Concepts Using C++ &amp; Data Structures/DoublyLinkedlist.pngDoublyLinkedlist"/>
-          <p:cNvPicPr>
-            <a:picLocks noChangeAspect="1"/>
-          </p:cNvPicPr>
-          <p:nvPr/>
-        </p:nvPicPr>
-        <p:blipFill>
-          <a:blip r:embed="rId1"/>
-          <a:srcRect/>
-          <a:stretch>
-            <a:fillRect/>
-          </a:stretch>
-        </p:blipFill>
-        <p:spPr>
-          <a:xfrm>
-            <a:off x="957580" y="4354513"/>
-            <a:ext cx="7229475" cy="1482090"/>
-          </a:xfrm>
-          <a:prstGeom prst="rect">
-            <a:avLst/>
-          </a:prstGeom>
-        </p:spPr>
-      </p:pic>
-    </p:spTree>
-  </p:cSld>
-  <p:clrMapOvr>
-    <a:masterClrMapping/>
-  </p:clrMapOvr>
-</p:sld>
-</file>
-
-<file path=ppt/slides/slide8.xml><?xml version="1.0" encoding="utf-8"?>
-<p:sld xmlns:a="http://schemas.openxmlformats.org/drawingml/2006/main" xmlns:r="http://schemas.openxmlformats.org/officeDocument/2006/relationships" xmlns:p="http://schemas.openxmlformats.org/presentationml/2006/main">
-  <p:cSld>
-    <p:spTree>
-      <p:nvGrpSpPr>
-        <p:cNvPr id="1" name=""/>
-        <p:cNvGrpSpPr/>
-        <p:nvPr/>
-      </p:nvGrpSpPr>
-      <p:grpSpPr/>
-      <p:sp>
-        <p:nvSpPr>
-          <p:cNvPr id="2" name="Title 1"/>
-          <p:cNvSpPr>
-            <a:spLocks noGrp="1"/>
-          </p:cNvSpPr>
-          <p:nvPr>
-            <p:ph type="title"/>
-          </p:nvPr>
-        </p:nvSpPr>
-        <p:spPr>
-          <a:xfrm>
-            <a:off x="388620" y="129540"/>
-            <a:ext cx="7772400" cy="858520"/>
-          </a:xfrm>
-        </p:spPr>
-        <p:txBody>
-          <a:bodyPr/>
-          <a:p>
-            <a:r>
-              <a:rPr lang="en-US" altLang="en-US" sz="2800">
-                <a:latin typeface="Noto Serif CJK JP" panose="02020400000000000000" charset="-122"/>
-                <a:ea typeface="Noto Serif CJK JP" panose="02020400000000000000" charset="-122"/>
-              </a:rPr>
-              <a:t>Circular Linked List </a:t>
-            </a:r>
-            <a:endParaRPr lang="en-US" altLang="en-US" sz="2800">
-              <a:latin typeface="Noto Serif CJK JP" panose="02020400000000000000" charset="-122"/>
-              <a:ea typeface="Noto Serif CJK JP" panose="02020400000000000000" charset="-122"/>
-            </a:endParaRPr>
-          </a:p>
-        </p:txBody>
-      </p:sp>
-      <p:sp>
-        <p:nvSpPr>
-          <p:cNvPr id="3" name="Content Placeholder 2"/>
-          <p:cNvSpPr>
-            <a:spLocks noGrp="1"/>
-          </p:cNvSpPr>
-          <p:nvPr>
-            <p:ph idx="1"/>
-          </p:nvPr>
-        </p:nvSpPr>
-        <p:spPr>
-          <a:xfrm>
-            <a:off x="685800" y="1449705"/>
-            <a:ext cx="7772400" cy="4969510"/>
-          </a:xfrm>
-        </p:spPr>
-        <p:txBody>
-          <a:bodyPr/>
-          <a:p>
-            <a:r>
-              <a:rPr lang="en-US" altLang="en-US" sz="2400">
-                <a:latin typeface="Noto Serif CJK JP" panose="02020400000000000000" charset="-122"/>
-                <a:ea typeface="Noto Serif CJK JP" panose="02020400000000000000" charset="-122"/>
-              </a:rPr>
-              <a:t>Node</a:t>
-            </a:r>
-            <a:endParaRPr lang="en-US" altLang="en-US" sz="2400">
-              <a:latin typeface="Noto Serif CJK JP" panose="02020400000000000000" charset="-122"/>
-              <a:ea typeface="Noto Serif CJK JP" panose="02020400000000000000" charset="-122"/>
-            </a:endParaRPr>
-          </a:p>
-          <a:p>
-            <a:pPr lvl="1"/>
-            <a:r>
-              <a:rPr lang="en-US" altLang="en-US" sz="2100">
-                <a:latin typeface="Noto Serif CJK JP" panose="02020400000000000000" charset="-122"/>
-                <a:ea typeface="Noto Serif CJK JP" panose="02020400000000000000" charset="-122"/>
-              </a:rPr>
-              <a:t>consists of at least three parts:</a:t>
-            </a:r>
-            <a:endParaRPr lang="en-US" altLang="en-US" sz="2100">
-              <a:latin typeface="Noto Serif CJK JP" panose="02020400000000000000" charset="-122"/>
-              <a:ea typeface="Noto Serif CJK JP" panose="02020400000000000000" charset="-122"/>
-            </a:endParaRPr>
-          </a:p>
-          <a:p>
-            <a:pPr lvl="2"/>
-            <a:r>
-              <a:rPr lang="en-US" altLang="en-US" sz="1800">
-                <a:latin typeface="Noto Serif CJK JP" panose="02020400000000000000" charset="-122"/>
-                <a:ea typeface="Noto Serif CJK JP" panose="02020400000000000000" charset="-122"/>
-              </a:rPr>
-              <a:t>Data</a:t>
-            </a:r>
-            <a:endParaRPr lang="en-US" altLang="en-US" sz="1800">
-              <a:latin typeface="Noto Serif CJK JP" panose="02020400000000000000" charset="-122"/>
-              <a:ea typeface="Noto Serif CJK JP" panose="02020400000000000000" charset="-122"/>
-            </a:endParaRPr>
-          </a:p>
-          <a:p>
-            <a:pPr lvl="2"/>
-            <a:r>
-              <a:rPr lang="en-US" altLang="en-US" sz="1800">
-                <a:latin typeface="Noto Serif CJK JP" panose="02020400000000000000" charset="-122"/>
-                <a:ea typeface="Noto Serif CJK JP" panose="02020400000000000000" charset="-122"/>
-              </a:rPr>
-              <a:t>Pointer (Or Reference) to the next node</a:t>
-            </a:r>
-            <a:endParaRPr lang="en-US" altLang="en-US" sz="1800">
-              <a:latin typeface="Noto Serif CJK JP" panose="02020400000000000000" charset="-122"/>
-              <a:ea typeface="Noto Serif CJK JP" panose="02020400000000000000" charset="-122"/>
-            </a:endParaRPr>
-          </a:p>
-          <a:p>
-            <a:pPr lvl="2"/>
-            <a:r>
-              <a:rPr lang="en-US" altLang="en-US" sz="1800">
-                <a:latin typeface="Noto Serif CJK JP" panose="02020400000000000000" charset="-122"/>
-                <a:ea typeface="Noto Serif CJK JP" panose="02020400000000000000" charset="-122"/>
-              </a:rPr>
-              <a:t>Pointer </a:t>
-            </a:r>
-            <a:r>
-              <a:rPr lang="en-US" altLang="en-US" sz="1800">
-                <a:latin typeface="Noto Serif CJK JP" panose="02020400000000000000" charset="-122"/>
-                <a:ea typeface="Noto Serif CJK JP" panose="02020400000000000000" charset="-122"/>
-                <a:sym typeface="+mn-ea"/>
-              </a:rPr>
-              <a:t>Or Reference) to the  previous node</a:t>
-            </a:r>
-            <a:endParaRPr lang="en-US" altLang="en-US" sz="1800">
-              <a:latin typeface="Noto Serif CJK JP" panose="02020400000000000000" charset="-122"/>
-              <a:ea typeface="Noto Serif CJK JP" panose="02020400000000000000" charset="-122"/>
-              <a:sym typeface="+mn-ea"/>
-            </a:endParaRPr>
-          </a:p>
-          <a:p>
-            <a:pPr lvl="1"/>
-            <a:r>
-              <a:rPr lang="en-US" altLang="en-US" sz="2100">
-                <a:latin typeface="Noto Serif CJK JP" panose="02020400000000000000" charset="-122"/>
-                <a:ea typeface="Noto Serif CJK JP" panose="02020400000000000000" charset="-122"/>
-              </a:rPr>
-              <a:t>Two consecutive elements are linked or connected by previous and next pointer </a:t>
-            </a:r>
-            <a:endParaRPr lang="en-US" altLang="en-US" sz="2100">
-              <a:latin typeface="Noto Serif CJK JP" panose="02020400000000000000" charset="-122"/>
-              <a:ea typeface="Noto Serif CJK JP" panose="02020400000000000000" charset="-122"/>
-            </a:endParaRPr>
-          </a:p>
-          <a:p>
-            <a:pPr lvl="1"/>
-            <a:r>
-              <a:rPr lang="en-US" altLang="en-US" sz="2100">
-                <a:latin typeface="Noto Serif CJK JP" panose="02020400000000000000" charset="-122"/>
-                <a:ea typeface="Noto Serif CJK JP" panose="02020400000000000000" charset="-122"/>
-              </a:rPr>
-              <a:t>Last node points to first node by next pointer </a:t>
-            </a:r>
-            <a:endParaRPr lang="en-US" altLang="en-US" sz="2100">
-              <a:latin typeface="Noto Serif CJK JP" panose="02020400000000000000" charset="-122"/>
-              <a:ea typeface="Noto Serif CJK JP" panose="02020400000000000000" charset="-122"/>
-            </a:endParaRPr>
-          </a:p>
-          <a:p>
-            <a:pPr lvl="1"/>
-            <a:r>
-              <a:rPr lang="en-US" altLang="en-US" sz="2100">
-                <a:latin typeface="Noto Serif CJK JP" panose="02020400000000000000" charset="-122"/>
-                <a:ea typeface="Noto Serif CJK JP" panose="02020400000000000000" charset="-122"/>
-              </a:rPr>
-              <a:t>First node points to last node by previous pointer</a:t>
-            </a:r>
-            <a:endParaRPr lang="en-US" altLang="en-US" sz="2450">
-              <a:latin typeface="Noto Serif CJK JP" panose="02020400000000000000" charset="-122"/>
-              <a:ea typeface="Noto Serif CJK JP" panose="02020400000000000000" charset="-122"/>
-            </a:endParaRPr>
-          </a:p>
-          <a:p>
-            <a:pPr lvl="0"/>
-            <a:r>
-              <a:rPr lang="en-US" altLang="en-US" sz="2400">
-                <a:latin typeface="Noto Serif CJK JP" panose="02020400000000000000" charset="-122"/>
-                <a:ea typeface="Noto Serif CJK JP" panose="02020400000000000000" charset="-122"/>
-              </a:rPr>
-              <a:t>Linked List </a:t>
-            </a:r>
-            <a:endParaRPr lang="en-US" altLang="en-US" sz="2400">
-              <a:latin typeface="Noto Serif CJK JP" panose="02020400000000000000" charset="-122"/>
-              <a:ea typeface="Noto Serif CJK JP" panose="02020400000000000000" charset="-122"/>
-            </a:endParaRPr>
-          </a:p>
-          <a:p>
-            <a:pPr lvl="0"/>
-            <a:endParaRPr lang="en-US" altLang="en-US" sz="2400">
-              <a:latin typeface="Noto Serif CJK JP" panose="02020400000000000000" charset="-122"/>
-              <a:ea typeface="Noto Serif CJK JP" panose="02020400000000000000" charset="-122"/>
-            </a:endParaRPr>
-          </a:p>
-        </p:txBody>
-      </p:sp>
-      <p:sp>
-        <p:nvSpPr>
-          <p:cNvPr id="4" name="Text Box 3"/>
-          <p:cNvSpPr txBox="1"/>
-          <p:nvPr/>
-        </p:nvSpPr>
-        <p:spPr>
-          <a:xfrm>
-            <a:off x="5584825" y="859155"/>
-            <a:ext cx="3175635" cy="1753235"/>
-          </a:xfrm>
-          <a:prstGeom prst="rect">
-            <a:avLst/>
-          </a:prstGeom>
-          <a:noFill/>
-          <a:ln w="12700" cmpd="sng">
-            <a:solidFill>
-              <a:schemeClr val="accent1">
-                <a:shade val="50000"/>
-              </a:schemeClr>
-            </a:solidFill>
-            <a:prstDash val="solid"/>
-          </a:ln>
-        </p:spPr>
-        <p:txBody>
-          <a:bodyPr wrap="square" rtlCol="0">
-            <a:spAutoFit/>
-          </a:bodyPr>
-          <a:p>
-            <a:r>
-              <a:rPr lang="en-US">
-                <a:latin typeface="FreeMono" panose="020F0409020205020404" charset="0"/>
-                <a:ea typeface="FreeMono" panose="020F0409020205020404" charset="0"/>
-                <a:cs typeface="Noto Sans Mono CJK JP" panose="020B0500000000000000" charset="-122"/>
-              </a:rPr>
-              <a:t>class </a:t>
-            </a:r>
-            <a:r>
-              <a:rPr lang="en-US">
-                <a:ln>
-                  <a:solidFill>
-                    <a:sysClr val="windowText" lastClr="000000"/>
-                  </a:solidFill>
-                </a:ln>
-                <a:latin typeface="FreeMono" panose="020F0409020205020404" charset="0"/>
-                <a:ea typeface="FreeMono" panose="020F0409020205020404" charset="0"/>
-                <a:cs typeface="Noto Sans Mono CJK JP" panose="020B0500000000000000" charset="-122"/>
-              </a:rPr>
-              <a:t>Node  </a:t>
-            </a:r>
-            <a:endParaRPr lang="en-US">
-              <a:latin typeface="FreeMono" panose="020F0409020205020404" charset="0"/>
-              <a:ea typeface="FreeMono" panose="020F0409020205020404" charset="0"/>
-              <a:cs typeface="Noto Sans Mono CJK JP" panose="020B0500000000000000" charset="-122"/>
-            </a:endParaRPr>
-          </a:p>
-          <a:p>
-            <a:r>
-              <a:rPr lang="en-US">
-                <a:latin typeface="FreeMono" panose="020F0409020205020404" charset="0"/>
-                <a:ea typeface="FreeMono" panose="020F0409020205020404" charset="0"/>
-                <a:cs typeface="Noto Sans Mono CJK JP" panose="020B0500000000000000" charset="-122"/>
-              </a:rPr>
-              <a:t>{  </a:t>
-            </a:r>
-            <a:endParaRPr lang="en-US">
-              <a:latin typeface="FreeMono" panose="020F0409020205020404" charset="0"/>
-              <a:ea typeface="FreeMono" panose="020F0409020205020404" charset="0"/>
-              <a:cs typeface="Noto Sans Mono CJK JP" panose="020B0500000000000000" charset="-122"/>
-            </a:endParaRPr>
-          </a:p>
-          <a:p>
-            <a:r>
-              <a:rPr lang="en-US">
-                <a:latin typeface="FreeMono" panose="020F0409020205020404" charset="0"/>
-                <a:ea typeface="FreeMono" panose="020F0409020205020404" charset="0"/>
-                <a:cs typeface="Noto Sans Mono CJK JP" panose="020B0500000000000000" charset="-122"/>
-              </a:rPr>
-              <a:t>   </a:t>
-            </a:r>
-            <a:r>
-              <a:rPr lang="en-US">
-                <a:latin typeface="FreeMono" panose="020F0409020205020404" charset="0"/>
-                <a:ea typeface="FreeMono" panose="020F0409020205020404" charset="0"/>
-                <a:cs typeface="Noto Sans Mono CJK JP" panose="020B0500000000000000" charset="-122"/>
-                <a:sym typeface="+mn-ea"/>
-              </a:rPr>
-              <a:t>public</a:t>
-            </a:r>
-            <a:r>
-              <a:rPr lang="en-US">
-                <a:latin typeface="FreeMono" panose="020F0409020205020404" charset="0"/>
-                <a:ea typeface="FreeMono" panose="020F0409020205020404" charset="0"/>
-                <a:cs typeface="Noto Sans Mono CJK JP" panose="020B0500000000000000" charset="-122"/>
-              </a:rPr>
-              <a:t> int data;  </a:t>
-            </a:r>
-            <a:endParaRPr lang="en-US">
-              <a:latin typeface="FreeMono" panose="020F0409020205020404" charset="0"/>
-              <a:ea typeface="FreeMono" panose="020F0409020205020404" charset="0"/>
-              <a:cs typeface="Noto Sans Mono CJK JP" panose="020B0500000000000000" charset="-122"/>
-            </a:endParaRPr>
-          </a:p>
-          <a:p>
-            <a:r>
-              <a:rPr lang="en-US">
-                <a:latin typeface="FreeMono" panose="020F0409020205020404" charset="0"/>
-                <a:ea typeface="FreeMono" panose="020F0409020205020404" charset="0"/>
-                <a:cs typeface="Noto Sans Mono CJK JP" panose="020B0500000000000000" charset="-122"/>
-              </a:rPr>
-              <a:t>   </a:t>
-            </a:r>
-            <a:r>
-              <a:rPr lang="en-US">
-                <a:latin typeface="FreeMono" panose="020F0409020205020404" charset="0"/>
-                <a:ea typeface="FreeMono" panose="020F0409020205020404" charset="0"/>
-                <a:cs typeface="Noto Sans Mono CJK JP" panose="020B0500000000000000" charset="-122"/>
-                <a:sym typeface="+mn-ea"/>
-              </a:rPr>
-              <a:t>public</a:t>
-            </a:r>
-            <a:r>
-              <a:rPr lang="en-US">
-                <a:latin typeface="FreeMono" panose="020F0409020205020404" charset="0"/>
-                <a:ea typeface="FreeMono" panose="020F0409020205020404" charset="0"/>
-                <a:cs typeface="Noto Sans Mono CJK JP" panose="020B0500000000000000" charset="-122"/>
-              </a:rPr>
-              <a:t> Node *next;</a:t>
-            </a:r>
-            <a:endParaRPr lang="en-US">
-              <a:latin typeface="FreeMono" panose="020F0409020205020404" charset="0"/>
-              <a:ea typeface="FreeMono" panose="020F0409020205020404" charset="0"/>
-              <a:cs typeface="Noto Sans Mono CJK JP" panose="020B0500000000000000" charset="-122"/>
-            </a:endParaRPr>
-          </a:p>
-          <a:p>
-            <a:r>
-              <a:rPr lang="en-US">
-                <a:latin typeface="FreeMono" panose="020F0409020205020404" charset="0"/>
-                <a:ea typeface="FreeMono" panose="020F0409020205020404" charset="0"/>
-                <a:cs typeface="Noto Sans Mono CJK JP" panose="020B0500000000000000" charset="-122"/>
-                <a:sym typeface="+mn-ea"/>
-              </a:rPr>
-              <a:t>   public Node *</a:t>
-            </a:r>
-            <a:r>
-              <a:rPr lang="en-US" altLang="en-US">
-                <a:latin typeface="FreeMono" panose="020F0409020205020404" charset="0"/>
-                <a:ea typeface="FreeMono" panose="020F0409020205020404" charset="0"/>
-                <a:cs typeface="Noto Sans Mono CJK JP" panose="020B0500000000000000" charset="-122"/>
-                <a:sym typeface="+mn-ea"/>
-              </a:rPr>
-              <a:t>prev</a:t>
-            </a:r>
-            <a:r>
-              <a:rPr lang="en-US">
-                <a:latin typeface="FreeMono" panose="020F0409020205020404" charset="0"/>
-                <a:ea typeface="FreeMono" panose="020F0409020205020404" charset="0"/>
-                <a:cs typeface="Noto Sans Mono CJK JP" panose="020B0500000000000000" charset="-122"/>
-                <a:sym typeface="+mn-ea"/>
-              </a:rPr>
-              <a:t>;</a:t>
-            </a:r>
-            <a:r>
-              <a:rPr lang="en-US">
-                <a:latin typeface="FreeMono" panose="020F0409020205020404" charset="0"/>
-                <a:ea typeface="FreeMono" panose="020F0409020205020404" charset="0"/>
-                <a:cs typeface="Noto Sans Mono CJK JP" panose="020B0500000000000000" charset="-122"/>
-              </a:rPr>
-              <a:t>  </a:t>
-            </a:r>
-            <a:endParaRPr lang="en-US">
-              <a:latin typeface="FreeMono" panose="020F0409020205020404" charset="0"/>
-              <a:ea typeface="FreeMono" panose="020F0409020205020404" charset="0"/>
-              <a:cs typeface="Noto Sans Mono CJK JP" panose="020B0500000000000000" charset="-122"/>
-            </a:endParaRPr>
-          </a:p>
-          <a:p>
-            <a:r>
-              <a:rPr lang="en-US">
-                <a:latin typeface="FreeMono" panose="020F0409020205020404" charset="0"/>
-                <a:ea typeface="FreeMono" panose="020F0409020205020404" charset="0"/>
-                <a:cs typeface="Noto Sans Mono CJK JP" panose="020B0500000000000000" charset="-122"/>
-              </a:rPr>
-              <a:t>};  </a:t>
-            </a:r>
-            <a:endParaRPr lang="en-US">
-              <a:latin typeface="FreeMono" panose="020F0409020205020404" charset="0"/>
-              <a:ea typeface="FreeMono" panose="020F0409020205020404" charset="0"/>
-              <a:cs typeface="Noto Sans Mono CJK JP" panose="020B0500000000000000" charset="-122"/>
-            </a:endParaRPr>
-          </a:p>
-        </p:txBody>
-      </p:sp>
-      <p:pic>
-        <p:nvPicPr>
-          <p:cNvPr id="5" name="Picture 4" descr="/home/jishnu/Repositories/CDAC-Trainer-Materials/Training Materials/Objected Oriented Programming Concepts Using C++ &amp; Data Structures/Circular-doubly-linked-list.pngCircular-doubly-linked-list"/>
-          <p:cNvPicPr>
-            <a:picLocks noChangeAspect="1"/>
-          </p:cNvPicPr>
-          <p:nvPr/>
-        </p:nvPicPr>
-        <p:blipFill>
-          <a:blip r:embed="rId1"/>
-          <a:srcRect/>
-          <a:stretch>
-            <a:fillRect/>
-          </a:stretch>
-        </p:blipFill>
-        <p:spPr>
-          <a:xfrm>
-            <a:off x="1419543" y="5126038"/>
-            <a:ext cx="6304280" cy="1482090"/>
-          </a:xfrm>
-          <a:prstGeom prst="rect">
-            <a:avLst/>
-          </a:prstGeom>
-        </p:spPr>
-      </p:pic>
-    </p:spTree>
-  </p:cSld>
-  <p:clrMapOvr>
-    <a:masterClrMapping/>
-  </p:clrMapOvr>
-</p:sld>
-</file>
-
-<file path=ppt/slides/slide9.xml><?xml version="1.0" encoding="utf-8"?>
-<p:sld xmlns:a="http://schemas.openxmlformats.org/drawingml/2006/main" xmlns:r="http://schemas.openxmlformats.org/officeDocument/2006/relationships" xmlns:p="http://schemas.openxmlformats.org/presentationml/2006/main">
-  <p:cSld>
-    <p:spTree>
-      <p:nvGrpSpPr>
-        <p:cNvPr id="1" name=""/>
-        <p:cNvGrpSpPr/>
-        <p:nvPr/>
-      </p:nvGrpSpPr>
-      <p:grpSpPr/>
-      <p:sp>
-        <p:nvSpPr>
-          <p:cNvPr id="2" name="Title 1"/>
-          <p:cNvSpPr>
-            <a:spLocks noGrp="1"/>
-          </p:cNvSpPr>
-          <p:nvPr>
-            <p:ph type="title"/>
-          </p:nvPr>
-        </p:nvSpPr>
-        <p:spPr>
-          <a:xfrm>
-            <a:off x="685800" y="306705"/>
-            <a:ext cx="7772400" cy="688975"/>
-          </a:xfrm>
-        </p:spPr>
-        <p:txBody>
-          <a:bodyPr/>
-          <a:p>
-            <a:endParaRPr lang="en-US" altLang="en-US" sz="2800">
-              <a:latin typeface="Noto Serif CJK JP" panose="02020400000000000000" charset="-122"/>
-              <a:ea typeface="Noto Serif CJK JP" panose="02020400000000000000" charset="-122"/>
-            </a:endParaRPr>
-          </a:p>
-        </p:txBody>
-      </p:sp>
-      <p:sp>
-        <p:nvSpPr>
-          <p:cNvPr id="3" name="Content Placeholder 2"/>
-          <p:cNvSpPr>
-            <a:spLocks noGrp="1"/>
-          </p:cNvSpPr>
-          <p:nvPr>
-            <p:ph idx="1"/>
-          </p:nvPr>
-        </p:nvSpPr>
-        <p:spPr>
-          <a:xfrm>
-            <a:off x="685800" y="1449705"/>
-            <a:ext cx="7772400" cy="4969510"/>
-          </a:xfrm>
-        </p:spPr>
-        <p:txBody>
-          <a:bodyPr/>
-          <a:p>
-            <a:endParaRPr lang="en-US" altLang="en-US" sz="2400">
-              <a:latin typeface="Noto Serif CJK JP" panose="02020400000000000000" charset="-122"/>
-              <a:ea typeface="Noto Serif CJK JP" panose="02020400000000000000" charset="-122"/>
-            </a:endParaRPr>
-          </a:p>
-        </p:txBody>
-      </p:sp>
     </p:spTree>
   </p:cSld>
   <p:clrMapOvr>

--- a/Objected Oriented Programming Concepts Using C++ & Data Structures/Data Structures.pptx
+++ b/Objected Oriented Programming Concepts Using C++ & Data Structures/Data Structures.pptx
@@ -5903,6 +5903,13 @@
           <a:bodyPr/>
           <a:p>
             <a:r>
+              <a:rPr lang="" altLang="en-US" sz="2800">
+                <a:latin typeface="Noto Serif CJK JP" panose="02020400000000000000" charset="-122"/>
+                <a:ea typeface="Noto Serif CJK JP" panose="02020400000000000000" charset="-122"/>
+              </a:rPr>
+              <a:t>Linked List: </a:t>
+            </a:r>
+            <a:r>
               <a:rPr lang="en-US" altLang="en-US" sz="2800">
                 <a:latin typeface="Noto Serif CJK JP" panose="02020400000000000000" charset="-122"/>
                 <a:ea typeface="Noto Serif CJK JP" panose="02020400000000000000" charset="-122"/>
@@ -5983,6 +5990,14 @@
               <a:rPr lang="en-US" altLang="en-US" sz="2800">
                 <a:latin typeface="Noto Serif CJK JP" panose="02020400000000000000" charset="-122"/>
                 <a:ea typeface="Noto Serif CJK JP" panose="02020400000000000000" charset="-122"/>
+                <a:sym typeface="+mn-ea"/>
+              </a:rPr>
+              <a:t>Linked List:</a:t>
+            </a:r>
+            <a:r>
+              <a:rPr lang="en-US" altLang="en-US" sz="2800">
+                <a:latin typeface="Noto Serif CJK JP" panose="02020400000000000000" charset="-122"/>
+                <a:ea typeface="Noto Serif CJK JP" panose="02020400000000000000" charset="-122"/>
               </a:rPr>
               <a:t>Insertion of Element</a:t>
             </a:r>
@@ -6056,6 +6071,14 @@
         <p:txBody>
           <a:bodyPr/>
           <a:p>
+            <a:r>
+              <a:rPr lang="en-US" altLang="en-US" sz="2800">
+                <a:latin typeface="Noto Serif CJK JP" panose="02020400000000000000" charset="-122"/>
+                <a:ea typeface="Noto Serif CJK JP" panose="02020400000000000000" charset="-122"/>
+                <a:sym typeface="+mn-ea"/>
+              </a:rPr>
+              <a:t>Linked List:</a:t>
+            </a:r>
             <a:r>
               <a:rPr lang="en-US" altLang="en-US" sz="2800">
                 <a:latin typeface="Noto Serif CJK JP" panose="02020400000000000000" charset="-122"/>

--- a/Objected Oriented Programming Concepts Using C++ & Data Structures/Data Structures.pptx
+++ b/Objected Oriented Programming Concepts Using C++ & Data Structures/Data Structures.pptx
@@ -5,10 +5,10 @@
     <p:sldMasterId id="2147483648" r:id="rId1"/>
   </p:sldMasterIdLst>
   <p:notesMasterIdLst>
-    <p:notesMasterId r:id="rId25"/>
+    <p:notesMasterId r:id="rId27"/>
   </p:notesMasterIdLst>
   <p:handoutMasterIdLst>
-    <p:handoutMasterId r:id="rId26"/>
+    <p:handoutMasterId r:id="rId28"/>
   </p:handoutMasterIdLst>
   <p:sldIdLst>
     <p:sldId id="257" r:id="rId3"/>
@@ -20,19 +20,21 @@
     <p:sldId id="273" r:id="rId9"/>
     <p:sldId id="267" r:id="rId10"/>
     <p:sldId id="260" r:id="rId11"/>
-    <p:sldId id="264" r:id="rId12"/>
-    <p:sldId id="265" r:id="rId13"/>
-    <p:sldId id="263" r:id="rId14"/>
-    <p:sldId id="268" r:id="rId15"/>
-    <p:sldId id="270" r:id="rId16"/>
-    <p:sldId id="281" r:id="rId17"/>
-    <p:sldId id="287" r:id="rId18"/>
-    <p:sldId id="282" r:id="rId19"/>
-    <p:sldId id="283" r:id="rId20"/>
-    <p:sldId id="284" r:id="rId21"/>
-    <p:sldId id="288" r:id="rId22"/>
-    <p:sldId id="285" r:id="rId23"/>
-    <p:sldId id="286" r:id="rId24"/>
+    <p:sldId id="263" r:id="rId12"/>
+    <p:sldId id="268" r:id="rId13"/>
+    <p:sldId id="270" r:id="rId14"/>
+    <p:sldId id="294" r:id="rId15"/>
+    <p:sldId id="297" r:id="rId16"/>
+    <p:sldId id="298" r:id="rId17"/>
+    <p:sldId id="295" r:id="rId18"/>
+    <p:sldId id="281" r:id="rId19"/>
+    <p:sldId id="287" r:id="rId20"/>
+    <p:sldId id="282" r:id="rId21"/>
+    <p:sldId id="283" r:id="rId22"/>
+    <p:sldId id="284" r:id="rId23"/>
+    <p:sldId id="288" r:id="rId24"/>
+    <p:sldId id="285" r:id="rId25"/>
+    <p:sldId id="286" r:id="rId26"/>
   </p:sldIdLst>
   <p:sldSz cx="9144000" cy="6858000" type="screen4x3"/>
   <p:notesSz cx="6858000" cy="9144000"/>
@@ -5003,7 +5005,7 @@
         </p:nvSpPr>
         <p:spPr>
           <a:xfrm>
-            <a:off x="685800" y="2482850"/>
+            <a:off x="685800" y="1682115"/>
             <a:ext cx="7772400" cy="1143000"/>
           </a:xfrm>
         </p:spPr>
@@ -5018,7 +5020,213 @@
               </a:rPr>
               <a:t>Data Structures</a:t>
             </a:r>
+            <a:br>
+              <a:rPr lang="en-US" altLang="en-IN" sz="4800" dirty="0">
+                <a:latin typeface="Noto Serif CJK JP" panose="02020400000000000000" charset="-122"/>
+                <a:ea typeface="Noto Serif CJK JP" panose="02020400000000000000" charset="-122"/>
+              </a:rPr>
+            </a:br>
             <a:endParaRPr lang="en-US" altLang="en-IN" sz="4800" dirty="0">
+              <a:latin typeface="Noto Serif CJK JP" panose="02020400000000000000" charset="-122"/>
+              <a:ea typeface="Noto Serif CJK JP" panose="02020400000000000000" charset="-122"/>
+            </a:endParaRPr>
+          </a:p>
+        </p:txBody>
+      </p:sp>
+      <p:sp>
+        <p:nvSpPr>
+          <p:cNvPr id="3" name="Text Box 2"/>
+          <p:cNvSpPr txBox="1"/>
+          <p:nvPr/>
+        </p:nvSpPr>
+        <p:spPr>
+          <a:xfrm>
+            <a:off x="567055" y="3367405"/>
+            <a:ext cx="4859020" cy="3080385"/>
+          </a:xfrm>
+          <a:prstGeom prst="rect">
+            <a:avLst/>
+          </a:prstGeom>
+          <a:noFill/>
+        </p:spPr>
+        <p:txBody>
+          <a:bodyPr wrap="square" rtlCol="0">
+            <a:spAutoFit/>
+          </a:bodyPr>
+          <a:p>
+            <a:pPr>
+              <a:lnSpc>
+                <a:spcPct val="120000"/>
+              </a:lnSpc>
+            </a:pPr>
+            <a:r>
+              <a:rPr lang="" altLang="en-US" b="1">
+                <a:latin typeface="Noto Serif CJK JP" panose="02020400000000000000" charset="-122"/>
+                <a:ea typeface="Noto Serif CJK JP" panose="02020400000000000000" charset="-122"/>
+              </a:rPr>
+              <a:t>Topics Covered :</a:t>
+            </a:r>
+            <a:endParaRPr lang="" altLang="en-US">
+              <a:latin typeface="Noto Serif CJK JP" panose="02020400000000000000" charset="-122"/>
+              <a:ea typeface="Noto Serif CJK JP" panose="02020400000000000000" charset="-122"/>
+            </a:endParaRPr>
+          </a:p>
+          <a:p>
+            <a:pPr marL="800100" lvl="1" indent="-342900">
+              <a:lnSpc>
+                <a:spcPct val="120000"/>
+              </a:lnSpc>
+              <a:buFont typeface="Arial" panose="02080604020202020204" pitchFamily="34" charset="0"/>
+              <a:buAutoNum type="arabicPeriod"/>
+            </a:pPr>
+            <a:r>
+              <a:rPr lang="" altLang="en-US">
+                <a:latin typeface="Noto Serif CJK JP" panose="02020400000000000000" charset="-122"/>
+                <a:ea typeface="Noto Serif CJK JP" panose="02020400000000000000" charset="-122"/>
+              </a:rPr>
+              <a:t>Overview &amp; Why</a:t>
+            </a:r>
+            <a:endParaRPr lang="" altLang="en-US">
+              <a:latin typeface="Noto Serif CJK JP" panose="02020400000000000000" charset="-122"/>
+              <a:ea typeface="Noto Serif CJK JP" panose="02020400000000000000" charset="-122"/>
+            </a:endParaRPr>
+          </a:p>
+          <a:p>
+            <a:pPr marL="800100" lvl="1" indent="-342900">
+              <a:lnSpc>
+                <a:spcPct val="120000"/>
+              </a:lnSpc>
+              <a:buFont typeface="Arial" panose="02080604020202020204" pitchFamily="34" charset="0"/>
+              <a:buAutoNum type="arabicPeriod"/>
+            </a:pPr>
+            <a:r>
+              <a:rPr lang="" altLang="en-US">
+                <a:latin typeface="Noto Serif CJK JP" panose="02020400000000000000" charset="-122"/>
+                <a:ea typeface="Noto Serif CJK JP" panose="02020400000000000000" charset="-122"/>
+              </a:rPr>
+              <a:t>Classification of Data structures</a:t>
+            </a:r>
+            <a:endParaRPr lang="" altLang="en-US">
+              <a:latin typeface="Noto Serif CJK JP" panose="02020400000000000000" charset="-122"/>
+              <a:ea typeface="Noto Serif CJK JP" panose="02020400000000000000" charset="-122"/>
+            </a:endParaRPr>
+          </a:p>
+          <a:p>
+            <a:pPr marL="800100" lvl="1" indent="-342900">
+              <a:lnSpc>
+                <a:spcPct val="120000"/>
+              </a:lnSpc>
+              <a:buFont typeface="Arial" panose="02080604020202020204" pitchFamily="34" charset="0"/>
+              <a:buAutoNum type="arabicPeriod"/>
+            </a:pPr>
+            <a:r>
+              <a:rPr lang="" altLang="en-US">
+                <a:latin typeface="Noto Serif CJK JP" panose="02020400000000000000" charset="-122"/>
+                <a:ea typeface="Noto Serif CJK JP" panose="02020400000000000000" charset="-122"/>
+              </a:rPr>
+              <a:t>Array &amp; Operations</a:t>
+            </a:r>
+            <a:endParaRPr lang="" altLang="en-US">
+              <a:latin typeface="Noto Serif CJK JP" panose="02020400000000000000" charset="-122"/>
+              <a:ea typeface="Noto Serif CJK JP" panose="02020400000000000000" charset="-122"/>
+            </a:endParaRPr>
+          </a:p>
+          <a:p>
+            <a:pPr marL="800100" lvl="1" indent="-342900">
+              <a:lnSpc>
+                <a:spcPct val="120000"/>
+              </a:lnSpc>
+              <a:buFont typeface="Arial" panose="02080604020202020204" pitchFamily="34" charset="0"/>
+              <a:buAutoNum type="arabicPeriod"/>
+            </a:pPr>
+            <a:r>
+              <a:rPr lang="" altLang="en-US">
+                <a:latin typeface="Noto Serif CJK JP" panose="02020400000000000000" charset="-122"/>
+                <a:ea typeface="Noto Serif CJK JP" panose="02020400000000000000" charset="-122"/>
+              </a:rPr>
+              <a:t>Linked List &amp; Opertions</a:t>
+            </a:r>
+            <a:endParaRPr lang="" altLang="en-US">
+              <a:latin typeface="Noto Serif CJK JP" panose="02020400000000000000" charset="-122"/>
+              <a:ea typeface="Noto Serif CJK JP" panose="02020400000000000000" charset="-122"/>
+            </a:endParaRPr>
+          </a:p>
+          <a:p>
+            <a:pPr marL="800100" lvl="1" indent="-342900">
+              <a:lnSpc>
+                <a:spcPct val="120000"/>
+              </a:lnSpc>
+              <a:buFont typeface="Arial" panose="02080604020202020204" pitchFamily="34" charset="0"/>
+              <a:buAutoNum type="arabicPeriod"/>
+            </a:pPr>
+            <a:r>
+              <a:rPr lang="" altLang="en-US">
+                <a:latin typeface="Noto Serif CJK JP" panose="02020400000000000000" charset="-122"/>
+                <a:ea typeface="Noto Serif CJK JP" panose="02020400000000000000" charset="-122"/>
+              </a:rPr>
+              <a:t>Doubly Linked List &amp; Operations</a:t>
+            </a:r>
+            <a:endParaRPr lang="" altLang="en-US">
+              <a:latin typeface="Noto Serif CJK JP" panose="02020400000000000000" charset="-122"/>
+              <a:ea typeface="Noto Serif CJK JP" panose="02020400000000000000" charset="-122"/>
+            </a:endParaRPr>
+          </a:p>
+          <a:p>
+            <a:pPr marL="800100" lvl="1" indent="-342900">
+              <a:lnSpc>
+                <a:spcPct val="120000"/>
+              </a:lnSpc>
+              <a:buFont typeface="Arial" panose="02080604020202020204" pitchFamily="34" charset="0"/>
+              <a:buAutoNum type="arabicPeriod"/>
+            </a:pPr>
+            <a:r>
+              <a:rPr lang="" altLang="en-US">
+                <a:latin typeface="Noto Serif CJK JP" panose="02020400000000000000" charset="-122"/>
+                <a:ea typeface="Noto Serif CJK JP" panose="02020400000000000000" charset="-122"/>
+              </a:rPr>
+              <a:t>Circular Linked List</a:t>
+            </a:r>
+            <a:endParaRPr lang="" altLang="en-US">
+              <a:latin typeface="Noto Serif CJK JP" panose="02020400000000000000" charset="-122"/>
+              <a:ea typeface="Noto Serif CJK JP" panose="02020400000000000000" charset="-122"/>
+            </a:endParaRPr>
+          </a:p>
+          <a:p>
+            <a:pPr marL="800100" lvl="1" indent="-342900">
+              <a:lnSpc>
+                <a:spcPct val="120000"/>
+              </a:lnSpc>
+              <a:buFont typeface="Arial" panose="02080604020202020204" pitchFamily="34" charset="0"/>
+              <a:buAutoNum type="arabicPeriod"/>
+            </a:pPr>
+            <a:r>
+              <a:rPr lang="" altLang="en-US">
+                <a:latin typeface="Noto Serif CJK JP" panose="02020400000000000000" charset="-122"/>
+                <a:ea typeface="Noto Serif CJK JP" panose="02020400000000000000" charset="-122"/>
+              </a:rPr>
+              <a:t>Stack &amp; Implementation</a:t>
+            </a:r>
+            <a:endParaRPr lang="" altLang="en-US">
+              <a:latin typeface="Noto Serif CJK JP" panose="02020400000000000000" charset="-122"/>
+              <a:ea typeface="Noto Serif CJK JP" panose="02020400000000000000" charset="-122"/>
+            </a:endParaRPr>
+          </a:p>
+          <a:p>
+            <a:pPr marL="800100" lvl="1" indent="-342900">
+              <a:lnSpc>
+                <a:spcPct val="120000"/>
+              </a:lnSpc>
+              <a:buFont typeface="Arial" panose="02080604020202020204" pitchFamily="34" charset="0"/>
+              <a:buAutoNum type="arabicPeriod"/>
+            </a:pPr>
+            <a:r>
+              <a:rPr lang="" altLang="en-US">
+                <a:latin typeface="Noto Serif CJK JP" panose="02020400000000000000" charset="-122"/>
+                <a:ea typeface="Noto Serif CJK JP" panose="02020400000000000000" charset="-122"/>
+              </a:rPr>
+              <a:t>Queue &amp; Implementation</a:t>
+            </a:r>
+            <a:endParaRPr lang="" altLang="en-US">
               <a:latin typeface="Noto Serif CJK JP" panose="02020400000000000000" charset="-122"/>
               <a:ea typeface="Noto Serif CJK JP" panose="02020400000000000000" charset="-122"/>
             </a:endParaRPr>
@@ -5063,6 +5271,253 @@
         <p:spPr>
           <a:xfrm>
             <a:off x="685800" y="306705"/>
+            <a:ext cx="7772400" cy="688975"/>
+          </a:xfrm>
+        </p:spPr>
+        <p:txBody>
+          <a:bodyPr/>
+          <a:p>
+            <a:r>
+              <a:rPr lang="en-US" altLang="en-US" sz="2800">
+                <a:latin typeface="Noto Serif CJK JP" panose="02020400000000000000" charset="-122"/>
+                <a:ea typeface="Noto Serif CJK JP" panose="02020400000000000000" charset="-122"/>
+              </a:rPr>
+              <a:t>Linked List: Accessing Element</a:t>
+            </a:r>
+            <a:endParaRPr lang="en-US" altLang="en-US" sz="2800">
+              <a:latin typeface="Noto Serif CJK JP" panose="02020400000000000000" charset="-122"/>
+              <a:ea typeface="Noto Serif CJK JP" panose="02020400000000000000" charset="-122"/>
+            </a:endParaRPr>
+          </a:p>
+        </p:txBody>
+      </p:sp>
+      <p:pic>
+        <p:nvPicPr>
+          <p:cNvPr id="4" name="Content Placeholder 3" descr="LinkedListTraversal"/>
+          <p:cNvPicPr>
+            <a:picLocks noChangeAspect="1"/>
+          </p:cNvPicPr>
+          <p:nvPr>
+            <p:ph idx="1"/>
+          </p:nvPr>
+        </p:nvPicPr>
+        <p:blipFill>
+          <a:blip r:embed="rId1"/>
+          <a:stretch>
+            <a:fillRect/>
+          </a:stretch>
+        </p:blipFill>
+        <p:spPr>
+          <a:xfrm>
+            <a:off x="685800" y="1582420"/>
+            <a:ext cx="7772400" cy="4703445"/>
+          </a:xfrm>
+          <a:prstGeom prst="rect">
+            <a:avLst/>
+          </a:prstGeom>
+        </p:spPr>
+      </p:pic>
+    </p:spTree>
+  </p:cSld>
+  <p:clrMapOvr>
+    <a:masterClrMapping/>
+  </p:clrMapOvr>
+</p:sld>
+</file>
+
+<file path=ppt/slides/slide11.xml><?xml version="1.0" encoding="utf-8"?>
+<p:sld xmlns:a="http://schemas.openxmlformats.org/drawingml/2006/main" xmlns:r="http://schemas.openxmlformats.org/officeDocument/2006/relationships" xmlns:p="http://schemas.openxmlformats.org/presentationml/2006/main">
+  <p:cSld>
+    <p:spTree>
+      <p:nvGrpSpPr>
+        <p:cNvPr id="1" name=""/>
+        <p:cNvGrpSpPr/>
+        <p:nvPr/>
+      </p:nvGrpSpPr>
+      <p:grpSpPr/>
+      <p:sp>
+        <p:nvSpPr>
+          <p:cNvPr id="2" name="Title 1"/>
+          <p:cNvSpPr>
+            <a:spLocks noGrp="1"/>
+          </p:cNvSpPr>
+          <p:nvPr>
+            <p:ph type="title"/>
+          </p:nvPr>
+        </p:nvSpPr>
+        <p:spPr>
+          <a:xfrm>
+            <a:off x="685800" y="306705"/>
+            <a:ext cx="7772400" cy="688975"/>
+          </a:xfrm>
+        </p:spPr>
+        <p:txBody>
+          <a:bodyPr/>
+          <a:p>
+            <a:r>
+              <a:rPr lang="en-US" altLang="en-US" sz="2800">
+                <a:latin typeface="Noto Serif CJK JP" panose="02020400000000000000" charset="-122"/>
+                <a:ea typeface="Noto Serif CJK JP" panose="02020400000000000000" charset="-122"/>
+                <a:sym typeface="+mn-ea"/>
+              </a:rPr>
+              <a:t>Linked List:</a:t>
+            </a:r>
+            <a:r>
+              <a:rPr lang="en-US" altLang="en-US" sz="2800">
+                <a:latin typeface="Noto Serif CJK JP" panose="02020400000000000000" charset="-122"/>
+                <a:ea typeface="Noto Serif CJK JP" panose="02020400000000000000" charset="-122"/>
+              </a:rPr>
+              <a:t>Insertion of Element</a:t>
+            </a:r>
+            <a:endParaRPr lang="en-US" altLang="en-US" sz="2800">
+              <a:latin typeface="Noto Serif CJK JP" panose="02020400000000000000" charset="-122"/>
+              <a:ea typeface="Noto Serif CJK JP" panose="02020400000000000000" charset="-122"/>
+            </a:endParaRPr>
+          </a:p>
+        </p:txBody>
+      </p:sp>
+      <p:pic>
+        <p:nvPicPr>
+          <p:cNvPr id="4" name="Content Placeholder 3" descr="linkedListInsertiion"/>
+          <p:cNvPicPr>
+            <a:picLocks noChangeAspect="1"/>
+          </p:cNvPicPr>
+          <p:nvPr>
+            <p:ph idx="1"/>
+          </p:nvPr>
+        </p:nvPicPr>
+        <p:blipFill>
+          <a:blip r:embed="rId1"/>
+          <a:stretch>
+            <a:fillRect/>
+          </a:stretch>
+        </p:blipFill>
+        <p:spPr>
+          <a:xfrm>
+            <a:off x="1033145" y="1514475"/>
+            <a:ext cx="7077075" cy="4838700"/>
+          </a:xfrm>
+          <a:prstGeom prst="rect">
+            <a:avLst/>
+          </a:prstGeom>
+        </p:spPr>
+      </p:pic>
+    </p:spTree>
+  </p:cSld>
+  <p:clrMapOvr>
+    <a:masterClrMapping/>
+  </p:clrMapOvr>
+</p:sld>
+</file>
+
+<file path=ppt/slides/slide12.xml><?xml version="1.0" encoding="utf-8"?>
+<p:sld xmlns:a="http://schemas.openxmlformats.org/drawingml/2006/main" xmlns:r="http://schemas.openxmlformats.org/officeDocument/2006/relationships" xmlns:p="http://schemas.openxmlformats.org/presentationml/2006/main">
+  <p:cSld>
+    <p:spTree>
+      <p:nvGrpSpPr>
+        <p:cNvPr id="1" name=""/>
+        <p:cNvGrpSpPr/>
+        <p:nvPr/>
+      </p:nvGrpSpPr>
+      <p:grpSpPr/>
+      <p:sp>
+        <p:nvSpPr>
+          <p:cNvPr id="2" name="Title 1"/>
+          <p:cNvSpPr>
+            <a:spLocks noGrp="1"/>
+          </p:cNvSpPr>
+          <p:nvPr>
+            <p:ph type="title"/>
+          </p:nvPr>
+        </p:nvSpPr>
+        <p:spPr>
+          <a:xfrm>
+            <a:off x="685800" y="306705"/>
+            <a:ext cx="7772400" cy="688975"/>
+          </a:xfrm>
+        </p:spPr>
+        <p:txBody>
+          <a:bodyPr/>
+          <a:p>
+            <a:r>
+              <a:rPr lang="en-US" altLang="en-US" sz="2800">
+                <a:latin typeface="Noto Serif CJK JP" panose="02020400000000000000" charset="-122"/>
+                <a:ea typeface="Noto Serif CJK JP" panose="02020400000000000000" charset="-122"/>
+                <a:sym typeface="+mn-ea"/>
+              </a:rPr>
+              <a:t>Linked List:</a:t>
+            </a:r>
+            <a:r>
+              <a:rPr lang="en-US" altLang="en-US" sz="2800">
+                <a:latin typeface="Noto Serif CJK JP" panose="02020400000000000000" charset="-122"/>
+                <a:ea typeface="Noto Serif CJK JP" panose="02020400000000000000" charset="-122"/>
+              </a:rPr>
+              <a:t>Deletion of Element</a:t>
+            </a:r>
+            <a:endParaRPr lang="en-US" altLang="en-US" sz="2800">
+              <a:latin typeface="Noto Serif CJK JP" panose="02020400000000000000" charset="-122"/>
+              <a:ea typeface="Noto Serif CJK JP" panose="02020400000000000000" charset="-122"/>
+            </a:endParaRPr>
+          </a:p>
+        </p:txBody>
+      </p:sp>
+      <p:pic>
+        <p:nvPicPr>
+          <p:cNvPr id="4" name="Content Placeholder 3" descr="LinkedListDeletion"/>
+          <p:cNvPicPr>
+            <a:picLocks noChangeAspect="1"/>
+          </p:cNvPicPr>
+          <p:nvPr>
+            <p:ph idx="1"/>
+          </p:nvPr>
+        </p:nvPicPr>
+        <p:blipFill>
+          <a:blip r:embed="rId1"/>
+          <a:stretch>
+            <a:fillRect/>
+          </a:stretch>
+        </p:blipFill>
+        <p:spPr>
+          <a:xfrm>
+            <a:off x="742315" y="1666875"/>
+            <a:ext cx="7658100" cy="4533900"/>
+          </a:xfrm>
+          <a:prstGeom prst="rect">
+            <a:avLst/>
+          </a:prstGeom>
+        </p:spPr>
+      </p:pic>
+    </p:spTree>
+  </p:cSld>
+  <p:clrMapOvr>
+    <a:masterClrMapping/>
+  </p:clrMapOvr>
+</p:sld>
+</file>
+
+<file path=ppt/slides/slide13.xml><?xml version="1.0" encoding="utf-8"?>
+<p:sld xmlns:a="http://schemas.openxmlformats.org/drawingml/2006/main" xmlns:r="http://schemas.openxmlformats.org/officeDocument/2006/relationships" xmlns:p="http://schemas.openxmlformats.org/presentationml/2006/main">
+  <p:cSld>
+    <p:spTree>
+      <p:nvGrpSpPr>
+        <p:cNvPr id="1" name=""/>
+        <p:cNvGrpSpPr/>
+        <p:nvPr/>
+      </p:nvGrpSpPr>
+      <p:grpSpPr/>
+      <p:sp>
+        <p:nvSpPr>
+          <p:cNvPr id="2" name="Title 1"/>
+          <p:cNvSpPr>
+            <a:spLocks noGrp="1"/>
+          </p:cNvSpPr>
+          <p:nvPr>
+            <p:ph type="title"/>
+          </p:nvPr>
+        </p:nvSpPr>
+        <p:spPr>
+          <a:xfrm>
+            <a:off x="685800" y="306705"/>
             <a:ext cx="7772400" cy="1143000"/>
           </a:xfrm>
         </p:spPr>
@@ -5188,6 +5643,38 @@
               <a:t>Or Reference) to the  previous node</a:t>
             </a:r>
             <a:endParaRPr lang="en-US" altLang="en-US" sz="1800">
+              <a:latin typeface="Noto Serif CJK JP" panose="02020400000000000000" charset="-122"/>
+              <a:ea typeface="Noto Serif CJK JP" panose="02020400000000000000" charset="-122"/>
+              <a:sym typeface="+mn-ea"/>
+            </a:endParaRPr>
+          </a:p>
+          <a:p>
+            <a:pPr lvl="1"/>
+            <a:r>
+              <a:rPr lang="en-US" altLang="en-US" sz="2100">
+                <a:latin typeface="Noto Serif CJK JP" panose="02020400000000000000" charset="-122"/>
+                <a:ea typeface="Noto Serif CJK JP" panose="02020400000000000000" charset="-122"/>
+                <a:sym typeface="+mn-ea"/>
+              </a:rPr>
+              <a:t>Tracking Element : Head/First</a:t>
+            </a:r>
+            <a:r>
+              <a:rPr lang="en-US" altLang="en-US" sz="2100">
+                <a:latin typeface="Noto Serif CJK JP" panose="02020400000000000000" charset="-122"/>
+                <a:ea typeface="Noto Serif CJK JP" panose="02020400000000000000" charset="-122"/>
+                <a:sym typeface="+mn-ea"/>
+              </a:rPr>
+              <a:t> </a:t>
+            </a:r>
+            <a:r>
+              <a:rPr lang="" altLang="en-US" sz="2100">
+                <a:latin typeface="Noto Serif CJK JP" panose="02020400000000000000" charset="-122"/>
+                <a:ea typeface="Noto Serif CJK JP" panose="02020400000000000000" charset="-122"/>
+                <a:sym typeface="+mn-ea"/>
+              </a:rPr>
+              <a:t>and Last/Tail</a:t>
+            </a:r>
+            <a:endParaRPr lang="en-US" altLang="en-US" sz="2100">
               <a:latin typeface="Noto Serif CJK JP" panose="02020400000000000000" charset="-122"/>
               <a:ea typeface="Noto Serif CJK JP" panose="02020400000000000000" charset="-122"/>
             </a:endParaRPr>
@@ -5442,7 +5929,195 @@
 </p:sld>
 </file>
 
-<file path=ppt/slides/slide11.xml><?xml version="1.0" encoding="utf-8"?>
+<file path=ppt/slides/slide14.xml><?xml version="1.0" encoding="utf-8"?>
+<p:sld xmlns:a="http://schemas.openxmlformats.org/drawingml/2006/main" xmlns:r="http://schemas.openxmlformats.org/officeDocument/2006/relationships" xmlns:p="http://schemas.openxmlformats.org/presentationml/2006/main">
+  <p:cSld>
+    <p:spTree>
+      <p:nvGrpSpPr>
+        <p:cNvPr id="1" name=""/>
+        <p:cNvGrpSpPr/>
+        <p:nvPr/>
+      </p:nvGrpSpPr>
+      <p:grpSpPr/>
+      <p:sp>
+        <p:nvSpPr>
+          <p:cNvPr id="2" name="Title 1"/>
+          <p:cNvSpPr>
+            <a:spLocks noGrp="1"/>
+          </p:cNvSpPr>
+          <p:nvPr>
+            <p:ph type="title"/>
+          </p:nvPr>
+        </p:nvSpPr>
+        <p:spPr>
+          <a:xfrm>
+            <a:off x="685800" y="306705"/>
+            <a:ext cx="7772400" cy="688975"/>
+          </a:xfrm>
+        </p:spPr>
+        <p:txBody>
+          <a:bodyPr/>
+          <a:p>
+            <a:r>
+              <a:rPr lang="" altLang="en-US" sz="2800">
+                <a:latin typeface="Noto Serif CJK JP" panose="02020400000000000000" charset="-122"/>
+                <a:ea typeface="Noto Serif CJK JP" panose="02020400000000000000" charset="-122"/>
+                <a:sym typeface="+mn-ea"/>
+              </a:rPr>
+              <a:t>Doubly </a:t>
+            </a:r>
+            <a:r>
+              <a:rPr lang="en-US" altLang="en-US" sz="2800">
+                <a:latin typeface="Noto Serif CJK JP" panose="02020400000000000000" charset="-122"/>
+                <a:ea typeface="Noto Serif CJK JP" panose="02020400000000000000" charset="-122"/>
+                <a:sym typeface="+mn-ea"/>
+              </a:rPr>
+              <a:t>Linked List:</a:t>
+            </a:r>
+            <a:r>
+              <a:rPr lang="en-US" altLang="en-US" sz="2800">
+                <a:latin typeface="Noto Serif CJK JP" panose="02020400000000000000" charset="-122"/>
+                <a:ea typeface="Noto Serif CJK JP" panose="02020400000000000000" charset="-122"/>
+              </a:rPr>
+              <a:t>Insertion of Element</a:t>
+            </a:r>
+            <a:endParaRPr lang="en-US" altLang="en-US" sz="2800">
+              <a:latin typeface="Noto Serif CJK JP" panose="02020400000000000000" charset="-122"/>
+              <a:ea typeface="Noto Serif CJK JP" panose="02020400000000000000" charset="-122"/>
+            </a:endParaRPr>
+          </a:p>
+        </p:txBody>
+      </p:sp>
+      <p:pic>
+        <p:nvPicPr>
+          <p:cNvPr id="4" name="Content Placeholder 3" descr="/home/jishnu/Repositories/Training-Materials/Objected Oriented Programming Concepts Using C++ &amp; Data Structures/Raw Sources/DoublyLinkedListInsertion.pngDoublyLinkedListInsertion"/>
+          <p:cNvPicPr>
+            <a:picLocks noChangeAspect="1"/>
+          </p:cNvPicPr>
+          <p:nvPr>
+            <p:ph idx="1"/>
+          </p:nvPr>
+        </p:nvPicPr>
+        <p:blipFill>
+          <a:blip r:embed="rId1"/>
+          <a:srcRect/>
+          <a:stretch>
+            <a:fillRect/>
+          </a:stretch>
+        </p:blipFill>
+        <p:spPr>
+          <a:xfrm>
+            <a:off x="323850" y="1651000"/>
+            <a:ext cx="8307705" cy="4291330"/>
+          </a:xfrm>
+          <a:prstGeom prst="rect">
+            <a:avLst/>
+          </a:prstGeom>
+        </p:spPr>
+      </p:pic>
+    </p:spTree>
+  </p:cSld>
+  <p:clrMapOvr>
+    <a:masterClrMapping/>
+  </p:clrMapOvr>
+</p:sld>
+</file>
+
+<file path=ppt/slides/slide15.xml><?xml version="1.0" encoding="utf-8"?>
+<p:sld xmlns:a="http://schemas.openxmlformats.org/drawingml/2006/main" xmlns:r="http://schemas.openxmlformats.org/officeDocument/2006/relationships" xmlns:p="http://schemas.openxmlformats.org/presentationml/2006/main">
+  <p:cSld>
+    <p:spTree>
+      <p:nvGrpSpPr>
+        <p:cNvPr id="1" name=""/>
+        <p:cNvGrpSpPr/>
+        <p:nvPr/>
+      </p:nvGrpSpPr>
+      <p:grpSpPr/>
+      <p:sp>
+        <p:nvSpPr>
+          <p:cNvPr id="2" name="Title 1"/>
+          <p:cNvSpPr>
+            <a:spLocks noGrp="1"/>
+          </p:cNvSpPr>
+          <p:nvPr>
+            <p:ph type="title"/>
+          </p:nvPr>
+        </p:nvSpPr>
+        <p:spPr>
+          <a:xfrm>
+            <a:off x="685800" y="306705"/>
+            <a:ext cx="7772400" cy="688975"/>
+          </a:xfrm>
+        </p:spPr>
+        <p:txBody>
+          <a:bodyPr/>
+          <a:p>
+            <a:r>
+              <a:rPr lang="" altLang="en-US" sz="2800">
+                <a:latin typeface="Noto Serif CJK JP" panose="02020400000000000000" charset="-122"/>
+                <a:ea typeface="Noto Serif CJK JP" panose="02020400000000000000" charset="-122"/>
+                <a:sym typeface="+mn-ea"/>
+              </a:rPr>
+              <a:t>Doubly </a:t>
+            </a:r>
+            <a:r>
+              <a:rPr lang="en-US" altLang="en-US" sz="2800">
+                <a:latin typeface="Noto Serif CJK JP" panose="02020400000000000000" charset="-122"/>
+                <a:ea typeface="Noto Serif CJK JP" panose="02020400000000000000" charset="-122"/>
+                <a:sym typeface="+mn-ea"/>
+              </a:rPr>
+              <a:t>Linked List:</a:t>
+            </a:r>
+            <a:r>
+              <a:rPr lang="en-US" altLang="en-US" sz="2800">
+                <a:latin typeface="Noto Serif CJK JP" panose="02020400000000000000" charset="-122"/>
+                <a:ea typeface="Noto Serif CJK JP" panose="02020400000000000000" charset="-122"/>
+              </a:rPr>
+              <a:t>Deletion of Element</a:t>
+            </a:r>
+            <a:endParaRPr lang="en-US" altLang="en-US" sz="2800">
+              <a:latin typeface="Noto Serif CJK JP" panose="02020400000000000000" charset="-122"/>
+              <a:ea typeface="Noto Serif CJK JP" panose="02020400000000000000" charset="-122"/>
+            </a:endParaRPr>
+          </a:p>
+        </p:txBody>
+      </p:sp>
+      <p:pic>
+        <p:nvPicPr>
+          <p:cNvPr id="4" name="Content Placeholder 3" descr="/home/jishnu/Repositories/Training-Materials/Objected Oriented Programming Concepts Using C++ &amp; Data Structures/Raw Sources/DoublyLinkedListDeletion.pngDoublyLinkedListDeletion"/>
+          <p:cNvPicPr>
+            <a:picLocks noChangeAspect="1"/>
+          </p:cNvPicPr>
+          <p:nvPr>
+            <p:ph idx="1"/>
+          </p:nvPr>
+        </p:nvPicPr>
+        <p:blipFill>
+          <a:blip r:embed="rId1"/>
+          <a:srcRect/>
+          <a:stretch>
+            <a:fillRect/>
+          </a:stretch>
+        </p:blipFill>
+        <p:spPr>
+          <a:xfrm>
+            <a:off x="434975" y="1791335"/>
+            <a:ext cx="8274050" cy="3820160"/>
+          </a:xfrm>
+          <a:prstGeom prst="rect">
+            <a:avLst/>
+          </a:prstGeom>
+        </p:spPr>
+      </p:pic>
+    </p:spTree>
+  </p:cSld>
+  <p:clrMapOvr>
+    <a:masterClrMapping/>
+  </p:clrMapOvr>
+</p:sld>
+</file>
+
+<file path=ppt/slides/slide16.xml><?xml version="1.0" encoding="utf-8"?>
 <p:sld xmlns:a="http://schemas.openxmlformats.org/drawingml/2006/main" xmlns:r="http://schemas.openxmlformats.org/officeDocument/2006/relationships" xmlns:p="http://schemas.openxmlformats.org/presentationml/2006/main">
   <p:cSld>
     <p:spTree>
@@ -5873,7 +6548,7 @@
 </p:sld>
 </file>
 
-<file path=ppt/slides/slide12.xml><?xml version="1.0" encoding="utf-8"?>
+<file path=ppt/slides/slide17.xml><?xml version="1.0" encoding="utf-8"?>
 <p:sld xmlns:a="http://schemas.openxmlformats.org/drawingml/2006/main" xmlns:r="http://schemas.openxmlformats.org/officeDocument/2006/relationships" xmlns:p="http://schemas.openxmlformats.org/presentationml/2006/main">
   <p:cSld>
     <p:spTree>
@@ -5895,26 +6570,19 @@
         </p:nvSpPr>
         <p:spPr>
           <a:xfrm>
-            <a:off x="685800" y="306705"/>
-            <a:ext cx="7772400" cy="688975"/>
+            <a:off x="685800" y="203835"/>
+            <a:ext cx="7772400" cy="652145"/>
           </a:xfrm>
         </p:spPr>
         <p:txBody>
           <a:bodyPr/>
           <a:p>
             <a:r>
-              <a:rPr lang="" altLang="en-US" sz="2800">
-                <a:latin typeface="Noto Serif CJK JP" panose="02020400000000000000" charset="-122"/>
-                <a:ea typeface="Noto Serif CJK JP" panose="02020400000000000000" charset="-122"/>
-              </a:rPr>
-              <a:t>Linked List: </a:t>
-            </a:r>
-            <a:r>
               <a:rPr lang="en-US" altLang="en-US" sz="2800">
                 <a:latin typeface="Noto Serif CJK JP" panose="02020400000000000000" charset="-122"/>
                 <a:ea typeface="Noto Serif CJK JP" panose="02020400000000000000" charset="-122"/>
               </a:rPr>
-              <a:t>Accessing Element</a:t>
+              <a:t>Stack </a:t>
             </a:r>
             <a:endParaRPr lang="en-US" altLang="en-US" sz="2800">
               <a:latin typeface="Noto Serif CJK JP" panose="02020400000000000000" charset="-122"/>
@@ -5935,14 +6603,223 @@
         </p:nvSpPr>
         <p:spPr>
           <a:xfrm>
-            <a:off x="685800" y="1449705"/>
-            <a:ext cx="7772400" cy="4969510"/>
+            <a:off x="685800" y="1036955"/>
+            <a:ext cx="7772400" cy="5382260"/>
           </a:xfrm>
         </p:spPr>
         <p:txBody>
           <a:bodyPr/>
           <a:p>
+            <a:pPr>
+              <a:lnSpc>
+                <a:spcPct val="120000"/>
+              </a:lnSpc>
+            </a:pPr>
+            <a:r>
+              <a:rPr lang="en-US" altLang="en-US" sz="2400">
+                <a:latin typeface="Noto Serif CJK JP" panose="02020400000000000000" charset="-122"/>
+                <a:ea typeface="Noto Serif CJK JP" panose="02020400000000000000" charset="-122"/>
+              </a:rPr>
+              <a:t>L</a:t>
+            </a:r>
+            <a:r>
+              <a:rPr lang="en-US" sz="2400">
+                <a:latin typeface="Noto Serif CJK JP" panose="02020400000000000000" charset="-122"/>
+                <a:ea typeface="Noto Serif CJK JP" panose="02020400000000000000" charset="-122"/>
+              </a:rPr>
+              <a:t>inear data structure</a:t>
+            </a:r>
+            <a:endParaRPr lang="en-US" sz="2400">
+              <a:latin typeface="Noto Serif CJK JP" panose="02020400000000000000" charset="-122"/>
+              <a:ea typeface="Noto Serif CJK JP" panose="02020400000000000000" charset="-122"/>
+            </a:endParaRPr>
+          </a:p>
+          <a:p>
+            <a:pPr>
+              <a:lnSpc>
+                <a:spcPct val="120000"/>
+              </a:lnSpc>
+            </a:pPr>
+            <a:r>
+              <a:rPr lang="en-US" altLang="en-US" sz="2400">
+                <a:latin typeface="Noto Serif CJK JP" panose="02020400000000000000" charset="-122"/>
+                <a:ea typeface="Noto Serif CJK JP" panose="02020400000000000000" charset="-122"/>
+              </a:rPr>
+              <a:t>N</a:t>
+            </a:r>
+            <a:r>
+              <a:rPr lang="en-US" sz="2400">
+                <a:latin typeface="Noto Serif CJK JP" panose="02020400000000000000" charset="-122"/>
+                <a:ea typeface="Noto Serif CJK JP" panose="02020400000000000000" charset="-122"/>
+              </a:rPr>
+              <a:t>ew element is added at one end and (top) an element is removed from that end only.</a:t>
+            </a:r>
+            <a:endParaRPr lang="en-US" sz="2400">
+              <a:latin typeface="Noto Serif CJK JP" panose="02020400000000000000" charset="-122"/>
+              <a:ea typeface="Noto Serif CJK JP" panose="02020400000000000000" charset="-122"/>
+            </a:endParaRPr>
+          </a:p>
+          <a:p>
+            <a:pPr>
+              <a:lnSpc>
+                <a:spcPct val="120000"/>
+              </a:lnSpc>
+            </a:pPr>
+            <a:r>
+              <a:rPr lang="en-US" sz="2400">
+                <a:latin typeface="Noto Serif CJK JP" panose="02020400000000000000" charset="-122"/>
+                <a:ea typeface="Noto Serif CJK JP" panose="02020400000000000000" charset="-122"/>
+              </a:rPr>
+              <a:t>LIFO(Last In First Out) or FILO(First In Last Out).</a:t>
+            </a:r>
+            <a:endParaRPr lang="en-US" sz="2400">
+              <a:latin typeface="Noto Serif CJK JP" panose="02020400000000000000" charset="-122"/>
+              <a:ea typeface="Noto Serif CJK JP" panose="02020400000000000000" charset="-122"/>
+            </a:endParaRPr>
+          </a:p>
+          <a:p>
+            <a:pPr>
+              <a:lnSpc>
+                <a:spcPct val="120000"/>
+              </a:lnSpc>
+            </a:pPr>
+            <a:r>
+              <a:rPr lang="en-US" altLang="en-US" sz="2400">
+                <a:latin typeface="Noto Serif CJK JP" panose="02020400000000000000" charset="-122"/>
+                <a:ea typeface="Noto Serif CJK JP" panose="02020400000000000000" charset="-122"/>
+              </a:rPr>
+              <a:t>Example : plates stacked over one another </a:t>
+            </a:r>
             <a:endParaRPr lang="en-US" altLang="en-US" sz="2400">
+              <a:latin typeface="Noto Serif CJK JP" panose="02020400000000000000" charset="-122"/>
+              <a:ea typeface="Noto Serif CJK JP" panose="02020400000000000000" charset="-122"/>
+            </a:endParaRPr>
+          </a:p>
+          <a:p>
+            <a:pPr>
+              <a:lnSpc>
+                <a:spcPct val="120000"/>
+              </a:lnSpc>
+            </a:pPr>
+            <a:r>
+              <a:rPr lang="en-US" altLang="en-US" sz="2400">
+                <a:latin typeface="Noto Serif CJK JP" panose="02020400000000000000" charset="-122"/>
+                <a:ea typeface="Noto Serif CJK JP" panose="02020400000000000000" charset="-122"/>
+              </a:rPr>
+              <a:t>Can be Implemented using Array or Linked List</a:t>
+            </a:r>
+            <a:endParaRPr lang="en-US" altLang="en-US" sz="2400">
+              <a:latin typeface="Noto Serif CJK JP" panose="02020400000000000000" charset="-122"/>
+              <a:ea typeface="Noto Serif CJK JP" panose="02020400000000000000" charset="-122"/>
+            </a:endParaRPr>
+          </a:p>
+          <a:p>
+            <a:pPr>
+              <a:lnSpc>
+                <a:spcPct val="120000"/>
+              </a:lnSpc>
+            </a:pPr>
+            <a:r>
+              <a:rPr lang="en-US" altLang="en-US" sz="2400">
+                <a:latin typeface="Noto Serif CJK JP" panose="02020400000000000000" charset="-122"/>
+                <a:ea typeface="Noto Serif CJK JP" panose="02020400000000000000" charset="-122"/>
+                <a:sym typeface="+mn-ea"/>
+              </a:rPr>
+              <a:t>Tracking Element : </a:t>
+            </a:r>
+            <a:r>
+              <a:rPr lang="" altLang="en-US" sz="2400">
+                <a:latin typeface="Noto Serif CJK JP" panose="02020400000000000000" charset="-122"/>
+                <a:ea typeface="Noto Serif CJK JP" panose="02020400000000000000" charset="-122"/>
+                <a:sym typeface="+mn-ea"/>
+              </a:rPr>
+              <a:t>Top</a:t>
+            </a:r>
+            <a:endParaRPr lang="en-US" altLang="en-US" sz="2400">
+              <a:latin typeface="Noto Serif CJK JP" panose="02020400000000000000" charset="-122"/>
+              <a:ea typeface="Noto Serif CJK JP" panose="02020400000000000000" charset="-122"/>
+            </a:endParaRPr>
+          </a:p>
+          <a:p>
+            <a:pPr>
+              <a:lnSpc>
+                <a:spcPct val="120000"/>
+              </a:lnSpc>
+            </a:pPr>
+            <a:r>
+              <a:rPr lang="" altLang="en-US" sz="2400">
+                <a:latin typeface="Noto Serif CJK JP" panose="02020400000000000000" charset="-122"/>
+                <a:ea typeface="Noto Serif CJK JP" panose="02020400000000000000" charset="-122"/>
+              </a:rPr>
+              <a:t>Application : </a:t>
+            </a:r>
+            <a:endParaRPr lang="" altLang="en-US" sz="2400">
+              <a:latin typeface="Noto Serif CJK JP" panose="02020400000000000000" charset="-122"/>
+              <a:ea typeface="Noto Serif CJK JP" panose="02020400000000000000" charset="-122"/>
+            </a:endParaRPr>
+          </a:p>
+          <a:p>
+            <a:pPr lvl="1">
+              <a:lnSpc>
+                <a:spcPct val="120000"/>
+              </a:lnSpc>
+            </a:pPr>
+            <a:r>
+              <a:rPr lang="" altLang="en-US" sz="2100">
+                <a:latin typeface="Noto Serif CJK JP" panose="02020400000000000000" charset="-122"/>
+                <a:ea typeface="Noto Serif CJK JP" panose="02020400000000000000" charset="-122"/>
+              </a:rPr>
+              <a:t>Processing of subroutine calls and returns</a:t>
+            </a:r>
+            <a:endParaRPr lang="" altLang="en-US" sz="2100">
+              <a:latin typeface="Noto Serif CJK JP" panose="02020400000000000000" charset="-122"/>
+              <a:ea typeface="Noto Serif CJK JP" panose="02020400000000000000" charset="-122"/>
+            </a:endParaRPr>
+          </a:p>
+          <a:p>
+            <a:pPr lvl="1">
+              <a:lnSpc>
+                <a:spcPct val="120000"/>
+              </a:lnSpc>
+            </a:pPr>
+            <a:r>
+              <a:rPr lang="" altLang="en-US" sz="2100">
+                <a:latin typeface="Noto Serif CJK JP" panose="02020400000000000000" charset="-122"/>
+                <a:ea typeface="Noto Serif CJK JP" panose="02020400000000000000" charset="-122"/>
+              </a:rPr>
+              <a:t>reversing a string</a:t>
+            </a:r>
+            <a:endParaRPr lang="" altLang="en-US" sz="2100">
+              <a:latin typeface="Noto Serif CJK JP" panose="02020400000000000000" charset="-122"/>
+              <a:ea typeface="Noto Serif CJK JP" panose="02020400000000000000" charset="-122"/>
+            </a:endParaRPr>
+          </a:p>
+          <a:p>
+            <a:pPr lvl="1">
+              <a:lnSpc>
+                <a:spcPct val="120000"/>
+              </a:lnSpc>
+            </a:pPr>
+            <a:r>
+              <a:rPr lang="" altLang="en-US" sz="2100">
+                <a:latin typeface="Noto Serif CJK JP" panose="02020400000000000000" charset="-122"/>
+                <a:ea typeface="Noto Serif CJK JP" panose="02020400000000000000" charset="-122"/>
+              </a:rPr>
+              <a:t>backtracking - Eg :- Maze Game</a:t>
+            </a:r>
+            <a:endParaRPr lang="" altLang="en-US" sz="2100">
+              <a:latin typeface="Noto Serif CJK JP" panose="02020400000000000000" charset="-122"/>
+              <a:ea typeface="Noto Serif CJK JP" panose="02020400000000000000" charset="-122"/>
+            </a:endParaRPr>
+          </a:p>
+          <a:p>
+            <a:pPr marL="0" indent="0">
+              <a:lnSpc>
+                <a:spcPct val="120000"/>
+              </a:lnSpc>
+              <a:buNone/>
+            </a:pPr>
+            <a:endParaRPr lang="en-US" altLang="en-US" sz="2100">
               <a:latin typeface="Noto Serif CJK JP" panose="02020400000000000000" charset="-122"/>
               <a:ea typeface="Noto Serif CJK JP" panose="02020400000000000000" charset="-122"/>
             </a:endParaRPr>
@@ -5957,7 +6834,7 @@
 </p:sld>
 </file>
 
-<file path=ppt/slides/slide13.xml><?xml version="1.0" encoding="utf-8"?>
+<file path=ppt/slides/slide18.xml><?xml version="1.0" encoding="utf-8"?>
 <p:sld xmlns:a="http://schemas.openxmlformats.org/drawingml/2006/main" xmlns:r="http://schemas.openxmlformats.org/officeDocument/2006/relationships" xmlns:p="http://schemas.openxmlformats.org/presentationml/2006/main">
   <p:cSld>
     <p:spTree>
@@ -5979,176 +6856,6 @@
         </p:nvSpPr>
         <p:spPr>
           <a:xfrm>
-            <a:off x="685800" y="306705"/>
-            <a:ext cx="7772400" cy="688975"/>
-          </a:xfrm>
-        </p:spPr>
-        <p:txBody>
-          <a:bodyPr/>
-          <a:p>
-            <a:r>
-              <a:rPr lang="en-US" altLang="en-US" sz="2800">
-                <a:latin typeface="Noto Serif CJK JP" panose="02020400000000000000" charset="-122"/>
-                <a:ea typeface="Noto Serif CJK JP" panose="02020400000000000000" charset="-122"/>
-                <a:sym typeface="+mn-ea"/>
-              </a:rPr>
-              <a:t>Linked List:</a:t>
-            </a:r>
-            <a:r>
-              <a:rPr lang="en-US" altLang="en-US" sz="2800">
-                <a:latin typeface="Noto Serif CJK JP" panose="02020400000000000000" charset="-122"/>
-                <a:ea typeface="Noto Serif CJK JP" panose="02020400000000000000" charset="-122"/>
-              </a:rPr>
-              <a:t>Insertion of Element</a:t>
-            </a:r>
-            <a:endParaRPr lang="en-US" altLang="en-US" sz="2800">
-              <a:latin typeface="Noto Serif CJK JP" panose="02020400000000000000" charset="-122"/>
-              <a:ea typeface="Noto Serif CJK JP" panose="02020400000000000000" charset="-122"/>
-            </a:endParaRPr>
-          </a:p>
-        </p:txBody>
-      </p:sp>
-      <p:sp>
-        <p:nvSpPr>
-          <p:cNvPr id="3" name="Content Placeholder 2"/>
-          <p:cNvSpPr>
-            <a:spLocks noGrp="1"/>
-          </p:cNvSpPr>
-          <p:nvPr>
-            <p:ph idx="1"/>
-          </p:nvPr>
-        </p:nvSpPr>
-        <p:spPr>
-          <a:xfrm>
-            <a:off x="685800" y="1449705"/>
-            <a:ext cx="7772400" cy="4969510"/>
-          </a:xfrm>
-        </p:spPr>
-        <p:txBody>
-          <a:bodyPr/>
-          <a:p>
-            <a:endParaRPr lang="en-US" altLang="en-US" sz="2400">
-              <a:latin typeface="Noto Serif CJK JP" panose="02020400000000000000" charset="-122"/>
-              <a:ea typeface="Noto Serif CJK JP" panose="02020400000000000000" charset="-122"/>
-            </a:endParaRPr>
-          </a:p>
-        </p:txBody>
-      </p:sp>
-    </p:spTree>
-  </p:cSld>
-  <p:clrMapOvr>
-    <a:masterClrMapping/>
-  </p:clrMapOvr>
-</p:sld>
-</file>
-
-<file path=ppt/slides/slide14.xml><?xml version="1.0" encoding="utf-8"?>
-<p:sld xmlns:a="http://schemas.openxmlformats.org/drawingml/2006/main" xmlns:r="http://schemas.openxmlformats.org/officeDocument/2006/relationships" xmlns:p="http://schemas.openxmlformats.org/presentationml/2006/main">
-  <p:cSld>
-    <p:spTree>
-      <p:nvGrpSpPr>
-        <p:cNvPr id="1" name=""/>
-        <p:cNvGrpSpPr/>
-        <p:nvPr/>
-      </p:nvGrpSpPr>
-      <p:grpSpPr/>
-      <p:sp>
-        <p:nvSpPr>
-          <p:cNvPr id="2" name="Title 1"/>
-          <p:cNvSpPr>
-            <a:spLocks noGrp="1"/>
-          </p:cNvSpPr>
-          <p:nvPr>
-            <p:ph type="title"/>
-          </p:nvPr>
-        </p:nvSpPr>
-        <p:spPr>
-          <a:xfrm>
-            <a:off x="685800" y="306705"/>
-            <a:ext cx="7772400" cy="688975"/>
-          </a:xfrm>
-        </p:spPr>
-        <p:txBody>
-          <a:bodyPr/>
-          <a:p>
-            <a:r>
-              <a:rPr lang="en-US" altLang="en-US" sz="2800">
-                <a:latin typeface="Noto Serif CJK JP" panose="02020400000000000000" charset="-122"/>
-                <a:ea typeface="Noto Serif CJK JP" panose="02020400000000000000" charset="-122"/>
-                <a:sym typeface="+mn-ea"/>
-              </a:rPr>
-              <a:t>Linked List:</a:t>
-            </a:r>
-            <a:r>
-              <a:rPr lang="en-US" altLang="en-US" sz="2800">
-                <a:latin typeface="Noto Serif CJK JP" panose="02020400000000000000" charset="-122"/>
-                <a:ea typeface="Noto Serif CJK JP" panose="02020400000000000000" charset="-122"/>
-              </a:rPr>
-              <a:t>Deletion of Element</a:t>
-            </a:r>
-            <a:endParaRPr lang="en-US" altLang="en-US" sz="2800">
-              <a:latin typeface="Noto Serif CJK JP" panose="02020400000000000000" charset="-122"/>
-              <a:ea typeface="Noto Serif CJK JP" panose="02020400000000000000" charset="-122"/>
-            </a:endParaRPr>
-          </a:p>
-        </p:txBody>
-      </p:sp>
-      <p:sp>
-        <p:nvSpPr>
-          <p:cNvPr id="3" name="Content Placeholder 2"/>
-          <p:cNvSpPr>
-            <a:spLocks noGrp="1"/>
-          </p:cNvSpPr>
-          <p:nvPr>
-            <p:ph idx="1"/>
-          </p:nvPr>
-        </p:nvSpPr>
-        <p:spPr>
-          <a:xfrm>
-            <a:off x="685800" y="1449705"/>
-            <a:ext cx="7772400" cy="4969510"/>
-          </a:xfrm>
-        </p:spPr>
-        <p:txBody>
-          <a:bodyPr/>
-          <a:p>
-            <a:endParaRPr lang="en-US" altLang="en-US" sz="2400">
-              <a:latin typeface="Noto Serif CJK JP" panose="02020400000000000000" charset="-122"/>
-              <a:ea typeface="Noto Serif CJK JP" panose="02020400000000000000" charset="-122"/>
-            </a:endParaRPr>
-          </a:p>
-        </p:txBody>
-      </p:sp>
-    </p:spTree>
-  </p:cSld>
-  <p:clrMapOvr>
-    <a:masterClrMapping/>
-  </p:clrMapOvr>
-</p:sld>
-</file>
-
-<file path=ppt/slides/slide15.xml><?xml version="1.0" encoding="utf-8"?>
-<p:sld xmlns:a="http://schemas.openxmlformats.org/drawingml/2006/main" xmlns:r="http://schemas.openxmlformats.org/officeDocument/2006/relationships" xmlns:p="http://schemas.openxmlformats.org/presentationml/2006/main">
-  <p:cSld>
-    <p:spTree>
-      <p:nvGrpSpPr>
-        <p:cNvPr id="1" name=""/>
-        <p:cNvGrpSpPr/>
-        <p:nvPr/>
-      </p:nvGrpSpPr>
-      <p:grpSpPr/>
-      <p:sp>
-        <p:nvSpPr>
-          <p:cNvPr id="2" name="Title 1"/>
-          <p:cNvSpPr>
-            <a:spLocks noGrp="1"/>
-          </p:cNvSpPr>
-          <p:nvPr>
-            <p:ph type="title"/>
-          </p:nvPr>
-        </p:nvSpPr>
-        <p:spPr>
-          <a:xfrm>
             <a:off x="685800" y="203835"/>
             <a:ext cx="7772400" cy="652145"/>
           </a:xfrm>
@@ -6157,225 +6864,13 @@
           <a:bodyPr/>
           <a:p>
             <a:r>
-              <a:rPr lang="" altLang="en-US" sz="2800">
-                <a:latin typeface="Noto Serif CJK JP" panose="02020400000000000000" charset="-122"/>
-                <a:ea typeface="Noto Serif CJK JP" panose="02020400000000000000" charset="-122"/>
-              </a:rPr>
-              <a:t>Stack </a:t>
-            </a:r>
-            <a:endParaRPr lang="" altLang="en-US" sz="2800">
-              <a:latin typeface="Noto Serif CJK JP" panose="02020400000000000000" charset="-122"/>
-              <a:ea typeface="Noto Serif CJK JP" panose="02020400000000000000" charset="-122"/>
-            </a:endParaRPr>
-          </a:p>
-        </p:txBody>
-      </p:sp>
-      <p:sp>
-        <p:nvSpPr>
-          <p:cNvPr id="3" name="Content Placeholder 2"/>
-          <p:cNvSpPr>
-            <a:spLocks noGrp="1"/>
-          </p:cNvSpPr>
-          <p:nvPr>
-            <p:ph idx="1"/>
-          </p:nvPr>
-        </p:nvSpPr>
-        <p:spPr>
-          <a:xfrm>
-            <a:off x="685800" y="1036955"/>
-            <a:ext cx="7772400" cy="5382260"/>
-          </a:xfrm>
-        </p:spPr>
-        <p:txBody>
-          <a:bodyPr/>
-          <a:p>
-            <a:pPr>
-              <a:lnSpc>
-                <a:spcPct val="180000"/>
-              </a:lnSpc>
-            </a:pPr>
-            <a:r>
-              <a:rPr lang="en-US" altLang="en-US" sz="2400">
-                <a:latin typeface="Noto Serif CJK JP" panose="02020400000000000000" charset="-122"/>
-                <a:ea typeface="Noto Serif CJK JP" panose="02020400000000000000" charset="-122"/>
-              </a:rPr>
-              <a:t>L</a:t>
-            </a:r>
-            <a:r>
-              <a:rPr lang="en-US" sz="2400">
-                <a:latin typeface="Noto Serif CJK JP" panose="02020400000000000000" charset="-122"/>
-                <a:ea typeface="Noto Serif CJK JP" panose="02020400000000000000" charset="-122"/>
-              </a:rPr>
-              <a:t>inear data structure</a:t>
-            </a:r>
-            <a:endParaRPr lang="en-US" sz="2400">
-              <a:latin typeface="Noto Serif CJK JP" panose="02020400000000000000" charset="-122"/>
-              <a:ea typeface="Noto Serif CJK JP" panose="02020400000000000000" charset="-122"/>
-            </a:endParaRPr>
-          </a:p>
-          <a:p>
-            <a:pPr>
-              <a:lnSpc>
-                <a:spcPct val="180000"/>
-              </a:lnSpc>
-            </a:pPr>
-            <a:r>
-              <a:rPr lang="" altLang="en-US" sz="2400">
-                <a:latin typeface="Noto Serif CJK JP" panose="02020400000000000000" charset="-122"/>
-                <a:ea typeface="Noto Serif CJK JP" panose="02020400000000000000" charset="-122"/>
-              </a:rPr>
-              <a:t>N</a:t>
-            </a:r>
-            <a:r>
-              <a:rPr lang="en-US" sz="2400">
-                <a:latin typeface="Noto Serif CJK JP" panose="02020400000000000000" charset="-122"/>
-                <a:ea typeface="Noto Serif CJK JP" panose="02020400000000000000" charset="-122"/>
-              </a:rPr>
-              <a:t>ew element is added at one end and (top) an element is removed from that end only.</a:t>
-            </a:r>
-            <a:endParaRPr lang="en-US" sz="2400">
-              <a:latin typeface="Noto Serif CJK JP" panose="02020400000000000000" charset="-122"/>
-              <a:ea typeface="Noto Serif CJK JP" panose="02020400000000000000" charset="-122"/>
-            </a:endParaRPr>
-          </a:p>
-          <a:p>
-            <a:pPr>
-              <a:lnSpc>
-                <a:spcPct val="180000"/>
-              </a:lnSpc>
-            </a:pPr>
-            <a:r>
-              <a:rPr lang="en-US" sz="2400">
-                <a:latin typeface="Noto Serif CJK JP" panose="02020400000000000000" charset="-122"/>
-                <a:ea typeface="Noto Serif CJK JP" panose="02020400000000000000" charset="-122"/>
-              </a:rPr>
-              <a:t>LIFO(Last In First Out) or FILO(First In Last Out).</a:t>
-            </a:r>
-            <a:endParaRPr lang="en-US" sz="2400">
-              <a:latin typeface="Noto Serif CJK JP" panose="02020400000000000000" charset="-122"/>
-              <a:ea typeface="Noto Serif CJK JP" panose="02020400000000000000" charset="-122"/>
-            </a:endParaRPr>
-          </a:p>
-          <a:p>
-            <a:pPr>
-              <a:lnSpc>
-                <a:spcPct val="180000"/>
-              </a:lnSpc>
-            </a:pPr>
-            <a:r>
-              <a:rPr lang="" altLang="en-US" sz="2400">
-                <a:latin typeface="Noto Serif CJK JP" panose="02020400000000000000" charset="-122"/>
-                <a:ea typeface="Noto Serif CJK JP" panose="02020400000000000000" charset="-122"/>
-              </a:rPr>
-              <a:t>Example : </a:t>
-            </a:r>
-            <a:r>
-              <a:rPr lang="en-US" altLang="en-US" sz="2400">
-                <a:latin typeface="Noto Serif CJK JP" panose="02020400000000000000" charset="-122"/>
-                <a:ea typeface="Noto Serif CJK JP" panose="02020400000000000000" charset="-122"/>
-              </a:rPr>
-              <a:t>plates stacked over one another </a:t>
-            </a:r>
-            <a:endParaRPr lang="en-US" altLang="en-US" sz="2400">
-              <a:latin typeface="Noto Serif CJK JP" panose="02020400000000000000" charset="-122"/>
-              <a:ea typeface="Noto Serif CJK JP" panose="02020400000000000000" charset="-122"/>
-            </a:endParaRPr>
-          </a:p>
-          <a:p>
-            <a:pPr>
-              <a:lnSpc>
-                <a:spcPct val="180000"/>
-              </a:lnSpc>
-            </a:pPr>
-            <a:r>
-              <a:rPr lang="" altLang="en-US" sz="2400">
-                <a:latin typeface="Noto Serif CJK JP" panose="02020400000000000000" charset="-122"/>
-                <a:ea typeface="Noto Serif CJK JP" panose="02020400000000000000" charset="-122"/>
-              </a:rPr>
-              <a:t>Can be Implemented u</a:t>
-            </a:r>
-            <a:r>
-              <a:rPr lang="en-US" altLang="en-US" sz="2400">
-                <a:latin typeface="Noto Serif CJK JP" panose="02020400000000000000" charset="-122"/>
-                <a:ea typeface="Noto Serif CJK JP" panose="02020400000000000000" charset="-122"/>
-              </a:rPr>
-              <a:t>s</a:t>
-            </a:r>
-            <a:r>
-              <a:rPr lang="" altLang="en-US" sz="2400">
-                <a:latin typeface="Noto Serif CJK JP" panose="02020400000000000000" charset="-122"/>
-                <a:ea typeface="Noto Serif CJK JP" panose="02020400000000000000" charset="-122"/>
-              </a:rPr>
-              <a:t>ing Array or Linked List</a:t>
-            </a:r>
-            <a:endParaRPr lang="en-US" altLang="en-US" sz="2400">
-              <a:latin typeface="Noto Serif CJK JP" panose="02020400000000000000" charset="-122"/>
-              <a:ea typeface="Noto Serif CJK JP" panose="02020400000000000000" charset="-122"/>
-            </a:endParaRPr>
-          </a:p>
-          <a:p>
-            <a:pPr marL="0" indent="0">
-              <a:buNone/>
-            </a:pPr>
-            <a:endParaRPr lang="en-US" altLang="en-US" sz="2100">
-              <a:latin typeface="Noto Serif CJK JP" panose="02020400000000000000" charset="-122"/>
-              <a:ea typeface="Noto Serif CJK JP" panose="02020400000000000000" charset="-122"/>
-            </a:endParaRPr>
-          </a:p>
-        </p:txBody>
-      </p:sp>
-    </p:spTree>
-  </p:cSld>
-  <p:clrMapOvr>
-    <a:masterClrMapping/>
-  </p:clrMapOvr>
-</p:sld>
-</file>
-
-<file path=ppt/slides/slide16.xml><?xml version="1.0" encoding="utf-8"?>
-<p:sld xmlns:a="http://schemas.openxmlformats.org/drawingml/2006/main" xmlns:r="http://schemas.openxmlformats.org/officeDocument/2006/relationships" xmlns:p="http://schemas.openxmlformats.org/presentationml/2006/main">
-  <p:cSld>
-    <p:spTree>
-      <p:nvGrpSpPr>
-        <p:cNvPr id="1" name=""/>
-        <p:cNvGrpSpPr/>
-        <p:nvPr/>
-      </p:nvGrpSpPr>
-      <p:grpSpPr/>
-      <p:sp>
-        <p:nvSpPr>
-          <p:cNvPr id="2" name="Title 1"/>
-          <p:cNvSpPr>
-            <a:spLocks noGrp="1"/>
-          </p:cNvSpPr>
-          <p:nvPr>
-            <p:ph type="title"/>
-          </p:nvPr>
-        </p:nvSpPr>
-        <p:spPr>
-          <a:xfrm>
-            <a:off x="685800" y="203835"/>
-            <a:ext cx="7772400" cy="652145"/>
-          </a:xfrm>
-        </p:spPr>
-        <p:txBody>
-          <a:bodyPr/>
-          <a:p>
-            <a:r>
               <a:rPr lang="en-US" altLang="en-US" sz="2800">
                 <a:latin typeface="Noto Serif CJK JP" panose="02020400000000000000" charset="-122"/>
                 <a:ea typeface="Noto Serif CJK JP" panose="02020400000000000000" charset="-122"/>
               </a:rPr>
-              <a:t>Stack  </a:t>
-            </a:r>
-            <a:r>
-              <a:rPr lang="" altLang="en-US" sz="2800">
-                <a:latin typeface="Noto Serif CJK JP" panose="02020400000000000000" charset="-122"/>
-                <a:ea typeface="Noto Serif CJK JP" panose="02020400000000000000" charset="-122"/>
-              </a:rPr>
-              <a:t>Example</a:t>
-            </a:r>
-            <a:endParaRPr lang="" altLang="en-US" sz="2800">
+              <a:t>Stack  Example</a:t>
+            </a:r>
+            <a:endParaRPr lang="en-US" altLang="en-US" sz="2800">
               <a:latin typeface="Noto Serif CJK JP" panose="02020400000000000000" charset="-122"/>
               <a:ea typeface="Noto Serif CJK JP" panose="02020400000000000000" charset="-122"/>
             </a:endParaRPr>
@@ -6416,967 +6911,6 @@
 </p:sld>
 </file>
 
-<file path=ppt/slides/slide17.xml><?xml version="1.0" encoding="utf-8"?>
-<p:sld xmlns:a="http://schemas.openxmlformats.org/drawingml/2006/main" xmlns:r="http://schemas.openxmlformats.org/officeDocument/2006/relationships" xmlns:p="http://schemas.openxmlformats.org/presentationml/2006/main">
-  <p:cSld>
-    <p:spTree>
-      <p:nvGrpSpPr>
-        <p:cNvPr id="1" name=""/>
-        <p:cNvGrpSpPr/>
-        <p:nvPr/>
-      </p:nvGrpSpPr>
-      <p:grpSpPr/>
-      <p:sp>
-        <p:nvSpPr>
-          <p:cNvPr id="3" name="Content Placeholder 2"/>
-          <p:cNvSpPr>
-            <a:spLocks noGrp="1"/>
-          </p:cNvSpPr>
-          <p:nvPr>
-            <p:ph idx="1"/>
-          </p:nvPr>
-        </p:nvSpPr>
-        <p:spPr>
-          <a:xfrm>
-            <a:off x="685800" y="928370"/>
-            <a:ext cx="7772400" cy="5702300"/>
-          </a:xfrm>
-        </p:spPr>
-        <p:txBody>
-          <a:bodyPr/>
-          <a:p>
-            <a:pPr marL="0" indent="0">
-              <a:lnSpc>
-                <a:spcPct val="80000"/>
-              </a:lnSpc>
-              <a:buNone/>
-            </a:pPr>
-            <a:r>
-              <a:rPr lang="en-US" sz="1800">
-                <a:latin typeface="FreeMono" panose="020F0409020205020404" charset="0"/>
-                <a:ea typeface="FreeMono" panose="020F0409020205020404" charset="0"/>
-              </a:rPr>
-              <a:t>class </a:t>
-            </a:r>
-            <a:r>
-              <a:rPr lang="en-US" sz="1800" b="1">
-                <a:latin typeface="FreeMono" panose="020F0409020205020404" charset="0"/>
-                <a:ea typeface="FreeMono" panose="020F0409020205020404" charset="0"/>
-              </a:rPr>
-              <a:t>StackX</a:t>
-            </a:r>
-            <a:endParaRPr lang="en-US" sz="1800">
-              <a:latin typeface="FreeMono" panose="020F0409020205020404" charset="0"/>
-              <a:ea typeface="FreeMono" panose="020F0409020205020404" charset="0"/>
-            </a:endParaRPr>
-          </a:p>
-          <a:p>
-            <a:pPr marL="0" indent="0">
-              <a:lnSpc>
-                <a:spcPct val="80000"/>
-              </a:lnSpc>
-              <a:buNone/>
-            </a:pPr>
-            <a:r>
-              <a:rPr lang="en-US" sz="1800">
-                <a:latin typeface="FreeMono" panose="020F0409020205020404" charset="0"/>
-                <a:ea typeface="FreeMono" panose="020F0409020205020404" charset="0"/>
-              </a:rPr>
-              <a:t>{</a:t>
-            </a:r>
-            <a:endParaRPr lang="en-US" sz="1800">
-              <a:latin typeface="FreeMono" panose="020F0409020205020404" charset="0"/>
-              <a:ea typeface="FreeMono" panose="020F0409020205020404" charset="0"/>
-            </a:endParaRPr>
-          </a:p>
-          <a:p>
-            <a:pPr marL="0" indent="0">
-              <a:lnSpc>
-                <a:spcPct val="80000"/>
-              </a:lnSpc>
-              <a:buNone/>
-            </a:pPr>
-            <a:r>
-              <a:rPr lang="" altLang="en-US" sz="1800">
-                <a:latin typeface="FreeMono" panose="020F0409020205020404" charset="0"/>
-                <a:ea typeface="FreeMono" panose="020F0409020205020404" charset="0"/>
-              </a:rPr>
-              <a:t>	</a:t>
-            </a:r>
-            <a:r>
-              <a:rPr lang="en-US" sz="1800">
-                <a:latin typeface="FreeMono" panose="020F0409020205020404" charset="0"/>
-                <a:ea typeface="FreeMono" panose="020F0409020205020404" charset="0"/>
-              </a:rPr>
-              <a:t>private int maxSize; // size of stack array</a:t>
-            </a:r>
-            <a:endParaRPr lang="en-US" sz="1800">
-              <a:latin typeface="FreeMono" panose="020F0409020205020404" charset="0"/>
-              <a:ea typeface="FreeMono" panose="020F0409020205020404" charset="0"/>
-            </a:endParaRPr>
-          </a:p>
-          <a:p>
-            <a:pPr marL="0" indent="0">
-              <a:lnSpc>
-                <a:spcPct val="80000"/>
-              </a:lnSpc>
-              <a:buNone/>
-            </a:pPr>
-            <a:r>
-              <a:rPr lang="" altLang="en-US" sz="1800">
-                <a:latin typeface="FreeMono" panose="020F0409020205020404" charset="0"/>
-                <a:ea typeface="FreeMono" panose="020F0409020205020404" charset="0"/>
-              </a:rPr>
-              <a:t>	</a:t>
-            </a:r>
-            <a:r>
-              <a:rPr lang="en-US" sz="1800">
-                <a:latin typeface="FreeMono" panose="020F0409020205020404" charset="0"/>
-                <a:ea typeface="FreeMono" panose="020F0409020205020404" charset="0"/>
-              </a:rPr>
-              <a:t>private long[] stackArray;</a:t>
-            </a:r>
-            <a:endParaRPr lang="en-US" sz="1800">
-              <a:latin typeface="FreeMono" panose="020F0409020205020404" charset="0"/>
-              <a:ea typeface="FreeMono" panose="020F0409020205020404" charset="0"/>
-            </a:endParaRPr>
-          </a:p>
-          <a:p>
-            <a:pPr marL="0" indent="0">
-              <a:lnSpc>
-                <a:spcPct val="80000"/>
-              </a:lnSpc>
-              <a:buNone/>
-            </a:pPr>
-            <a:r>
-              <a:rPr lang="" altLang="en-US" sz="1800">
-                <a:latin typeface="FreeMono" panose="020F0409020205020404" charset="0"/>
-                <a:ea typeface="FreeMono" panose="020F0409020205020404" charset="0"/>
-              </a:rPr>
-              <a:t>	</a:t>
-            </a:r>
-            <a:r>
-              <a:rPr lang="en-US" sz="1800">
-                <a:latin typeface="FreeMono" panose="020F0409020205020404" charset="0"/>
-                <a:ea typeface="FreeMono" panose="020F0409020205020404" charset="0"/>
-              </a:rPr>
-              <a:t>private int top; // top of stack</a:t>
-            </a:r>
-            <a:endParaRPr lang="en-US" sz="1800">
-              <a:latin typeface="FreeMono" panose="020F0409020205020404" charset="0"/>
-              <a:ea typeface="FreeMono" panose="020F0409020205020404" charset="0"/>
-            </a:endParaRPr>
-          </a:p>
-          <a:p>
-            <a:pPr marL="0" indent="0">
-              <a:lnSpc>
-                <a:spcPct val="80000"/>
-              </a:lnSpc>
-              <a:buNone/>
-            </a:pPr>
-            <a:r>
-              <a:rPr lang="en-US" sz="1800">
-                <a:latin typeface="FreeMono" panose="020F0409020205020404" charset="0"/>
-                <a:ea typeface="FreeMono" panose="020F0409020205020404" charset="0"/>
-              </a:rPr>
-              <a:t>-------------------------------------------------------</a:t>
-            </a:r>
-            <a:endParaRPr lang="en-US" sz="1800">
-              <a:latin typeface="FreeMono" panose="020F0409020205020404" charset="0"/>
-              <a:ea typeface="FreeMono" panose="020F0409020205020404" charset="0"/>
-            </a:endParaRPr>
-          </a:p>
-          <a:p>
-            <a:pPr marL="0" indent="0">
-              <a:lnSpc>
-                <a:spcPct val="80000"/>
-              </a:lnSpc>
-              <a:buNone/>
-            </a:pPr>
-            <a:r>
-              <a:rPr lang="en-US" sz="1800">
-                <a:latin typeface="FreeMono" panose="020F0409020205020404" charset="0"/>
-                <a:ea typeface="FreeMono" panose="020F0409020205020404" charset="0"/>
-              </a:rPr>
-              <a:t>public </a:t>
-            </a:r>
-            <a:r>
-              <a:rPr lang="" altLang="en-US" sz="1800">
-                <a:latin typeface="FreeMono" panose="020F0409020205020404" charset="0"/>
-                <a:ea typeface="FreeMono" panose="020F0409020205020404" charset="0"/>
-              </a:rPr>
-              <a:t>void </a:t>
-            </a:r>
-            <a:r>
-              <a:rPr lang="en-US" sz="1800">
-                <a:latin typeface="FreeMono" panose="020F0409020205020404" charset="0"/>
-                <a:ea typeface="FreeMono" panose="020F0409020205020404" charset="0"/>
-              </a:rPr>
-              <a:t>StackX(int s) // constructor</a:t>
-            </a:r>
-            <a:endParaRPr lang="en-US" sz="1800">
-              <a:latin typeface="FreeMono" panose="020F0409020205020404" charset="0"/>
-              <a:ea typeface="FreeMono" panose="020F0409020205020404" charset="0"/>
-            </a:endParaRPr>
-          </a:p>
-          <a:p>
-            <a:pPr marL="0" indent="0">
-              <a:lnSpc>
-                <a:spcPct val="80000"/>
-              </a:lnSpc>
-              <a:buNone/>
-            </a:pPr>
-            <a:r>
-              <a:rPr lang="en-US" sz="1800">
-                <a:latin typeface="FreeMono" panose="020F0409020205020404" charset="0"/>
-                <a:ea typeface="FreeMono" panose="020F0409020205020404" charset="0"/>
-              </a:rPr>
-              <a:t>{</a:t>
-            </a:r>
-            <a:endParaRPr lang="en-US" sz="1800">
-              <a:latin typeface="FreeMono" panose="020F0409020205020404" charset="0"/>
-              <a:ea typeface="FreeMono" panose="020F0409020205020404" charset="0"/>
-            </a:endParaRPr>
-          </a:p>
-          <a:p>
-            <a:pPr marL="0" indent="0">
-              <a:lnSpc>
-                <a:spcPct val="80000"/>
-              </a:lnSpc>
-              <a:buNone/>
-            </a:pPr>
-            <a:r>
-              <a:rPr lang="" altLang="en-US" sz="1800">
-                <a:latin typeface="FreeMono" panose="020F0409020205020404" charset="0"/>
-                <a:ea typeface="FreeMono" panose="020F0409020205020404" charset="0"/>
-              </a:rPr>
-              <a:t>	</a:t>
-            </a:r>
-            <a:r>
-              <a:rPr lang="en-US" sz="1800">
-                <a:latin typeface="FreeMono" panose="020F0409020205020404" charset="0"/>
-                <a:ea typeface="FreeMono" panose="020F0409020205020404" charset="0"/>
-              </a:rPr>
-              <a:t>maxSize = s; // set array size</a:t>
-            </a:r>
-            <a:endParaRPr lang="en-US" sz="1800">
-              <a:latin typeface="FreeMono" panose="020F0409020205020404" charset="0"/>
-              <a:ea typeface="FreeMono" panose="020F0409020205020404" charset="0"/>
-            </a:endParaRPr>
-          </a:p>
-          <a:p>
-            <a:pPr marL="0" indent="0">
-              <a:lnSpc>
-                <a:spcPct val="80000"/>
-              </a:lnSpc>
-              <a:buNone/>
-            </a:pPr>
-            <a:r>
-              <a:rPr lang="" altLang="en-US" sz="1800">
-                <a:latin typeface="FreeMono" panose="020F0409020205020404" charset="0"/>
-                <a:ea typeface="FreeMono" panose="020F0409020205020404" charset="0"/>
-              </a:rPr>
-              <a:t>	</a:t>
-            </a:r>
-            <a:r>
-              <a:rPr lang="en-US" sz="1800">
-                <a:latin typeface="FreeMono" panose="020F0409020205020404" charset="0"/>
-                <a:ea typeface="FreeMono" panose="020F0409020205020404" charset="0"/>
-              </a:rPr>
-              <a:t>stackArray = new long[maxSize]; // create array</a:t>
-            </a:r>
-            <a:endParaRPr lang="en-US" sz="1800">
-              <a:latin typeface="FreeMono" panose="020F0409020205020404" charset="0"/>
-              <a:ea typeface="FreeMono" panose="020F0409020205020404" charset="0"/>
-            </a:endParaRPr>
-          </a:p>
-          <a:p>
-            <a:pPr marL="0" indent="0">
-              <a:lnSpc>
-                <a:spcPct val="80000"/>
-              </a:lnSpc>
-              <a:buNone/>
-            </a:pPr>
-            <a:r>
-              <a:rPr lang="" altLang="en-US" sz="1800">
-                <a:latin typeface="FreeMono" panose="020F0409020205020404" charset="0"/>
-                <a:ea typeface="FreeMono" panose="020F0409020205020404" charset="0"/>
-              </a:rPr>
-              <a:t>	</a:t>
-            </a:r>
-            <a:r>
-              <a:rPr lang="en-US" sz="1800">
-                <a:latin typeface="FreeMono" panose="020F0409020205020404" charset="0"/>
-                <a:ea typeface="FreeMono" panose="020F0409020205020404" charset="0"/>
-              </a:rPr>
-              <a:t>top = -1; // no items yet</a:t>
-            </a:r>
-            <a:endParaRPr lang="en-US" sz="1800">
-              <a:latin typeface="FreeMono" panose="020F0409020205020404" charset="0"/>
-              <a:ea typeface="FreeMono" panose="020F0409020205020404" charset="0"/>
-            </a:endParaRPr>
-          </a:p>
-          <a:p>
-            <a:pPr marL="0" indent="0">
-              <a:lnSpc>
-                <a:spcPct val="80000"/>
-              </a:lnSpc>
-              <a:buNone/>
-            </a:pPr>
-            <a:r>
-              <a:rPr lang="en-US" sz="1800">
-                <a:latin typeface="FreeMono" panose="020F0409020205020404" charset="0"/>
-                <a:ea typeface="FreeMono" panose="020F0409020205020404" charset="0"/>
-              </a:rPr>
-              <a:t>}</a:t>
-            </a:r>
-            <a:endParaRPr lang="en-US" sz="1800">
-              <a:latin typeface="FreeMono" panose="020F0409020205020404" charset="0"/>
-              <a:ea typeface="FreeMono" panose="020F0409020205020404" charset="0"/>
-            </a:endParaRPr>
-          </a:p>
-          <a:p>
-            <a:pPr marL="0" indent="0">
-              <a:lnSpc>
-                <a:spcPct val="80000"/>
-              </a:lnSpc>
-              <a:buNone/>
-            </a:pPr>
-            <a:r>
-              <a:rPr lang="en-US" sz="1800">
-                <a:latin typeface="FreeMono" panose="020F0409020205020404" charset="0"/>
-                <a:ea typeface="FreeMono" panose="020F0409020205020404" charset="0"/>
-              </a:rPr>
-              <a:t>-----------------------------------------------------</a:t>
-            </a:r>
-            <a:r>
-              <a:rPr lang="" altLang="en-US" sz="1800">
-                <a:latin typeface="FreeMono" panose="020F0409020205020404" charset="0"/>
-                <a:ea typeface="FreeMono" panose="020F0409020205020404" charset="0"/>
-              </a:rPr>
-              <a:t>--</a:t>
-            </a:r>
-            <a:endParaRPr lang="en-US" sz="1800">
-              <a:latin typeface="FreeMono" panose="020F0409020205020404" charset="0"/>
-              <a:ea typeface="FreeMono" panose="020F0409020205020404" charset="0"/>
-            </a:endParaRPr>
-          </a:p>
-          <a:p>
-            <a:pPr marL="0" indent="0">
-              <a:lnSpc>
-                <a:spcPct val="80000"/>
-              </a:lnSpc>
-              <a:buNone/>
-            </a:pPr>
-            <a:endParaRPr lang="en-US" sz="1800">
-              <a:latin typeface="FreeMono" panose="020F0409020205020404" charset="0"/>
-              <a:ea typeface="FreeMono" panose="020F0409020205020404" charset="0"/>
-            </a:endParaRPr>
-          </a:p>
-          <a:p>
-            <a:pPr marL="0" indent="0">
-              <a:lnSpc>
-                <a:spcPct val="80000"/>
-              </a:lnSpc>
-              <a:buNone/>
-            </a:pPr>
-            <a:r>
-              <a:rPr lang="en-US" sz="1800">
-                <a:latin typeface="FreeMono" panose="020F0409020205020404" charset="0"/>
-                <a:ea typeface="FreeMono" panose="020F0409020205020404" charset="0"/>
-              </a:rPr>
-              <a:t>public void push(long j) // put item on top of stack</a:t>
-            </a:r>
-            <a:endParaRPr lang="en-US" sz="1800">
-              <a:latin typeface="FreeMono" panose="020F0409020205020404" charset="0"/>
-              <a:ea typeface="FreeMono" panose="020F0409020205020404" charset="0"/>
-            </a:endParaRPr>
-          </a:p>
-          <a:p>
-            <a:pPr marL="0" indent="0">
-              <a:lnSpc>
-                <a:spcPct val="80000"/>
-              </a:lnSpc>
-              <a:buNone/>
-            </a:pPr>
-            <a:r>
-              <a:rPr lang="en-US" sz="1800">
-                <a:latin typeface="FreeMono" panose="020F0409020205020404" charset="0"/>
-                <a:ea typeface="FreeMono" panose="020F0409020205020404" charset="0"/>
-              </a:rPr>
-              <a:t>{</a:t>
-            </a:r>
-            <a:endParaRPr lang="en-US" sz="1800">
-              <a:latin typeface="FreeMono" panose="020F0409020205020404" charset="0"/>
-              <a:ea typeface="FreeMono" panose="020F0409020205020404" charset="0"/>
-            </a:endParaRPr>
-          </a:p>
-          <a:p>
-            <a:pPr marL="0" indent="0">
-              <a:lnSpc>
-                <a:spcPct val="80000"/>
-              </a:lnSpc>
-              <a:buNone/>
-            </a:pPr>
-            <a:r>
-              <a:rPr lang="en-US" sz="1800">
-                <a:latin typeface="FreeMono" panose="020F0409020205020404" charset="0"/>
-                <a:ea typeface="FreeMono" panose="020F0409020205020404" charset="0"/>
-              </a:rPr>
-              <a:t>stackArray[++top] = j; // increment top, insert item</a:t>
-            </a:r>
-            <a:endParaRPr lang="en-US" sz="1800">
-              <a:latin typeface="FreeMono" panose="020F0409020205020404" charset="0"/>
-              <a:ea typeface="FreeMono" panose="020F0409020205020404" charset="0"/>
-            </a:endParaRPr>
-          </a:p>
-          <a:p>
-            <a:pPr marL="0" indent="0">
-              <a:lnSpc>
-                <a:spcPct val="80000"/>
-              </a:lnSpc>
-              <a:buNone/>
-            </a:pPr>
-            <a:r>
-              <a:rPr lang="en-US" sz="1800">
-                <a:latin typeface="FreeMono" panose="020F0409020205020404" charset="0"/>
-                <a:ea typeface="FreeMono" panose="020F0409020205020404" charset="0"/>
-              </a:rPr>
-              <a:t>}</a:t>
-            </a:r>
-            <a:endParaRPr lang="en-US" sz="1800">
-              <a:latin typeface="FreeMono" panose="020F0409020205020404" charset="0"/>
-              <a:ea typeface="FreeMono" panose="020F0409020205020404" charset="0"/>
-            </a:endParaRPr>
-          </a:p>
-        </p:txBody>
-      </p:sp>
-      <p:sp>
-        <p:nvSpPr>
-          <p:cNvPr id="2" name="Title 1"/>
-          <p:cNvSpPr>
-            <a:spLocks noGrp="1"/>
-          </p:cNvSpPr>
-          <p:nvPr>
-            <p:ph type="title"/>
-          </p:nvPr>
-        </p:nvSpPr>
-        <p:spPr>
-          <a:xfrm>
-            <a:off x="466090" y="15875"/>
-            <a:ext cx="7772400" cy="911860"/>
-          </a:xfrm>
-        </p:spPr>
-        <p:txBody>
-          <a:bodyPr/>
-          <a:p>
-            <a:r>
-              <a:rPr lang="en-US" altLang="en-US">
-                <a:latin typeface="Noto Serif CJK JP" panose="02020400000000000000" charset="-122"/>
-                <a:ea typeface="Noto Serif CJK JP" panose="02020400000000000000" charset="-122"/>
-                <a:sym typeface="+mn-ea"/>
-              </a:rPr>
-              <a:t>Implementation</a:t>
-            </a:r>
-            <a:endParaRPr lang="en-US" altLang="en-US">
-              <a:latin typeface="Noto Serif CJK JP" panose="02020400000000000000" charset="-122"/>
-              <a:ea typeface="Noto Serif CJK JP" panose="02020400000000000000" charset="-122"/>
-            </a:endParaRPr>
-          </a:p>
-        </p:txBody>
-      </p:sp>
-    </p:spTree>
-  </p:cSld>
-  <p:clrMapOvr>
-    <a:masterClrMapping/>
-  </p:clrMapOvr>
-</p:sld>
-</file>
-
-<file path=ppt/slides/slide18.xml><?xml version="1.0" encoding="utf-8"?>
-<p:sld xmlns:a="http://schemas.openxmlformats.org/drawingml/2006/main" xmlns:r="http://schemas.openxmlformats.org/officeDocument/2006/relationships" xmlns:p="http://schemas.openxmlformats.org/presentationml/2006/main">
-  <p:cSld>
-    <p:spTree>
-      <p:nvGrpSpPr>
-        <p:cNvPr id="1" name=""/>
-        <p:cNvGrpSpPr/>
-        <p:nvPr/>
-      </p:nvGrpSpPr>
-      <p:grpSpPr/>
-      <p:sp>
-        <p:nvSpPr>
-          <p:cNvPr id="3" name="Content Placeholder 2"/>
-          <p:cNvSpPr>
-            <a:spLocks noGrp="1"/>
-          </p:cNvSpPr>
-          <p:nvPr>
-            <p:ph idx="1"/>
-          </p:nvPr>
-        </p:nvSpPr>
-        <p:spPr>
-          <a:xfrm>
-            <a:off x="685800" y="928370"/>
-            <a:ext cx="7772400" cy="5702300"/>
-          </a:xfrm>
-        </p:spPr>
-        <p:txBody>
-          <a:bodyPr/>
-          <a:p>
-            <a:pPr marL="0" indent="0">
-              <a:lnSpc>
-                <a:spcPct val="80000"/>
-              </a:lnSpc>
-              <a:buNone/>
-            </a:pPr>
-            <a:r>
-              <a:rPr lang="en-US" sz="1800">
-                <a:latin typeface="FreeMono" panose="020F0409020205020404" charset="0"/>
-                <a:ea typeface="FreeMono" panose="020F0409020205020404" charset="0"/>
-              </a:rPr>
-              <a:t>public long pop() // take item from top of stack</a:t>
-            </a:r>
-            <a:endParaRPr lang="en-US" sz="1800">
-              <a:latin typeface="FreeMono" panose="020F0409020205020404" charset="0"/>
-              <a:ea typeface="FreeMono" panose="020F0409020205020404" charset="0"/>
-            </a:endParaRPr>
-          </a:p>
-          <a:p>
-            <a:pPr marL="0" indent="0">
-              <a:lnSpc>
-                <a:spcPct val="80000"/>
-              </a:lnSpc>
-              <a:buNone/>
-            </a:pPr>
-            <a:r>
-              <a:rPr lang="en-US" sz="1800">
-                <a:latin typeface="FreeMono" panose="020F0409020205020404" charset="0"/>
-                <a:ea typeface="FreeMono" panose="020F0409020205020404" charset="0"/>
-              </a:rPr>
-              <a:t>{</a:t>
-            </a:r>
-            <a:endParaRPr lang="en-US" sz="1800">
-              <a:latin typeface="FreeMono" panose="020F0409020205020404" charset="0"/>
-              <a:ea typeface="FreeMono" panose="020F0409020205020404" charset="0"/>
-            </a:endParaRPr>
-          </a:p>
-          <a:p>
-            <a:pPr marL="0" indent="0">
-              <a:lnSpc>
-                <a:spcPct val="80000"/>
-              </a:lnSpc>
-              <a:buNone/>
-            </a:pPr>
-            <a:r>
-              <a:rPr lang="en-US" sz="1800">
-                <a:latin typeface="FreeMono" panose="020F0409020205020404" charset="0"/>
-                <a:ea typeface="FreeMono" panose="020F0409020205020404" charset="0"/>
-              </a:rPr>
-              <a:t>return stackArray[top--]; // access item, decrement top</a:t>
-            </a:r>
-            <a:endParaRPr lang="en-US" sz="1800">
-              <a:latin typeface="FreeMono" panose="020F0409020205020404" charset="0"/>
-              <a:ea typeface="FreeMono" panose="020F0409020205020404" charset="0"/>
-            </a:endParaRPr>
-          </a:p>
-          <a:p>
-            <a:pPr marL="0" indent="0">
-              <a:lnSpc>
-                <a:spcPct val="80000"/>
-              </a:lnSpc>
-              <a:buNone/>
-            </a:pPr>
-            <a:r>
-              <a:rPr lang="en-US" sz="1800">
-                <a:latin typeface="FreeMono" panose="020F0409020205020404" charset="0"/>
-                <a:ea typeface="FreeMono" panose="020F0409020205020404" charset="0"/>
-              </a:rPr>
-              <a:t>}</a:t>
-            </a:r>
-            <a:endParaRPr lang="en-US" sz="1800">
-              <a:latin typeface="FreeMono" panose="020F0409020205020404" charset="0"/>
-              <a:ea typeface="FreeMono" panose="020F0409020205020404" charset="0"/>
-            </a:endParaRPr>
-          </a:p>
-          <a:p>
-            <a:pPr marL="0" indent="0">
-              <a:lnSpc>
-                <a:spcPct val="80000"/>
-              </a:lnSpc>
-              <a:buNone/>
-            </a:pPr>
-            <a:r>
-              <a:rPr lang="en-US" sz="1800">
-                <a:latin typeface="FreeMono" panose="020F0409020205020404" charset="0"/>
-                <a:ea typeface="FreeMono" panose="020F0409020205020404" charset="0"/>
-              </a:rPr>
-              <a:t>-----------------------------------------------------</a:t>
-            </a:r>
-            <a:endParaRPr lang="en-US" sz="1800">
-              <a:latin typeface="FreeMono" panose="020F0409020205020404" charset="0"/>
-              <a:ea typeface="FreeMono" panose="020F0409020205020404" charset="0"/>
-            </a:endParaRPr>
-          </a:p>
-          <a:p>
-            <a:pPr marL="0" indent="0">
-              <a:lnSpc>
-                <a:spcPct val="80000"/>
-              </a:lnSpc>
-              <a:buNone/>
-            </a:pPr>
-            <a:r>
-              <a:rPr lang="en-US" sz="1800">
-                <a:latin typeface="FreeMono" panose="020F0409020205020404" charset="0"/>
-                <a:ea typeface="FreeMono" panose="020F0409020205020404" charset="0"/>
-              </a:rPr>
-              <a:t>public long peek() // peek at top of stack</a:t>
-            </a:r>
-            <a:endParaRPr lang="en-US" sz="1800">
-              <a:latin typeface="FreeMono" panose="020F0409020205020404" charset="0"/>
-              <a:ea typeface="FreeMono" panose="020F0409020205020404" charset="0"/>
-            </a:endParaRPr>
-          </a:p>
-          <a:p>
-            <a:pPr marL="0" indent="0">
-              <a:lnSpc>
-                <a:spcPct val="80000"/>
-              </a:lnSpc>
-              <a:buNone/>
-            </a:pPr>
-            <a:r>
-              <a:rPr lang="en-US" sz="1800">
-                <a:latin typeface="FreeMono" panose="020F0409020205020404" charset="0"/>
-                <a:ea typeface="FreeMono" panose="020F0409020205020404" charset="0"/>
-              </a:rPr>
-              <a:t>{</a:t>
-            </a:r>
-            <a:endParaRPr lang="en-US" sz="1800">
-              <a:latin typeface="FreeMono" panose="020F0409020205020404" charset="0"/>
-              <a:ea typeface="FreeMono" panose="020F0409020205020404" charset="0"/>
-            </a:endParaRPr>
-          </a:p>
-          <a:p>
-            <a:pPr marL="0" indent="0">
-              <a:lnSpc>
-                <a:spcPct val="80000"/>
-              </a:lnSpc>
-              <a:buNone/>
-            </a:pPr>
-            <a:r>
-              <a:rPr lang="en-US" sz="1800">
-                <a:latin typeface="FreeMono" panose="020F0409020205020404" charset="0"/>
-                <a:ea typeface="FreeMono" panose="020F0409020205020404" charset="0"/>
-              </a:rPr>
-              <a:t>return stackArray[top];</a:t>
-            </a:r>
-            <a:endParaRPr lang="en-US" sz="1800">
-              <a:latin typeface="FreeMono" panose="020F0409020205020404" charset="0"/>
-              <a:ea typeface="FreeMono" panose="020F0409020205020404" charset="0"/>
-            </a:endParaRPr>
-          </a:p>
-          <a:p>
-            <a:pPr marL="0" indent="0">
-              <a:lnSpc>
-                <a:spcPct val="80000"/>
-              </a:lnSpc>
-              <a:buNone/>
-            </a:pPr>
-            <a:r>
-              <a:rPr lang="en-US" sz="1800">
-                <a:latin typeface="FreeMono" panose="020F0409020205020404" charset="0"/>
-                <a:ea typeface="FreeMono" panose="020F0409020205020404" charset="0"/>
-              </a:rPr>
-              <a:t>}</a:t>
-            </a:r>
-            <a:endParaRPr lang="en-US" sz="1800">
-              <a:latin typeface="FreeMono" panose="020F0409020205020404" charset="0"/>
-              <a:ea typeface="FreeMono" panose="020F0409020205020404" charset="0"/>
-            </a:endParaRPr>
-          </a:p>
-          <a:p>
-            <a:pPr marL="0" indent="0">
-              <a:lnSpc>
-                <a:spcPct val="80000"/>
-              </a:lnSpc>
-              <a:buNone/>
-            </a:pPr>
-            <a:r>
-              <a:rPr lang="en-US" sz="1800">
-                <a:latin typeface="FreeMono" panose="020F0409020205020404" charset="0"/>
-                <a:ea typeface="FreeMono" panose="020F0409020205020404" charset="0"/>
-              </a:rPr>
-              <a:t>-----------------------------------------------------</a:t>
-            </a:r>
-            <a:r>
-              <a:rPr lang="" altLang="en-US" sz="1800">
-                <a:latin typeface="FreeMono" panose="020F0409020205020404" charset="0"/>
-                <a:ea typeface="FreeMono" panose="020F0409020205020404" charset="0"/>
-              </a:rPr>
-              <a:t>--</a:t>
-            </a:r>
-            <a:endParaRPr lang="en-US" sz="1800">
-              <a:latin typeface="FreeMono" panose="020F0409020205020404" charset="0"/>
-              <a:ea typeface="FreeMono" panose="020F0409020205020404" charset="0"/>
-            </a:endParaRPr>
-          </a:p>
-          <a:p>
-            <a:pPr marL="0" indent="0">
-              <a:lnSpc>
-                <a:spcPct val="80000"/>
-              </a:lnSpc>
-              <a:buNone/>
-            </a:pPr>
-            <a:r>
-              <a:rPr lang="en-US" sz="1800">
-                <a:latin typeface="FreeMono" panose="020F0409020205020404" charset="0"/>
-                <a:ea typeface="FreeMono" panose="020F0409020205020404" charset="0"/>
-              </a:rPr>
-              <a:t>public boolean isEmpty() // true if stack is empty</a:t>
-            </a:r>
-            <a:endParaRPr lang="en-US" sz="1800">
-              <a:latin typeface="FreeMono" panose="020F0409020205020404" charset="0"/>
-              <a:ea typeface="FreeMono" panose="020F0409020205020404" charset="0"/>
-            </a:endParaRPr>
-          </a:p>
-          <a:p>
-            <a:pPr marL="0" indent="0">
-              <a:lnSpc>
-                <a:spcPct val="80000"/>
-              </a:lnSpc>
-              <a:buNone/>
-            </a:pPr>
-            <a:r>
-              <a:rPr lang="en-US" sz="1800">
-                <a:latin typeface="FreeMono" panose="020F0409020205020404" charset="0"/>
-                <a:ea typeface="FreeMono" panose="020F0409020205020404" charset="0"/>
-              </a:rPr>
-              <a:t>{</a:t>
-            </a:r>
-            <a:endParaRPr lang="en-US" sz="1800">
-              <a:latin typeface="FreeMono" panose="020F0409020205020404" charset="0"/>
-              <a:ea typeface="FreeMono" panose="020F0409020205020404" charset="0"/>
-            </a:endParaRPr>
-          </a:p>
-          <a:p>
-            <a:pPr marL="0" indent="0">
-              <a:lnSpc>
-                <a:spcPct val="80000"/>
-              </a:lnSpc>
-              <a:buNone/>
-            </a:pPr>
-            <a:r>
-              <a:rPr lang="en-US" sz="1800">
-                <a:latin typeface="FreeMono" panose="020F0409020205020404" charset="0"/>
-                <a:ea typeface="FreeMono" panose="020F0409020205020404" charset="0"/>
-              </a:rPr>
-              <a:t>return (top == -1);</a:t>
-            </a:r>
-            <a:endParaRPr lang="en-US" sz="1800">
-              <a:latin typeface="FreeMono" panose="020F0409020205020404" charset="0"/>
-              <a:ea typeface="FreeMono" panose="020F0409020205020404" charset="0"/>
-            </a:endParaRPr>
-          </a:p>
-          <a:p>
-            <a:pPr marL="0" indent="0">
-              <a:lnSpc>
-                <a:spcPct val="80000"/>
-              </a:lnSpc>
-              <a:buNone/>
-            </a:pPr>
-            <a:r>
-              <a:rPr lang="en-US" sz="1800">
-                <a:latin typeface="FreeMono" panose="020F0409020205020404" charset="0"/>
-                <a:ea typeface="FreeMono" panose="020F0409020205020404" charset="0"/>
-              </a:rPr>
-              <a:t>}</a:t>
-            </a:r>
-            <a:endParaRPr lang="en-US" sz="1800">
-              <a:latin typeface="FreeMono" panose="020F0409020205020404" charset="0"/>
-              <a:ea typeface="FreeMono" panose="020F0409020205020404" charset="0"/>
-            </a:endParaRPr>
-          </a:p>
-          <a:p>
-            <a:pPr marL="0" indent="0">
-              <a:lnSpc>
-                <a:spcPct val="80000"/>
-              </a:lnSpc>
-              <a:buNone/>
-            </a:pPr>
-            <a:r>
-              <a:rPr lang="en-US" sz="1800">
-                <a:latin typeface="FreeMono" panose="020F0409020205020404" charset="0"/>
-                <a:ea typeface="FreeMono" panose="020F0409020205020404" charset="0"/>
-              </a:rPr>
-              <a:t>-------------------------------------------------------</a:t>
-            </a:r>
-            <a:endParaRPr lang="en-US" sz="1800">
-              <a:latin typeface="FreeMono" panose="020F0409020205020404" charset="0"/>
-              <a:ea typeface="FreeMono" panose="020F0409020205020404" charset="0"/>
-            </a:endParaRPr>
-          </a:p>
-          <a:p>
-            <a:pPr marL="0" indent="0">
-              <a:lnSpc>
-                <a:spcPct val="80000"/>
-              </a:lnSpc>
-              <a:buNone/>
-            </a:pPr>
-            <a:r>
-              <a:rPr lang="en-US" sz="1800">
-                <a:latin typeface="FreeMono" panose="020F0409020205020404" charset="0"/>
-                <a:ea typeface="FreeMono" panose="020F0409020205020404" charset="0"/>
-              </a:rPr>
-              <a:t>public boolean isFull() // true if stack is full</a:t>
-            </a:r>
-            <a:endParaRPr lang="en-US" sz="1800">
-              <a:latin typeface="FreeMono" panose="020F0409020205020404" charset="0"/>
-              <a:ea typeface="FreeMono" panose="020F0409020205020404" charset="0"/>
-            </a:endParaRPr>
-          </a:p>
-          <a:p>
-            <a:pPr marL="0" indent="0">
-              <a:lnSpc>
-                <a:spcPct val="80000"/>
-              </a:lnSpc>
-              <a:buNone/>
-            </a:pPr>
-            <a:r>
-              <a:rPr lang="en-US" sz="1800">
-                <a:latin typeface="FreeMono" panose="020F0409020205020404" charset="0"/>
-                <a:ea typeface="FreeMono" panose="020F0409020205020404" charset="0"/>
-              </a:rPr>
-              <a:t>{</a:t>
-            </a:r>
-            <a:endParaRPr lang="en-US" sz="1800">
-              <a:latin typeface="FreeMono" panose="020F0409020205020404" charset="0"/>
-              <a:ea typeface="FreeMono" panose="020F0409020205020404" charset="0"/>
-            </a:endParaRPr>
-          </a:p>
-          <a:p>
-            <a:pPr marL="0" indent="0">
-              <a:lnSpc>
-                <a:spcPct val="80000"/>
-              </a:lnSpc>
-              <a:buNone/>
-            </a:pPr>
-            <a:r>
-              <a:rPr lang="en-US" sz="1800">
-                <a:latin typeface="FreeMono" panose="020F0409020205020404" charset="0"/>
-                <a:ea typeface="FreeMono" panose="020F0409020205020404" charset="0"/>
-              </a:rPr>
-              <a:t>return (top == maxSize-1);</a:t>
-            </a:r>
-            <a:endParaRPr lang="en-US" sz="1800">
-              <a:latin typeface="FreeMono" panose="020F0409020205020404" charset="0"/>
-              <a:ea typeface="FreeMono" panose="020F0409020205020404" charset="0"/>
-            </a:endParaRPr>
-          </a:p>
-          <a:p>
-            <a:pPr marL="0" indent="0">
-              <a:lnSpc>
-                <a:spcPct val="80000"/>
-              </a:lnSpc>
-              <a:buNone/>
-            </a:pPr>
-            <a:r>
-              <a:rPr lang="en-US" sz="1800">
-                <a:latin typeface="FreeMono" panose="020F0409020205020404" charset="0"/>
-                <a:ea typeface="FreeMono" panose="020F0409020205020404" charset="0"/>
-              </a:rPr>
-              <a:t>}</a:t>
-            </a:r>
-            <a:endParaRPr lang="en-US" sz="1800">
-              <a:latin typeface="FreeMono" panose="020F0409020205020404" charset="0"/>
-              <a:ea typeface="FreeMono" panose="020F0409020205020404" charset="0"/>
-            </a:endParaRPr>
-          </a:p>
-          <a:p>
-            <a:pPr marL="0" indent="0">
-              <a:lnSpc>
-                <a:spcPct val="80000"/>
-              </a:lnSpc>
-              <a:buNone/>
-            </a:pPr>
-            <a:r>
-              <a:rPr lang="en-US" sz="1800">
-                <a:latin typeface="FreeMono" panose="020F0409020205020404" charset="0"/>
-                <a:ea typeface="FreeMono" panose="020F0409020205020404" charset="0"/>
-              </a:rPr>
-              <a:t>-----------------------------------------------------</a:t>
-            </a:r>
-            <a:r>
-              <a:rPr lang="" altLang="en-US" sz="1800">
-                <a:latin typeface="FreeMono" panose="020F0409020205020404" charset="0"/>
-                <a:ea typeface="FreeMono" panose="020F0409020205020404" charset="0"/>
-              </a:rPr>
-              <a:t>--</a:t>
-            </a:r>
-            <a:endParaRPr lang="en-US" sz="1800">
-              <a:latin typeface="FreeMono" panose="020F0409020205020404" charset="0"/>
-              <a:ea typeface="FreeMono" panose="020F0409020205020404" charset="0"/>
-            </a:endParaRPr>
-          </a:p>
-          <a:p>
-            <a:pPr marL="0" indent="0">
-              <a:lnSpc>
-                <a:spcPct val="80000"/>
-              </a:lnSpc>
-              <a:buNone/>
-            </a:pPr>
-            <a:r>
-              <a:rPr lang="en-US" sz="1800">
-                <a:latin typeface="FreeMono" panose="020F0409020205020404" charset="0"/>
-                <a:ea typeface="FreeMono" panose="020F0409020205020404" charset="0"/>
-              </a:rPr>
-              <a:t>} // end class StackX</a:t>
-            </a:r>
-            <a:endParaRPr lang="en-US" sz="1800">
-              <a:latin typeface="FreeMono" panose="020F0409020205020404" charset="0"/>
-              <a:ea typeface="FreeMono" panose="020F0409020205020404" charset="0"/>
-            </a:endParaRPr>
-          </a:p>
-        </p:txBody>
-      </p:sp>
-      <p:sp>
-        <p:nvSpPr>
-          <p:cNvPr id="2" name="Title 1"/>
-          <p:cNvSpPr>
-            <a:spLocks noGrp="1"/>
-          </p:cNvSpPr>
-          <p:nvPr>
-            <p:ph type="title"/>
-          </p:nvPr>
-        </p:nvSpPr>
-        <p:spPr>
-          <a:xfrm>
-            <a:off x="466090" y="15875"/>
-            <a:ext cx="7772400" cy="911860"/>
-          </a:xfrm>
-        </p:spPr>
-        <p:txBody>
-          <a:bodyPr/>
-          <a:p>
-            <a:r>
-              <a:rPr lang="" altLang="en-US">
-                <a:latin typeface="Noto Serif CJK JP" panose="02020400000000000000" charset="-122"/>
-                <a:ea typeface="Noto Serif CJK JP" panose="02020400000000000000" charset="-122"/>
-              </a:rPr>
-              <a:t>Cont.</a:t>
-            </a:r>
-            <a:endParaRPr lang="" altLang="en-US">
-              <a:latin typeface="Noto Serif CJK JP" panose="02020400000000000000" charset="-122"/>
-              <a:ea typeface="Noto Serif CJK JP" panose="02020400000000000000" charset="-122"/>
-            </a:endParaRPr>
-          </a:p>
-        </p:txBody>
-      </p:sp>
-    </p:spTree>
-  </p:cSld>
-  <p:clrMapOvr>
-    <a:masterClrMapping/>
-  </p:clrMapOvr>
-</p:sld>
-</file>
-
 <file path=ppt/slides/slide19.xml><?xml version="1.0" encoding="utf-8"?>
 <p:sld xmlns:a="http://schemas.openxmlformats.org/drawingml/2006/main" xmlns:r="http://schemas.openxmlformats.org/officeDocument/2006/relationships" xmlns:p="http://schemas.openxmlformats.org/presentationml/2006/main">
   <p:cSld>
@@ -7389,220 +6923,457 @@
       <p:grpSpPr/>
       <p:sp>
         <p:nvSpPr>
-          <p:cNvPr id="2" name="Title 1"/>
-          <p:cNvSpPr>
-            <a:spLocks noGrp="1"/>
-          </p:cNvSpPr>
-          <p:nvPr>
-            <p:ph type="title"/>
+          <p:cNvPr id="3" name="Content Placeholder 2"/>
+          <p:cNvSpPr>
+            <a:spLocks noGrp="1"/>
+          </p:cNvSpPr>
+          <p:nvPr>
+            <p:ph idx="1"/>
           </p:nvPr>
         </p:nvSpPr>
         <p:spPr>
           <a:xfrm>
-            <a:off x="685800" y="203835"/>
-            <a:ext cx="7772400" cy="652145"/>
+            <a:off x="685800" y="928370"/>
+            <a:ext cx="7772400" cy="5702300"/>
           </a:xfrm>
         </p:spPr>
         <p:txBody>
           <a:bodyPr/>
           <a:p>
-            <a:r>
-              <a:rPr lang="" altLang="en-US" sz="2800">
-                <a:latin typeface="Noto Serif CJK JP" panose="02020400000000000000" charset="-122"/>
-                <a:ea typeface="Noto Serif CJK JP" panose="02020400000000000000" charset="-122"/>
-              </a:rPr>
-              <a:t>Queue</a:t>
-            </a:r>
-            <a:endParaRPr lang="" altLang="en-US" sz="2800">
-              <a:latin typeface="Noto Serif CJK JP" panose="02020400000000000000" charset="-122"/>
-              <a:ea typeface="Noto Serif CJK JP" panose="02020400000000000000" charset="-122"/>
-            </a:endParaRPr>
-          </a:p>
-        </p:txBody>
-      </p:sp>
-      <p:sp>
-        <p:nvSpPr>
-          <p:cNvPr id="3" name="Content Placeholder 2"/>
-          <p:cNvSpPr>
-            <a:spLocks noGrp="1"/>
-          </p:cNvSpPr>
-          <p:nvPr>
-            <p:ph idx="1"/>
+            <a:pPr marL="0" indent="0">
+              <a:lnSpc>
+                <a:spcPct val="80000"/>
+              </a:lnSpc>
+              <a:buNone/>
+            </a:pPr>
+            <a:r>
+              <a:rPr lang="en-US" sz="1800">
+                <a:latin typeface="FreeMono" panose="020F0409020205020404" charset="0"/>
+                <a:ea typeface="FreeMono" panose="020F0409020205020404" charset="0"/>
+              </a:rPr>
+              <a:t>class </a:t>
+            </a:r>
+            <a:r>
+              <a:rPr lang="en-US" sz="1800" b="1">
+                <a:latin typeface="FreeMono" panose="020F0409020205020404" charset="0"/>
+                <a:ea typeface="FreeMono" panose="020F0409020205020404" charset="0"/>
+              </a:rPr>
+              <a:t>StackX</a:t>
+            </a:r>
+            <a:endParaRPr lang="en-US" sz="1800">
+              <a:latin typeface="FreeMono" panose="020F0409020205020404" charset="0"/>
+              <a:ea typeface="FreeMono" panose="020F0409020205020404" charset="0"/>
+            </a:endParaRPr>
+          </a:p>
+          <a:p>
+            <a:pPr marL="0" indent="0">
+              <a:lnSpc>
+                <a:spcPct val="80000"/>
+              </a:lnSpc>
+              <a:buNone/>
+            </a:pPr>
+            <a:r>
+              <a:rPr lang="en-US" sz="1800">
+                <a:latin typeface="FreeMono" panose="020F0409020205020404" charset="0"/>
+                <a:ea typeface="FreeMono" panose="020F0409020205020404" charset="0"/>
+              </a:rPr>
+              <a:t>{</a:t>
+            </a:r>
+            <a:endParaRPr lang="en-US" sz="1800">
+              <a:latin typeface="FreeMono" panose="020F0409020205020404" charset="0"/>
+              <a:ea typeface="FreeMono" panose="020F0409020205020404" charset="0"/>
+            </a:endParaRPr>
+          </a:p>
+          <a:p>
+            <a:pPr marL="0" indent="0">
+              <a:lnSpc>
+                <a:spcPct val="80000"/>
+              </a:lnSpc>
+              <a:buNone/>
+            </a:pPr>
+            <a:r>
+              <a:rPr lang="en-US" altLang="en-US" sz="1800">
+                <a:latin typeface="FreeMono" panose="020F0409020205020404" charset="0"/>
+                <a:ea typeface="FreeMono" panose="020F0409020205020404" charset="0"/>
+              </a:rPr>
+              <a:t>	</a:t>
+            </a:r>
+            <a:r>
+              <a:rPr lang="en-US" sz="1800">
+                <a:latin typeface="FreeMono" panose="020F0409020205020404" charset="0"/>
+                <a:ea typeface="FreeMono" panose="020F0409020205020404" charset="0"/>
+              </a:rPr>
+              <a:t>private int maxSize; // size of stack array</a:t>
+            </a:r>
+            <a:endParaRPr lang="en-US" sz="1800">
+              <a:latin typeface="FreeMono" panose="020F0409020205020404" charset="0"/>
+              <a:ea typeface="FreeMono" panose="020F0409020205020404" charset="0"/>
+            </a:endParaRPr>
+          </a:p>
+          <a:p>
+            <a:pPr marL="0" indent="0">
+              <a:lnSpc>
+                <a:spcPct val="80000"/>
+              </a:lnSpc>
+              <a:buNone/>
+            </a:pPr>
+            <a:r>
+              <a:rPr lang="en-US" altLang="en-US" sz="1800">
+                <a:latin typeface="FreeMono" panose="020F0409020205020404" charset="0"/>
+                <a:ea typeface="FreeMono" panose="020F0409020205020404" charset="0"/>
+              </a:rPr>
+              <a:t>	</a:t>
+            </a:r>
+            <a:r>
+              <a:rPr lang="en-US" sz="1800">
+                <a:latin typeface="FreeMono" panose="020F0409020205020404" charset="0"/>
+                <a:ea typeface="FreeMono" panose="020F0409020205020404" charset="0"/>
+              </a:rPr>
+              <a:t>private long[] stackArray;</a:t>
+            </a:r>
+            <a:endParaRPr lang="en-US" sz="1800">
+              <a:latin typeface="FreeMono" panose="020F0409020205020404" charset="0"/>
+              <a:ea typeface="FreeMono" panose="020F0409020205020404" charset="0"/>
+            </a:endParaRPr>
+          </a:p>
+          <a:p>
+            <a:pPr marL="0" indent="0">
+              <a:lnSpc>
+                <a:spcPct val="80000"/>
+              </a:lnSpc>
+              <a:buNone/>
+            </a:pPr>
+            <a:r>
+              <a:rPr lang="en-US" altLang="en-US" sz="1800">
+                <a:latin typeface="FreeMono" panose="020F0409020205020404" charset="0"/>
+                <a:ea typeface="FreeMono" panose="020F0409020205020404" charset="0"/>
+              </a:rPr>
+              <a:t>	</a:t>
+            </a:r>
+            <a:r>
+              <a:rPr lang="en-US" sz="1800">
+                <a:latin typeface="FreeMono" panose="020F0409020205020404" charset="0"/>
+                <a:ea typeface="FreeMono" panose="020F0409020205020404" charset="0"/>
+              </a:rPr>
+              <a:t>private int top; // top of stack</a:t>
+            </a:r>
+            <a:endParaRPr lang="en-US" sz="1800">
+              <a:latin typeface="FreeMono" panose="020F0409020205020404" charset="0"/>
+              <a:ea typeface="FreeMono" panose="020F0409020205020404" charset="0"/>
+            </a:endParaRPr>
+          </a:p>
+          <a:p>
+            <a:pPr marL="0" indent="0">
+              <a:lnSpc>
+                <a:spcPct val="80000"/>
+              </a:lnSpc>
+              <a:buNone/>
+            </a:pPr>
+            <a:r>
+              <a:rPr lang="en-US" sz="1800">
+                <a:latin typeface="FreeMono" panose="020F0409020205020404" charset="0"/>
+                <a:ea typeface="FreeMono" panose="020F0409020205020404" charset="0"/>
+              </a:rPr>
+              <a:t>-------------------------------------------------------</a:t>
+            </a:r>
+            <a:endParaRPr lang="en-US" sz="1800">
+              <a:latin typeface="FreeMono" panose="020F0409020205020404" charset="0"/>
+              <a:ea typeface="FreeMono" panose="020F0409020205020404" charset="0"/>
+            </a:endParaRPr>
+          </a:p>
+          <a:p>
+            <a:pPr marL="0" indent="0">
+              <a:lnSpc>
+                <a:spcPct val="80000"/>
+              </a:lnSpc>
+              <a:buNone/>
+            </a:pPr>
+            <a:r>
+              <a:rPr lang="en-US" sz="1800">
+                <a:latin typeface="FreeMono" panose="020F0409020205020404" charset="0"/>
+                <a:ea typeface="FreeMono" panose="020F0409020205020404" charset="0"/>
+              </a:rPr>
+              <a:t>public </a:t>
+            </a:r>
+            <a:r>
+              <a:rPr lang="en-US" altLang="en-US" sz="1800">
+                <a:latin typeface="FreeMono" panose="020F0409020205020404" charset="0"/>
+                <a:ea typeface="FreeMono" panose="020F0409020205020404" charset="0"/>
+              </a:rPr>
+              <a:t>void </a:t>
+            </a:r>
+            <a:r>
+              <a:rPr lang="en-US" sz="1800">
+                <a:latin typeface="FreeMono" panose="020F0409020205020404" charset="0"/>
+                <a:ea typeface="FreeMono" panose="020F0409020205020404" charset="0"/>
+              </a:rPr>
+              <a:t>StackX(int s) // constructor</a:t>
+            </a:r>
+            <a:endParaRPr lang="en-US" sz="1800">
+              <a:latin typeface="FreeMono" panose="020F0409020205020404" charset="0"/>
+              <a:ea typeface="FreeMono" panose="020F0409020205020404" charset="0"/>
+            </a:endParaRPr>
+          </a:p>
+          <a:p>
+            <a:pPr marL="0" indent="0">
+              <a:lnSpc>
+                <a:spcPct val="80000"/>
+              </a:lnSpc>
+              <a:buNone/>
+            </a:pPr>
+            <a:r>
+              <a:rPr lang="en-US" sz="1800">
+                <a:latin typeface="FreeMono" panose="020F0409020205020404" charset="0"/>
+                <a:ea typeface="FreeMono" panose="020F0409020205020404" charset="0"/>
+              </a:rPr>
+              <a:t>{</a:t>
+            </a:r>
+            <a:endParaRPr lang="en-US" sz="1800">
+              <a:latin typeface="FreeMono" panose="020F0409020205020404" charset="0"/>
+              <a:ea typeface="FreeMono" panose="020F0409020205020404" charset="0"/>
+            </a:endParaRPr>
+          </a:p>
+          <a:p>
+            <a:pPr marL="0" indent="0">
+              <a:lnSpc>
+                <a:spcPct val="80000"/>
+              </a:lnSpc>
+              <a:buNone/>
+            </a:pPr>
+            <a:r>
+              <a:rPr lang="en-US" altLang="en-US" sz="1800">
+                <a:latin typeface="FreeMono" panose="020F0409020205020404" charset="0"/>
+                <a:ea typeface="FreeMono" panose="020F0409020205020404" charset="0"/>
+              </a:rPr>
+              <a:t>	</a:t>
+            </a:r>
+            <a:r>
+              <a:rPr lang="en-US" sz="1800">
+                <a:latin typeface="FreeMono" panose="020F0409020205020404" charset="0"/>
+                <a:ea typeface="FreeMono" panose="020F0409020205020404" charset="0"/>
+              </a:rPr>
+              <a:t>maxSize = s; // set array size</a:t>
+            </a:r>
+            <a:endParaRPr lang="en-US" sz="1800">
+              <a:latin typeface="FreeMono" panose="020F0409020205020404" charset="0"/>
+              <a:ea typeface="FreeMono" panose="020F0409020205020404" charset="0"/>
+            </a:endParaRPr>
+          </a:p>
+          <a:p>
+            <a:pPr marL="0" indent="0">
+              <a:lnSpc>
+                <a:spcPct val="80000"/>
+              </a:lnSpc>
+              <a:buNone/>
+            </a:pPr>
+            <a:r>
+              <a:rPr lang="en-US" altLang="en-US" sz="1800">
+                <a:latin typeface="FreeMono" panose="020F0409020205020404" charset="0"/>
+                <a:ea typeface="FreeMono" panose="020F0409020205020404" charset="0"/>
+              </a:rPr>
+              <a:t>	</a:t>
+            </a:r>
+            <a:r>
+              <a:rPr lang="en-US" sz="1800">
+                <a:latin typeface="FreeMono" panose="020F0409020205020404" charset="0"/>
+                <a:ea typeface="FreeMono" panose="020F0409020205020404" charset="0"/>
+              </a:rPr>
+              <a:t>stackArray = new long[maxSize]; // create array</a:t>
+            </a:r>
+            <a:endParaRPr lang="en-US" sz="1800">
+              <a:latin typeface="FreeMono" panose="020F0409020205020404" charset="0"/>
+              <a:ea typeface="FreeMono" panose="020F0409020205020404" charset="0"/>
+            </a:endParaRPr>
+          </a:p>
+          <a:p>
+            <a:pPr marL="0" indent="0">
+              <a:lnSpc>
+                <a:spcPct val="80000"/>
+              </a:lnSpc>
+              <a:buNone/>
+            </a:pPr>
+            <a:r>
+              <a:rPr lang="en-US" altLang="en-US" sz="1800">
+                <a:latin typeface="FreeMono" panose="020F0409020205020404" charset="0"/>
+                <a:ea typeface="FreeMono" panose="020F0409020205020404" charset="0"/>
+              </a:rPr>
+              <a:t>	</a:t>
+            </a:r>
+            <a:r>
+              <a:rPr lang="en-US" sz="1800">
+                <a:latin typeface="FreeMono" panose="020F0409020205020404" charset="0"/>
+                <a:ea typeface="FreeMono" panose="020F0409020205020404" charset="0"/>
+              </a:rPr>
+              <a:t>top = -1; // no items yet</a:t>
+            </a:r>
+            <a:endParaRPr lang="en-US" sz="1800">
+              <a:latin typeface="FreeMono" panose="020F0409020205020404" charset="0"/>
+              <a:ea typeface="FreeMono" panose="020F0409020205020404" charset="0"/>
+            </a:endParaRPr>
+          </a:p>
+          <a:p>
+            <a:pPr marL="0" indent="0">
+              <a:lnSpc>
+                <a:spcPct val="80000"/>
+              </a:lnSpc>
+              <a:buNone/>
+            </a:pPr>
+            <a:r>
+              <a:rPr lang="en-US" sz="1800">
+                <a:latin typeface="FreeMono" panose="020F0409020205020404" charset="0"/>
+                <a:ea typeface="FreeMono" panose="020F0409020205020404" charset="0"/>
+              </a:rPr>
+              <a:t>}</a:t>
+            </a:r>
+            <a:endParaRPr lang="en-US" sz="1800">
+              <a:latin typeface="FreeMono" panose="020F0409020205020404" charset="0"/>
+              <a:ea typeface="FreeMono" panose="020F0409020205020404" charset="0"/>
+            </a:endParaRPr>
+          </a:p>
+          <a:p>
+            <a:pPr marL="0" indent="0">
+              <a:lnSpc>
+                <a:spcPct val="80000"/>
+              </a:lnSpc>
+              <a:buNone/>
+            </a:pPr>
+            <a:r>
+              <a:rPr lang="en-US" sz="1800">
+                <a:latin typeface="FreeMono" panose="020F0409020205020404" charset="0"/>
+                <a:ea typeface="FreeMono" panose="020F0409020205020404" charset="0"/>
+              </a:rPr>
+              <a:t>-----------------------------------------------------</a:t>
+            </a:r>
+            <a:r>
+              <a:rPr lang="en-US" altLang="en-US" sz="1800">
+                <a:latin typeface="FreeMono" panose="020F0409020205020404" charset="0"/>
+                <a:ea typeface="FreeMono" panose="020F0409020205020404" charset="0"/>
+              </a:rPr>
+              <a:t>--</a:t>
+            </a:r>
+            <a:endParaRPr lang="en-US" sz="1800">
+              <a:latin typeface="FreeMono" panose="020F0409020205020404" charset="0"/>
+              <a:ea typeface="FreeMono" panose="020F0409020205020404" charset="0"/>
+            </a:endParaRPr>
+          </a:p>
+          <a:p>
+            <a:pPr marL="0" indent="0">
+              <a:lnSpc>
+                <a:spcPct val="80000"/>
+              </a:lnSpc>
+              <a:buNone/>
+            </a:pPr>
+            <a:endParaRPr lang="en-US" sz="1800">
+              <a:latin typeface="FreeMono" panose="020F0409020205020404" charset="0"/>
+              <a:ea typeface="FreeMono" panose="020F0409020205020404" charset="0"/>
+            </a:endParaRPr>
+          </a:p>
+          <a:p>
+            <a:pPr marL="0" indent="0">
+              <a:lnSpc>
+                <a:spcPct val="80000"/>
+              </a:lnSpc>
+              <a:buNone/>
+            </a:pPr>
+            <a:r>
+              <a:rPr lang="en-US" sz="1800">
+                <a:latin typeface="FreeMono" panose="020F0409020205020404" charset="0"/>
+                <a:ea typeface="FreeMono" panose="020F0409020205020404" charset="0"/>
+              </a:rPr>
+              <a:t>public void push(long j) // put item on top of stack</a:t>
+            </a:r>
+            <a:endParaRPr lang="en-US" sz="1800">
+              <a:latin typeface="FreeMono" panose="020F0409020205020404" charset="0"/>
+              <a:ea typeface="FreeMono" panose="020F0409020205020404" charset="0"/>
+            </a:endParaRPr>
+          </a:p>
+          <a:p>
+            <a:pPr marL="0" indent="0">
+              <a:lnSpc>
+                <a:spcPct val="80000"/>
+              </a:lnSpc>
+              <a:buNone/>
+            </a:pPr>
+            <a:r>
+              <a:rPr lang="en-US" sz="1800">
+                <a:latin typeface="FreeMono" panose="020F0409020205020404" charset="0"/>
+                <a:ea typeface="FreeMono" panose="020F0409020205020404" charset="0"/>
+              </a:rPr>
+              <a:t>{</a:t>
+            </a:r>
+            <a:endParaRPr lang="en-US" sz="1800">
+              <a:latin typeface="FreeMono" panose="020F0409020205020404" charset="0"/>
+              <a:ea typeface="FreeMono" panose="020F0409020205020404" charset="0"/>
+            </a:endParaRPr>
+          </a:p>
+          <a:p>
+            <a:pPr marL="0" indent="0">
+              <a:lnSpc>
+                <a:spcPct val="80000"/>
+              </a:lnSpc>
+              <a:buNone/>
+            </a:pPr>
+            <a:r>
+              <a:rPr lang="en-US" sz="1800">
+                <a:latin typeface="FreeMono" panose="020F0409020205020404" charset="0"/>
+                <a:ea typeface="FreeMono" panose="020F0409020205020404" charset="0"/>
+              </a:rPr>
+              <a:t>stackArray[++top] = j; // increment top, insert item</a:t>
+            </a:r>
+            <a:endParaRPr lang="en-US" sz="1800">
+              <a:latin typeface="FreeMono" panose="020F0409020205020404" charset="0"/>
+              <a:ea typeface="FreeMono" panose="020F0409020205020404" charset="0"/>
+            </a:endParaRPr>
+          </a:p>
+          <a:p>
+            <a:pPr marL="0" indent="0">
+              <a:lnSpc>
+                <a:spcPct val="80000"/>
+              </a:lnSpc>
+              <a:buNone/>
+            </a:pPr>
+            <a:r>
+              <a:rPr lang="en-US" sz="1800">
+                <a:latin typeface="FreeMono" panose="020F0409020205020404" charset="0"/>
+                <a:ea typeface="FreeMono" panose="020F0409020205020404" charset="0"/>
+              </a:rPr>
+              <a:t>}</a:t>
+            </a:r>
+            <a:endParaRPr lang="en-US" sz="1800">
+              <a:latin typeface="FreeMono" panose="020F0409020205020404" charset="0"/>
+              <a:ea typeface="FreeMono" panose="020F0409020205020404" charset="0"/>
+            </a:endParaRPr>
+          </a:p>
+        </p:txBody>
+      </p:sp>
+      <p:sp>
+        <p:nvSpPr>
+          <p:cNvPr id="2" name="Title 1"/>
+          <p:cNvSpPr>
+            <a:spLocks noGrp="1"/>
+          </p:cNvSpPr>
+          <p:nvPr>
+            <p:ph type="title"/>
           </p:nvPr>
         </p:nvSpPr>
         <p:spPr>
           <a:xfrm>
-            <a:off x="685800" y="1036955"/>
-            <a:ext cx="7772400" cy="5382260"/>
+            <a:off x="466090" y="15875"/>
+            <a:ext cx="7772400" cy="911860"/>
           </a:xfrm>
         </p:spPr>
         <p:txBody>
           <a:bodyPr/>
           <a:p>
-            <a:pPr>
-              <a:lnSpc>
-                <a:spcPct val="180000"/>
-              </a:lnSpc>
-            </a:pPr>
-            <a:r>
-              <a:rPr lang="en-US" altLang="en-US" sz="2400">
-                <a:latin typeface="Noto Serif CJK JP" panose="02020400000000000000" charset="-122"/>
-                <a:ea typeface="Noto Serif CJK JP" panose="02020400000000000000" charset="-122"/>
-              </a:rPr>
-              <a:t>L</a:t>
-            </a:r>
-            <a:r>
-              <a:rPr lang="en-US" sz="2400">
-                <a:latin typeface="Noto Serif CJK JP" panose="02020400000000000000" charset="-122"/>
-                <a:ea typeface="Noto Serif CJK JP" panose="02020400000000000000" charset="-122"/>
-              </a:rPr>
-              <a:t>inear data structure</a:t>
-            </a:r>
-            <a:endParaRPr lang="en-US" sz="2400">
-              <a:latin typeface="Noto Serif CJK JP" panose="02020400000000000000" charset="-122"/>
-              <a:ea typeface="Noto Serif CJK JP" panose="02020400000000000000" charset="-122"/>
-            </a:endParaRPr>
-          </a:p>
-          <a:p>
-            <a:pPr>
-              <a:lnSpc>
-                <a:spcPct val="180000"/>
-              </a:lnSpc>
-            </a:pPr>
-            <a:r>
-              <a:rPr lang="en-US" altLang="en-US" sz="2400">
-                <a:latin typeface="Noto Serif CJK JP" panose="02020400000000000000" charset="-122"/>
-                <a:ea typeface="Noto Serif CJK JP" panose="02020400000000000000" charset="-122"/>
-              </a:rPr>
-              <a:t>N</a:t>
-            </a:r>
-            <a:r>
-              <a:rPr lang="en-US" sz="2400">
-                <a:latin typeface="Noto Serif CJK JP" panose="02020400000000000000" charset="-122"/>
-                <a:ea typeface="Noto Serif CJK JP" panose="02020400000000000000" charset="-122"/>
-              </a:rPr>
-              <a:t>ew element is added at one end and (</a:t>
-            </a:r>
-            <a:r>
-              <a:rPr lang="" altLang="en-US" sz="2400">
-                <a:latin typeface="Noto Serif CJK JP" panose="02020400000000000000" charset="-122"/>
-                <a:ea typeface="Noto Serif CJK JP" panose="02020400000000000000" charset="-122"/>
-              </a:rPr>
-              <a:t>rear</a:t>
-            </a:r>
-            <a:r>
-              <a:rPr lang="en-US" sz="2400">
-                <a:latin typeface="Noto Serif CJK JP" panose="02020400000000000000" charset="-122"/>
-                <a:ea typeface="Noto Serif CJK JP" panose="02020400000000000000" charset="-122"/>
-              </a:rPr>
-              <a:t>) an element is removed  </a:t>
-            </a:r>
-            <a:r>
-              <a:rPr lang="" altLang="en-US" sz="2400">
-                <a:latin typeface="Noto Serif CJK JP" panose="02020400000000000000" charset="-122"/>
-                <a:ea typeface="Noto Serif CJK JP" panose="02020400000000000000" charset="-122"/>
-              </a:rPr>
-              <a:t>other </a:t>
-            </a:r>
-            <a:r>
-              <a:rPr lang="en-US" sz="2400">
-                <a:latin typeface="Noto Serif CJK JP" panose="02020400000000000000" charset="-122"/>
-                <a:ea typeface="Noto Serif CJK JP" panose="02020400000000000000" charset="-122"/>
-              </a:rPr>
-              <a:t>end </a:t>
-            </a:r>
-            <a:r>
-              <a:rPr lang="" altLang="en-US" sz="2400">
-                <a:latin typeface="Noto Serif CJK JP" panose="02020400000000000000" charset="-122"/>
-                <a:ea typeface="Noto Serif CJK JP" panose="02020400000000000000" charset="-122"/>
-              </a:rPr>
-              <a:t>(front)</a:t>
-            </a:r>
-            <a:r>
-              <a:rPr lang="en-US" sz="2400">
-                <a:latin typeface="Noto Serif CJK JP" panose="02020400000000000000" charset="-122"/>
-                <a:ea typeface="Noto Serif CJK JP" panose="02020400000000000000" charset="-122"/>
-              </a:rPr>
-              <a:t>.</a:t>
-            </a:r>
-            <a:endParaRPr lang="en-US" sz="2400">
-              <a:latin typeface="Noto Serif CJK JP" panose="02020400000000000000" charset="-122"/>
-              <a:ea typeface="Noto Serif CJK JP" panose="02020400000000000000" charset="-122"/>
-            </a:endParaRPr>
-          </a:p>
-          <a:p>
-            <a:pPr>
-              <a:lnSpc>
-                <a:spcPct val="180000"/>
-              </a:lnSpc>
-            </a:pPr>
-            <a:r>
-              <a:rPr lang="en-US" sz="2400">
-                <a:latin typeface="Noto Serif CJK JP" panose="02020400000000000000" charset="-122"/>
-                <a:ea typeface="Noto Serif CJK JP" panose="02020400000000000000" charset="-122"/>
-              </a:rPr>
-              <a:t>First In First Out (FIFO)..</a:t>
-            </a:r>
-            <a:endParaRPr lang="en-US" sz="2400">
-              <a:latin typeface="Noto Serif CJK JP" panose="02020400000000000000" charset="-122"/>
-              <a:ea typeface="Noto Serif CJK JP" panose="02020400000000000000" charset="-122"/>
-            </a:endParaRPr>
-          </a:p>
-          <a:p>
-            <a:pPr>
-              <a:lnSpc>
-                <a:spcPct val="180000"/>
-              </a:lnSpc>
-            </a:pPr>
-            <a:r>
-              <a:rPr lang="en-US" altLang="en-US" sz="2400">
-                <a:latin typeface="Noto Serif CJK JP" panose="02020400000000000000" charset="-122"/>
-                <a:ea typeface="Noto Serif CJK JP" panose="02020400000000000000" charset="-122"/>
-              </a:rPr>
-              <a:t>Example : </a:t>
-            </a:r>
-            <a:r>
-              <a:rPr lang="" altLang="en-US" sz="2400">
-                <a:latin typeface="Noto Serif CJK JP" panose="02020400000000000000" charset="-122"/>
-                <a:ea typeface="Noto Serif CJK JP" panose="02020400000000000000" charset="-122"/>
-              </a:rPr>
-              <a:t>Queue for Customer Service</a:t>
-            </a:r>
-            <a:r>
-              <a:rPr lang="en-US" altLang="en-US" sz="2400">
-                <a:latin typeface="Noto Serif CJK JP" panose="02020400000000000000" charset="-122"/>
-                <a:ea typeface="Noto Serif CJK JP" panose="02020400000000000000" charset="-122"/>
-              </a:rPr>
-              <a:t> </a:t>
-            </a:r>
-            <a:endParaRPr lang="en-US" altLang="en-US" sz="2400">
-              <a:latin typeface="Noto Serif CJK JP" panose="02020400000000000000" charset="-122"/>
-              <a:ea typeface="Noto Serif CJK JP" panose="02020400000000000000" charset="-122"/>
-            </a:endParaRPr>
-          </a:p>
-          <a:p>
-            <a:pPr>
-              <a:lnSpc>
-                <a:spcPct val="180000"/>
-              </a:lnSpc>
-            </a:pPr>
-            <a:r>
-              <a:rPr lang="en-US" altLang="en-US" sz="2400">
-                <a:latin typeface="Noto Serif CJK JP" panose="02020400000000000000" charset="-122"/>
-                <a:ea typeface="Noto Serif CJK JP" panose="02020400000000000000" charset="-122"/>
-              </a:rPr>
-              <a:t>Can be Implemented using Array or Linked List</a:t>
-            </a:r>
-            <a:endParaRPr lang="en-US" altLang="en-US" sz="2400">
-              <a:latin typeface="Noto Serif CJK JP" panose="02020400000000000000" charset="-122"/>
-              <a:ea typeface="Noto Serif CJK JP" panose="02020400000000000000" charset="-122"/>
-            </a:endParaRPr>
-          </a:p>
-          <a:p>
-            <a:pPr marL="0" indent="0">
-              <a:buNone/>
-            </a:pPr>
-            <a:endParaRPr lang="en-US" altLang="en-US" sz="2100">
+            <a:r>
+              <a:rPr lang="en-US" altLang="en-US">
+                <a:latin typeface="Noto Serif CJK JP" panose="02020400000000000000" charset="-122"/>
+                <a:ea typeface="Noto Serif CJK JP" panose="02020400000000000000" charset="-122"/>
+                <a:sym typeface="+mn-ea"/>
+              </a:rPr>
+              <a:t>Implementation</a:t>
+            </a:r>
+            <a:endParaRPr lang="en-US" altLang="en-US">
               <a:latin typeface="Noto Serif CJK JP" panose="02020400000000000000" charset="-122"/>
               <a:ea typeface="Noto Serif CJK JP" panose="02020400000000000000" charset="-122"/>
             </a:endParaRPr>
@@ -7832,6 +7603,490 @@
       <p:grpSpPr/>
       <p:sp>
         <p:nvSpPr>
+          <p:cNvPr id="3" name="Content Placeholder 2"/>
+          <p:cNvSpPr>
+            <a:spLocks noGrp="1"/>
+          </p:cNvSpPr>
+          <p:nvPr>
+            <p:ph idx="1"/>
+          </p:nvPr>
+        </p:nvSpPr>
+        <p:spPr>
+          <a:xfrm>
+            <a:off x="685800" y="928370"/>
+            <a:ext cx="7772400" cy="5702300"/>
+          </a:xfrm>
+        </p:spPr>
+        <p:txBody>
+          <a:bodyPr/>
+          <a:p>
+            <a:pPr marL="0" indent="0">
+              <a:lnSpc>
+                <a:spcPct val="80000"/>
+              </a:lnSpc>
+              <a:buNone/>
+            </a:pPr>
+            <a:r>
+              <a:rPr lang="en-US" sz="1800">
+                <a:latin typeface="FreeMono" panose="020F0409020205020404" charset="0"/>
+                <a:ea typeface="FreeMono" panose="020F0409020205020404" charset="0"/>
+              </a:rPr>
+              <a:t>public long pop() // take item from top of stack</a:t>
+            </a:r>
+            <a:endParaRPr lang="en-US" sz="1800">
+              <a:latin typeface="FreeMono" panose="020F0409020205020404" charset="0"/>
+              <a:ea typeface="FreeMono" panose="020F0409020205020404" charset="0"/>
+            </a:endParaRPr>
+          </a:p>
+          <a:p>
+            <a:pPr marL="0" indent="0">
+              <a:lnSpc>
+                <a:spcPct val="80000"/>
+              </a:lnSpc>
+              <a:buNone/>
+            </a:pPr>
+            <a:r>
+              <a:rPr lang="en-US" sz="1800">
+                <a:latin typeface="FreeMono" panose="020F0409020205020404" charset="0"/>
+                <a:ea typeface="FreeMono" panose="020F0409020205020404" charset="0"/>
+              </a:rPr>
+              <a:t>{</a:t>
+            </a:r>
+            <a:endParaRPr lang="en-US" sz="1800">
+              <a:latin typeface="FreeMono" panose="020F0409020205020404" charset="0"/>
+              <a:ea typeface="FreeMono" panose="020F0409020205020404" charset="0"/>
+            </a:endParaRPr>
+          </a:p>
+          <a:p>
+            <a:pPr marL="0" indent="0">
+              <a:lnSpc>
+                <a:spcPct val="80000"/>
+              </a:lnSpc>
+              <a:buNone/>
+            </a:pPr>
+            <a:r>
+              <a:rPr lang="en-US" sz="1800">
+                <a:latin typeface="FreeMono" panose="020F0409020205020404" charset="0"/>
+                <a:ea typeface="FreeMono" panose="020F0409020205020404" charset="0"/>
+              </a:rPr>
+              <a:t>return stackArray[top--]; // access item, decrement top</a:t>
+            </a:r>
+            <a:endParaRPr lang="en-US" sz="1800">
+              <a:latin typeface="FreeMono" panose="020F0409020205020404" charset="0"/>
+              <a:ea typeface="FreeMono" panose="020F0409020205020404" charset="0"/>
+            </a:endParaRPr>
+          </a:p>
+          <a:p>
+            <a:pPr marL="0" indent="0">
+              <a:lnSpc>
+                <a:spcPct val="80000"/>
+              </a:lnSpc>
+              <a:buNone/>
+            </a:pPr>
+            <a:r>
+              <a:rPr lang="en-US" sz="1800">
+                <a:latin typeface="FreeMono" panose="020F0409020205020404" charset="0"/>
+                <a:ea typeface="FreeMono" panose="020F0409020205020404" charset="0"/>
+              </a:rPr>
+              <a:t>}</a:t>
+            </a:r>
+            <a:endParaRPr lang="en-US" sz="1800">
+              <a:latin typeface="FreeMono" panose="020F0409020205020404" charset="0"/>
+              <a:ea typeface="FreeMono" panose="020F0409020205020404" charset="0"/>
+            </a:endParaRPr>
+          </a:p>
+          <a:p>
+            <a:pPr marL="0" indent="0">
+              <a:lnSpc>
+                <a:spcPct val="80000"/>
+              </a:lnSpc>
+              <a:buNone/>
+            </a:pPr>
+            <a:r>
+              <a:rPr lang="en-US" sz="1800">
+                <a:latin typeface="FreeMono" panose="020F0409020205020404" charset="0"/>
+                <a:ea typeface="FreeMono" panose="020F0409020205020404" charset="0"/>
+              </a:rPr>
+              <a:t>-----------------------------------------------------</a:t>
+            </a:r>
+            <a:endParaRPr lang="en-US" sz="1800">
+              <a:latin typeface="FreeMono" panose="020F0409020205020404" charset="0"/>
+              <a:ea typeface="FreeMono" panose="020F0409020205020404" charset="0"/>
+            </a:endParaRPr>
+          </a:p>
+          <a:p>
+            <a:pPr marL="0" indent="0">
+              <a:lnSpc>
+                <a:spcPct val="80000"/>
+              </a:lnSpc>
+              <a:buNone/>
+            </a:pPr>
+            <a:r>
+              <a:rPr lang="en-US" sz="1800">
+                <a:latin typeface="FreeMono" panose="020F0409020205020404" charset="0"/>
+                <a:ea typeface="FreeMono" panose="020F0409020205020404" charset="0"/>
+              </a:rPr>
+              <a:t>public long peek() // peek at top of stack</a:t>
+            </a:r>
+            <a:endParaRPr lang="en-US" sz="1800">
+              <a:latin typeface="FreeMono" panose="020F0409020205020404" charset="0"/>
+              <a:ea typeface="FreeMono" panose="020F0409020205020404" charset="0"/>
+            </a:endParaRPr>
+          </a:p>
+          <a:p>
+            <a:pPr marL="0" indent="0">
+              <a:lnSpc>
+                <a:spcPct val="80000"/>
+              </a:lnSpc>
+              <a:buNone/>
+            </a:pPr>
+            <a:r>
+              <a:rPr lang="en-US" sz="1800">
+                <a:latin typeface="FreeMono" panose="020F0409020205020404" charset="0"/>
+                <a:ea typeface="FreeMono" panose="020F0409020205020404" charset="0"/>
+              </a:rPr>
+              <a:t>{</a:t>
+            </a:r>
+            <a:endParaRPr lang="en-US" sz="1800">
+              <a:latin typeface="FreeMono" panose="020F0409020205020404" charset="0"/>
+              <a:ea typeface="FreeMono" panose="020F0409020205020404" charset="0"/>
+            </a:endParaRPr>
+          </a:p>
+          <a:p>
+            <a:pPr marL="0" indent="0">
+              <a:lnSpc>
+                <a:spcPct val="80000"/>
+              </a:lnSpc>
+              <a:buNone/>
+            </a:pPr>
+            <a:r>
+              <a:rPr lang="en-US" sz="1800">
+                <a:latin typeface="FreeMono" panose="020F0409020205020404" charset="0"/>
+                <a:ea typeface="FreeMono" panose="020F0409020205020404" charset="0"/>
+              </a:rPr>
+              <a:t>return stackArray[top];</a:t>
+            </a:r>
+            <a:endParaRPr lang="en-US" sz="1800">
+              <a:latin typeface="FreeMono" panose="020F0409020205020404" charset="0"/>
+              <a:ea typeface="FreeMono" panose="020F0409020205020404" charset="0"/>
+            </a:endParaRPr>
+          </a:p>
+          <a:p>
+            <a:pPr marL="0" indent="0">
+              <a:lnSpc>
+                <a:spcPct val="80000"/>
+              </a:lnSpc>
+              <a:buNone/>
+            </a:pPr>
+            <a:r>
+              <a:rPr lang="en-US" sz="1800">
+                <a:latin typeface="FreeMono" panose="020F0409020205020404" charset="0"/>
+                <a:ea typeface="FreeMono" panose="020F0409020205020404" charset="0"/>
+              </a:rPr>
+              <a:t>}</a:t>
+            </a:r>
+            <a:endParaRPr lang="en-US" sz="1800">
+              <a:latin typeface="FreeMono" panose="020F0409020205020404" charset="0"/>
+              <a:ea typeface="FreeMono" panose="020F0409020205020404" charset="0"/>
+            </a:endParaRPr>
+          </a:p>
+          <a:p>
+            <a:pPr marL="0" indent="0">
+              <a:lnSpc>
+                <a:spcPct val="80000"/>
+              </a:lnSpc>
+              <a:buNone/>
+            </a:pPr>
+            <a:r>
+              <a:rPr lang="en-US" sz="1800">
+                <a:latin typeface="FreeMono" panose="020F0409020205020404" charset="0"/>
+                <a:ea typeface="FreeMono" panose="020F0409020205020404" charset="0"/>
+              </a:rPr>
+              <a:t>-----------------------------------------------------</a:t>
+            </a:r>
+            <a:r>
+              <a:rPr lang="en-US" altLang="en-US" sz="1800">
+                <a:latin typeface="FreeMono" panose="020F0409020205020404" charset="0"/>
+                <a:ea typeface="FreeMono" panose="020F0409020205020404" charset="0"/>
+              </a:rPr>
+              <a:t>--</a:t>
+            </a:r>
+            <a:endParaRPr lang="en-US" sz="1800">
+              <a:latin typeface="FreeMono" panose="020F0409020205020404" charset="0"/>
+              <a:ea typeface="FreeMono" panose="020F0409020205020404" charset="0"/>
+            </a:endParaRPr>
+          </a:p>
+          <a:p>
+            <a:pPr marL="0" indent="0">
+              <a:lnSpc>
+                <a:spcPct val="80000"/>
+              </a:lnSpc>
+              <a:buNone/>
+            </a:pPr>
+            <a:r>
+              <a:rPr lang="en-US" sz="1800">
+                <a:latin typeface="FreeMono" panose="020F0409020205020404" charset="0"/>
+                <a:ea typeface="FreeMono" panose="020F0409020205020404" charset="0"/>
+              </a:rPr>
+              <a:t>public boolean isEmpty() // true if stack is empty</a:t>
+            </a:r>
+            <a:endParaRPr lang="en-US" sz="1800">
+              <a:latin typeface="FreeMono" panose="020F0409020205020404" charset="0"/>
+              <a:ea typeface="FreeMono" panose="020F0409020205020404" charset="0"/>
+            </a:endParaRPr>
+          </a:p>
+          <a:p>
+            <a:pPr marL="0" indent="0">
+              <a:lnSpc>
+                <a:spcPct val="80000"/>
+              </a:lnSpc>
+              <a:buNone/>
+            </a:pPr>
+            <a:r>
+              <a:rPr lang="en-US" sz="1800">
+                <a:latin typeface="FreeMono" panose="020F0409020205020404" charset="0"/>
+                <a:ea typeface="FreeMono" panose="020F0409020205020404" charset="0"/>
+              </a:rPr>
+              <a:t>{</a:t>
+            </a:r>
+            <a:endParaRPr lang="en-US" sz="1800">
+              <a:latin typeface="FreeMono" panose="020F0409020205020404" charset="0"/>
+              <a:ea typeface="FreeMono" panose="020F0409020205020404" charset="0"/>
+            </a:endParaRPr>
+          </a:p>
+          <a:p>
+            <a:pPr marL="0" indent="0">
+              <a:lnSpc>
+                <a:spcPct val="80000"/>
+              </a:lnSpc>
+              <a:buNone/>
+            </a:pPr>
+            <a:r>
+              <a:rPr lang="en-US" sz="1800">
+                <a:latin typeface="FreeMono" panose="020F0409020205020404" charset="0"/>
+                <a:ea typeface="FreeMono" panose="020F0409020205020404" charset="0"/>
+              </a:rPr>
+              <a:t>return (top == -1);</a:t>
+            </a:r>
+            <a:endParaRPr lang="en-US" sz="1800">
+              <a:latin typeface="FreeMono" panose="020F0409020205020404" charset="0"/>
+              <a:ea typeface="FreeMono" panose="020F0409020205020404" charset="0"/>
+            </a:endParaRPr>
+          </a:p>
+          <a:p>
+            <a:pPr marL="0" indent="0">
+              <a:lnSpc>
+                <a:spcPct val="80000"/>
+              </a:lnSpc>
+              <a:buNone/>
+            </a:pPr>
+            <a:r>
+              <a:rPr lang="en-US" sz="1800">
+                <a:latin typeface="FreeMono" panose="020F0409020205020404" charset="0"/>
+                <a:ea typeface="FreeMono" panose="020F0409020205020404" charset="0"/>
+              </a:rPr>
+              <a:t>}</a:t>
+            </a:r>
+            <a:endParaRPr lang="en-US" sz="1800">
+              <a:latin typeface="FreeMono" panose="020F0409020205020404" charset="0"/>
+              <a:ea typeface="FreeMono" panose="020F0409020205020404" charset="0"/>
+            </a:endParaRPr>
+          </a:p>
+          <a:p>
+            <a:pPr marL="0" indent="0">
+              <a:lnSpc>
+                <a:spcPct val="80000"/>
+              </a:lnSpc>
+              <a:buNone/>
+            </a:pPr>
+            <a:r>
+              <a:rPr lang="en-US" sz="1800">
+                <a:latin typeface="FreeMono" panose="020F0409020205020404" charset="0"/>
+                <a:ea typeface="FreeMono" panose="020F0409020205020404" charset="0"/>
+              </a:rPr>
+              <a:t>-------------------------------------------------------</a:t>
+            </a:r>
+            <a:endParaRPr lang="en-US" sz="1800">
+              <a:latin typeface="FreeMono" panose="020F0409020205020404" charset="0"/>
+              <a:ea typeface="FreeMono" panose="020F0409020205020404" charset="0"/>
+            </a:endParaRPr>
+          </a:p>
+          <a:p>
+            <a:pPr marL="0" indent="0">
+              <a:lnSpc>
+                <a:spcPct val="80000"/>
+              </a:lnSpc>
+              <a:buNone/>
+            </a:pPr>
+            <a:r>
+              <a:rPr lang="en-US" sz="1800">
+                <a:latin typeface="FreeMono" panose="020F0409020205020404" charset="0"/>
+                <a:ea typeface="FreeMono" panose="020F0409020205020404" charset="0"/>
+              </a:rPr>
+              <a:t>public boolean isFull() // true if stack is full</a:t>
+            </a:r>
+            <a:endParaRPr lang="en-US" sz="1800">
+              <a:latin typeface="FreeMono" panose="020F0409020205020404" charset="0"/>
+              <a:ea typeface="FreeMono" panose="020F0409020205020404" charset="0"/>
+            </a:endParaRPr>
+          </a:p>
+          <a:p>
+            <a:pPr marL="0" indent="0">
+              <a:lnSpc>
+                <a:spcPct val="80000"/>
+              </a:lnSpc>
+              <a:buNone/>
+            </a:pPr>
+            <a:r>
+              <a:rPr lang="en-US" sz="1800">
+                <a:latin typeface="FreeMono" panose="020F0409020205020404" charset="0"/>
+                <a:ea typeface="FreeMono" panose="020F0409020205020404" charset="0"/>
+              </a:rPr>
+              <a:t>{</a:t>
+            </a:r>
+            <a:endParaRPr lang="en-US" sz="1800">
+              <a:latin typeface="FreeMono" panose="020F0409020205020404" charset="0"/>
+              <a:ea typeface="FreeMono" panose="020F0409020205020404" charset="0"/>
+            </a:endParaRPr>
+          </a:p>
+          <a:p>
+            <a:pPr marL="0" indent="0">
+              <a:lnSpc>
+                <a:spcPct val="80000"/>
+              </a:lnSpc>
+              <a:buNone/>
+            </a:pPr>
+            <a:r>
+              <a:rPr lang="en-US" sz="1800">
+                <a:latin typeface="FreeMono" panose="020F0409020205020404" charset="0"/>
+                <a:ea typeface="FreeMono" panose="020F0409020205020404" charset="0"/>
+              </a:rPr>
+              <a:t>return (top == maxSize-1);</a:t>
+            </a:r>
+            <a:endParaRPr lang="en-US" sz="1800">
+              <a:latin typeface="FreeMono" panose="020F0409020205020404" charset="0"/>
+              <a:ea typeface="FreeMono" panose="020F0409020205020404" charset="0"/>
+            </a:endParaRPr>
+          </a:p>
+          <a:p>
+            <a:pPr marL="0" indent="0">
+              <a:lnSpc>
+                <a:spcPct val="80000"/>
+              </a:lnSpc>
+              <a:buNone/>
+            </a:pPr>
+            <a:r>
+              <a:rPr lang="en-US" sz="1800">
+                <a:latin typeface="FreeMono" panose="020F0409020205020404" charset="0"/>
+                <a:ea typeface="FreeMono" panose="020F0409020205020404" charset="0"/>
+              </a:rPr>
+              <a:t>}</a:t>
+            </a:r>
+            <a:endParaRPr lang="en-US" sz="1800">
+              <a:latin typeface="FreeMono" panose="020F0409020205020404" charset="0"/>
+              <a:ea typeface="FreeMono" panose="020F0409020205020404" charset="0"/>
+            </a:endParaRPr>
+          </a:p>
+          <a:p>
+            <a:pPr marL="0" indent="0">
+              <a:lnSpc>
+                <a:spcPct val="80000"/>
+              </a:lnSpc>
+              <a:buNone/>
+            </a:pPr>
+            <a:r>
+              <a:rPr lang="en-US" sz="1800">
+                <a:latin typeface="FreeMono" panose="020F0409020205020404" charset="0"/>
+                <a:ea typeface="FreeMono" panose="020F0409020205020404" charset="0"/>
+              </a:rPr>
+              <a:t>-----------------------------------------------------</a:t>
+            </a:r>
+            <a:r>
+              <a:rPr lang="en-US" altLang="en-US" sz="1800">
+                <a:latin typeface="FreeMono" panose="020F0409020205020404" charset="0"/>
+                <a:ea typeface="FreeMono" panose="020F0409020205020404" charset="0"/>
+              </a:rPr>
+              <a:t>--</a:t>
+            </a:r>
+            <a:endParaRPr lang="en-US" sz="1800">
+              <a:latin typeface="FreeMono" panose="020F0409020205020404" charset="0"/>
+              <a:ea typeface="FreeMono" panose="020F0409020205020404" charset="0"/>
+            </a:endParaRPr>
+          </a:p>
+          <a:p>
+            <a:pPr marL="0" indent="0">
+              <a:lnSpc>
+                <a:spcPct val="80000"/>
+              </a:lnSpc>
+              <a:buNone/>
+            </a:pPr>
+            <a:r>
+              <a:rPr lang="en-US" sz="1800">
+                <a:latin typeface="FreeMono" panose="020F0409020205020404" charset="0"/>
+                <a:ea typeface="FreeMono" panose="020F0409020205020404" charset="0"/>
+              </a:rPr>
+              <a:t>} // end class StackX</a:t>
+            </a:r>
+            <a:endParaRPr lang="en-US" sz="1800">
+              <a:latin typeface="FreeMono" panose="020F0409020205020404" charset="0"/>
+              <a:ea typeface="FreeMono" panose="020F0409020205020404" charset="0"/>
+            </a:endParaRPr>
+          </a:p>
+        </p:txBody>
+      </p:sp>
+      <p:sp>
+        <p:nvSpPr>
+          <p:cNvPr id="2" name="Title 1"/>
+          <p:cNvSpPr>
+            <a:spLocks noGrp="1"/>
+          </p:cNvSpPr>
+          <p:nvPr>
+            <p:ph type="title"/>
+          </p:nvPr>
+        </p:nvSpPr>
+        <p:spPr>
+          <a:xfrm>
+            <a:off x="466090" y="15875"/>
+            <a:ext cx="7772400" cy="911860"/>
+          </a:xfrm>
+        </p:spPr>
+        <p:txBody>
+          <a:bodyPr/>
+          <a:p>
+            <a:r>
+              <a:rPr lang="en-US" altLang="en-US">
+                <a:latin typeface="Noto Serif CJK JP" panose="02020400000000000000" charset="-122"/>
+                <a:ea typeface="Noto Serif CJK JP" panose="02020400000000000000" charset="-122"/>
+              </a:rPr>
+              <a:t>Cont.</a:t>
+            </a:r>
+            <a:endParaRPr lang="en-US" altLang="en-US">
+              <a:latin typeface="Noto Serif CJK JP" panose="02020400000000000000" charset="-122"/>
+              <a:ea typeface="Noto Serif CJK JP" panose="02020400000000000000" charset="-122"/>
+            </a:endParaRPr>
+          </a:p>
+        </p:txBody>
+      </p:sp>
+    </p:spTree>
+  </p:cSld>
+  <p:clrMapOvr>
+    <a:masterClrMapping/>
+  </p:clrMapOvr>
+</p:sld>
+</file>
+
+<file path=ppt/slides/slide21.xml><?xml version="1.0" encoding="utf-8"?>
+<p:sld xmlns:a="http://schemas.openxmlformats.org/drawingml/2006/main" xmlns:r="http://schemas.openxmlformats.org/officeDocument/2006/relationships" xmlns:p="http://schemas.openxmlformats.org/presentationml/2006/main">
+  <p:cSld>
+    <p:spTree>
+      <p:nvGrpSpPr>
+        <p:cNvPr id="1" name=""/>
+        <p:cNvGrpSpPr/>
+        <p:nvPr/>
+      </p:nvGrpSpPr>
+      <p:grpSpPr/>
+      <p:sp>
+        <p:nvSpPr>
           <p:cNvPr id="2" name="Title 1"/>
           <p:cNvSpPr>
             <a:spLocks noGrp="1"/>
@@ -7854,16 +8109,358 @@
                 <a:latin typeface="Noto Serif CJK JP" panose="02020400000000000000" charset="-122"/>
                 <a:ea typeface="Noto Serif CJK JP" panose="02020400000000000000" charset="-122"/>
               </a:rPr>
-              <a:t>Queue </a:t>
-            </a:r>
-            <a:r>
-              <a:rPr lang="" altLang="en-US" sz="2800">
-                <a:latin typeface="Noto Serif CJK JP" panose="02020400000000000000" charset="-122"/>
-                <a:ea typeface="Noto Serif CJK JP" panose="02020400000000000000" charset="-122"/>
-              </a:rPr>
-              <a:t>Example</a:t>
-            </a:r>
-            <a:endParaRPr lang="" altLang="en-US" sz="2800">
+              <a:t>Queue</a:t>
+            </a:r>
+            <a:endParaRPr lang="en-US" altLang="en-US" sz="2800">
+              <a:latin typeface="Noto Serif CJK JP" panose="02020400000000000000" charset="-122"/>
+              <a:ea typeface="Noto Serif CJK JP" panose="02020400000000000000" charset="-122"/>
+            </a:endParaRPr>
+          </a:p>
+        </p:txBody>
+      </p:sp>
+      <p:sp>
+        <p:nvSpPr>
+          <p:cNvPr id="3" name="Content Placeholder 2"/>
+          <p:cNvSpPr>
+            <a:spLocks noGrp="1"/>
+          </p:cNvSpPr>
+          <p:nvPr>
+            <p:ph idx="1"/>
+          </p:nvPr>
+        </p:nvSpPr>
+        <p:spPr>
+          <a:xfrm>
+            <a:off x="685800" y="1036955"/>
+            <a:ext cx="7772400" cy="5382260"/>
+          </a:xfrm>
+        </p:spPr>
+        <p:txBody>
+          <a:bodyPr/>
+          <a:p>
+            <a:pPr>
+              <a:lnSpc>
+                <a:spcPct val="110000"/>
+              </a:lnSpc>
+            </a:pPr>
+            <a:r>
+              <a:rPr lang="en-US" altLang="en-US" sz="2400">
+                <a:latin typeface="Noto Serif CJK JP" panose="02020400000000000000" charset="-122"/>
+                <a:ea typeface="Noto Serif CJK JP" panose="02020400000000000000" charset="-122"/>
+              </a:rPr>
+              <a:t>L</a:t>
+            </a:r>
+            <a:r>
+              <a:rPr lang="en-US" sz="2400">
+                <a:latin typeface="Noto Serif CJK JP" panose="02020400000000000000" charset="-122"/>
+                <a:ea typeface="Noto Serif CJK JP" panose="02020400000000000000" charset="-122"/>
+              </a:rPr>
+              <a:t>inear data structure</a:t>
+            </a:r>
+            <a:endParaRPr lang="en-US" sz="2400">
+              <a:latin typeface="Noto Serif CJK JP" panose="02020400000000000000" charset="-122"/>
+              <a:ea typeface="Noto Serif CJK JP" panose="02020400000000000000" charset="-122"/>
+            </a:endParaRPr>
+          </a:p>
+          <a:p>
+            <a:pPr>
+              <a:lnSpc>
+                <a:spcPct val="110000"/>
+              </a:lnSpc>
+            </a:pPr>
+            <a:r>
+              <a:rPr lang="en-US" altLang="en-US" sz="2400">
+                <a:latin typeface="Noto Serif CJK JP" panose="02020400000000000000" charset="-122"/>
+                <a:ea typeface="Noto Serif CJK JP" panose="02020400000000000000" charset="-122"/>
+              </a:rPr>
+              <a:t>N</a:t>
+            </a:r>
+            <a:r>
+              <a:rPr lang="en-US" sz="2400">
+                <a:latin typeface="Noto Serif CJK JP" panose="02020400000000000000" charset="-122"/>
+                <a:ea typeface="Noto Serif CJK JP" panose="02020400000000000000" charset="-122"/>
+              </a:rPr>
+              <a:t>ew element is added at one end and (</a:t>
+            </a:r>
+            <a:r>
+              <a:rPr lang="en-US" altLang="en-US" sz="2400">
+                <a:latin typeface="Noto Serif CJK JP" panose="02020400000000000000" charset="-122"/>
+                <a:ea typeface="Noto Serif CJK JP" panose="02020400000000000000" charset="-122"/>
+              </a:rPr>
+              <a:t>rear</a:t>
+            </a:r>
+            <a:r>
+              <a:rPr lang="en-US" sz="2400">
+                <a:latin typeface="Noto Serif CJK JP" panose="02020400000000000000" charset="-122"/>
+                <a:ea typeface="Noto Serif CJK JP" panose="02020400000000000000" charset="-122"/>
+              </a:rPr>
+              <a:t>) an element is removed  </a:t>
+            </a:r>
+            <a:r>
+              <a:rPr lang="en-US" altLang="en-US" sz="2400">
+                <a:latin typeface="Noto Serif CJK JP" panose="02020400000000000000" charset="-122"/>
+                <a:ea typeface="Noto Serif CJK JP" panose="02020400000000000000" charset="-122"/>
+              </a:rPr>
+              <a:t>other </a:t>
+            </a:r>
+            <a:r>
+              <a:rPr lang="en-US" sz="2400">
+                <a:latin typeface="Noto Serif CJK JP" panose="02020400000000000000" charset="-122"/>
+                <a:ea typeface="Noto Serif CJK JP" panose="02020400000000000000" charset="-122"/>
+              </a:rPr>
+              <a:t>end </a:t>
+            </a:r>
+            <a:r>
+              <a:rPr lang="en-US" altLang="en-US" sz="2400">
+                <a:latin typeface="Noto Serif CJK JP" panose="02020400000000000000" charset="-122"/>
+                <a:ea typeface="Noto Serif CJK JP" panose="02020400000000000000" charset="-122"/>
+              </a:rPr>
+              <a:t>(front)</a:t>
+            </a:r>
+            <a:r>
+              <a:rPr lang="en-US" sz="2400">
+                <a:latin typeface="Noto Serif CJK JP" panose="02020400000000000000" charset="-122"/>
+                <a:ea typeface="Noto Serif CJK JP" panose="02020400000000000000" charset="-122"/>
+              </a:rPr>
+              <a:t>.</a:t>
+            </a:r>
+            <a:endParaRPr lang="en-US" sz="2400">
+              <a:latin typeface="Noto Serif CJK JP" panose="02020400000000000000" charset="-122"/>
+              <a:ea typeface="Noto Serif CJK JP" panose="02020400000000000000" charset="-122"/>
+            </a:endParaRPr>
+          </a:p>
+          <a:p>
+            <a:pPr>
+              <a:lnSpc>
+                <a:spcPct val="110000"/>
+              </a:lnSpc>
+            </a:pPr>
+            <a:r>
+              <a:rPr lang="en-US" sz="2400">
+                <a:latin typeface="Noto Serif CJK JP" panose="02020400000000000000" charset="-122"/>
+                <a:ea typeface="Noto Serif CJK JP" panose="02020400000000000000" charset="-122"/>
+              </a:rPr>
+              <a:t>First In First Out (FIFO)..</a:t>
+            </a:r>
+            <a:endParaRPr lang="en-US" sz="2400">
+              <a:latin typeface="Noto Serif CJK JP" panose="02020400000000000000" charset="-122"/>
+              <a:ea typeface="Noto Serif CJK JP" panose="02020400000000000000" charset="-122"/>
+            </a:endParaRPr>
+          </a:p>
+          <a:p>
+            <a:pPr>
+              <a:lnSpc>
+                <a:spcPct val="110000"/>
+              </a:lnSpc>
+            </a:pPr>
+            <a:r>
+              <a:rPr lang="en-US" altLang="en-US" sz="2400">
+                <a:latin typeface="Noto Serif CJK JP" panose="02020400000000000000" charset="-122"/>
+                <a:ea typeface="Noto Serif CJK JP" panose="02020400000000000000" charset="-122"/>
+              </a:rPr>
+              <a:t>Example : Queue for Customer Service </a:t>
+            </a:r>
+            <a:endParaRPr lang="en-US" altLang="en-US" sz="2400">
+              <a:latin typeface="Noto Serif CJK JP" panose="02020400000000000000" charset="-122"/>
+              <a:ea typeface="Noto Serif CJK JP" panose="02020400000000000000" charset="-122"/>
+            </a:endParaRPr>
+          </a:p>
+          <a:p>
+            <a:pPr>
+              <a:lnSpc>
+                <a:spcPct val="110000"/>
+              </a:lnSpc>
+            </a:pPr>
+            <a:r>
+              <a:rPr lang="en-US" altLang="en-US" sz="2400">
+                <a:latin typeface="Noto Serif CJK JP" panose="02020400000000000000" charset="-122"/>
+                <a:ea typeface="Noto Serif CJK JP" panose="02020400000000000000" charset="-122"/>
+              </a:rPr>
+              <a:t>Can be Implemented using Array or Linked List</a:t>
+            </a:r>
+            <a:endParaRPr lang="en-US" altLang="en-US" sz="2400">
+              <a:latin typeface="Noto Serif CJK JP" panose="02020400000000000000" charset="-122"/>
+              <a:ea typeface="Noto Serif CJK JP" panose="02020400000000000000" charset="-122"/>
+            </a:endParaRPr>
+          </a:p>
+          <a:p>
+            <a:pPr>
+              <a:lnSpc>
+                <a:spcPct val="110000"/>
+              </a:lnSpc>
+            </a:pPr>
+            <a:r>
+              <a:rPr lang="en-US" altLang="en-US" sz="2400">
+                <a:latin typeface="Noto Serif CJK JP" panose="02020400000000000000" charset="-122"/>
+                <a:ea typeface="Noto Serif CJK JP" panose="02020400000000000000" charset="-122"/>
+                <a:sym typeface="+mn-ea"/>
+              </a:rPr>
+              <a:t>Tracking Element : </a:t>
+            </a:r>
+            <a:r>
+              <a:rPr lang="" altLang="en-US" sz="2400">
+                <a:latin typeface="Noto Serif CJK JP" panose="02020400000000000000" charset="-122"/>
+                <a:ea typeface="Noto Serif CJK JP" panose="02020400000000000000" charset="-122"/>
+                <a:sym typeface="+mn-ea"/>
+              </a:rPr>
+              <a:t>Rear and Front</a:t>
+            </a:r>
+            <a:endParaRPr lang="en-US" altLang="en-US" sz="2400">
+              <a:latin typeface="Noto Serif CJK JP" panose="02020400000000000000" charset="-122"/>
+              <a:ea typeface="Noto Serif CJK JP" panose="02020400000000000000" charset="-122"/>
+            </a:endParaRPr>
+          </a:p>
+          <a:p>
+            <a:pPr>
+              <a:lnSpc>
+                <a:spcPct val="110000"/>
+              </a:lnSpc>
+            </a:pPr>
+            <a:r>
+              <a:rPr lang="" altLang="en-US" sz="2400">
+                <a:latin typeface="Noto Serif CJK JP" panose="02020400000000000000" charset="-122"/>
+                <a:ea typeface="Noto Serif CJK JP" panose="02020400000000000000" charset="-122"/>
+              </a:rPr>
+              <a:t>Applications : </a:t>
+            </a:r>
+            <a:endParaRPr lang="" altLang="en-US" sz="2400">
+              <a:latin typeface="Noto Serif CJK JP" panose="02020400000000000000" charset="-122"/>
+              <a:ea typeface="Noto Serif CJK JP" panose="02020400000000000000" charset="-122"/>
+            </a:endParaRPr>
+          </a:p>
+          <a:p>
+            <a:pPr lvl="1">
+              <a:lnSpc>
+                <a:spcPct val="110000"/>
+              </a:lnSpc>
+            </a:pPr>
+            <a:r>
+              <a:rPr lang="" altLang="en-US" sz="2100">
+                <a:latin typeface="Noto Serif CJK JP" panose="02020400000000000000" charset="-122"/>
+                <a:ea typeface="Noto Serif CJK JP" panose="02020400000000000000" charset="-122"/>
+              </a:rPr>
+              <a:t>T</a:t>
+            </a:r>
+            <a:r>
+              <a:rPr lang="en-US" altLang="en-US" sz="2100">
+                <a:latin typeface="Noto Serif CJK JP" panose="02020400000000000000" charset="-122"/>
+                <a:ea typeface="Noto Serif CJK JP" panose="02020400000000000000" charset="-122"/>
+              </a:rPr>
+              <a:t>ime sharing system</a:t>
+            </a:r>
+            <a:endParaRPr lang="" altLang="en-US" sz="2100">
+              <a:latin typeface="Noto Serif CJK JP" panose="02020400000000000000" charset="-122"/>
+              <a:ea typeface="Noto Serif CJK JP" panose="02020400000000000000" charset="-122"/>
+            </a:endParaRPr>
+          </a:p>
+          <a:p>
+            <a:pPr lvl="1">
+              <a:lnSpc>
+                <a:spcPct val="110000"/>
+              </a:lnSpc>
+            </a:pPr>
+            <a:r>
+              <a:rPr lang="" altLang="en-US" sz="2100">
+                <a:latin typeface="Noto Serif CJK JP" panose="02020400000000000000" charset="-122"/>
+                <a:ea typeface="Noto Serif CJK JP" panose="02020400000000000000" charset="-122"/>
+              </a:rPr>
+              <a:t>Load Balancing system-  Eg:- AWS-SQS,  Hold for Tech Support</a:t>
+            </a:r>
+            <a:endParaRPr lang="" altLang="en-US" sz="2100">
+              <a:latin typeface="Noto Serif CJK JP" panose="02020400000000000000" charset="-122"/>
+              <a:ea typeface="Noto Serif CJK JP" panose="02020400000000000000" charset="-122"/>
+            </a:endParaRPr>
+          </a:p>
+          <a:p>
+            <a:pPr lvl="1">
+              <a:lnSpc>
+                <a:spcPct val="110000"/>
+              </a:lnSpc>
+            </a:pPr>
+            <a:r>
+              <a:rPr lang="en-US" altLang="en-US" sz="2100">
+                <a:latin typeface="Noto Serif CJK JP" panose="02020400000000000000" charset="-122"/>
+                <a:ea typeface="Noto Serif CJK JP" panose="02020400000000000000" charset="-122"/>
+              </a:rPr>
+              <a:t> </a:t>
+            </a:r>
+            <a:r>
+              <a:rPr lang="" altLang="en-US" sz="2100">
+                <a:latin typeface="Noto Serif CJK JP" panose="02020400000000000000" charset="-122"/>
+                <a:ea typeface="Noto Serif CJK JP" panose="02020400000000000000" charset="-122"/>
+              </a:rPr>
+              <a:t>P</a:t>
+            </a:r>
+            <a:r>
+              <a:rPr lang="en-US" altLang="en-US" sz="2100">
+                <a:latin typeface="Noto Serif CJK JP" panose="02020400000000000000" charset="-122"/>
+                <a:ea typeface="Noto Serif CJK JP" panose="02020400000000000000" charset="-122"/>
+              </a:rPr>
+              <a:t>rint spooling,</a:t>
+            </a:r>
+            <a:endParaRPr lang="en-US" altLang="en-US" sz="2100">
+              <a:latin typeface="Noto Serif CJK JP" panose="02020400000000000000" charset="-122"/>
+              <a:ea typeface="Noto Serif CJK JP" panose="02020400000000000000" charset="-122"/>
+            </a:endParaRPr>
+          </a:p>
+          <a:p>
+            <a:pPr marL="0" indent="0">
+              <a:lnSpc>
+                <a:spcPct val="110000"/>
+              </a:lnSpc>
+              <a:buNone/>
+            </a:pPr>
+            <a:endParaRPr lang="en-US" altLang="en-US" sz="2100">
+              <a:latin typeface="Noto Serif CJK JP" panose="02020400000000000000" charset="-122"/>
+              <a:ea typeface="Noto Serif CJK JP" panose="02020400000000000000" charset="-122"/>
+            </a:endParaRPr>
+          </a:p>
+        </p:txBody>
+      </p:sp>
+    </p:spTree>
+  </p:cSld>
+  <p:clrMapOvr>
+    <a:masterClrMapping/>
+  </p:clrMapOvr>
+</p:sld>
+</file>
+
+<file path=ppt/slides/slide22.xml><?xml version="1.0" encoding="utf-8"?>
+<p:sld xmlns:a="http://schemas.openxmlformats.org/drawingml/2006/main" xmlns:r="http://schemas.openxmlformats.org/officeDocument/2006/relationships" xmlns:p="http://schemas.openxmlformats.org/presentationml/2006/main">
+  <p:cSld>
+    <p:spTree>
+      <p:nvGrpSpPr>
+        <p:cNvPr id="1" name=""/>
+        <p:cNvGrpSpPr/>
+        <p:nvPr/>
+      </p:nvGrpSpPr>
+      <p:grpSpPr/>
+      <p:sp>
+        <p:nvSpPr>
+          <p:cNvPr id="2" name="Title 1"/>
+          <p:cNvSpPr>
+            <a:spLocks noGrp="1"/>
+          </p:cNvSpPr>
+          <p:nvPr>
+            <p:ph type="title"/>
+          </p:nvPr>
+        </p:nvSpPr>
+        <p:spPr>
+          <a:xfrm>
+            <a:off x="685800" y="203835"/>
+            <a:ext cx="7772400" cy="652145"/>
+          </a:xfrm>
+        </p:spPr>
+        <p:txBody>
+          <a:bodyPr/>
+          <a:p>
+            <a:r>
+              <a:rPr lang="en-US" altLang="en-US" sz="2800">
+                <a:latin typeface="Noto Serif CJK JP" panose="02020400000000000000" charset="-122"/>
+                <a:ea typeface="Noto Serif CJK JP" panose="02020400000000000000" charset="-122"/>
+              </a:rPr>
+              <a:t>Queue Example</a:t>
+            </a:r>
+            <a:endParaRPr lang="en-US" altLang="en-US" sz="2800">
               <a:latin typeface="Noto Serif CJK JP" panose="02020400000000000000" charset="-122"/>
               <a:ea typeface="Noto Serif CJK JP" panose="02020400000000000000" charset="-122"/>
             </a:endParaRPr>
@@ -7904,7 +8501,7 @@
 </p:sld>
 </file>
 
-<file path=ppt/slides/slide21.xml><?xml version="1.0" encoding="utf-8"?>
+<file path=ppt/slides/slide23.xml><?xml version="1.0" encoding="utf-8"?>
 <p:sld xmlns:a="http://schemas.openxmlformats.org/drawingml/2006/main" xmlns:r="http://schemas.openxmlformats.org/officeDocument/2006/relationships" xmlns:p="http://schemas.openxmlformats.org/presentationml/2006/main">
   <p:cSld>
     <p:spTree>
@@ -8360,13 +8957,13 @@
           <a:bodyPr/>
           <a:p>
             <a:r>
-              <a:rPr lang="" altLang="en-US">
+              <a:rPr lang="en-US" altLang="en-US">
                 <a:latin typeface="Noto Serif CJK JP" panose="02020400000000000000" charset="-122"/>
                 <a:ea typeface="Noto Serif CJK JP" panose="02020400000000000000" charset="-122"/>
               </a:rPr>
               <a:t>Implementation</a:t>
             </a:r>
-            <a:endParaRPr lang="" altLang="en-US">
+            <a:endParaRPr lang="en-US" altLang="en-US">
               <a:latin typeface="Noto Serif CJK JP" panose="02020400000000000000" charset="-122"/>
               <a:ea typeface="Noto Serif CJK JP" panose="02020400000000000000" charset="-122"/>
             </a:endParaRPr>
@@ -8381,7 +8978,7 @@
 </p:sld>
 </file>
 
-<file path=ppt/slides/slide22.xml><?xml version="1.0" encoding="utf-8"?>
+<file path=ppt/slides/slide24.xml><?xml version="1.0" encoding="utf-8"?>
 <p:sld xmlns:a="http://schemas.openxmlformats.org/drawingml/2006/main" xmlns:r="http://schemas.openxmlformats.org/officeDocument/2006/relationships" xmlns:p="http://schemas.openxmlformats.org/presentationml/2006/main">
   <p:cSld>
     <p:spTree>
@@ -8607,7 +9204,7 @@
               <a:buNone/>
             </a:pPr>
             <a:r>
-              <a:rPr lang="" altLang="en-US" sz="1800">
+              <a:rPr lang="en-US" altLang="en-US" sz="1800">
                 <a:latin typeface="FreeMono" panose="020F0409020205020404" charset="0"/>
                 <a:ea typeface="FreeMono" panose="020F0409020205020404" charset="0"/>
               </a:rPr>
@@ -8709,7 +9306,7 @@
               <a:buNone/>
             </a:pPr>
             <a:r>
-              <a:rPr lang="" altLang="en-US" sz="1800">
+              <a:rPr lang="en-US" altLang="en-US" sz="1800">
                 <a:latin typeface="FreeMono" panose="020F0409020205020404" charset="0"/>
                 <a:ea typeface="FreeMono" panose="020F0409020205020404" charset="0"/>
               </a:rPr>
@@ -8811,7 +9408,7 @@
               <a:buNone/>
             </a:pPr>
             <a:r>
-              <a:rPr lang="" altLang="en-US" sz="1800">
+              <a:rPr lang="en-US" altLang="en-US" sz="1800">
                 <a:latin typeface="FreeMono" panose="020F0409020205020404" charset="0"/>
                 <a:ea typeface="FreeMono" panose="020F0409020205020404" charset="0"/>
               </a:rPr>
@@ -9320,14 +9917,7 @@
                 <a:latin typeface="Noto Serif CJK JP" panose="02020400000000000000" charset="-122"/>
                 <a:ea typeface="Noto Serif CJK JP" panose="02020400000000000000" charset="-122"/>
               </a:rPr>
-              <a:t>Complexity : </a:t>
-            </a:r>
-            <a:r>
-              <a:rPr lang="" altLang="en-US" sz="2400">
-                <a:latin typeface="Noto Serif CJK JP" panose="02020400000000000000" charset="-122"/>
-                <a:ea typeface="Noto Serif CJK JP" panose="02020400000000000000" charset="-122"/>
-              </a:rPr>
-              <a:t>O(1)</a:t>
+              <a:t>Complexity : O(1)</a:t>
             </a:r>
             <a:endParaRPr lang="en-US" altLang="en-US" sz="2400">
               <a:latin typeface="Noto Serif CJK JP" panose="02020400000000000000" charset="-122"/>
@@ -9454,18 +10044,11 @@
           <a:bodyPr/>
           <a:p>
             <a:r>
-              <a:rPr lang="" altLang="en-US" sz="2800">
-                <a:latin typeface="Noto Serif CJK JP" panose="02020400000000000000" charset="-122"/>
-                <a:ea typeface="Noto Serif CJK JP" panose="02020400000000000000" charset="-122"/>
-              </a:rPr>
-              <a:t>Array - </a:t>
-            </a:r>
-            <a:r>
               <a:rPr lang="en-US" altLang="en-US" sz="2800">
                 <a:latin typeface="Noto Serif CJK JP" panose="02020400000000000000" charset="-122"/>
                 <a:ea typeface="Noto Serif CJK JP" panose="02020400000000000000" charset="-122"/>
               </a:rPr>
-              <a:t>Insertion of Element</a:t>
+              <a:t>Array - Insertion of Element</a:t>
             </a:r>
             <a:endParaRPr lang="en-US" altLang="en-US" sz="2800">
               <a:latin typeface="Noto Serif CJK JP" panose="02020400000000000000" charset="-122"/>
@@ -9496,20 +10079,20 @@
             <a:pPr marL="0" indent="0">
               <a:buNone/>
             </a:pPr>
-            <a:endParaRPr lang="" altLang="en-US" sz="2400">
-              <a:latin typeface="Noto Serif CJK JP" panose="02020400000000000000" charset="-122"/>
-              <a:ea typeface="Noto Serif CJK JP" panose="02020400000000000000" charset="-122"/>
-            </a:endParaRPr>
-          </a:p>
-          <a:p>
-            <a:r>
-              <a:rPr lang="" altLang="en-US" sz="2400">
+            <a:endParaRPr lang="en-US" altLang="en-US" sz="2400">
+              <a:latin typeface="Noto Serif CJK JP" panose="02020400000000000000" charset="-122"/>
+              <a:ea typeface="Noto Serif CJK JP" panose="02020400000000000000" charset="-122"/>
+            </a:endParaRPr>
+          </a:p>
+          <a:p>
+            <a:r>
+              <a:rPr lang="en-US" altLang="en-US" sz="2400">
                 <a:latin typeface="Noto Serif CJK JP" panose="02020400000000000000" charset="-122"/>
                 <a:ea typeface="Noto Serif CJK JP" panose="02020400000000000000" charset="-122"/>
               </a:rPr>
               <a:t>Unsorted </a:t>
             </a:r>
-            <a:endParaRPr lang="" altLang="en-US" sz="2400">
+            <a:endParaRPr lang="en-US" altLang="en-US" sz="2400">
               <a:latin typeface="Noto Serif CJK JP" panose="02020400000000000000" charset="-122"/>
               <a:ea typeface="Noto Serif CJK JP" panose="02020400000000000000" charset="-122"/>
             </a:endParaRPr>
@@ -9517,13 +10100,13 @@
           <a:p>
             <a:pPr lvl="1"/>
             <a:r>
-              <a:rPr lang="" altLang="en-US" sz="2100">
+              <a:rPr lang="en-US" altLang="en-US" sz="2100">
                 <a:latin typeface="Noto Serif CJK JP" panose="02020400000000000000" charset="-122"/>
                 <a:ea typeface="Noto Serif CJK JP" panose="02020400000000000000" charset="-122"/>
               </a:rPr>
               <a:t>Keep track of number of elements in array - nElts</a:t>
             </a:r>
-            <a:endParaRPr lang="" altLang="en-US" sz="2100">
+            <a:endParaRPr lang="en-US" altLang="en-US" sz="2100">
               <a:latin typeface="Noto Serif CJK JP" panose="02020400000000000000" charset="-122"/>
               <a:ea typeface="Noto Serif CJK JP" panose="02020400000000000000" charset="-122"/>
             </a:endParaRPr>
@@ -9531,13 +10114,13 @@
           <a:p>
             <a:pPr lvl="1"/>
             <a:r>
-              <a:rPr lang="" altLang="en-US" sz="2100">
+              <a:rPr lang="en-US" altLang="en-US" sz="2100">
                 <a:latin typeface="Noto Serif CJK JP" panose="02020400000000000000" charset="-122"/>
                 <a:ea typeface="Noto Serif CJK JP" panose="02020400000000000000" charset="-122"/>
               </a:rPr>
               <a:t>Insert using index and Increment the tracking object</a:t>
             </a:r>
-            <a:endParaRPr lang="" altLang="en-US" sz="2100">
+            <a:endParaRPr lang="en-US" altLang="en-US" sz="2100">
               <a:latin typeface="Noto Serif CJK JP" panose="02020400000000000000" charset="-122"/>
               <a:ea typeface="Noto Serif CJK JP" panose="02020400000000000000" charset="-122"/>
             </a:endParaRPr>
@@ -9545,26 +10128,26 @@
           <a:p>
             <a:pPr lvl="1"/>
             <a:r>
-              <a:rPr lang="" altLang="en-US" sz="2100">
+              <a:rPr lang="en-US" altLang="en-US" sz="2100">
                 <a:latin typeface="Noto Serif CJK JP" panose="02020400000000000000" charset="-122"/>
                 <a:ea typeface="Noto Serif CJK JP" panose="02020400000000000000" charset="-122"/>
               </a:rPr>
               <a:t>Complexity : O(1)</a:t>
             </a:r>
-            <a:endParaRPr lang="" altLang="en-US" sz="2100">
-              <a:latin typeface="Noto Serif CJK JP" panose="02020400000000000000" charset="-122"/>
-              <a:ea typeface="Noto Serif CJK JP" panose="02020400000000000000" charset="-122"/>
-            </a:endParaRPr>
-          </a:p>
-          <a:p>
-            <a:r>
-              <a:rPr lang="" altLang="en-US" sz="2400">
+            <a:endParaRPr lang="en-US" altLang="en-US" sz="2100">
+              <a:latin typeface="Noto Serif CJK JP" panose="02020400000000000000" charset="-122"/>
+              <a:ea typeface="Noto Serif CJK JP" panose="02020400000000000000" charset="-122"/>
+            </a:endParaRPr>
+          </a:p>
+          <a:p>
+            <a:r>
+              <a:rPr lang="en-US" altLang="en-US" sz="2400">
                 <a:latin typeface="Noto Serif CJK JP" panose="02020400000000000000" charset="-122"/>
                 <a:ea typeface="Noto Serif CJK JP" panose="02020400000000000000" charset="-122"/>
               </a:rPr>
               <a:t>Sorted</a:t>
             </a:r>
-            <a:endParaRPr lang="" altLang="en-US" sz="2400">
+            <a:endParaRPr lang="en-US" altLang="en-US" sz="2400">
               <a:latin typeface="Noto Serif CJK JP" panose="02020400000000000000" charset="-122"/>
               <a:ea typeface="Noto Serif CJK JP" panose="02020400000000000000" charset="-122"/>
             </a:endParaRPr>
@@ -9572,13 +10155,13 @@
           <a:p>
             <a:pPr lvl="1"/>
             <a:r>
-              <a:rPr lang="" altLang="en-US" sz="2100">
+              <a:rPr lang="en-US" altLang="en-US" sz="2100">
                 <a:latin typeface="Noto Serif CJK JP" panose="02020400000000000000" charset="-122"/>
                 <a:ea typeface="Noto Serif CJK JP" panose="02020400000000000000" charset="-122"/>
               </a:rPr>
               <a:t>Requires Searching for the postion</a:t>
             </a:r>
-            <a:endParaRPr lang="" altLang="en-US" sz="2100">
+            <a:endParaRPr lang="en-US" altLang="en-US" sz="2100">
               <a:latin typeface="Noto Serif CJK JP" panose="02020400000000000000" charset="-122"/>
               <a:ea typeface="Noto Serif CJK JP" panose="02020400000000000000" charset="-122"/>
             </a:endParaRPr>
@@ -9586,13 +10169,13 @@
           <a:p>
             <a:pPr lvl="1"/>
             <a:r>
-              <a:rPr lang="" altLang="en-US" sz="2100">
+              <a:rPr lang="en-US" altLang="en-US" sz="2100">
                 <a:latin typeface="Noto Serif CJK JP" panose="02020400000000000000" charset="-122"/>
                 <a:ea typeface="Noto Serif CJK JP" panose="02020400000000000000" charset="-122"/>
               </a:rPr>
               <a:t>Shifting the elements to make the specfied postion to be vacant.</a:t>
             </a:r>
-            <a:endParaRPr lang="" altLang="en-US" sz="2100">
+            <a:endParaRPr lang="en-US" altLang="en-US" sz="2100">
               <a:latin typeface="Noto Serif CJK JP" panose="02020400000000000000" charset="-122"/>
               <a:ea typeface="Noto Serif CJK JP" panose="02020400000000000000" charset="-122"/>
             </a:endParaRPr>
@@ -9605,33 +10188,25 @@
                 <a:ea typeface="Noto Serif CJK JP" panose="02020400000000000000" charset="-122"/>
                 <a:sym typeface="+mn-ea"/>
               </a:rPr>
-              <a:t>Complexity : O(</a:t>
-            </a:r>
-            <a:r>
-              <a:rPr lang="" altLang="en-US" sz="2100">
+              <a:t>Complexity : O(N</a:t>
+            </a:r>
+            <a:r>
+              <a:rPr lang="en-US" altLang="en-US" sz="2100" baseline="30000">
                 <a:latin typeface="Noto Serif CJK JP" panose="02020400000000000000" charset="-122"/>
                 <a:ea typeface="Noto Serif CJK JP" panose="02020400000000000000" charset="-122"/>
                 <a:sym typeface="+mn-ea"/>
               </a:rPr>
-              <a:t>N</a:t>
-            </a:r>
-            <a:r>
-              <a:rPr lang="" altLang="en-US" sz="2100" baseline="30000">
+              <a:t>2</a:t>
+            </a:r>
+            <a:r>
+              <a:rPr lang="en-US" altLang="en-US" sz="2100">
                 <a:latin typeface="Noto Serif CJK JP" panose="02020400000000000000" charset="-122"/>
                 <a:ea typeface="Noto Serif CJK JP" panose="02020400000000000000" charset="-122"/>
                 <a:sym typeface="+mn-ea"/>
               </a:rPr>
-              <a:t>2</a:t>
-            </a:r>
-            <a:r>
-              <a:rPr lang="en-US" altLang="en-US" sz="2100">
-                <a:latin typeface="Noto Serif CJK JP" panose="02020400000000000000" charset="-122"/>
-                <a:ea typeface="Noto Serif CJK JP" panose="02020400000000000000" charset="-122"/>
-                <a:sym typeface="+mn-ea"/>
-              </a:rPr>
               <a:t>)</a:t>
             </a:r>
-            <a:endParaRPr lang="" altLang="en-US" sz="2100">
+            <a:endParaRPr lang="en-US" altLang="en-US" sz="2100">
               <a:latin typeface="Noto Serif CJK JP" panose="02020400000000000000" charset="-122"/>
               <a:ea typeface="Noto Serif CJK JP" panose="02020400000000000000" charset="-122"/>
             </a:endParaRPr>
@@ -9640,7 +10215,7 @@
             <a:pPr marL="457200" lvl="1" indent="0">
               <a:buNone/>
             </a:pPr>
-            <a:endParaRPr lang="" altLang="en-US" sz="2100">
+            <a:endParaRPr lang="en-US" altLang="en-US" sz="2100">
               <a:latin typeface="Noto Serif CJK JP" panose="02020400000000000000" charset="-122"/>
               <a:ea typeface="Noto Serif CJK JP" panose="02020400000000000000" charset="-122"/>
             </a:endParaRPr>
@@ -9699,7 +10274,7 @@
           </a:p>
           <a:p>
             <a:r>
-              <a:rPr lang="" altLang="en-US">
+              <a:rPr lang="en-US" altLang="en-US">
                 <a:latin typeface="FreeMono" panose="020F0409020205020404" charset="0"/>
                 <a:ea typeface="FreeMono" panose="020F0409020205020404" charset="0"/>
                 <a:cs typeface="Noto Sans Mono CJK JP" panose="020B0500000000000000" charset="-122"/>
@@ -9712,56 +10287,24 @@
                 <a:ea typeface="Noto Serif CJK JP" panose="02020400000000000000" charset="-122"/>
                 <a:sym typeface="+mn-ea"/>
               </a:rPr>
-              <a:t>nElts</a:t>
-            </a:r>
-            <a:r>
-              <a:rPr lang="" altLang="en-US">
+              <a:t>nElts] = 12</a:t>
+            </a:r>
+            <a:endParaRPr lang="en-US" altLang="en-US">
+              <a:latin typeface="Noto Serif CJK JP" panose="02020400000000000000" charset="-122"/>
+              <a:ea typeface="Noto Serif CJK JP" panose="02020400000000000000" charset="-122"/>
+              <a:sym typeface="+mn-ea"/>
+            </a:endParaRPr>
+          </a:p>
+          <a:p>
+            <a:r>
+              <a:rPr lang="en-US" altLang="en-US">
                 <a:latin typeface="Noto Serif CJK JP" panose="02020400000000000000" charset="-122"/>
                 <a:ea typeface="Noto Serif CJK JP" panose="02020400000000000000" charset="-122"/>
                 <a:sym typeface="+mn-ea"/>
               </a:rPr>
-              <a:t>] = 12</a:t>
-            </a:r>
-            <a:endParaRPr lang="" altLang="en-US">
-              <a:latin typeface="Noto Serif CJK JP" panose="02020400000000000000" charset="-122"/>
-              <a:ea typeface="Noto Serif CJK JP" panose="02020400000000000000" charset="-122"/>
-              <a:sym typeface="+mn-ea"/>
-            </a:endParaRPr>
-          </a:p>
-          <a:p>
-            <a:r>
-              <a:rPr lang="en-US" altLang="en-US">
-                <a:latin typeface="Noto Serif CJK JP" panose="02020400000000000000" charset="-122"/>
-                <a:ea typeface="Noto Serif CJK JP" panose="02020400000000000000" charset="-122"/>
-                <a:sym typeface="+mn-ea"/>
-              </a:rPr>
-              <a:t>nElts </a:t>
-            </a:r>
-            <a:r>
-              <a:rPr lang="" altLang="en-US">
-                <a:latin typeface="Noto Serif CJK JP" panose="02020400000000000000" charset="-122"/>
-                <a:ea typeface="Noto Serif CJK JP" panose="02020400000000000000" charset="-122"/>
-                <a:sym typeface="+mn-ea"/>
-              </a:rPr>
-              <a:t>= </a:t>
-            </a:r>
-            <a:r>
-              <a:rPr lang="en-US" altLang="en-US">
-                <a:latin typeface="Noto Serif CJK JP" panose="02020400000000000000" charset="-122"/>
-                <a:ea typeface="Noto Serif CJK JP" panose="02020400000000000000" charset="-122"/>
-                <a:sym typeface="+mn-ea"/>
-              </a:rPr>
-              <a:t>nElts </a:t>
-            </a:r>
-            <a:r>
-              <a:rPr lang="" altLang="en-US">
-                <a:latin typeface="Noto Serif CJK JP" panose="02020400000000000000" charset="-122"/>
-                <a:ea typeface="Noto Serif CJK JP" panose="02020400000000000000" charset="-122"/>
-                <a:sym typeface="+mn-ea"/>
-              </a:rPr>
-              <a:t>+1</a:t>
-            </a:r>
-            <a:endParaRPr lang="" altLang="en-US">
+              <a:t>nElts = nElts +1</a:t>
+            </a:r>
+            <a:endParaRPr lang="en-US" altLang="en-US">
               <a:latin typeface="Noto Serif CJK JP" panose="02020400000000000000" charset="-122"/>
               <a:ea typeface="Noto Serif CJK JP" panose="02020400000000000000" charset="-122"/>
               <a:cs typeface="Noto Sans Mono CJK JP" panose="020B0500000000000000" charset="-122"/>
@@ -9841,18 +10384,11 @@
           <a:bodyPr/>
           <a:p>
             <a:r>
-              <a:rPr lang="" altLang="en-US" sz="2400">
-                <a:latin typeface="Noto Serif CJK JP" panose="02020400000000000000" charset="-122"/>
-                <a:ea typeface="Noto Serif CJK JP" panose="02020400000000000000" charset="-122"/>
-              </a:rPr>
-              <a:t>B</a:t>
-            </a:r>
-            <a:r>
               <a:rPr lang="en-US" altLang="en-US" sz="2400">
                 <a:latin typeface="Noto Serif CJK JP" panose="02020400000000000000" charset="-122"/>
                 <a:ea typeface="Noto Serif CJK JP" panose="02020400000000000000" charset="-122"/>
               </a:rPr>
-              <a:t>egins with a search for the specified item</a:t>
+              <a:t>Begins with a search for the specified item</a:t>
             </a:r>
             <a:endParaRPr lang="en-US" altLang="en-US" sz="2400">
               <a:latin typeface="Noto Serif CJK JP" panose="02020400000000000000" charset="-122"/>
@@ -9917,43 +10453,12 @@
           </a:bodyPr>
           <a:p>
             <a:r>
-              <a:rPr lang="" altLang="en-US">
+              <a:rPr lang="en-US" altLang="en-US">
                 <a:latin typeface="FreeMono" panose="020F0409020205020404" charset="0"/>
                 <a:ea typeface="FreeMono" panose="020F0409020205020404" charset="0"/>
                 <a:cs typeface="Noto Sans Mono CJK JP" panose="020B0500000000000000" charset="-122"/>
               </a:rPr>
               <a:t>for(j=0; j&lt;nElems; j++) // look for it</a:t>
-            </a:r>
-            <a:endParaRPr lang="" altLang="en-US">
-              <a:latin typeface="FreeMono" panose="020F0409020205020404" charset="0"/>
-              <a:ea typeface="FreeMono" panose="020F0409020205020404" charset="0"/>
-              <a:cs typeface="Noto Sans Mono CJK JP" panose="020B0500000000000000" charset="-122"/>
-            </a:endParaRPr>
-          </a:p>
-          <a:p>
-            <a:r>
-              <a:rPr lang="" altLang="en-US">
-                <a:latin typeface="FreeMono" panose="020F0409020205020404" charset="0"/>
-                <a:ea typeface="FreeMono" panose="020F0409020205020404" charset="0"/>
-                <a:cs typeface="Noto Sans Mono CJK JP" panose="020B0500000000000000" charset="-122"/>
-              </a:rPr>
-              <a:t>	if(arr[j]== eltToBeDeleted){</a:t>
-            </a:r>
-            <a:endParaRPr lang="" altLang="en-US">
-              <a:latin typeface="FreeMono" panose="020F0409020205020404" charset="0"/>
-              <a:ea typeface="FreeMono" panose="020F0409020205020404" charset="0"/>
-              <a:cs typeface="Noto Sans Mono CJK JP" panose="020B0500000000000000" charset="-122"/>
-            </a:endParaRPr>
-          </a:p>
-          <a:p>
-            <a:r>
-              <a:rPr lang="en-US" altLang="en-US">
-                <a:latin typeface="FreeMono" panose="020F0409020205020404" charset="0"/>
-                <a:ea typeface="FreeMono" panose="020F0409020205020404" charset="0"/>
-                <a:cs typeface="Noto Sans Mono CJK JP" panose="020B0500000000000000" charset="-122"/>
-                <a:sym typeface="+mn-ea"/>
-              </a:rPr>
-              <a:t>	for(int k=j; k&lt;nElems; k++) // higher ones down</a:t>
             </a:r>
             <a:endParaRPr lang="en-US" altLang="en-US">
               <a:latin typeface="FreeMono" panose="020F0409020205020404" charset="0"/>
@@ -9963,76 +10468,12 @@
           </a:p>
           <a:p>
             <a:r>
-              <a:rPr lang="" altLang="en-US">
+              <a:rPr lang="en-US" altLang="en-US">
                 <a:latin typeface="FreeMono" panose="020F0409020205020404" charset="0"/>
                 <a:ea typeface="FreeMono" panose="020F0409020205020404" charset="0"/>
                 <a:cs typeface="Noto Sans Mono CJK JP" panose="020B0500000000000000" charset="-122"/>
-                <a:sym typeface="+mn-ea"/>
-              </a:rPr>
-              <a:t>		</a:t>
-            </a:r>
-            <a:r>
-              <a:rPr lang="en-US" altLang="en-US">
-                <a:latin typeface="FreeMono" panose="020F0409020205020404" charset="0"/>
-                <a:ea typeface="FreeMono" panose="020F0409020205020404" charset="0"/>
-                <a:cs typeface="Noto Sans Mono CJK JP" panose="020B0500000000000000" charset="-122"/>
-                <a:sym typeface="+mn-ea"/>
-              </a:rPr>
-              <a:t>arr</a:t>
-            </a:r>
-            <a:r>
-              <a:rPr lang="" altLang="en-US">
-                <a:latin typeface="FreeMono" panose="020F0409020205020404" charset="0"/>
-                <a:ea typeface="FreeMono" panose="020F0409020205020404" charset="0"/>
-                <a:cs typeface="Noto Sans Mono CJK JP" panose="020B0500000000000000" charset="-122"/>
-                <a:sym typeface="+mn-ea"/>
-              </a:rPr>
-              <a:t>[k] =</a:t>
-            </a:r>
-            <a:r>
-              <a:rPr lang="en-US" altLang="en-US">
-                <a:latin typeface="FreeMono" panose="020F0409020205020404" charset="0"/>
-                <a:ea typeface="FreeMono" panose="020F0409020205020404" charset="0"/>
-                <a:cs typeface="Noto Sans Mono CJK JP" panose="020B0500000000000000" charset="-122"/>
-                <a:sym typeface="+mn-ea"/>
-              </a:rPr>
-              <a:t> arr</a:t>
-            </a:r>
-            <a:r>
-              <a:rPr lang="" altLang="en-US">
-                <a:latin typeface="FreeMono" panose="020F0409020205020404" charset="0"/>
-                <a:ea typeface="FreeMono" panose="020F0409020205020404" charset="0"/>
-                <a:cs typeface="Noto Sans Mono CJK JP" panose="020B0500000000000000" charset="-122"/>
-                <a:sym typeface="+mn-ea"/>
-              </a:rPr>
-              <a:t>[</a:t>
-            </a:r>
-            <a:r>
-              <a:rPr lang="en-US" altLang="en-US">
-                <a:latin typeface="FreeMono" panose="020F0409020205020404" charset="0"/>
-                <a:ea typeface="FreeMono" panose="020F0409020205020404" charset="0"/>
-                <a:cs typeface="Noto Sans Mono CJK JP" panose="020B0500000000000000" charset="-122"/>
-                <a:sym typeface="+mn-ea"/>
-              </a:rPr>
-              <a:t>k+1</a:t>
-            </a:r>
-            <a:r>
-              <a:rPr lang="" altLang="en-US">
-                <a:latin typeface="FreeMono" panose="020F0409020205020404" charset="0"/>
-                <a:ea typeface="FreeMono" panose="020F0409020205020404" charset="0"/>
-                <a:cs typeface="Noto Sans Mono CJK JP" panose="020B0500000000000000" charset="-122"/>
-                <a:sym typeface="+mn-ea"/>
-              </a:rPr>
-              <a:t>]</a:t>
-            </a:r>
-            <a:r>
-              <a:rPr lang="en-US" altLang="en-US">
-                <a:latin typeface="FreeMono" panose="020F0409020205020404" charset="0"/>
-                <a:ea typeface="FreeMono" panose="020F0409020205020404" charset="0"/>
-                <a:cs typeface="Noto Sans Mono CJK JP" panose="020B0500000000000000" charset="-122"/>
-                <a:sym typeface="+mn-ea"/>
-              </a:rPr>
-              <a:t>;</a:t>
+              </a:rPr>
+              <a:t>	if(arr[j]== eltToBeDeleted){</a:t>
             </a:r>
             <a:endParaRPr lang="en-US" altLang="en-US">
               <a:latin typeface="FreeMono" panose="020F0409020205020404" charset="0"/>
@@ -10042,14 +10483,21 @@
           </a:p>
           <a:p>
             <a:r>
-              <a:rPr lang="" altLang="en-US">
+              <a:rPr lang="en-US" altLang="en-US">
                 <a:latin typeface="FreeMono" panose="020F0409020205020404" charset="0"/>
                 <a:ea typeface="FreeMono" panose="020F0409020205020404" charset="0"/>
                 <a:cs typeface="Noto Sans Mono CJK JP" panose="020B0500000000000000" charset="-122"/>
                 <a:sym typeface="+mn-ea"/>
               </a:rPr>
-              <a:t>	</a:t>
-            </a:r>
+              <a:t>	for(int k=j; k&lt;nElems; k++) // higher ones down</a:t>
+            </a:r>
+            <a:endParaRPr lang="en-US" altLang="en-US">
+              <a:latin typeface="FreeMono" panose="020F0409020205020404" charset="0"/>
+              <a:ea typeface="FreeMono" panose="020F0409020205020404" charset="0"/>
+              <a:cs typeface="Noto Sans Mono CJK JP" panose="020B0500000000000000" charset="-122"/>
+            </a:endParaRPr>
+          </a:p>
+          <a:p>
             <a:r>
               <a:rPr lang="en-US" altLang="en-US">
                 <a:latin typeface="FreeMono" panose="020F0409020205020404" charset="0"/>
@@ -10057,8 +10505,15 @@
                 <a:cs typeface="Noto Sans Mono CJK JP" panose="020B0500000000000000" charset="-122"/>
                 <a:sym typeface="+mn-ea"/>
               </a:rPr>
-              <a:t>nElems--; 	 </a:t>
-            </a:r>
+              <a:t>		arr[k] = arr[k+1];</a:t>
+            </a:r>
+            <a:endParaRPr lang="en-US" altLang="en-US">
+              <a:latin typeface="FreeMono" panose="020F0409020205020404" charset="0"/>
+              <a:ea typeface="FreeMono" panose="020F0409020205020404" charset="0"/>
+              <a:cs typeface="Noto Sans Mono CJK JP" panose="020B0500000000000000" charset="-122"/>
+            </a:endParaRPr>
+          </a:p>
+          <a:p>
             <a:r>
               <a:rPr lang="en-US" altLang="en-US">
                 <a:latin typeface="FreeMono" panose="020F0409020205020404" charset="0"/>
@@ -10066,7 +10521,7 @@
                 <a:cs typeface="Noto Sans Mono CJK JP" panose="020B0500000000000000" charset="-122"/>
                 <a:sym typeface="+mn-ea"/>
               </a:rPr>
-              <a:t>// decrement size</a:t>
+              <a:t>	nElems--; 	 // decrement size</a:t>
             </a:r>
             <a:endParaRPr lang="en-US" altLang="en-US">
               <a:latin typeface="FreeMono" panose="020F0409020205020404" charset="0"/>
@@ -10077,22 +10532,13 @@
           </a:p>
           <a:p>
             <a:r>
-              <a:rPr lang="" altLang="en-US">
+              <a:rPr lang="en-US" altLang="en-US">
                 <a:latin typeface="FreeMono" panose="020F0409020205020404" charset="0"/>
                 <a:ea typeface="FreeMono" panose="020F0409020205020404" charset="0"/>
                 <a:cs typeface="Noto Sans Mono CJK JP" panose="020B0500000000000000" charset="-122"/>
                 <a:sym typeface="+mn-ea"/>
               </a:rPr>
-              <a:t>	</a:t>
-            </a:r>
-            <a:r>
-              <a:rPr lang="en-US" altLang="en-US">
-                <a:latin typeface="FreeMono" panose="020F0409020205020404" charset="0"/>
-                <a:ea typeface="FreeMono" panose="020F0409020205020404" charset="0"/>
-                <a:cs typeface="Noto Sans Mono CJK JP" panose="020B0500000000000000" charset="-122"/>
-                <a:sym typeface="+mn-ea"/>
-              </a:rPr>
-              <a:t>break;</a:t>
+              <a:t>	break;</a:t>
             </a:r>
             <a:endParaRPr lang="en-US" altLang="en-US">
               <a:latin typeface="FreeMono" panose="020F0409020205020404" charset="0"/>
@@ -10103,7 +10549,7 @@
           </a:p>
           <a:p>
             <a:r>
-              <a:rPr lang="" altLang="en-US">
+              <a:rPr lang="en-US" altLang="en-US">
                 <a:latin typeface="FreeMono" panose="020F0409020205020404" charset="0"/>
                 <a:ea typeface="FreeMono" panose="020F0409020205020404" charset="0"/>
                 <a:cs typeface="Noto Sans Mono CJK JP" panose="020B0500000000000000" charset="-122"/>
@@ -10128,7 +10574,7 @@
               <a:t> </a:t>
             </a:r>
             <a:r>
-              <a:rPr lang="" altLang="en-US">
+              <a:rPr lang="en-US" altLang="en-US">
                 <a:latin typeface="FreeMono" panose="020F0409020205020404" charset="0"/>
                 <a:ea typeface="FreeMono" panose="020F0409020205020404" charset="0"/>
                 <a:cs typeface="Noto Sans Mono CJK JP" panose="020B0500000000000000" charset="-122"/>
@@ -10498,6 +10944,20 @@
               <a:t>Pointer (Or Reference) to the next node</a:t>
             </a:r>
             <a:endParaRPr lang="en-US" altLang="en-US" sz="1800">
+              <a:latin typeface="Noto Serif CJK JP" panose="02020400000000000000" charset="-122"/>
+              <a:ea typeface="Noto Serif CJK JP" panose="02020400000000000000" charset="-122"/>
+            </a:endParaRPr>
+          </a:p>
+          <a:p>
+            <a:pPr lvl="1"/>
+            <a:r>
+              <a:rPr lang="" altLang="en-US" sz="2100">
+                <a:latin typeface="Noto Serif CJK JP" panose="02020400000000000000" charset="-122"/>
+                <a:ea typeface="Noto Serif CJK JP" panose="02020400000000000000" charset="-122"/>
+              </a:rPr>
+              <a:t>Tracking Element : Head/First</a:t>
+            </a:r>
+            <a:endParaRPr lang="en-US" altLang="en-US" sz="2100">
               <a:latin typeface="Noto Serif CJK JP" panose="02020400000000000000" charset="-122"/>
               <a:ea typeface="Noto Serif CJK JP" panose="02020400000000000000" charset="-122"/>
             </a:endParaRPr>

--- a/Objected Oriented Programming Concepts Using C++ & Data Structures/Data Structures.pptx
+++ b/Objected Oriented Programming Concepts Using C++ & Data Structures/Data Structures.pptx
@@ -4811,7 +4811,7 @@
         <a:spcBef>
           <a:spcPts val="500"/>
         </a:spcBef>
-        <a:buFont typeface="Arial" panose="02080604020202020204" pitchFamily="34" charset="0"/>
+        <a:buFont typeface="Arial" panose="020B0604020202020204" pitchFamily="34" charset="0"/>
         <a:buChar char="•"/>
         <a:defRPr sz="1800" kern="1200">
           <a:solidFill>
@@ -4829,7 +4829,7 @@
         <a:spcBef>
           <a:spcPts val="500"/>
         </a:spcBef>
-        <a:buFont typeface="Arial" panose="02080604020202020204" pitchFamily="34" charset="0"/>
+        <a:buFont typeface="Arial" panose="020B0604020202020204" pitchFamily="34" charset="0"/>
         <a:buChar char="•"/>
         <a:defRPr sz="1800" kern="1200">
           <a:solidFill>
@@ -4847,7 +4847,7 @@
         <a:spcBef>
           <a:spcPts val="500"/>
         </a:spcBef>
-        <a:buFont typeface="Arial" panose="02080604020202020204" pitchFamily="34" charset="0"/>
+        <a:buFont typeface="Arial" panose="020B0604020202020204" pitchFamily="34" charset="0"/>
         <a:buChar char="•"/>
         <a:defRPr sz="1800" kern="1200">
           <a:solidFill>
@@ -4865,7 +4865,7 @@
         <a:spcBef>
           <a:spcPts val="500"/>
         </a:spcBef>
-        <a:buFont typeface="Arial" panose="02080604020202020204" pitchFamily="34" charset="0"/>
+        <a:buFont typeface="Arial" panose="020B0604020202020204" pitchFamily="34" charset="0"/>
         <a:buChar char="•"/>
         <a:defRPr sz="1800" kern="1200">
           <a:solidFill>
@@ -5005,7 +5005,7 @@
         </p:nvSpPr>
         <p:spPr>
           <a:xfrm>
-            <a:off x="685800" y="1682115"/>
+            <a:off x="473075" y="574675"/>
             <a:ext cx="7772400" cy="1143000"/>
           </a:xfrm>
         </p:spPr>
@@ -5015,20 +5015,23 @@
           <a:p>
             <a:r>
               <a:rPr lang="en-US" altLang="en-IN" sz="4800" dirty="0">
-                <a:latin typeface="Noto Serif CJK JP" panose="02020400000000000000" charset="-122"/>
-                <a:ea typeface="Noto Serif CJK JP" panose="02020400000000000000" charset="-122"/>
+                <a:latin typeface="Arial" panose="020B0604020202020204" pitchFamily="34" charset="0"/>
+                <a:ea typeface="Noto Serif CJK JP" panose="02020400000000000000" charset="-122"/>
+                <a:cs typeface="Arial" panose="020B0604020202020204" pitchFamily="34" charset="0"/>
               </a:rPr>
               <a:t>Data Structures</a:t>
             </a:r>
             <a:br>
               <a:rPr lang="en-US" altLang="en-IN" sz="4800" dirty="0">
-                <a:latin typeface="Noto Serif CJK JP" panose="02020400000000000000" charset="-122"/>
-                <a:ea typeface="Noto Serif CJK JP" panose="02020400000000000000" charset="-122"/>
+                <a:latin typeface="Arial" panose="020B0604020202020204" pitchFamily="34" charset="0"/>
+                <a:ea typeface="Noto Serif CJK JP" panose="02020400000000000000" charset="-122"/>
+                <a:cs typeface="Arial" panose="020B0604020202020204" pitchFamily="34" charset="0"/>
               </a:rPr>
             </a:br>
             <a:endParaRPr lang="en-US" altLang="en-IN" sz="4800" dirty="0">
-              <a:latin typeface="Noto Serif CJK JP" panose="02020400000000000000" charset="-122"/>
-              <a:ea typeface="Noto Serif CJK JP" panose="02020400000000000000" charset="-122"/>
+              <a:latin typeface="Arial" panose="020B0604020202020204" pitchFamily="34" charset="0"/>
+              <a:ea typeface="Noto Serif CJK JP" panose="02020400000000000000" charset="-122"/>
+              <a:cs typeface="Arial" panose="020B0604020202020204" pitchFamily="34" charset="0"/>
             </a:endParaRPr>
           </a:p>
         </p:txBody>
@@ -5041,7 +5044,7 @@
         </p:nvSpPr>
         <p:spPr>
           <a:xfrm>
-            <a:off x="567055" y="3367405"/>
+            <a:off x="879475" y="2586355"/>
             <a:ext cx="4859020" cy="3080385"/>
           </a:xfrm>
           <a:prstGeom prst="rect">
@@ -5060,15 +5063,17 @@
               </a:lnSpc>
             </a:pPr>
             <a:r>
-              <a:rPr lang="" altLang="en-US" b="1">
-                <a:latin typeface="Noto Serif CJK JP" panose="02020400000000000000" charset="-122"/>
-                <a:ea typeface="Noto Serif CJK JP" panose="02020400000000000000" charset="-122"/>
+              <a:rPr lang="en-US" altLang="en-US" b="1">
+                <a:latin typeface="Arial" panose="020B0604020202020204" pitchFamily="34" charset="0"/>
+                <a:ea typeface="Noto Serif CJK JP" panose="02020400000000000000" charset="-122"/>
+                <a:cs typeface="Arial" panose="020B0604020202020204" pitchFamily="34" charset="0"/>
               </a:rPr>
               <a:t>Topics Covered :</a:t>
             </a:r>
-            <a:endParaRPr lang="" altLang="en-US">
-              <a:latin typeface="Noto Serif CJK JP" panose="02020400000000000000" charset="-122"/>
-              <a:ea typeface="Noto Serif CJK JP" panose="02020400000000000000" charset="-122"/>
+            <a:endParaRPr lang="en-US" altLang="en-US">
+              <a:latin typeface="Arial" panose="020B0604020202020204" pitchFamily="34" charset="0"/>
+              <a:ea typeface="Noto Serif CJK JP" panose="02020400000000000000" charset="-122"/>
+              <a:cs typeface="Arial" panose="020B0604020202020204" pitchFamily="34" charset="0"/>
             </a:endParaRPr>
           </a:p>
           <a:p>
@@ -5076,19 +5081,21 @@
               <a:lnSpc>
                 <a:spcPct val="120000"/>
               </a:lnSpc>
-              <a:buFont typeface="Arial" panose="02080604020202020204" pitchFamily="34" charset="0"/>
+              <a:buFont typeface="Arial" panose="020B0604020202020204" pitchFamily="34" charset="0"/>
               <a:buAutoNum type="arabicPeriod"/>
             </a:pPr>
             <a:r>
-              <a:rPr lang="" altLang="en-US">
-                <a:latin typeface="Noto Serif CJK JP" panose="02020400000000000000" charset="-122"/>
-                <a:ea typeface="Noto Serif CJK JP" panose="02020400000000000000" charset="-122"/>
+              <a:rPr lang="en-US" altLang="en-US">
+                <a:latin typeface="Arial" panose="020B0604020202020204" pitchFamily="34" charset="0"/>
+                <a:ea typeface="Noto Serif CJK JP" panose="02020400000000000000" charset="-122"/>
+                <a:cs typeface="Arial" panose="020B0604020202020204" pitchFamily="34" charset="0"/>
               </a:rPr>
               <a:t>Overview &amp; Why</a:t>
             </a:r>
-            <a:endParaRPr lang="" altLang="en-US">
-              <a:latin typeface="Noto Serif CJK JP" panose="02020400000000000000" charset="-122"/>
-              <a:ea typeface="Noto Serif CJK JP" panose="02020400000000000000" charset="-122"/>
+            <a:endParaRPr lang="en-US" altLang="en-US">
+              <a:latin typeface="Arial" panose="020B0604020202020204" pitchFamily="34" charset="0"/>
+              <a:ea typeface="Noto Serif CJK JP" panose="02020400000000000000" charset="-122"/>
+              <a:cs typeface="Arial" panose="020B0604020202020204" pitchFamily="34" charset="0"/>
             </a:endParaRPr>
           </a:p>
           <a:p>
@@ -5096,19 +5103,21 @@
               <a:lnSpc>
                 <a:spcPct val="120000"/>
               </a:lnSpc>
-              <a:buFont typeface="Arial" panose="02080604020202020204" pitchFamily="34" charset="0"/>
+              <a:buFont typeface="Arial" panose="020B0604020202020204" pitchFamily="34" charset="0"/>
               <a:buAutoNum type="arabicPeriod"/>
             </a:pPr>
             <a:r>
-              <a:rPr lang="" altLang="en-US">
-                <a:latin typeface="Noto Serif CJK JP" panose="02020400000000000000" charset="-122"/>
-                <a:ea typeface="Noto Serif CJK JP" panose="02020400000000000000" charset="-122"/>
+              <a:rPr lang="en-US" altLang="en-US">
+                <a:latin typeface="Arial" panose="020B0604020202020204" pitchFamily="34" charset="0"/>
+                <a:ea typeface="Noto Serif CJK JP" panose="02020400000000000000" charset="-122"/>
+                <a:cs typeface="Arial" panose="020B0604020202020204" pitchFamily="34" charset="0"/>
               </a:rPr>
               <a:t>Classification of Data structures</a:t>
             </a:r>
-            <a:endParaRPr lang="" altLang="en-US">
-              <a:latin typeface="Noto Serif CJK JP" panose="02020400000000000000" charset="-122"/>
-              <a:ea typeface="Noto Serif CJK JP" panose="02020400000000000000" charset="-122"/>
+            <a:endParaRPr lang="en-US" altLang="en-US">
+              <a:latin typeface="Arial" panose="020B0604020202020204" pitchFamily="34" charset="0"/>
+              <a:ea typeface="Noto Serif CJK JP" panose="02020400000000000000" charset="-122"/>
+              <a:cs typeface="Arial" panose="020B0604020202020204" pitchFamily="34" charset="0"/>
             </a:endParaRPr>
           </a:p>
           <a:p>
@@ -5116,19 +5125,21 @@
               <a:lnSpc>
                 <a:spcPct val="120000"/>
               </a:lnSpc>
-              <a:buFont typeface="Arial" panose="02080604020202020204" pitchFamily="34" charset="0"/>
+              <a:buFont typeface="Arial" panose="020B0604020202020204" pitchFamily="34" charset="0"/>
               <a:buAutoNum type="arabicPeriod"/>
             </a:pPr>
             <a:r>
-              <a:rPr lang="" altLang="en-US">
-                <a:latin typeface="Noto Serif CJK JP" panose="02020400000000000000" charset="-122"/>
-                <a:ea typeface="Noto Serif CJK JP" panose="02020400000000000000" charset="-122"/>
+              <a:rPr lang="en-US" altLang="en-US">
+                <a:latin typeface="Arial" panose="020B0604020202020204" pitchFamily="34" charset="0"/>
+                <a:ea typeface="Noto Serif CJK JP" panose="02020400000000000000" charset="-122"/>
+                <a:cs typeface="Arial" panose="020B0604020202020204" pitchFamily="34" charset="0"/>
               </a:rPr>
               <a:t>Array &amp; Operations</a:t>
             </a:r>
-            <a:endParaRPr lang="" altLang="en-US">
-              <a:latin typeface="Noto Serif CJK JP" panose="02020400000000000000" charset="-122"/>
-              <a:ea typeface="Noto Serif CJK JP" panose="02020400000000000000" charset="-122"/>
+            <a:endParaRPr lang="en-US" altLang="en-US">
+              <a:latin typeface="Arial" panose="020B0604020202020204" pitchFamily="34" charset="0"/>
+              <a:ea typeface="Noto Serif CJK JP" panose="02020400000000000000" charset="-122"/>
+              <a:cs typeface="Arial" panose="020B0604020202020204" pitchFamily="34" charset="0"/>
             </a:endParaRPr>
           </a:p>
           <a:p>
@@ -5136,19 +5147,21 @@
               <a:lnSpc>
                 <a:spcPct val="120000"/>
               </a:lnSpc>
-              <a:buFont typeface="Arial" panose="02080604020202020204" pitchFamily="34" charset="0"/>
+              <a:buFont typeface="Arial" panose="020B0604020202020204" pitchFamily="34" charset="0"/>
               <a:buAutoNum type="arabicPeriod"/>
             </a:pPr>
             <a:r>
-              <a:rPr lang="" altLang="en-US">
-                <a:latin typeface="Noto Serif CJK JP" panose="02020400000000000000" charset="-122"/>
-                <a:ea typeface="Noto Serif CJK JP" panose="02020400000000000000" charset="-122"/>
+              <a:rPr lang="en-US" altLang="en-US">
+                <a:latin typeface="Arial" panose="020B0604020202020204" pitchFamily="34" charset="0"/>
+                <a:ea typeface="Noto Serif CJK JP" panose="02020400000000000000" charset="-122"/>
+                <a:cs typeface="Arial" panose="020B0604020202020204" pitchFamily="34" charset="0"/>
               </a:rPr>
               <a:t>Linked List &amp; Opertions</a:t>
             </a:r>
-            <a:endParaRPr lang="" altLang="en-US">
-              <a:latin typeface="Noto Serif CJK JP" panose="02020400000000000000" charset="-122"/>
-              <a:ea typeface="Noto Serif CJK JP" panose="02020400000000000000" charset="-122"/>
+            <a:endParaRPr lang="en-US" altLang="en-US">
+              <a:latin typeface="Arial" panose="020B0604020202020204" pitchFamily="34" charset="0"/>
+              <a:ea typeface="Noto Serif CJK JP" panose="02020400000000000000" charset="-122"/>
+              <a:cs typeface="Arial" panose="020B0604020202020204" pitchFamily="34" charset="0"/>
             </a:endParaRPr>
           </a:p>
           <a:p>
@@ -5156,19 +5169,21 @@
               <a:lnSpc>
                 <a:spcPct val="120000"/>
               </a:lnSpc>
-              <a:buFont typeface="Arial" panose="02080604020202020204" pitchFamily="34" charset="0"/>
+              <a:buFont typeface="Arial" panose="020B0604020202020204" pitchFamily="34" charset="0"/>
               <a:buAutoNum type="arabicPeriod"/>
             </a:pPr>
             <a:r>
-              <a:rPr lang="" altLang="en-US">
-                <a:latin typeface="Noto Serif CJK JP" panose="02020400000000000000" charset="-122"/>
-                <a:ea typeface="Noto Serif CJK JP" panose="02020400000000000000" charset="-122"/>
+              <a:rPr lang="en-US" altLang="en-US">
+                <a:latin typeface="Arial" panose="020B0604020202020204" pitchFamily="34" charset="0"/>
+                <a:ea typeface="Noto Serif CJK JP" panose="02020400000000000000" charset="-122"/>
+                <a:cs typeface="Arial" panose="020B0604020202020204" pitchFamily="34" charset="0"/>
               </a:rPr>
               <a:t>Doubly Linked List &amp; Operations</a:t>
             </a:r>
-            <a:endParaRPr lang="" altLang="en-US">
-              <a:latin typeface="Noto Serif CJK JP" panose="02020400000000000000" charset="-122"/>
-              <a:ea typeface="Noto Serif CJK JP" panose="02020400000000000000" charset="-122"/>
+            <a:endParaRPr lang="en-US" altLang="en-US">
+              <a:latin typeface="Arial" panose="020B0604020202020204" pitchFamily="34" charset="0"/>
+              <a:ea typeface="Noto Serif CJK JP" panose="02020400000000000000" charset="-122"/>
+              <a:cs typeface="Arial" panose="020B0604020202020204" pitchFamily="34" charset="0"/>
             </a:endParaRPr>
           </a:p>
           <a:p>
@@ -5176,19 +5191,21 @@
               <a:lnSpc>
                 <a:spcPct val="120000"/>
               </a:lnSpc>
-              <a:buFont typeface="Arial" panose="02080604020202020204" pitchFamily="34" charset="0"/>
+              <a:buFont typeface="Arial" panose="020B0604020202020204" pitchFamily="34" charset="0"/>
               <a:buAutoNum type="arabicPeriod"/>
             </a:pPr>
             <a:r>
-              <a:rPr lang="" altLang="en-US">
-                <a:latin typeface="Noto Serif CJK JP" panose="02020400000000000000" charset="-122"/>
-                <a:ea typeface="Noto Serif CJK JP" panose="02020400000000000000" charset="-122"/>
+              <a:rPr lang="en-US" altLang="en-US">
+                <a:latin typeface="Arial" panose="020B0604020202020204" pitchFamily="34" charset="0"/>
+                <a:ea typeface="Noto Serif CJK JP" panose="02020400000000000000" charset="-122"/>
+                <a:cs typeface="Arial" panose="020B0604020202020204" pitchFamily="34" charset="0"/>
               </a:rPr>
               <a:t>Circular Linked List</a:t>
             </a:r>
-            <a:endParaRPr lang="" altLang="en-US">
-              <a:latin typeface="Noto Serif CJK JP" panose="02020400000000000000" charset="-122"/>
-              <a:ea typeface="Noto Serif CJK JP" panose="02020400000000000000" charset="-122"/>
+            <a:endParaRPr lang="en-US" altLang="en-US">
+              <a:latin typeface="Arial" panose="020B0604020202020204" pitchFamily="34" charset="0"/>
+              <a:ea typeface="Noto Serif CJK JP" panose="02020400000000000000" charset="-122"/>
+              <a:cs typeface="Arial" panose="020B0604020202020204" pitchFamily="34" charset="0"/>
             </a:endParaRPr>
           </a:p>
           <a:p>
@@ -5196,19 +5213,21 @@
               <a:lnSpc>
                 <a:spcPct val="120000"/>
               </a:lnSpc>
-              <a:buFont typeface="Arial" panose="02080604020202020204" pitchFamily="34" charset="0"/>
+              <a:buFont typeface="Arial" panose="020B0604020202020204" pitchFamily="34" charset="0"/>
               <a:buAutoNum type="arabicPeriod"/>
             </a:pPr>
             <a:r>
-              <a:rPr lang="" altLang="en-US">
-                <a:latin typeface="Noto Serif CJK JP" panose="02020400000000000000" charset="-122"/>
-                <a:ea typeface="Noto Serif CJK JP" panose="02020400000000000000" charset="-122"/>
+              <a:rPr lang="en-US" altLang="en-US">
+                <a:latin typeface="Arial" panose="020B0604020202020204" pitchFamily="34" charset="0"/>
+                <a:ea typeface="Noto Serif CJK JP" panose="02020400000000000000" charset="-122"/>
+                <a:cs typeface="Arial" panose="020B0604020202020204" pitchFamily="34" charset="0"/>
               </a:rPr>
               <a:t>Stack &amp; Implementation</a:t>
             </a:r>
-            <a:endParaRPr lang="" altLang="en-US">
-              <a:latin typeface="Noto Serif CJK JP" panose="02020400000000000000" charset="-122"/>
-              <a:ea typeface="Noto Serif CJK JP" panose="02020400000000000000" charset="-122"/>
+            <a:endParaRPr lang="en-US" altLang="en-US">
+              <a:latin typeface="Arial" panose="020B0604020202020204" pitchFamily="34" charset="0"/>
+              <a:ea typeface="Noto Serif CJK JP" panose="02020400000000000000" charset="-122"/>
+              <a:cs typeface="Arial" panose="020B0604020202020204" pitchFamily="34" charset="0"/>
             </a:endParaRPr>
           </a:p>
           <a:p>
@@ -5216,20 +5235,65 @@
               <a:lnSpc>
                 <a:spcPct val="120000"/>
               </a:lnSpc>
-              <a:buFont typeface="Arial" panose="02080604020202020204" pitchFamily="34" charset="0"/>
+              <a:buFont typeface="Arial" panose="020B0604020202020204" pitchFamily="34" charset="0"/>
               <a:buAutoNum type="arabicPeriod"/>
             </a:pPr>
             <a:r>
-              <a:rPr lang="" altLang="en-US">
-                <a:latin typeface="Noto Serif CJK JP" panose="02020400000000000000" charset="-122"/>
-                <a:ea typeface="Noto Serif CJK JP" panose="02020400000000000000" charset="-122"/>
+              <a:rPr lang="en-US" altLang="en-US">
+                <a:latin typeface="Arial" panose="020B0604020202020204" pitchFamily="34" charset="0"/>
+                <a:ea typeface="Noto Serif CJK JP" panose="02020400000000000000" charset="-122"/>
+                <a:cs typeface="Arial" panose="020B0604020202020204" pitchFamily="34" charset="0"/>
               </a:rPr>
               <a:t>Queue &amp; Implementation</a:t>
             </a:r>
-            <a:endParaRPr lang="" altLang="en-US">
-              <a:latin typeface="Noto Serif CJK JP" panose="02020400000000000000" charset="-122"/>
-              <a:ea typeface="Noto Serif CJK JP" panose="02020400000000000000" charset="-122"/>
-            </a:endParaRPr>
+            <a:endParaRPr lang="en-US" altLang="en-US">
+              <a:latin typeface="Arial" panose="020B0604020202020204" pitchFamily="34" charset="0"/>
+              <a:ea typeface="Noto Serif CJK JP" panose="02020400000000000000" charset="-122"/>
+              <a:cs typeface="Arial" panose="020B0604020202020204" pitchFamily="34" charset="0"/>
+            </a:endParaRPr>
+          </a:p>
+        </p:txBody>
+      </p:sp>
+      <p:sp>
+        <p:nvSpPr>
+          <p:cNvPr id="4" name="Text Box 3"/>
+          <p:cNvSpPr txBox="1"/>
+          <p:nvPr/>
+        </p:nvSpPr>
+        <p:spPr>
+          <a:xfrm>
+            <a:off x="6395720" y="5934710"/>
+            <a:ext cx="2741295" cy="922020"/>
+          </a:xfrm>
+          <a:prstGeom prst="rect">
+            <a:avLst/>
+          </a:prstGeom>
+          <a:noFill/>
+        </p:spPr>
+        <p:txBody>
+          <a:bodyPr wrap="square" rtlCol="0">
+            <a:spAutoFit/>
+          </a:bodyPr>
+          <a:p>
+            <a:r>
+              <a:rPr lang="en-GB" altLang="en-US"/>
+              <a:t>    By,</a:t>
+            </a:r>
+            <a:endParaRPr lang="en-GB" altLang="en-US"/>
+          </a:p>
+          <a:p>
+            <a:r>
+              <a:rPr lang="en-GB" altLang="en-US"/>
+              <a:t>	Jishnu T U</a:t>
+            </a:r>
+            <a:endParaRPr lang="en-GB" altLang="en-US"/>
+          </a:p>
+          <a:p>
+            <a:r>
+              <a:rPr lang="en-GB" altLang="en-US"/>
+              <a:t>	C-DAC Trainer </a:t>
+            </a:r>
+            <a:endParaRPr lang="en-GB" altLang="en-US"/>
           </a:p>
         </p:txBody>
       </p:sp>
@@ -5559,92 +5623,105 @@
           <a:p>
             <a:r>
               <a:rPr lang="en-US" altLang="en-US" sz="2400">
-                <a:latin typeface="Noto Serif CJK JP" panose="02020400000000000000" charset="-122"/>
-                <a:ea typeface="Noto Serif CJK JP" panose="02020400000000000000" charset="-122"/>
+                <a:latin typeface="Arial" panose="020B0604020202020204" pitchFamily="34" charset="0"/>
+                <a:ea typeface="Noto Serif CJK JP" panose="02020400000000000000" charset="-122"/>
+                <a:cs typeface="Arial" panose="020B0604020202020204" pitchFamily="34" charset="0"/>
               </a:rPr>
               <a:t>Node</a:t>
             </a:r>
             <a:endParaRPr lang="en-US" altLang="en-US" sz="2400">
-              <a:latin typeface="Noto Serif CJK JP" panose="02020400000000000000" charset="-122"/>
-              <a:ea typeface="Noto Serif CJK JP" panose="02020400000000000000" charset="-122"/>
+              <a:latin typeface="Arial" panose="020B0604020202020204" pitchFamily="34" charset="0"/>
+              <a:ea typeface="Noto Serif CJK JP" panose="02020400000000000000" charset="-122"/>
+              <a:cs typeface="Arial" panose="020B0604020202020204" pitchFamily="34" charset="0"/>
             </a:endParaRPr>
           </a:p>
           <a:p>
             <a:pPr lvl="1"/>
             <a:r>
               <a:rPr lang="en-US" altLang="en-US" sz="2100">
-                <a:latin typeface="Noto Serif CJK JP" panose="02020400000000000000" charset="-122"/>
-                <a:ea typeface="Noto Serif CJK JP" panose="02020400000000000000" charset="-122"/>
+                <a:latin typeface="Arial" panose="020B0604020202020204" pitchFamily="34" charset="0"/>
+                <a:ea typeface="Noto Serif CJK JP" panose="02020400000000000000" charset="-122"/>
+                <a:cs typeface="Arial" panose="020B0604020202020204" pitchFamily="34" charset="0"/>
               </a:rPr>
               <a:t>Each element in the List</a:t>
             </a:r>
             <a:endParaRPr lang="en-US" altLang="en-US" sz="2100">
-              <a:latin typeface="Noto Serif CJK JP" panose="02020400000000000000" charset="-122"/>
-              <a:ea typeface="Noto Serif CJK JP" panose="02020400000000000000" charset="-122"/>
+              <a:latin typeface="Arial" panose="020B0604020202020204" pitchFamily="34" charset="0"/>
+              <a:ea typeface="Noto Serif CJK JP" panose="02020400000000000000" charset="-122"/>
+              <a:cs typeface="Arial" panose="020B0604020202020204" pitchFamily="34" charset="0"/>
             </a:endParaRPr>
           </a:p>
           <a:p>
             <a:pPr lvl="1"/>
             <a:r>
               <a:rPr lang="en-US" altLang="en-US" sz="2100">
-                <a:latin typeface="Noto Serif CJK JP" panose="02020400000000000000" charset="-122"/>
-                <a:ea typeface="Noto Serif CJK JP" panose="02020400000000000000" charset="-122"/>
+                <a:latin typeface="Arial" panose="020B0604020202020204" pitchFamily="34" charset="0"/>
+                <a:ea typeface="Noto Serif CJK JP" panose="02020400000000000000" charset="-122"/>
+                <a:cs typeface="Arial" panose="020B0604020202020204" pitchFamily="34" charset="0"/>
               </a:rPr>
               <a:t>consists of at least three parts:</a:t>
             </a:r>
             <a:endParaRPr lang="en-US" altLang="en-US" sz="2100">
-              <a:latin typeface="Noto Serif CJK JP" panose="02020400000000000000" charset="-122"/>
-              <a:ea typeface="Noto Serif CJK JP" panose="02020400000000000000" charset="-122"/>
+              <a:latin typeface="Arial" panose="020B0604020202020204" pitchFamily="34" charset="0"/>
+              <a:ea typeface="Noto Serif CJK JP" panose="02020400000000000000" charset="-122"/>
+              <a:cs typeface="Arial" panose="020B0604020202020204" pitchFamily="34" charset="0"/>
             </a:endParaRPr>
           </a:p>
           <a:p>
             <a:pPr lvl="2"/>
             <a:r>
               <a:rPr lang="en-US" altLang="en-US" sz="1800">
-                <a:latin typeface="Noto Serif CJK JP" panose="02020400000000000000" charset="-122"/>
-                <a:ea typeface="Noto Serif CJK JP" panose="02020400000000000000" charset="-122"/>
+                <a:latin typeface="Arial" panose="020B0604020202020204" pitchFamily="34" charset="0"/>
+                <a:ea typeface="Noto Serif CJK JP" panose="02020400000000000000" charset="-122"/>
+                <a:cs typeface="Arial" panose="020B0604020202020204" pitchFamily="34" charset="0"/>
               </a:rPr>
               <a:t>Data</a:t>
             </a:r>
             <a:endParaRPr lang="en-US" altLang="en-US" sz="1800">
-              <a:latin typeface="Noto Serif CJK JP" panose="02020400000000000000" charset="-122"/>
-              <a:ea typeface="Noto Serif CJK JP" panose="02020400000000000000" charset="-122"/>
+              <a:latin typeface="Arial" panose="020B0604020202020204" pitchFamily="34" charset="0"/>
+              <a:ea typeface="Noto Serif CJK JP" panose="02020400000000000000" charset="-122"/>
+              <a:cs typeface="Arial" panose="020B0604020202020204" pitchFamily="34" charset="0"/>
             </a:endParaRPr>
           </a:p>
           <a:p>
             <a:pPr lvl="2"/>
             <a:r>
               <a:rPr lang="en-US" altLang="en-US" sz="1800">
-                <a:latin typeface="Noto Serif CJK JP" panose="02020400000000000000" charset="-122"/>
-                <a:ea typeface="Noto Serif CJK JP" panose="02020400000000000000" charset="-122"/>
+                <a:latin typeface="Arial" panose="020B0604020202020204" pitchFamily="34" charset="0"/>
+                <a:ea typeface="Noto Serif CJK JP" panose="02020400000000000000" charset="-122"/>
+                <a:cs typeface="Arial" panose="020B0604020202020204" pitchFamily="34" charset="0"/>
               </a:rPr>
               <a:t>Pointer (Or Reference) to the next node</a:t>
             </a:r>
             <a:endParaRPr lang="en-US" altLang="en-US" sz="1800">
-              <a:latin typeface="Noto Serif CJK JP" panose="02020400000000000000" charset="-122"/>
-              <a:ea typeface="Noto Serif CJK JP" panose="02020400000000000000" charset="-122"/>
+              <a:latin typeface="Arial" panose="020B0604020202020204" pitchFamily="34" charset="0"/>
+              <a:ea typeface="Noto Serif CJK JP" panose="02020400000000000000" charset="-122"/>
+              <a:cs typeface="Arial" panose="020B0604020202020204" pitchFamily="34" charset="0"/>
             </a:endParaRPr>
           </a:p>
           <a:p>
             <a:pPr lvl="2"/>
             <a:r>
               <a:rPr lang="en-US" altLang="en-US" sz="1800">
-                <a:latin typeface="Noto Serif CJK JP" panose="02020400000000000000" charset="-122"/>
-                <a:ea typeface="Noto Serif CJK JP" panose="02020400000000000000" charset="-122"/>
+                <a:latin typeface="Arial" panose="020B0604020202020204" pitchFamily="34" charset="0"/>
+                <a:ea typeface="Noto Serif CJK JP" panose="02020400000000000000" charset="-122"/>
+                <a:cs typeface="Arial" panose="020B0604020202020204" pitchFamily="34" charset="0"/>
               </a:rPr>
               <a:t>Pointer </a:t>
             </a:r>
             <a:r>
               <a:rPr lang="en-US" altLang="en-US" sz="1800">
-                <a:latin typeface="Noto Serif CJK JP" panose="02020400000000000000" charset="-122"/>
-                <a:ea typeface="Noto Serif CJK JP" panose="02020400000000000000" charset="-122"/>
+                <a:latin typeface="Arial" panose="020B0604020202020204" pitchFamily="34" charset="0"/>
+                <a:ea typeface="Noto Serif CJK JP" panose="02020400000000000000" charset="-122"/>
+                <a:cs typeface="Arial" panose="020B0604020202020204" pitchFamily="34" charset="0"/>
                 <a:sym typeface="+mn-ea"/>
               </a:rPr>
               <a:t>Or Reference) to the  previous node</a:t>
             </a:r>
             <a:endParaRPr lang="en-US" altLang="en-US" sz="1800">
-              <a:latin typeface="Noto Serif CJK JP" panose="02020400000000000000" charset="-122"/>
-              <a:ea typeface="Noto Serif CJK JP" panose="02020400000000000000" charset="-122"/>
+              <a:latin typeface="Arial" panose="020B0604020202020204" pitchFamily="34" charset="0"/>
+              <a:ea typeface="Noto Serif CJK JP" panose="02020400000000000000" charset="-122"/>
+              <a:cs typeface="Arial" panose="020B0604020202020204" pitchFamily="34" charset="0"/>
               <a:sym typeface="+mn-ea"/>
             </a:endParaRPr>
           </a:p>
@@ -5652,52 +5729,41 @@
             <a:pPr lvl="1"/>
             <a:r>
               <a:rPr lang="en-US" altLang="en-US" sz="2100">
-                <a:latin typeface="Noto Serif CJK JP" panose="02020400000000000000" charset="-122"/>
-                <a:ea typeface="Noto Serif CJK JP" panose="02020400000000000000" charset="-122"/>
+                <a:latin typeface="Arial" panose="020B0604020202020204" pitchFamily="34" charset="0"/>
+                <a:ea typeface="Noto Serif CJK JP" panose="02020400000000000000" charset="-122"/>
+                <a:cs typeface="Arial" panose="020B0604020202020204" pitchFamily="34" charset="0"/>
                 <a:sym typeface="+mn-ea"/>
               </a:rPr>
-              <a:t>Tracking Element : Head/First</a:t>
-            </a:r>
-            <a:r>
-              <a:rPr lang="en-US" altLang="en-US" sz="2100">
-                <a:latin typeface="Noto Serif CJK JP" panose="02020400000000000000" charset="-122"/>
-                <a:ea typeface="Noto Serif CJK JP" panose="02020400000000000000" charset="-122"/>
-                <a:sym typeface="+mn-ea"/>
-              </a:rPr>
-              <a:t> </a:t>
-            </a:r>
-            <a:r>
-              <a:rPr lang="" altLang="en-US" sz="2100">
-                <a:latin typeface="Noto Serif CJK JP" panose="02020400000000000000" charset="-122"/>
-                <a:ea typeface="Noto Serif CJK JP" panose="02020400000000000000" charset="-122"/>
-                <a:sym typeface="+mn-ea"/>
-              </a:rPr>
-              <a:t>and Last/Tail</a:t>
+              <a:t>Tracking Element : Head/First and Last/Tail</a:t>
             </a:r>
             <a:endParaRPr lang="en-US" altLang="en-US" sz="2100">
-              <a:latin typeface="Noto Serif CJK JP" panose="02020400000000000000" charset="-122"/>
-              <a:ea typeface="Noto Serif CJK JP" panose="02020400000000000000" charset="-122"/>
+              <a:latin typeface="Arial" panose="020B0604020202020204" pitchFamily="34" charset="0"/>
+              <a:ea typeface="Noto Serif CJK JP" panose="02020400000000000000" charset="-122"/>
+              <a:cs typeface="Arial" panose="020B0604020202020204" pitchFamily="34" charset="0"/>
             </a:endParaRPr>
           </a:p>
           <a:p>
             <a:pPr lvl="0"/>
             <a:r>
               <a:rPr lang="en-US" altLang="en-US" sz="2400">
-                <a:latin typeface="Noto Serif CJK JP" panose="02020400000000000000" charset="-122"/>
-                <a:ea typeface="Noto Serif CJK JP" panose="02020400000000000000" charset="-122"/>
+                <a:latin typeface="Arial" panose="020B0604020202020204" pitchFamily="34" charset="0"/>
+                <a:ea typeface="Noto Serif CJK JP" panose="02020400000000000000" charset="-122"/>
+                <a:cs typeface="Arial" panose="020B0604020202020204" pitchFamily="34" charset="0"/>
               </a:rPr>
               <a:t>Linked List </a:t>
             </a:r>
             <a:endParaRPr lang="en-US" altLang="en-US" sz="2400">
-              <a:latin typeface="Noto Serif CJK JP" panose="02020400000000000000" charset="-122"/>
-              <a:ea typeface="Noto Serif CJK JP" panose="02020400000000000000" charset="-122"/>
+              <a:latin typeface="Arial" panose="020B0604020202020204" pitchFamily="34" charset="0"/>
+              <a:ea typeface="Noto Serif CJK JP" panose="02020400000000000000" charset="-122"/>
+              <a:cs typeface="Arial" panose="020B0604020202020204" pitchFamily="34" charset="0"/>
             </a:endParaRPr>
           </a:p>
           <a:p>
             <a:pPr lvl="0"/>
             <a:endParaRPr lang="en-US" altLang="en-US" sz="2400">
-              <a:latin typeface="Noto Serif CJK JP" panose="02020400000000000000" charset="-122"/>
-              <a:ea typeface="Noto Serif CJK JP" panose="02020400000000000000" charset="-122"/>
+              <a:latin typeface="Arial" panose="020B0604020202020204" pitchFamily="34" charset="0"/>
+              <a:ea typeface="Noto Serif CJK JP" panose="02020400000000000000" charset="-122"/>
+              <a:cs typeface="Arial" panose="020B0604020202020204" pitchFamily="34" charset="0"/>
             </a:endParaRPr>
           </a:p>
         </p:txBody>
@@ -5959,7 +6025,7 @@
           <a:bodyPr/>
           <a:p>
             <a:r>
-              <a:rPr lang="" altLang="en-US" sz="2800">
+              <a:rPr lang="en-US" altLang="en-US" sz="2800">
                 <a:latin typeface="Noto Serif CJK JP" panose="02020400000000000000" charset="-122"/>
                 <a:ea typeface="Noto Serif CJK JP" panose="02020400000000000000" charset="-122"/>
                 <a:sym typeface="+mn-ea"/>
@@ -6053,7 +6119,7 @@
           <a:bodyPr/>
           <a:p>
             <a:r>
-              <a:rPr lang="" altLang="en-US" sz="2800">
+              <a:rPr lang="en-US" altLang="en-US" sz="2800">
                 <a:latin typeface="Noto Serif CJK JP" panose="02020400000000000000" charset="-122"/>
                 <a:ea typeface="Noto Serif CJK JP" panose="02020400000000000000" charset="-122"/>
                 <a:sym typeface="+mn-ea"/>
@@ -6728,7 +6794,7 @@
               <a:t>Tracking Element : </a:t>
             </a:r>
             <a:r>
-              <a:rPr lang="" altLang="en-US" sz="2400">
+              <a:rPr lang="en-US" altLang="en-US" sz="2400">
                 <a:latin typeface="Noto Serif CJK JP" panose="02020400000000000000" charset="-122"/>
                 <a:ea typeface="Noto Serif CJK JP" panose="02020400000000000000" charset="-122"/>
                 <a:sym typeface="+mn-ea"/>
@@ -6747,13 +6813,13 @@
               </a:lnSpc>
             </a:pPr>
             <a:r>
-              <a:rPr lang="" altLang="en-US" sz="2400">
+              <a:rPr lang="en-US" altLang="en-US" sz="2400">
                 <a:latin typeface="Noto Serif CJK JP" panose="02020400000000000000" charset="-122"/>
                 <a:ea typeface="Noto Serif CJK JP" panose="02020400000000000000" charset="-122"/>
               </a:rPr>
               <a:t>Application : </a:t>
             </a:r>
-            <a:endParaRPr lang="" altLang="en-US" sz="2400">
+            <a:endParaRPr lang="en-US" altLang="en-US" sz="2400">
               <a:latin typeface="Noto Serif CJK JP" panose="02020400000000000000" charset="-122"/>
               <a:ea typeface="Noto Serif CJK JP" panose="02020400000000000000" charset="-122"/>
             </a:endParaRPr>
@@ -6765,13 +6831,13 @@
               </a:lnSpc>
             </a:pPr>
             <a:r>
-              <a:rPr lang="" altLang="en-US" sz="2100">
+              <a:rPr lang="en-US" altLang="en-US" sz="2100">
                 <a:latin typeface="Noto Serif CJK JP" panose="02020400000000000000" charset="-122"/>
                 <a:ea typeface="Noto Serif CJK JP" panose="02020400000000000000" charset="-122"/>
               </a:rPr>
               <a:t>Processing of subroutine calls and returns</a:t>
             </a:r>
-            <a:endParaRPr lang="" altLang="en-US" sz="2100">
+            <a:endParaRPr lang="en-US" altLang="en-US" sz="2100">
               <a:latin typeface="Noto Serif CJK JP" panose="02020400000000000000" charset="-122"/>
               <a:ea typeface="Noto Serif CJK JP" panose="02020400000000000000" charset="-122"/>
             </a:endParaRPr>
@@ -6783,13 +6849,13 @@
               </a:lnSpc>
             </a:pPr>
             <a:r>
-              <a:rPr lang="" altLang="en-US" sz="2100">
+              <a:rPr lang="en-US" altLang="en-US" sz="2100">
                 <a:latin typeface="Noto Serif CJK JP" panose="02020400000000000000" charset="-122"/>
                 <a:ea typeface="Noto Serif CJK JP" panose="02020400000000000000" charset="-122"/>
               </a:rPr>
               <a:t>reversing a string</a:t>
             </a:r>
-            <a:endParaRPr lang="" altLang="en-US" sz="2100">
+            <a:endParaRPr lang="en-US" altLang="en-US" sz="2100">
               <a:latin typeface="Noto Serif CJK JP" panose="02020400000000000000" charset="-122"/>
               <a:ea typeface="Noto Serif CJK JP" panose="02020400000000000000" charset="-122"/>
             </a:endParaRPr>
@@ -6801,13 +6867,13 @@
               </a:lnSpc>
             </a:pPr>
             <a:r>
-              <a:rPr lang="" altLang="en-US" sz="2100">
+              <a:rPr lang="en-US" altLang="en-US" sz="2100">
                 <a:latin typeface="Noto Serif CJK JP" panose="02020400000000000000" charset="-122"/>
                 <a:ea typeface="Noto Serif CJK JP" panose="02020400000000000000" charset="-122"/>
               </a:rPr>
               <a:t>backtracking - Eg :- Maze Game</a:t>
             </a:r>
-            <a:endParaRPr lang="" altLang="en-US" sz="2100">
+            <a:endParaRPr lang="en-US" altLang="en-US" sz="2100">
               <a:latin typeface="Noto Serif CJK JP" panose="02020400000000000000" charset="-122"/>
               <a:ea typeface="Noto Serif CJK JP" panose="02020400000000000000" charset="-122"/>
             </a:endParaRPr>
@@ -7457,21 +7523,24 @@
             </a:pPr>
             <a:r>
               <a:rPr lang="en-US" altLang="en-US" sz="2400">
-                <a:latin typeface="Noto Serif CJK JP" panose="02020400000000000000" charset="-122"/>
-                <a:ea typeface="Noto Serif CJK JP" panose="02020400000000000000" charset="-122"/>
+                <a:latin typeface="Arial" panose="020B0604020202020204" pitchFamily="34" charset="0"/>
+                <a:ea typeface="Noto Serif CJK JP" panose="02020400000000000000" charset="-122"/>
+                <a:cs typeface="Arial" panose="020B0604020202020204" pitchFamily="34" charset="0"/>
               </a:rPr>
               <a:t>W</a:t>
             </a:r>
             <a:r>
               <a:rPr lang="en-US" sz="2400">
-                <a:latin typeface="Noto Serif CJK JP" panose="02020400000000000000" charset="-122"/>
-                <a:ea typeface="Noto Serif CJK JP" panose="02020400000000000000" charset="-122"/>
+                <a:latin typeface="Arial" panose="020B0604020202020204" pitchFamily="34" charset="0"/>
+                <a:ea typeface="Noto Serif CJK JP" panose="02020400000000000000" charset="-122"/>
+                <a:cs typeface="Arial" panose="020B0604020202020204" pitchFamily="34" charset="0"/>
               </a:rPr>
               <a:t>ay of organizing data</a:t>
             </a:r>
             <a:endParaRPr lang="en-US" sz="2400">
-              <a:latin typeface="Noto Serif CJK JP" panose="02020400000000000000" charset="-122"/>
-              <a:ea typeface="Noto Serif CJK JP" panose="02020400000000000000" charset="-122"/>
+              <a:latin typeface="Arial" panose="020B0604020202020204" pitchFamily="34" charset="0"/>
+              <a:ea typeface="Noto Serif CJK JP" panose="02020400000000000000" charset="-122"/>
+              <a:cs typeface="Arial" panose="020B0604020202020204" pitchFamily="34" charset="0"/>
             </a:endParaRPr>
           </a:p>
           <a:p>
@@ -7482,21 +7551,24 @@
             </a:pPr>
             <a:r>
               <a:rPr lang="en-US" altLang="en-US" sz="2400">
-                <a:latin typeface="Noto Serif CJK JP" panose="02020400000000000000" charset="-122"/>
-                <a:ea typeface="Noto Serif CJK JP" panose="02020400000000000000" charset="-122"/>
+                <a:latin typeface="Arial" panose="020B0604020202020204" pitchFamily="34" charset="0"/>
+                <a:ea typeface="Noto Serif CJK JP" panose="02020400000000000000" charset="-122"/>
+                <a:cs typeface="Arial" panose="020B0604020202020204" pitchFamily="34" charset="0"/>
               </a:rPr>
               <a:t>R</a:t>
             </a:r>
             <a:r>
               <a:rPr lang="en-US" sz="2400">
-                <a:latin typeface="Noto Serif CJK JP" panose="02020400000000000000" charset="-122"/>
-                <a:ea typeface="Noto Serif CJK JP" panose="02020400000000000000" charset="-122"/>
+                <a:latin typeface="Arial" panose="020B0604020202020204" pitchFamily="34" charset="0"/>
+                <a:ea typeface="Noto Serif CJK JP" panose="02020400000000000000" charset="-122"/>
+                <a:cs typeface="Arial" panose="020B0604020202020204" pitchFamily="34" charset="0"/>
               </a:rPr>
               <a:t>educe the space and time complexities of different tasks.</a:t>
             </a:r>
             <a:endParaRPr lang="en-US" sz="2400">
-              <a:latin typeface="Noto Serif CJK JP" panose="02020400000000000000" charset="-122"/>
-              <a:ea typeface="Noto Serif CJK JP" panose="02020400000000000000" charset="-122"/>
+              <a:latin typeface="Arial" panose="020B0604020202020204" pitchFamily="34" charset="0"/>
+              <a:ea typeface="Noto Serif CJK JP" panose="02020400000000000000" charset="-122"/>
+              <a:cs typeface="Arial" panose="020B0604020202020204" pitchFamily="34" charset="0"/>
             </a:endParaRPr>
           </a:p>
           <a:p>
@@ -7507,35 +7579,40 @@
             </a:pPr>
             <a:r>
               <a:rPr lang="en-US" altLang="en-US" sz="2400">
-                <a:latin typeface="Noto Serif CJK JP" panose="02020400000000000000" charset="-122"/>
-                <a:ea typeface="Noto Serif CJK JP" panose="02020400000000000000" charset="-122"/>
+                <a:latin typeface="Arial" panose="020B0604020202020204" pitchFamily="34" charset="0"/>
+                <a:ea typeface="Noto Serif CJK JP" panose="02020400000000000000" charset="-122"/>
+                <a:cs typeface="Arial" panose="020B0604020202020204" pitchFamily="34" charset="0"/>
               </a:rPr>
               <a:t>H</a:t>
             </a:r>
             <a:r>
               <a:rPr lang="en-US" sz="2400">
-                <a:latin typeface="Noto Serif CJK JP" panose="02020400000000000000" charset="-122"/>
-                <a:ea typeface="Noto Serif CJK JP" panose="02020400000000000000" charset="-122"/>
+                <a:latin typeface="Arial" panose="020B0604020202020204" pitchFamily="34" charset="0"/>
+                <a:ea typeface="Noto Serif CJK JP" panose="02020400000000000000" charset="-122"/>
+                <a:cs typeface="Arial" panose="020B0604020202020204" pitchFamily="34" charset="0"/>
               </a:rPr>
               <a:t>igh speed </a:t>
             </a:r>
             <a:r>
               <a:rPr lang="en-US" altLang="en-US" sz="2400">
-                <a:latin typeface="Noto Serif CJK JP" panose="02020400000000000000" charset="-122"/>
-                <a:ea typeface="Noto Serif CJK JP" panose="02020400000000000000" charset="-122"/>
+                <a:latin typeface="Arial" panose="020B0604020202020204" pitchFamily="34" charset="0"/>
+                <a:ea typeface="Noto Serif CJK JP" panose="02020400000000000000" charset="-122"/>
+                <a:cs typeface="Arial" panose="020B0604020202020204" pitchFamily="34" charset="0"/>
               </a:rPr>
               <a:t>in </a:t>
             </a:r>
             <a:r>
               <a:rPr lang="en-US" sz="2400">
-                <a:latin typeface="Noto Serif CJK JP" panose="02020400000000000000" charset="-122"/>
-                <a:ea typeface="Noto Serif CJK JP" panose="02020400000000000000" charset="-122"/>
+                <a:latin typeface="Arial" panose="020B0604020202020204" pitchFamily="34" charset="0"/>
+                <a:ea typeface="Noto Serif CJK JP" panose="02020400000000000000" charset="-122"/>
+                <a:cs typeface="Arial" panose="020B0604020202020204" pitchFamily="34" charset="0"/>
               </a:rPr>
               <a:t>processing </a:t>
             </a:r>
             <a:endParaRPr lang="en-US" sz="2400">
-              <a:latin typeface="Noto Serif CJK JP" panose="02020400000000000000" charset="-122"/>
-              <a:ea typeface="Noto Serif CJK JP" panose="02020400000000000000" charset="-122"/>
+              <a:latin typeface="Arial" panose="020B0604020202020204" pitchFamily="34" charset="0"/>
+              <a:ea typeface="Noto Serif CJK JP" panose="02020400000000000000" charset="-122"/>
+              <a:cs typeface="Arial" panose="020B0604020202020204" pitchFamily="34" charset="0"/>
             </a:endParaRPr>
           </a:p>
           <a:p>
@@ -7546,14 +7623,16 @@
             </a:pPr>
             <a:r>
               <a:rPr lang="en-US" sz="2400">
-                <a:latin typeface="Noto Serif CJK JP" panose="02020400000000000000" charset="-122"/>
-                <a:ea typeface="Noto Serif CJK JP" panose="02020400000000000000" charset="-122"/>
+                <a:latin typeface="Arial" panose="020B0604020202020204" pitchFamily="34" charset="0"/>
+                <a:ea typeface="Noto Serif CJK JP" panose="02020400000000000000" charset="-122"/>
+                <a:cs typeface="Arial" panose="020B0604020202020204" pitchFamily="34" charset="0"/>
               </a:rPr>
               <a:t>Efficiency of a program</a:t>
             </a:r>
             <a:endParaRPr lang="en-US" sz="2400">
-              <a:latin typeface="Noto Serif CJK JP" panose="02020400000000000000" charset="-122"/>
-              <a:ea typeface="Noto Serif CJK JP" panose="02020400000000000000" charset="-122"/>
+              <a:latin typeface="Arial" panose="020B0604020202020204" pitchFamily="34" charset="0"/>
+              <a:ea typeface="Noto Serif CJK JP" panose="02020400000000000000" charset="-122"/>
+              <a:cs typeface="Arial" panose="020B0604020202020204" pitchFamily="34" charset="0"/>
             </a:endParaRPr>
           </a:p>
           <a:p>
@@ -7564,21 +7643,24 @@
             </a:pPr>
             <a:r>
               <a:rPr lang="en-US" sz="2400">
-                <a:latin typeface="Noto Serif CJK JP" panose="02020400000000000000" charset="-122"/>
-                <a:ea typeface="Noto Serif CJK JP" panose="02020400000000000000" charset="-122"/>
+                <a:latin typeface="Arial" panose="020B0604020202020204" pitchFamily="34" charset="0"/>
+                <a:ea typeface="Noto Serif CJK JP" panose="02020400000000000000" charset="-122"/>
+                <a:cs typeface="Arial" panose="020B0604020202020204" pitchFamily="34" charset="0"/>
               </a:rPr>
               <a:t>Reusability </a:t>
             </a:r>
             <a:r>
               <a:rPr lang="en-US" altLang="en-US" sz="2400">
-                <a:latin typeface="Noto Serif CJK JP" panose="02020400000000000000" charset="-122"/>
-                <a:ea typeface="Noto Serif CJK JP" panose="02020400000000000000" charset="-122"/>
+                <a:latin typeface="Arial" panose="020B0604020202020204" pitchFamily="34" charset="0"/>
+                <a:ea typeface="Noto Serif CJK JP" panose="02020400000000000000" charset="-122"/>
+                <a:cs typeface="Arial" panose="020B0604020202020204" pitchFamily="34" charset="0"/>
               </a:rPr>
               <a:t>and Abstraction</a:t>
             </a:r>
             <a:endParaRPr lang="en-US" altLang="en-US" sz="2400">
-              <a:latin typeface="Noto Serif CJK JP" panose="02020400000000000000" charset="-122"/>
-              <a:ea typeface="Noto Serif CJK JP" panose="02020400000000000000" charset="-122"/>
+              <a:latin typeface="Arial" panose="020B0604020202020204" pitchFamily="34" charset="0"/>
+              <a:ea typeface="Noto Serif CJK JP" panose="02020400000000000000" charset="-122"/>
+              <a:cs typeface="Arial" panose="020B0604020202020204" pitchFamily="34" charset="0"/>
             </a:endParaRPr>
           </a:p>
         </p:txBody>
@@ -8144,21 +8226,24 @@
             </a:pPr>
             <a:r>
               <a:rPr lang="en-US" altLang="en-US" sz="2400">
-                <a:latin typeface="Noto Serif CJK JP" panose="02020400000000000000" charset="-122"/>
-                <a:ea typeface="Noto Serif CJK JP" panose="02020400000000000000" charset="-122"/>
+                <a:latin typeface="Arial" panose="020B0604020202020204" pitchFamily="34" charset="0"/>
+                <a:ea typeface="Noto Serif CJK JP" panose="02020400000000000000" charset="-122"/>
+                <a:cs typeface="Arial" panose="020B0604020202020204" pitchFamily="34" charset="0"/>
               </a:rPr>
               <a:t>L</a:t>
             </a:r>
             <a:r>
               <a:rPr lang="en-US" sz="2400">
-                <a:latin typeface="Noto Serif CJK JP" panose="02020400000000000000" charset="-122"/>
-                <a:ea typeface="Noto Serif CJK JP" panose="02020400000000000000" charset="-122"/>
+                <a:latin typeface="Arial" panose="020B0604020202020204" pitchFamily="34" charset="0"/>
+                <a:ea typeface="Noto Serif CJK JP" panose="02020400000000000000" charset="-122"/>
+                <a:cs typeface="Arial" panose="020B0604020202020204" pitchFamily="34" charset="0"/>
               </a:rPr>
               <a:t>inear data structure</a:t>
             </a:r>
             <a:endParaRPr lang="en-US" sz="2400">
-              <a:latin typeface="Noto Serif CJK JP" panose="02020400000000000000" charset="-122"/>
-              <a:ea typeface="Noto Serif CJK JP" panose="02020400000000000000" charset="-122"/>
+              <a:latin typeface="Arial" panose="020B0604020202020204" pitchFamily="34" charset="0"/>
+              <a:ea typeface="Noto Serif CJK JP" panose="02020400000000000000" charset="-122"/>
+              <a:cs typeface="Arial" panose="020B0604020202020204" pitchFamily="34" charset="0"/>
             </a:endParaRPr>
           </a:p>
           <a:p>
@@ -8169,63 +8254,72 @@
             </a:pPr>
             <a:r>
               <a:rPr lang="en-US" altLang="en-US" sz="2400">
-                <a:latin typeface="Noto Serif CJK JP" panose="02020400000000000000" charset="-122"/>
-                <a:ea typeface="Noto Serif CJK JP" panose="02020400000000000000" charset="-122"/>
+                <a:latin typeface="Arial" panose="020B0604020202020204" pitchFamily="34" charset="0"/>
+                <a:ea typeface="Noto Serif CJK JP" panose="02020400000000000000" charset="-122"/>
+                <a:cs typeface="Arial" panose="020B0604020202020204" pitchFamily="34" charset="0"/>
               </a:rPr>
               <a:t>N</a:t>
             </a:r>
             <a:r>
               <a:rPr lang="en-US" sz="2400">
-                <a:latin typeface="Noto Serif CJK JP" panose="02020400000000000000" charset="-122"/>
-                <a:ea typeface="Noto Serif CJK JP" panose="02020400000000000000" charset="-122"/>
+                <a:latin typeface="Arial" panose="020B0604020202020204" pitchFamily="34" charset="0"/>
+                <a:ea typeface="Noto Serif CJK JP" panose="02020400000000000000" charset="-122"/>
+                <a:cs typeface="Arial" panose="020B0604020202020204" pitchFamily="34" charset="0"/>
               </a:rPr>
               <a:t>ew element is added at one end and (</a:t>
             </a:r>
             <a:r>
               <a:rPr lang="en-US" altLang="en-US" sz="2400">
-                <a:latin typeface="Noto Serif CJK JP" panose="02020400000000000000" charset="-122"/>
-                <a:ea typeface="Noto Serif CJK JP" panose="02020400000000000000" charset="-122"/>
+                <a:latin typeface="Arial" panose="020B0604020202020204" pitchFamily="34" charset="0"/>
+                <a:ea typeface="Noto Serif CJK JP" panose="02020400000000000000" charset="-122"/>
+                <a:cs typeface="Arial" panose="020B0604020202020204" pitchFamily="34" charset="0"/>
               </a:rPr>
               <a:t>rear</a:t>
             </a:r>
             <a:r>
               <a:rPr lang="en-US" sz="2400">
-                <a:latin typeface="Noto Serif CJK JP" panose="02020400000000000000" charset="-122"/>
-                <a:ea typeface="Noto Serif CJK JP" panose="02020400000000000000" charset="-122"/>
+                <a:latin typeface="Arial" panose="020B0604020202020204" pitchFamily="34" charset="0"/>
+                <a:ea typeface="Noto Serif CJK JP" panose="02020400000000000000" charset="-122"/>
+                <a:cs typeface="Arial" panose="020B0604020202020204" pitchFamily="34" charset="0"/>
               </a:rPr>
               <a:t>) an element is removed  </a:t>
             </a:r>
             <a:r>
               <a:rPr lang="en-US" altLang="en-US" sz="2400">
-                <a:latin typeface="Noto Serif CJK JP" panose="02020400000000000000" charset="-122"/>
-                <a:ea typeface="Noto Serif CJK JP" panose="02020400000000000000" charset="-122"/>
+                <a:latin typeface="Arial" panose="020B0604020202020204" pitchFamily="34" charset="0"/>
+                <a:ea typeface="Noto Serif CJK JP" panose="02020400000000000000" charset="-122"/>
+                <a:cs typeface="Arial" panose="020B0604020202020204" pitchFamily="34" charset="0"/>
               </a:rPr>
               <a:t>other </a:t>
             </a:r>
             <a:r>
               <a:rPr lang="en-US" sz="2400">
-                <a:latin typeface="Noto Serif CJK JP" panose="02020400000000000000" charset="-122"/>
-                <a:ea typeface="Noto Serif CJK JP" panose="02020400000000000000" charset="-122"/>
+                <a:latin typeface="Arial" panose="020B0604020202020204" pitchFamily="34" charset="0"/>
+                <a:ea typeface="Noto Serif CJK JP" panose="02020400000000000000" charset="-122"/>
+                <a:cs typeface="Arial" panose="020B0604020202020204" pitchFamily="34" charset="0"/>
               </a:rPr>
               <a:t>end </a:t>
             </a:r>
             <a:r>
               <a:rPr lang="en-US" altLang="en-US" sz="2400">
-                <a:latin typeface="Noto Serif CJK JP" panose="02020400000000000000" charset="-122"/>
-                <a:ea typeface="Noto Serif CJK JP" panose="02020400000000000000" charset="-122"/>
+                <a:latin typeface="Arial" panose="020B0604020202020204" pitchFamily="34" charset="0"/>
+                <a:ea typeface="Noto Serif CJK JP" panose="02020400000000000000" charset="-122"/>
+                <a:cs typeface="Arial" panose="020B0604020202020204" pitchFamily="34" charset="0"/>
               </a:rPr>
               <a:t>(front)</a:t>
             </a:r>
             <a:r>
               <a:rPr lang="en-US" sz="2400">
-                <a:latin typeface="Noto Serif CJK JP" panose="02020400000000000000" charset="-122"/>
-                <a:ea typeface="Noto Serif CJK JP" panose="02020400000000000000" charset="-122"/>
+                <a:latin typeface="Arial" panose="020B0604020202020204" pitchFamily="34" charset="0"/>
+                <a:ea typeface="Noto Serif CJK JP" panose="02020400000000000000" charset="-122"/>
+                <a:cs typeface="Arial" panose="020B0604020202020204" pitchFamily="34" charset="0"/>
               </a:rPr>
               <a:t>.</a:t>
             </a:r>
             <a:endParaRPr lang="en-US" sz="2400">
-              <a:latin typeface="Noto Serif CJK JP" panose="02020400000000000000" charset="-122"/>
-              <a:ea typeface="Noto Serif CJK JP" panose="02020400000000000000" charset="-122"/>
+              <a:latin typeface="Arial" panose="020B0604020202020204" pitchFamily="34" charset="0"/>
+              <a:ea typeface="Noto Serif CJK JP" panose="02020400000000000000" charset="-122"/>
+              <a:cs typeface="Arial" panose="020B0604020202020204" pitchFamily="34" charset="0"/>
             </a:endParaRPr>
           </a:p>
           <a:p>
@@ -8236,14 +8330,16 @@
             </a:pPr>
             <a:r>
               <a:rPr lang="en-US" sz="2400">
-                <a:latin typeface="Noto Serif CJK JP" panose="02020400000000000000" charset="-122"/>
-                <a:ea typeface="Noto Serif CJK JP" panose="02020400000000000000" charset="-122"/>
+                <a:latin typeface="Arial" panose="020B0604020202020204" pitchFamily="34" charset="0"/>
+                <a:ea typeface="Noto Serif CJK JP" panose="02020400000000000000" charset="-122"/>
+                <a:cs typeface="Arial" panose="020B0604020202020204" pitchFamily="34" charset="0"/>
               </a:rPr>
               <a:t>First In First Out (FIFO)..</a:t>
             </a:r>
             <a:endParaRPr lang="en-US" sz="2400">
-              <a:latin typeface="Noto Serif CJK JP" panose="02020400000000000000" charset="-122"/>
-              <a:ea typeface="Noto Serif CJK JP" panose="02020400000000000000" charset="-122"/>
+              <a:latin typeface="Arial" panose="020B0604020202020204" pitchFamily="34" charset="0"/>
+              <a:ea typeface="Noto Serif CJK JP" panose="02020400000000000000" charset="-122"/>
+              <a:cs typeface="Arial" panose="020B0604020202020204" pitchFamily="34" charset="0"/>
             </a:endParaRPr>
           </a:p>
           <a:p>
@@ -8254,14 +8350,16 @@
             </a:pPr>
             <a:r>
               <a:rPr lang="en-US" altLang="en-US" sz="2400">
-                <a:latin typeface="Noto Serif CJK JP" panose="02020400000000000000" charset="-122"/>
-                <a:ea typeface="Noto Serif CJK JP" panose="02020400000000000000" charset="-122"/>
+                <a:latin typeface="Arial" panose="020B0604020202020204" pitchFamily="34" charset="0"/>
+                <a:ea typeface="Noto Serif CJK JP" panose="02020400000000000000" charset="-122"/>
+                <a:cs typeface="Arial" panose="020B0604020202020204" pitchFamily="34" charset="0"/>
               </a:rPr>
               <a:t>Example : Queue for Customer Service </a:t>
             </a:r>
             <a:endParaRPr lang="en-US" altLang="en-US" sz="2400">
-              <a:latin typeface="Noto Serif CJK JP" panose="02020400000000000000" charset="-122"/>
-              <a:ea typeface="Noto Serif CJK JP" panose="02020400000000000000" charset="-122"/>
+              <a:latin typeface="Arial" panose="020B0604020202020204" pitchFamily="34" charset="0"/>
+              <a:ea typeface="Noto Serif CJK JP" panose="02020400000000000000" charset="-122"/>
+              <a:cs typeface="Arial" panose="020B0604020202020204" pitchFamily="34" charset="0"/>
             </a:endParaRPr>
           </a:p>
           <a:p>
@@ -8272,14 +8370,16 @@
             </a:pPr>
             <a:r>
               <a:rPr lang="en-US" altLang="en-US" sz="2400">
-                <a:latin typeface="Noto Serif CJK JP" panose="02020400000000000000" charset="-122"/>
-                <a:ea typeface="Noto Serif CJK JP" panose="02020400000000000000" charset="-122"/>
+                <a:latin typeface="Arial" panose="020B0604020202020204" pitchFamily="34" charset="0"/>
+                <a:ea typeface="Noto Serif CJK JP" panose="02020400000000000000" charset="-122"/>
+                <a:cs typeface="Arial" panose="020B0604020202020204" pitchFamily="34" charset="0"/>
               </a:rPr>
               <a:t>Can be Implemented using Array or Linked List</a:t>
             </a:r>
             <a:endParaRPr lang="en-US" altLang="en-US" sz="2400">
-              <a:latin typeface="Noto Serif CJK JP" panose="02020400000000000000" charset="-122"/>
-              <a:ea typeface="Noto Serif CJK JP" panose="02020400000000000000" charset="-122"/>
+              <a:latin typeface="Arial" panose="020B0604020202020204" pitchFamily="34" charset="0"/>
+              <a:ea typeface="Noto Serif CJK JP" panose="02020400000000000000" charset="-122"/>
+              <a:cs typeface="Arial" panose="020B0604020202020204" pitchFamily="34" charset="0"/>
             </a:endParaRPr>
           </a:p>
           <a:p>
@@ -8290,23 +8390,17 @@
             </a:pPr>
             <a:r>
               <a:rPr lang="en-US" altLang="en-US" sz="2400">
-                <a:latin typeface="Noto Serif CJK JP" panose="02020400000000000000" charset="-122"/>
-                <a:ea typeface="Noto Serif CJK JP" panose="02020400000000000000" charset="-122"/>
+                <a:latin typeface="Arial" panose="020B0604020202020204" pitchFamily="34" charset="0"/>
+                <a:ea typeface="Noto Serif CJK JP" panose="02020400000000000000" charset="-122"/>
+                <a:cs typeface="Arial" panose="020B0604020202020204" pitchFamily="34" charset="0"/>
                 <a:sym typeface="+mn-ea"/>
               </a:rPr>
-              <a:t>Tracking Element : </a:t>
-            </a:r>
-            <a:r>
-              <a:rPr lang="" altLang="en-US" sz="2400">
-                <a:latin typeface="Noto Serif CJK JP" panose="02020400000000000000" charset="-122"/>
-                <a:ea typeface="Noto Serif CJK JP" panose="02020400000000000000" charset="-122"/>
-                <a:sym typeface="+mn-ea"/>
-              </a:rPr>
-              <a:t>Rear and Front</a:t>
+              <a:t>Tracking Element : Rear and Front</a:t>
             </a:r>
             <a:endParaRPr lang="en-US" altLang="en-US" sz="2400">
-              <a:latin typeface="Noto Serif CJK JP" panose="02020400000000000000" charset="-122"/>
-              <a:ea typeface="Noto Serif CJK JP" panose="02020400000000000000" charset="-122"/>
+              <a:latin typeface="Arial" panose="020B0604020202020204" pitchFamily="34" charset="0"/>
+              <a:ea typeface="Noto Serif CJK JP" panose="02020400000000000000" charset="-122"/>
+              <a:cs typeface="Arial" panose="020B0604020202020204" pitchFamily="34" charset="0"/>
             </a:endParaRPr>
           </a:p>
           <a:p>
@@ -8316,15 +8410,17 @@
               </a:lnSpc>
             </a:pPr>
             <a:r>
-              <a:rPr lang="" altLang="en-US" sz="2400">
-                <a:latin typeface="Noto Serif CJK JP" panose="02020400000000000000" charset="-122"/>
-                <a:ea typeface="Noto Serif CJK JP" panose="02020400000000000000" charset="-122"/>
+              <a:rPr lang="en-US" altLang="en-US" sz="2400">
+                <a:latin typeface="Arial" panose="020B0604020202020204" pitchFamily="34" charset="0"/>
+                <a:ea typeface="Noto Serif CJK JP" panose="02020400000000000000" charset="-122"/>
+                <a:cs typeface="Arial" panose="020B0604020202020204" pitchFamily="34" charset="0"/>
               </a:rPr>
               <a:t>Applications : </a:t>
             </a:r>
-            <a:endParaRPr lang="" altLang="en-US" sz="2400">
-              <a:latin typeface="Noto Serif CJK JP" panose="02020400000000000000" charset="-122"/>
-              <a:ea typeface="Noto Serif CJK JP" panose="02020400000000000000" charset="-122"/>
+            <a:endParaRPr lang="en-US" altLang="en-US" sz="2400">
+              <a:latin typeface="Arial" panose="020B0604020202020204" pitchFamily="34" charset="0"/>
+              <a:ea typeface="Noto Serif CJK JP" panose="02020400000000000000" charset="-122"/>
+              <a:cs typeface="Arial" panose="020B0604020202020204" pitchFamily="34" charset="0"/>
             </a:endParaRPr>
           </a:p>
           <a:p>
@@ -8334,22 +8430,17 @@
               </a:lnSpc>
             </a:pPr>
             <a:r>
-              <a:rPr lang="" altLang="en-US" sz="2100">
-                <a:latin typeface="Noto Serif CJK JP" panose="02020400000000000000" charset="-122"/>
-                <a:ea typeface="Noto Serif CJK JP" panose="02020400000000000000" charset="-122"/>
-              </a:rPr>
-              <a:t>T</a:t>
-            </a:r>
-            <a:r>
               <a:rPr lang="en-US" altLang="en-US" sz="2100">
-                <a:latin typeface="Noto Serif CJK JP" panose="02020400000000000000" charset="-122"/>
-                <a:ea typeface="Noto Serif CJK JP" panose="02020400000000000000" charset="-122"/>
-              </a:rPr>
-              <a:t>ime sharing system</a:t>
-            </a:r>
-            <a:endParaRPr lang="" altLang="en-US" sz="2100">
-              <a:latin typeface="Noto Serif CJK JP" panose="02020400000000000000" charset="-122"/>
-              <a:ea typeface="Noto Serif CJK JP" panose="02020400000000000000" charset="-122"/>
+                <a:latin typeface="Arial" panose="020B0604020202020204" pitchFamily="34" charset="0"/>
+                <a:ea typeface="Noto Serif CJK JP" panose="02020400000000000000" charset="-122"/>
+                <a:cs typeface="Arial" panose="020B0604020202020204" pitchFamily="34" charset="0"/>
+              </a:rPr>
+              <a:t>Time sharing system</a:t>
+            </a:r>
+            <a:endParaRPr lang="en-US" altLang="en-US" sz="2100">
+              <a:latin typeface="Arial" panose="020B0604020202020204" pitchFamily="34" charset="0"/>
+              <a:ea typeface="Noto Serif CJK JP" panose="02020400000000000000" charset="-122"/>
+              <a:cs typeface="Arial" panose="020B0604020202020204" pitchFamily="34" charset="0"/>
             </a:endParaRPr>
           </a:p>
           <a:p>
@@ -8359,15 +8450,17 @@
               </a:lnSpc>
             </a:pPr>
             <a:r>
-              <a:rPr lang="" altLang="en-US" sz="2100">
-                <a:latin typeface="Noto Serif CJK JP" panose="02020400000000000000" charset="-122"/>
-                <a:ea typeface="Noto Serif CJK JP" panose="02020400000000000000" charset="-122"/>
+              <a:rPr lang="en-US" altLang="en-US" sz="2100">
+                <a:latin typeface="Arial" panose="020B0604020202020204" pitchFamily="34" charset="0"/>
+                <a:ea typeface="Noto Serif CJK JP" panose="02020400000000000000" charset="-122"/>
+                <a:cs typeface="Arial" panose="020B0604020202020204" pitchFamily="34" charset="0"/>
               </a:rPr>
               <a:t>Load Balancing system-  Eg:- AWS-SQS,  Hold for Tech Support</a:t>
             </a:r>
-            <a:endParaRPr lang="" altLang="en-US" sz="2100">
-              <a:latin typeface="Noto Serif CJK JP" panose="02020400000000000000" charset="-122"/>
-              <a:ea typeface="Noto Serif CJK JP" panose="02020400000000000000" charset="-122"/>
+            <a:endParaRPr lang="en-US" altLang="en-US" sz="2100">
+              <a:latin typeface="Arial" panose="020B0604020202020204" pitchFamily="34" charset="0"/>
+              <a:ea typeface="Noto Serif CJK JP" panose="02020400000000000000" charset="-122"/>
+              <a:cs typeface="Arial" panose="020B0604020202020204" pitchFamily="34" charset="0"/>
             </a:endParaRPr>
           </a:p>
           <a:p>
@@ -8378,28 +8471,16 @@
             </a:pPr>
             <a:r>
               <a:rPr lang="en-US" altLang="en-US" sz="2100">
-                <a:latin typeface="Noto Serif CJK JP" panose="02020400000000000000" charset="-122"/>
-                <a:ea typeface="Noto Serif CJK JP" panose="02020400000000000000" charset="-122"/>
-              </a:rPr>
-              <a:t> </a:t>
-            </a:r>
-            <a:r>
-              <a:rPr lang="" altLang="en-US" sz="2100">
-                <a:latin typeface="Noto Serif CJK JP" panose="02020400000000000000" charset="-122"/>
-                <a:ea typeface="Noto Serif CJK JP" panose="02020400000000000000" charset="-122"/>
-              </a:rPr>
-              <a:t>P</a:t>
-            </a:r>
-            <a:r>
-              <a:rPr lang="en-US" altLang="en-US" sz="2100">
-                <a:latin typeface="Noto Serif CJK JP" panose="02020400000000000000" charset="-122"/>
-                <a:ea typeface="Noto Serif CJK JP" panose="02020400000000000000" charset="-122"/>
-              </a:rPr>
-              <a:t>rint spooling,</a:t>
+                <a:latin typeface="Arial" panose="020B0604020202020204" pitchFamily="34" charset="0"/>
+                <a:ea typeface="Noto Serif CJK JP" panose="02020400000000000000" charset="-122"/>
+                <a:cs typeface="Arial" panose="020B0604020202020204" pitchFamily="34" charset="0"/>
+              </a:rPr>
+              <a:t> Print spooling,</a:t>
             </a:r>
             <a:endParaRPr lang="en-US" altLang="en-US" sz="2100">
-              <a:latin typeface="Noto Serif CJK JP" panose="02020400000000000000" charset="-122"/>
-              <a:ea typeface="Noto Serif CJK JP" panose="02020400000000000000" charset="-122"/>
+              <a:latin typeface="Arial" panose="020B0604020202020204" pitchFamily="34" charset="0"/>
+              <a:ea typeface="Noto Serif CJK JP" panose="02020400000000000000" charset="-122"/>
+              <a:cs typeface="Arial" panose="020B0604020202020204" pitchFamily="34" charset="0"/>
             </a:endParaRPr>
           </a:p>
           <a:p>
@@ -8410,8 +8491,9 @@
               <a:buNone/>
             </a:pPr>
             <a:endParaRPr lang="en-US" altLang="en-US" sz="2100">
-              <a:latin typeface="Noto Serif CJK JP" panose="02020400000000000000" charset="-122"/>
-              <a:ea typeface="Noto Serif CJK JP" panose="02020400000000000000" charset="-122"/>
+              <a:latin typeface="Arial" panose="020B0604020202020204" pitchFamily="34" charset="0"/>
+              <a:ea typeface="Noto Serif CJK JP" panose="02020400000000000000" charset="-122"/>
+              <a:cs typeface="Arial" panose="020B0604020202020204" pitchFamily="34" charset="0"/>
             </a:endParaRPr>
           </a:p>
         </p:txBody>
@@ -9614,165 +9696,168 @@
           <a:bodyPr/>
           <a:p>
             <a:r>
+              <a:rPr lang="en-US" altLang="en-US" sz="2000">
+                <a:latin typeface="Arial" panose="020B0604020202020204" pitchFamily="34" charset="0"/>
+                <a:ea typeface="Noto Serif CJK JP" panose="02020400000000000000" charset="-122"/>
+                <a:cs typeface="Arial" panose="020B0604020202020204" pitchFamily="34" charset="0"/>
+              </a:rPr>
+              <a:t>L</a:t>
+            </a:r>
+            <a:r>
+              <a:rPr lang="en-US" sz="2000">
+                <a:latin typeface="Arial" panose="020B0604020202020204" pitchFamily="34" charset="0"/>
+                <a:ea typeface="Noto Serif CJK JP" panose="02020400000000000000" charset="-122"/>
+                <a:cs typeface="Arial" panose="020B0604020202020204" pitchFamily="34" charset="0"/>
+              </a:rPr>
+              <a:t>inear data structure</a:t>
+            </a:r>
+            <a:endParaRPr lang="en-US" sz="2000">
+              <a:latin typeface="Arial" panose="020B0604020202020204" pitchFamily="34" charset="0"/>
+              <a:ea typeface="Noto Serif CJK JP" panose="02020400000000000000" charset="-122"/>
+              <a:cs typeface="Arial" panose="020B0604020202020204" pitchFamily="34" charset="0"/>
+            </a:endParaRPr>
+          </a:p>
+          <a:p>
+            <a:r>
+              <a:rPr lang="en-US" altLang="en-US" sz="2000">
+                <a:latin typeface="Arial" panose="020B0604020202020204" pitchFamily="34" charset="0"/>
+                <a:ea typeface="Noto Serif CJK JP" panose="02020400000000000000" charset="-122"/>
+                <a:cs typeface="Arial" panose="020B0604020202020204" pitchFamily="34" charset="0"/>
+              </a:rPr>
+              <a:t>E</a:t>
+            </a:r>
+            <a:r>
+              <a:rPr lang="en-US" sz="2000">
+                <a:latin typeface="Arial" panose="020B0604020202020204" pitchFamily="34" charset="0"/>
+                <a:ea typeface="Noto Serif CJK JP" panose="02020400000000000000" charset="-122"/>
+                <a:cs typeface="Arial" panose="020B0604020202020204" pitchFamily="34" charset="0"/>
+              </a:rPr>
+              <a:t>lements are stored at contiguous memory locations.</a:t>
+            </a:r>
+            <a:endParaRPr lang="en-US" altLang="en-US" sz="2000">
+              <a:latin typeface="Arial" panose="020B0604020202020204" pitchFamily="34" charset="0"/>
+              <a:ea typeface="Noto Serif CJK JP" panose="02020400000000000000" charset="-122"/>
+              <a:cs typeface="Arial" panose="020B0604020202020204" pitchFamily="34" charset="0"/>
+            </a:endParaRPr>
+          </a:p>
+          <a:p>
+            <a:r>
+              <a:rPr lang="en-US" altLang="en-US" sz="2000">
+                <a:latin typeface="Arial" panose="020B0604020202020204" pitchFamily="34" charset="0"/>
+                <a:ea typeface="Noto Serif CJK JP" panose="02020400000000000000" charset="-122"/>
+                <a:cs typeface="Arial" panose="020B0604020202020204" pitchFamily="34" charset="0"/>
+              </a:rPr>
+              <a:t>Store multiple items of the same type together</a:t>
+            </a:r>
+            <a:endParaRPr lang="en-US" altLang="en-US" sz="2000">
+              <a:latin typeface="Arial" panose="020B0604020202020204" pitchFamily="34" charset="0"/>
+              <a:ea typeface="Noto Serif CJK JP" panose="02020400000000000000" charset="-122"/>
+              <a:cs typeface="Arial" panose="020B0604020202020204" pitchFamily="34" charset="0"/>
+            </a:endParaRPr>
+          </a:p>
+          <a:p>
+            <a:r>
+              <a:rPr lang="en-US" altLang="en-US" sz="2000">
+                <a:latin typeface="Arial" panose="020B0604020202020204" pitchFamily="34" charset="0"/>
+                <a:ea typeface="Noto Serif CJK JP" panose="02020400000000000000" charset="-122"/>
+                <a:cs typeface="Arial" panose="020B0604020202020204" pitchFamily="34" charset="0"/>
+              </a:rPr>
+              <a:t>Advantages :</a:t>
+            </a:r>
+            <a:endParaRPr lang="en-US" altLang="en-US" sz="2000">
+              <a:latin typeface="Arial" panose="020B0604020202020204" pitchFamily="34" charset="0"/>
+              <a:ea typeface="Noto Serif CJK JP" panose="02020400000000000000" charset="-122"/>
+              <a:cs typeface="Arial" panose="020B0604020202020204" pitchFamily="34" charset="0"/>
+            </a:endParaRPr>
+          </a:p>
+          <a:p>
+            <a:pPr lvl="1"/>
+            <a:r>
+              <a:rPr lang="en-US" altLang="en-US" sz="2000">
+                <a:latin typeface="Arial" panose="020B0604020202020204" pitchFamily="34" charset="0"/>
+                <a:ea typeface="Noto Serif CJK JP" panose="02020400000000000000" charset="-122"/>
+                <a:cs typeface="Arial" panose="020B0604020202020204" pitchFamily="34" charset="0"/>
+                <a:sym typeface="+mn-ea"/>
+              </a:rPr>
+              <a:t>Random access is allowed</a:t>
+            </a:r>
+            <a:endParaRPr lang="en-US" altLang="en-US" sz="2000">
+              <a:latin typeface="Arial" panose="020B0604020202020204" pitchFamily="34" charset="0"/>
+              <a:ea typeface="Noto Serif CJK JP" panose="02020400000000000000" charset="-122"/>
+              <a:cs typeface="Arial" panose="020B0604020202020204" pitchFamily="34" charset="0"/>
+            </a:endParaRPr>
+          </a:p>
+          <a:p>
+            <a:pPr lvl="1"/>
+            <a:r>
+              <a:rPr lang="en-US" altLang="en-US" sz="2000">
+                <a:latin typeface="Arial" panose="020B0604020202020204" pitchFamily="34" charset="0"/>
+                <a:ea typeface="Noto Serif CJK JP" panose="02020400000000000000" charset="-122"/>
+                <a:cs typeface="Arial" panose="020B0604020202020204" pitchFamily="34" charset="0"/>
+              </a:rPr>
+              <a:t>Ease of insertion and in Accesss</a:t>
+            </a:r>
+            <a:endParaRPr lang="en-US" altLang="en-US" sz="2000">
+              <a:latin typeface="Arial" panose="020B0604020202020204" pitchFamily="34" charset="0"/>
+              <a:ea typeface="Noto Serif CJK JP" panose="02020400000000000000" charset="-122"/>
+              <a:cs typeface="Arial" panose="020B0604020202020204" pitchFamily="34" charset="0"/>
+            </a:endParaRPr>
+          </a:p>
+          <a:p>
+            <a:pPr lvl="0"/>
+            <a:r>
+              <a:rPr lang="en-US" altLang="en-US" sz="2000">
+                <a:latin typeface="Arial" panose="020B0604020202020204" pitchFamily="34" charset="0"/>
+                <a:ea typeface="Noto Serif CJK JP" panose="02020400000000000000" charset="-122"/>
+                <a:cs typeface="Arial" panose="020B0604020202020204" pitchFamily="34" charset="0"/>
+              </a:rPr>
+              <a:t>Drawbacks</a:t>
+            </a:r>
+            <a:r>
               <a:rPr lang="en-US" altLang="en-US" sz="2400">
-                <a:latin typeface="Noto Serif CJK JP" panose="02020400000000000000" charset="-122"/>
-                <a:ea typeface="Noto Serif CJK JP" panose="02020400000000000000" charset="-122"/>
-              </a:rPr>
-              <a:t>L</a:t>
-            </a:r>
-            <a:r>
-              <a:rPr lang="en-US" sz="2400">
-                <a:latin typeface="Noto Serif CJK JP" panose="02020400000000000000" charset="-122"/>
-                <a:ea typeface="Noto Serif CJK JP" panose="02020400000000000000" charset="-122"/>
-              </a:rPr>
-              <a:t>inear data structure</a:t>
-            </a:r>
-            <a:endParaRPr lang="en-US" sz="2400">
-              <a:latin typeface="Noto Serif CJK JP" panose="02020400000000000000" charset="-122"/>
-              <a:ea typeface="Noto Serif CJK JP" panose="02020400000000000000" charset="-122"/>
-            </a:endParaRPr>
-          </a:p>
-          <a:p>
-            <a:r>
-              <a:rPr lang="en-US" altLang="en-US" sz="2400">
-                <a:latin typeface="Noto Serif CJK JP" panose="02020400000000000000" charset="-122"/>
-                <a:ea typeface="Noto Serif CJK JP" panose="02020400000000000000" charset="-122"/>
-              </a:rPr>
-              <a:t>E</a:t>
-            </a:r>
-            <a:r>
-              <a:rPr lang="en-US" sz="2400">
-                <a:latin typeface="Noto Serif CJK JP" panose="02020400000000000000" charset="-122"/>
-                <a:ea typeface="Noto Serif CJK JP" panose="02020400000000000000" charset="-122"/>
-              </a:rPr>
-              <a:t>lements are stored at contiguous memory locations.</a:t>
+                <a:latin typeface="Arial" panose="020B0604020202020204" pitchFamily="34" charset="0"/>
+                <a:ea typeface="Noto Serif CJK JP" panose="02020400000000000000" charset="-122"/>
+                <a:cs typeface="Arial" panose="020B0604020202020204" pitchFamily="34" charset="0"/>
+              </a:rPr>
+              <a:t>:</a:t>
             </a:r>
             <a:endParaRPr lang="en-US" altLang="en-US" sz="2400">
-              <a:latin typeface="Noto Serif CJK JP" panose="02020400000000000000" charset="-122"/>
-              <a:ea typeface="Noto Serif CJK JP" panose="02020400000000000000" charset="-122"/>
-            </a:endParaRPr>
-          </a:p>
-          <a:p>
-            <a:r>
-              <a:rPr lang="en-US" altLang="en-US" sz="2400">
-                <a:latin typeface="Noto Serif CJK JP" panose="02020400000000000000" charset="-122"/>
-                <a:ea typeface="Noto Serif CJK JP" panose="02020400000000000000" charset="-122"/>
-              </a:rPr>
-              <a:t>Store multiple items of the same type together</a:t>
+              <a:latin typeface="Arial" panose="020B0604020202020204" pitchFamily="34" charset="0"/>
+              <a:ea typeface="Noto Serif CJK JP" panose="02020400000000000000" charset="-122"/>
+              <a:cs typeface="Arial" panose="020B0604020202020204" pitchFamily="34" charset="0"/>
+            </a:endParaRPr>
+          </a:p>
+          <a:p>
+            <a:pPr lvl="1"/>
+            <a:r>
+              <a:rPr lang="en-US" altLang="en-US" sz="2000">
+                <a:latin typeface="Arial" panose="020B0604020202020204" pitchFamily="34" charset="0"/>
+                <a:ea typeface="Noto Serif CJK JP" panose="02020400000000000000" charset="-122"/>
+                <a:cs typeface="Arial" panose="020B0604020202020204" pitchFamily="34" charset="0"/>
+                <a:sym typeface="+mn-ea"/>
+              </a:rPr>
+              <a:t>Static memory allocation</a:t>
             </a:r>
             <a:endParaRPr lang="en-US" altLang="en-US" sz="2400">
-              <a:latin typeface="Noto Serif CJK JP" panose="02020400000000000000" charset="-122"/>
-              <a:ea typeface="Noto Serif CJK JP" panose="02020400000000000000" charset="-122"/>
-            </a:endParaRPr>
-          </a:p>
-          <a:p>
-            <a:endParaRPr lang="en-US" altLang="en-US" sz="2400">
-              <a:latin typeface="Noto Serif CJK JP" panose="02020400000000000000" charset="-122"/>
-              <a:ea typeface="Noto Serif CJK JP" panose="02020400000000000000" charset="-122"/>
-            </a:endParaRPr>
-          </a:p>
-          <a:p>
-            <a:endParaRPr lang="en-US" altLang="en-US" sz="2400">
-              <a:latin typeface="Noto Serif CJK JP" panose="02020400000000000000" charset="-122"/>
-              <a:ea typeface="Noto Serif CJK JP" panose="02020400000000000000" charset="-122"/>
-            </a:endParaRPr>
-          </a:p>
-          <a:p>
-            <a:endParaRPr lang="en-US" altLang="en-US" sz="2400">
-              <a:latin typeface="Noto Serif CJK JP" panose="02020400000000000000" charset="-122"/>
-              <a:ea typeface="Noto Serif CJK JP" panose="02020400000000000000" charset="-122"/>
-            </a:endParaRPr>
-          </a:p>
-          <a:p>
-            <a:r>
-              <a:rPr lang="en-US" altLang="en-US" sz="2400">
-                <a:latin typeface="Noto Serif CJK JP" panose="02020400000000000000" charset="-122"/>
-                <a:ea typeface="Noto Serif CJK JP" panose="02020400000000000000" charset="-122"/>
-              </a:rPr>
-              <a:t>Advantages :</a:t>
-            </a:r>
-            <a:endParaRPr lang="en-US" altLang="en-US" sz="2400">
-              <a:latin typeface="Noto Serif CJK JP" panose="02020400000000000000" charset="-122"/>
-              <a:ea typeface="Noto Serif CJK JP" panose="02020400000000000000" charset="-122"/>
+              <a:latin typeface="Arial" panose="020B0604020202020204" pitchFamily="34" charset="0"/>
+              <a:ea typeface="Noto Serif CJK JP" panose="02020400000000000000" charset="-122"/>
+              <a:cs typeface="Arial" panose="020B0604020202020204" pitchFamily="34" charset="0"/>
             </a:endParaRPr>
           </a:p>
           <a:p>
             <a:pPr lvl="1"/>
             <a:r>
-              <a:rPr lang="en-US" altLang="en-US" sz="2100">
-                <a:latin typeface="Noto Serif CJK JP" panose="02020400000000000000" charset="-122"/>
-                <a:ea typeface="Noto Serif CJK JP" panose="02020400000000000000" charset="-122"/>
-                <a:sym typeface="+mn-ea"/>
-              </a:rPr>
-              <a:t>Random access is allowed</a:t>
-            </a:r>
-            <a:endParaRPr lang="en-US" altLang="en-US" sz="2100">
-              <a:latin typeface="Noto Serif CJK JP" panose="02020400000000000000" charset="-122"/>
-              <a:ea typeface="Noto Serif CJK JP" panose="02020400000000000000" charset="-122"/>
-            </a:endParaRPr>
-          </a:p>
-          <a:p>
-            <a:pPr lvl="1"/>
-            <a:r>
-              <a:rPr lang="en-US" altLang="en-US" sz="2100">
-                <a:latin typeface="Noto Serif CJK JP" panose="02020400000000000000" charset="-122"/>
-                <a:ea typeface="Noto Serif CJK JP" panose="02020400000000000000" charset="-122"/>
-              </a:rPr>
-              <a:t>Ease of insertion and in Accesss</a:t>
-            </a:r>
-            <a:endParaRPr lang="en-US" altLang="en-US" sz="2100">
-              <a:latin typeface="Noto Serif CJK JP" panose="02020400000000000000" charset="-122"/>
-              <a:ea typeface="Noto Serif CJK JP" panose="02020400000000000000" charset="-122"/>
-            </a:endParaRPr>
-          </a:p>
-          <a:p>
-            <a:pPr lvl="0"/>
-            <a:r>
-              <a:rPr lang="en-US" altLang="en-US" sz="2400">
-                <a:latin typeface="Noto Serif CJK JP" panose="02020400000000000000" charset="-122"/>
-                <a:ea typeface="Noto Serif CJK JP" panose="02020400000000000000" charset="-122"/>
-              </a:rPr>
-              <a:t>Drawbacks</a:t>
-            </a:r>
-            <a:r>
-              <a:rPr lang="en-US" altLang="en-US" sz="2740">
-                <a:latin typeface="Noto Serif CJK JP" panose="02020400000000000000" charset="-122"/>
-                <a:ea typeface="Noto Serif CJK JP" panose="02020400000000000000" charset="-122"/>
-              </a:rPr>
-              <a:t>:</a:t>
-            </a:r>
-            <a:endParaRPr lang="en-US" altLang="en-US" sz="2740">
-              <a:latin typeface="Noto Serif CJK JP" panose="02020400000000000000" charset="-122"/>
-              <a:ea typeface="Noto Serif CJK JP" panose="02020400000000000000" charset="-122"/>
-            </a:endParaRPr>
-          </a:p>
-          <a:p>
-            <a:pPr lvl="1"/>
-            <a:r>
-              <a:rPr lang="en-US" altLang="en-US" sz="2395">
-                <a:latin typeface="Noto Serif CJK JP" panose="02020400000000000000" charset="-122"/>
-                <a:ea typeface="Noto Serif CJK JP" panose="02020400000000000000" charset="-122"/>
-                <a:sym typeface="+mn-ea"/>
-              </a:rPr>
-              <a:t>Static memory allocation</a:t>
-            </a:r>
-            <a:endParaRPr lang="en-US" altLang="en-US" sz="2740">
-              <a:latin typeface="Noto Serif CJK JP" panose="02020400000000000000" charset="-122"/>
-              <a:ea typeface="Noto Serif CJK JP" panose="02020400000000000000" charset="-122"/>
-            </a:endParaRPr>
-          </a:p>
-          <a:p>
-            <a:pPr lvl="1"/>
-            <a:r>
-              <a:rPr lang="en-US" altLang="en-US" sz="2100">
-                <a:latin typeface="Noto Serif CJK JP" panose="02020400000000000000" charset="-122"/>
-                <a:ea typeface="Noto Serif CJK JP" panose="02020400000000000000" charset="-122"/>
+              <a:rPr lang="en-US" altLang="en-US" sz="2000">
+                <a:latin typeface="Arial" panose="020B0604020202020204" pitchFamily="34" charset="0"/>
+                <a:ea typeface="Noto Serif CJK JP" panose="02020400000000000000" charset="-122"/>
+                <a:cs typeface="Arial" panose="020B0604020202020204" pitchFamily="34" charset="0"/>
               </a:rPr>
               <a:t>Deletion requires Shifting of elements</a:t>
             </a:r>
-            <a:endParaRPr lang="en-US" altLang="en-US" sz="2100">
-              <a:latin typeface="Noto Serif CJK JP" panose="02020400000000000000" charset="-122"/>
-              <a:ea typeface="Noto Serif CJK JP" panose="02020400000000000000" charset="-122"/>
+            <a:endParaRPr lang="en-US" altLang="en-US" sz="2000">
+              <a:latin typeface="Arial" panose="020B0604020202020204" pitchFamily="34" charset="0"/>
+              <a:ea typeface="Noto Serif CJK JP" panose="02020400000000000000" charset="-122"/>
+              <a:cs typeface="Arial" panose="020B0604020202020204" pitchFamily="34" charset="0"/>
             </a:endParaRPr>
           </a:p>
         </p:txBody>
@@ -9793,7 +9878,7 @@
         </p:blipFill>
         <p:spPr>
           <a:xfrm>
-            <a:off x="1521460" y="2755900"/>
+            <a:off x="1180465" y="4530090"/>
             <a:ext cx="6411595" cy="1345565"/>
           </a:xfrm>
           <a:prstGeom prst="rect">
@@ -9877,15 +9962,25 @@
               </a:lnSpc>
             </a:pPr>
             <a:r>
+              <a:rPr lang="en-GB" altLang="en-US" sz="2400">
+                <a:latin typeface="Arial" panose="020B0604020202020204" pitchFamily="34" charset="0"/>
+                <a:ea typeface="Noto Serif CJK JP" panose="02020400000000000000" charset="-122"/>
+                <a:cs typeface="Arial" panose="020B0604020202020204" pitchFamily="34" charset="0"/>
+              </a:rPr>
+              <a:t>A</a:t>
+            </a:r>
+            <a:r>
               <a:rPr lang="en-US" altLang="en-US" sz="2400">
-                <a:latin typeface="Noto Serif CJK JP" panose="02020400000000000000" charset="-122"/>
-                <a:ea typeface="Noto Serif CJK JP" panose="02020400000000000000" charset="-122"/>
-              </a:rPr>
-              <a:t>accessed using an index number</a:t>
+                <a:latin typeface="Arial" panose="020B0604020202020204" pitchFamily="34" charset="0"/>
+                <a:ea typeface="Noto Serif CJK JP" panose="02020400000000000000" charset="-122"/>
+                <a:cs typeface="Arial" panose="020B0604020202020204" pitchFamily="34" charset="0"/>
+              </a:rPr>
+              <a:t>ccessed using an index number</a:t>
             </a:r>
             <a:endParaRPr lang="en-US" altLang="en-US" sz="2400">
-              <a:latin typeface="Noto Serif CJK JP" panose="02020400000000000000" charset="-122"/>
-              <a:ea typeface="Noto Serif CJK JP" panose="02020400000000000000" charset="-122"/>
+              <a:latin typeface="Arial" panose="020B0604020202020204" pitchFamily="34" charset="0"/>
+              <a:ea typeface="Noto Serif CJK JP" panose="02020400000000000000" charset="-122"/>
+              <a:cs typeface="Arial" panose="020B0604020202020204" pitchFamily="34" charset="0"/>
             </a:endParaRPr>
           </a:p>
           <a:p>
@@ -9895,15 +9990,25 @@
               </a:lnSpc>
             </a:pPr>
             <a:r>
+              <a:rPr lang="en-GB" altLang="en-US" sz="2400">
+                <a:latin typeface="Arial" panose="020B0604020202020204" pitchFamily="34" charset="0"/>
+                <a:ea typeface="Noto Serif CJK JP" panose="02020400000000000000" charset="-122"/>
+                <a:cs typeface="Arial" panose="020B0604020202020204" pitchFamily="34" charset="0"/>
+              </a:rPr>
+              <a:t>F</a:t>
+            </a:r>
+            <a:r>
               <a:rPr lang="en-US" altLang="en-US" sz="2400">
-                <a:latin typeface="Noto Serif CJK JP" panose="02020400000000000000" charset="-122"/>
-                <a:ea typeface="Noto Serif CJK JP" panose="02020400000000000000" charset="-122"/>
-              </a:rPr>
-              <a:t>first element is numbered 0, so that the indices in an array of 10 elements run from 0 to 9.</a:t>
+                <a:latin typeface="Arial" panose="020B0604020202020204" pitchFamily="34" charset="0"/>
+                <a:ea typeface="Noto Serif CJK JP" panose="02020400000000000000" charset="-122"/>
+                <a:cs typeface="Arial" panose="020B0604020202020204" pitchFamily="34" charset="0"/>
+              </a:rPr>
+              <a:t>irst element is numbered 0, so that the indices in an array of 10 elements run from 0 to 9.</a:t>
             </a:r>
             <a:endParaRPr lang="en-US" altLang="en-US" sz="2400">
-              <a:latin typeface="Noto Serif CJK JP" panose="02020400000000000000" charset="-122"/>
-              <a:ea typeface="Noto Serif CJK JP" panose="02020400000000000000" charset="-122"/>
+              <a:latin typeface="Arial" panose="020B0604020202020204" pitchFamily="34" charset="0"/>
+              <a:ea typeface="Noto Serif CJK JP" panose="02020400000000000000" charset="-122"/>
+              <a:cs typeface="Arial" panose="020B0604020202020204" pitchFamily="34" charset="0"/>
             </a:endParaRPr>
           </a:p>
           <a:p>
@@ -9914,32 +10019,37 @@
             </a:pPr>
             <a:r>
               <a:rPr lang="en-US" altLang="en-US" sz="2400">
-                <a:latin typeface="Noto Serif CJK JP" panose="02020400000000000000" charset="-122"/>
-                <a:ea typeface="Noto Serif CJK JP" panose="02020400000000000000" charset="-122"/>
+                <a:latin typeface="Arial" panose="020B0604020202020204" pitchFamily="34" charset="0"/>
+                <a:ea typeface="Noto Serif CJK JP" panose="02020400000000000000" charset="-122"/>
+                <a:cs typeface="Arial" panose="020B0604020202020204" pitchFamily="34" charset="0"/>
               </a:rPr>
               <a:t>Complexity : O(1)</a:t>
             </a:r>
             <a:endParaRPr lang="en-US" altLang="en-US" sz="2400">
-              <a:latin typeface="Noto Serif CJK JP" panose="02020400000000000000" charset="-122"/>
-              <a:ea typeface="Noto Serif CJK JP" panose="02020400000000000000" charset="-122"/>
+              <a:latin typeface="Arial" panose="020B0604020202020204" pitchFamily="34" charset="0"/>
+              <a:ea typeface="Noto Serif CJK JP" panose="02020400000000000000" charset="-122"/>
+              <a:cs typeface="Arial" panose="020B0604020202020204" pitchFamily="34" charset="0"/>
             </a:endParaRPr>
           </a:p>
           <a:p>
             <a:endParaRPr lang="en-US" altLang="en-US" sz="2400">
-              <a:latin typeface="Noto Serif CJK JP" panose="02020400000000000000" charset="-122"/>
-              <a:ea typeface="Noto Serif CJK JP" panose="02020400000000000000" charset="-122"/>
+              <a:latin typeface="Arial" panose="020B0604020202020204" pitchFamily="34" charset="0"/>
+              <a:ea typeface="Noto Serif CJK JP" panose="02020400000000000000" charset="-122"/>
+              <a:cs typeface="Arial" panose="020B0604020202020204" pitchFamily="34" charset="0"/>
             </a:endParaRPr>
           </a:p>
           <a:p>
             <a:endParaRPr lang="en-US" altLang="en-US" sz="2400">
-              <a:latin typeface="Noto Serif CJK JP" panose="02020400000000000000" charset="-122"/>
-              <a:ea typeface="Noto Serif CJK JP" panose="02020400000000000000" charset="-122"/>
+              <a:latin typeface="Arial" panose="020B0604020202020204" pitchFamily="34" charset="0"/>
+              <a:ea typeface="Noto Serif CJK JP" panose="02020400000000000000" charset="-122"/>
+              <a:cs typeface="Arial" panose="020B0604020202020204" pitchFamily="34" charset="0"/>
             </a:endParaRPr>
           </a:p>
           <a:p>
             <a:endParaRPr lang="en-US" altLang="en-US" sz="2400">
-              <a:latin typeface="Noto Serif CJK JP" panose="02020400000000000000" charset="-122"/>
-              <a:ea typeface="Noto Serif CJK JP" panose="02020400000000000000" charset="-122"/>
+              <a:latin typeface="Arial" panose="020B0604020202020204" pitchFamily="34" charset="0"/>
+              <a:ea typeface="Noto Serif CJK JP" panose="02020400000000000000" charset="-122"/>
+              <a:cs typeface="Arial" panose="020B0604020202020204" pitchFamily="34" charset="0"/>
             </a:endParaRPr>
           </a:p>
         </p:txBody>
@@ -10080,135 +10190,154 @@
               <a:buNone/>
             </a:pPr>
             <a:endParaRPr lang="en-US" altLang="en-US" sz="2400">
-              <a:latin typeface="Noto Serif CJK JP" panose="02020400000000000000" charset="-122"/>
-              <a:ea typeface="Noto Serif CJK JP" panose="02020400000000000000" charset="-122"/>
+              <a:latin typeface="Arial" panose="020B0604020202020204" pitchFamily="34" charset="0"/>
+              <a:ea typeface="Noto Serif CJK JP" panose="02020400000000000000" charset="-122"/>
+              <a:cs typeface="Arial" panose="020B0604020202020204" pitchFamily="34" charset="0"/>
             </a:endParaRPr>
           </a:p>
           <a:p>
             <a:r>
               <a:rPr lang="en-US" altLang="en-US" sz="2400">
-                <a:latin typeface="Noto Serif CJK JP" panose="02020400000000000000" charset="-122"/>
-                <a:ea typeface="Noto Serif CJK JP" panose="02020400000000000000" charset="-122"/>
+                <a:latin typeface="Arial" panose="020B0604020202020204" pitchFamily="34" charset="0"/>
+                <a:ea typeface="Noto Serif CJK JP" panose="02020400000000000000" charset="-122"/>
+                <a:cs typeface="Arial" panose="020B0604020202020204" pitchFamily="34" charset="0"/>
               </a:rPr>
               <a:t>Unsorted </a:t>
             </a:r>
             <a:endParaRPr lang="en-US" altLang="en-US" sz="2400">
-              <a:latin typeface="Noto Serif CJK JP" panose="02020400000000000000" charset="-122"/>
-              <a:ea typeface="Noto Serif CJK JP" panose="02020400000000000000" charset="-122"/>
+              <a:latin typeface="Arial" panose="020B0604020202020204" pitchFamily="34" charset="0"/>
+              <a:ea typeface="Noto Serif CJK JP" panose="02020400000000000000" charset="-122"/>
+              <a:cs typeface="Arial" panose="020B0604020202020204" pitchFamily="34" charset="0"/>
             </a:endParaRPr>
           </a:p>
           <a:p>
             <a:pPr lvl="1"/>
             <a:r>
               <a:rPr lang="en-US" altLang="en-US" sz="2100">
-                <a:latin typeface="Noto Serif CJK JP" panose="02020400000000000000" charset="-122"/>
-                <a:ea typeface="Noto Serif CJK JP" panose="02020400000000000000" charset="-122"/>
+                <a:latin typeface="Arial" panose="020B0604020202020204" pitchFamily="34" charset="0"/>
+                <a:ea typeface="Noto Serif CJK JP" panose="02020400000000000000" charset="-122"/>
+                <a:cs typeface="Arial" panose="020B0604020202020204" pitchFamily="34" charset="0"/>
               </a:rPr>
               <a:t>Keep track of number of elements in array - nElts</a:t>
             </a:r>
             <a:endParaRPr lang="en-US" altLang="en-US" sz="2100">
-              <a:latin typeface="Noto Serif CJK JP" panose="02020400000000000000" charset="-122"/>
-              <a:ea typeface="Noto Serif CJK JP" panose="02020400000000000000" charset="-122"/>
+              <a:latin typeface="Arial" panose="020B0604020202020204" pitchFamily="34" charset="0"/>
+              <a:ea typeface="Noto Serif CJK JP" panose="02020400000000000000" charset="-122"/>
+              <a:cs typeface="Arial" panose="020B0604020202020204" pitchFamily="34" charset="0"/>
             </a:endParaRPr>
           </a:p>
           <a:p>
             <a:pPr lvl="1"/>
             <a:r>
               <a:rPr lang="en-US" altLang="en-US" sz="2100">
-                <a:latin typeface="Noto Serif CJK JP" panose="02020400000000000000" charset="-122"/>
-                <a:ea typeface="Noto Serif CJK JP" panose="02020400000000000000" charset="-122"/>
+                <a:latin typeface="Arial" panose="020B0604020202020204" pitchFamily="34" charset="0"/>
+                <a:ea typeface="Noto Serif CJK JP" panose="02020400000000000000" charset="-122"/>
+                <a:cs typeface="Arial" panose="020B0604020202020204" pitchFamily="34" charset="0"/>
               </a:rPr>
               <a:t>Insert using index and Increment the tracking object</a:t>
             </a:r>
             <a:endParaRPr lang="en-US" altLang="en-US" sz="2100">
-              <a:latin typeface="Noto Serif CJK JP" panose="02020400000000000000" charset="-122"/>
-              <a:ea typeface="Noto Serif CJK JP" panose="02020400000000000000" charset="-122"/>
+              <a:latin typeface="Arial" panose="020B0604020202020204" pitchFamily="34" charset="0"/>
+              <a:ea typeface="Noto Serif CJK JP" panose="02020400000000000000" charset="-122"/>
+              <a:cs typeface="Arial" panose="020B0604020202020204" pitchFamily="34" charset="0"/>
             </a:endParaRPr>
           </a:p>
           <a:p>
             <a:pPr lvl="1"/>
             <a:r>
               <a:rPr lang="en-US" altLang="en-US" sz="2100">
-                <a:latin typeface="Noto Serif CJK JP" panose="02020400000000000000" charset="-122"/>
-                <a:ea typeface="Noto Serif CJK JP" panose="02020400000000000000" charset="-122"/>
+                <a:latin typeface="Arial" panose="020B0604020202020204" pitchFamily="34" charset="0"/>
+                <a:ea typeface="Noto Serif CJK JP" panose="02020400000000000000" charset="-122"/>
+                <a:cs typeface="Arial" panose="020B0604020202020204" pitchFamily="34" charset="0"/>
               </a:rPr>
               <a:t>Complexity : O(1)</a:t>
             </a:r>
             <a:endParaRPr lang="en-US" altLang="en-US" sz="2100">
-              <a:latin typeface="Noto Serif CJK JP" panose="02020400000000000000" charset="-122"/>
-              <a:ea typeface="Noto Serif CJK JP" panose="02020400000000000000" charset="-122"/>
+              <a:latin typeface="Arial" panose="020B0604020202020204" pitchFamily="34" charset="0"/>
+              <a:ea typeface="Noto Serif CJK JP" panose="02020400000000000000" charset="-122"/>
+              <a:cs typeface="Arial" panose="020B0604020202020204" pitchFamily="34" charset="0"/>
             </a:endParaRPr>
           </a:p>
           <a:p>
             <a:r>
               <a:rPr lang="en-US" altLang="en-US" sz="2400">
-                <a:latin typeface="Noto Serif CJK JP" panose="02020400000000000000" charset="-122"/>
-                <a:ea typeface="Noto Serif CJK JP" panose="02020400000000000000" charset="-122"/>
+                <a:latin typeface="Arial" panose="020B0604020202020204" pitchFamily="34" charset="0"/>
+                <a:ea typeface="Noto Serif CJK JP" panose="02020400000000000000" charset="-122"/>
+                <a:cs typeface="Arial" panose="020B0604020202020204" pitchFamily="34" charset="0"/>
               </a:rPr>
               <a:t>Sorted</a:t>
             </a:r>
             <a:endParaRPr lang="en-US" altLang="en-US" sz="2400">
-              <a:latin typeface="Noto Serif CJK JP" panose="02020400000000000000" charset="-122"/>
-              <a:ea typeface="Noto Serif CJK JP" panose="02020400000000000000" charset="-122"/>
+              <a:latin typeface="Arial" panose="020B0604020202020204" pitchFamily="34" charset="0"/>
+              <a:ea typeface="Noto Serif CJK JP" panose="02020400000000000000" charset="-122"/>
+              <a:cs typeface="Arial" panose="020B0604020202020204" pitchFamily="34" charset="0"/>
             </a:endParaRPr>
           </a:p>
           <a:p>
             <a:pPr lvl="1"/>
             <a:r>
               <a:rPr lang="en-US" altLang="en-US" sz="2100">
-                <a:latin typeface="Noto Serif CJK JP" panose="02020400000000000000" charset="-122"/>
-                <a:ea typeface="Noto Serif CJK JP" panose="02020400000000000000" charset="-122"/>
+                <a:latin typeface="Arial" panose="020B0604020202020204" pitchFamily="34" charset="0"/>
+                <a:ea typeface="Noto Serif CJK JP" panose="02020400000000000000" charset="-122"/>
+                <a:cs typeface="Arial" panose="020B0604020202020204" pitchFamily="34" charset="0"/>
               </a:rPr>
               <a:t>Requires Searching for the postion</a:t>
             </a:r>
             <a:endParaRPr lang="en-US" altLang="en-US" sz="2100">
-              <a:latin typeface="Noto Serif CJK JP" panose="02020400000000000000" charset="-122"/>
-              <a:ea typeface="Noto Serif CJK JP" panose="02020400000000000000" charset="-122"/>
+              <a:latin typeface="Arial" panose="020B0604020202020204" pitchFamily="34" charset="0"/>
+              <a:ea typeface="Noto Serif CJK JP" panose="02020400000000000000" charset="-122"/>
+              <a:cs typeface="Arial" panose="020B0604020202020204" pitchFamily="34" charset="0"/>
             </a:endParaRPr>
           </a:p>
           <a:p>
             <a:pPr lvl="1"/>
             <a:r>
               <a:rPr lang="en-US" altLang="en-US" sz="2100">
-                <a:latin typeface="Noto Serif CJK JP" panose="02020400000000000000" charset="-122"/>
-                <a:ea typeface="Noto Serif CJK JP" panose="02020400000000000000" charset="-122"/>
+                <a:latin typeface="Arial" panose="020B0604020202020204" pitchFamily="34" charset="0"/>
+                <a:ea typeface="Noto Serif CJK JP" panose="02020400000000000000" charset="-122"/>
+                <a:cs typeface="Arial" panose="020B0604020202020204" pitchFamily="34" charset="0"/>
               </a:rPr>
               <a:t>Shifting the elements to make the specfied postion to be vacant.</a:t>
             </a:r>
             <a:endParaRPr lang="en-US" altLang="en-US" sz="2100">
-              <a:latin typeface="Noto Serif CJK JP" panose="02020400000000000000" charset="-122"/>
-              <a:ea typeface="Noto Serif CJK JP" panose="02020400000000000000" charset="-122"/>
+              <a:latin typeface="Arial" panose="020B0604020202020204" pitchFamily="34" charset="0"/>
+              <a:ea typeface="Noto Serif CJK JP" panose="02020400000000000000" charset="-122"/>
+              <a:cs typeface="Arial" panose="020B0604020202020204" pitchFamily="34" charset="0"/>
             </a:endParaRPr>
           </a:p>
           <a:p>
             <a:pPr lvl="1"/>
             <a:r>
               <a:rPr lang="en-US" altLang="en-US" sz="2100">
-                <a:latin typeface="Noto Serif CJK JP" panose="02020400000000000000" charset="-122"/>
-                <a:ea typeface="Noto Serif CJK JP" panose="02020400000000000000" charset="-122"/>
+                <a:latin typeface="Arial" panose="020B0604020202020204" pitchFamily="34" charset="0"/>
+                <a:ea typeface="Noto Serif CJK JP" panose="02020400000000000000" charset="-122"/>
+                <a:cs typeface="Arial" panose="020B0604020202020204" pitchFamily="34" charset="0"/>
                 <a:sym typeface="+mn-ea"/>
               </a:rPr>
               <a:t>Complexity : O(N</a:t>
             </a:r>
             <a:r>
               <a:rPr lang="en-US" altLang="en-US" sz="2100" baseline="30000">
-                <a:latin typeface="Noto Serif CJK JP" panose="02020400000000000000" charset="-122"/>
-                <a:ea typeface="Noto Serif CJK JP" panose="02020400000000000000" charset="-122"/>
+                <a:latin typeface="Arial" panose="020B0604020202020204" pitchFamily="34" charset="0"/>
+                <a:ea typeface="Noto Serif CJK JP" panose="02020400000000000000" charset="-122"/>
+                <a:cs typeface="Arial" panose="020B0604020202020204" pitchFamily="34" charset="0"/>
                 <a:sym typeface="+mn-ea"/>
               </a:rPr>
               <a:t>2</a:t>
             </a:r>
             <a:r>
               <a:rPr lang="en-US" altLang="en-US" sz="2100">
-                <a:latin typeface="Noto Serif CJK JP" panose="02020400000000000000" charset="-122"/>
-                <a:ea typeface="Noto Serif CJK JP" panose="02020400000000000000" charset="-122"/>
+                <a:latin typeface="Arial" panose="020B0604020202020204" pitchFamily="34" charset="0"/>
+                <a:ea typeface="Noto Serif CJK JP" panose="02020400000000000000" charset="-122"/>
+                <a:cs typeface="Arial" panose="020B0604020202020204" pitchFamily="34" charset="0"/>
                 <a:sym typeface="+mn-ea"/>
               </a:rPr>
               <a:t>)</a:t>
             </a:r>
             <a:endParaRPr lang="en-US" altLang="en-US" sz="2100">
-              <a:latin typeface="Noto Serif CJK JP" panose="02020400000000000000" charset="-122"/>
-              <a:ea typeface="Noto Serif CJK JP" panose="02020400000000000000" charset="-122"/>
+              <a:latin typeface="Arial" panose="020B0604020202020204" pitchFamily="34" charset="0"/>
+              <a:ea typeface="Noto Serif CJK JP" panose="02020400000000000000" charset="-122"/>
+              <a:cs typeface="Arial" panose="020B0604020202020204" pitchFamily="34" charset="0"/>
             </a:endParaRPr>
           </a:p>
           <a:p>
@@ -10216,8 +10345,9 @@
               <a:buNone/>
             </a:pPr>
             <a:endParaRPr lang="en-US" altLang="en-US" sz="2100">
-              <a:latin typeface="Noto Serif CJK JP" panose="02020400000000000000" charset="-122"/>
-              <a:ea typeface="Noto Serif CJK JP" panose="02020400000000000000" charset="-122"/>
+              <a:latin typeface="Arial" panose="020B0604020202020204" pitchFamily="34" charset="0"/>
+              <a:ea typeface="Noto Serif CJK JP" panose="02020400000000000000" charset="-122"/>
+              <a:cs typeface="Arial" panose="020B0604020202020204" pitchFamily="34" charset="0"/>
             </a:endParaRPr>
           </a:p>
         </p:txBody>
@@ -10385,40 +10515,46 @@
           <a:p>
             <a:r>
               <a:rPr lang="en-US" altLang="en-US" sz="2400">
-                <a:latin typeface="Noto Serif CJK JP" panose="02020400000000000000" charset="-122"/>
-                <a:ea typeface="Noto Serif CJK JP" panose="02020400000000000000" charset="-122"/>
+                <a:latin typeface="Arial" panose="020B0604020202020204" pitchFamily="34" charset="0"/>
+                <a:ea typeface="Noto Serif CJK JP" panose="02020400000000000000" charset="-122"/>
+                <a:cs typeface="Arial" panose="020B0604020202020204" pitchFamily="34" charset="0"/>
               </a:rPr>
               <a:t>Begins with a search for the specified item</a:t>
             </a:r>
             <a:endParaRPr lang="en-US" altLang="en-US" sz="2400">
-              <a:latin typeface="Noto Serif CJK JP" panose="02020400000000000000" charset="-122"/>
-              <a:ea typeface="Noto Serif CJK JP" panose="02020400000000000000" charset="-122"/>
+              <a:latin typeface="Arial" panose="020B0604020202020204" pitchFamily="34" charset="0"/>
+              <a:ea typeface="Noto Serif CJK JP" panose="02020400000000000000" charset="-122"/>
+              <a:cs typeface="Arial" panose="020B0604020202020204" pitchFamily="34" charset="0"/>
             </a:endParaRPr>
           </a:p>
           <a:p>
             <a:r>
               <a:rPr lang="en-US" altLang="en-US" sz="2400">
-                <a:latin typeface="Noto Serif CJK JP" panose="02020400000000000000" charset="-122"/>
-                <a:ea typeface="Noto Serif CJK JP" panose="02020400000000000000" charset="-122"/>
+                <a:latin typeface="Arial" panose="020B0604020202020204" pitchFamily="34" charset="0"/>
+                <a:ea typeface="Noto Serif CJK JP" panose="02020400000000000000" charset="-122"/>
+                <a:cs typeface="Arial" panose="020B0604020202020204" pitchFamily="34" charset="0"/>
               </a:rPr>
               <a:t>When we find it, we move all the items with higher index values down one element to fill in the “hole” left by the deleted element</a:t>
             </a:r>
             <a:endParaRPr lang="en-US" altLang="en-US" sz="2400">
-              <a:latin typeface="Noto Serif CJK JP" panose="02020400000000000000" charset="-122"/>
-              <a:ea typeface="Noto Serif CJK JP" panose="02020400000000000000" charset="-122"/>
+              <a:latin typeface="Arial" panose="020B0604020202020204" pitchFamily="34" charset="0"/>
+              <a:ea typeface="Noto Serif CJK JP" panose="02020400000000000000" charset="-122"/>
+              <a:cs typeface="Arial" panose="020B0604020202020204" pitchFamily="34" charset="0"/>
             </a:endParaRPr>
           </a:p>
           <a:p>
             <a:r>
               <a:rPr lang="en-US" altLang="en-US" sz="2400">
-                <a:latin typeface="Noto Serif CJK JP" panose="02020400000000000000" charset="-122"/>
-                <a:ea typeface="Noto Serif CJK JP" panose="02020400000000000000" charset="-122"/>
+                <a:latin typeface="Arial" panose="020B0604020202020204" pitchFamily="34" charset="0"/>
+                <a:ea typeface="Noto Serif CJK JP" panose="02020400000000000000" charset="-122"/>
+                <a:cs typeface="Arial" panose="020B0604020202020204" pitchFamily="34" charset="0"/>
               </a:rPr>
               <a:t>decrement nElems</a:t>
             </a:r>
             <a:endParaRPr lang="en-US" altLang="en-US" sz="2400">
-              <a:latin typeface="Noto Serif CJK JP" panose="02020400000000000000" charset="-122"/>
-              <a:ea typeface="Noto Serif CJK JP" panose="02020400000000000000" charset="-122"/>
+              <a:latin typeface="Arial" panose="020B0604020202020204" pitchFamily="34" charset="0"/>
+              <a:ea typeface="Noto Serif CJK JP" panose="02020400000000000000" charset="-122"/>
+              <a:cs typeface="Arial" panose="020B0604020202020204" pitchFamily="34" charset="0"/>
             </a:endParaRPr>
           </a:p>
         </p:txBody>
@@ -10676,136 +10812,156 @@
           <a:p>
             <a:r>
               <a:rPr lang="en-US" altLang="en-US" sz="2400">
-                <a:latin typeface="Noto Serif CJK JP" panose="02020400000000000000" charset="-122"/>
-                <a:ea typeface="Noto Serif CJK JP" panose="02020400000000000000" charset="-122"/>
+                <a:latin typeface="Arial" panose="020B0604020202020204" pitchFamily="34" charset="0"/>
+                <a:ea typeface="Noto Serif CJK JP" panose="02020400000000000000" charset="-122"/>
+                <a:cs typeface="Arial" panose="020B0604020202020204" pitchFamily="34" charset="0"/>
               </a:rPr>
               <a:t>L</a:t>
             </a:r>
             <a:r>
               <a:rPr lang="en-US" sz="2400">
-                <a:latin typeface="Noto Serif CJK JP" panose="02020400000000000000" charset="-122"/>
-                <a:ea typeface="Noto Serif CJK JP" panose="02020400000000000000" charset="-122"/>
+                <a:latin typeface="Arial" panose="020B0604020202020204" pitchFamily="34" charset="0"/>
+                <a:ea typeface="Noto Serif CJK JP" panose="02020400000000000000" charset="-122"/>
+                <a:cs typeface="Arial" panose="020B0604020202020204" pitchFamily="34" charset="0"/>
               </a:rPr>
               <a:t>inear data structure</a:t>
             </a:r>
             <a:endParaRPr lang="en-US" sz="2400">
-              <a:latin typeface="Noto Serif CJK JP" panose="02020400000000000000" charset="-122"/>
-              <a:ea typeface="Noto Serif CJK JP" panose="02020400000000000000" charset="-122"/>
+              <a:latin typeface="Arial" panose="020B0604020202020204" pitchFamily="34" charset="0"/>
+              <a:ea typeface="Noto Serif CJK JP" panose="02020400000000000000" charset="-122"/>
+              <a:cs typeface="Arial" panose="020B0604020202020204" pitchFamily="34" charset="0"/>
             </a:endParaRPr>
           </a:p>
           <a:p>
             <a:r>
               <a:rPr lang="en-US" altLang="en-US" sz="2400">
-                <a:latin typeface="Noto Serif CJK JP" panose="02020400000000000000" charset="-122"/>
-                <a:ea typeface="Noto Serif CJK JP" panose="02020400000000000000" charset="-122"/>
+                <a:latin typeface="Arial" panose="020B0604020202020204" pitchFamily="34" charset="0"/>
+                <a:ea typeface="Noto Serif CJK JP" panose="02020400000000000000" charset="-122"/>
+                <a:cs typeface="Arial" panose="020B0604020202020204" pitchFamily="34" charset="0"/>
               </a:rPr>
               <a:t>E</a:t>
             </a:r>
             <a:r>
               <a:rPr lang="en-US" sz="2400">
-                <a:latin typeface="Noto Serif CJK JP" panose="02020400000000000000" charset="-122"/>
-                <a:ea typeface="Noto Serif CJK JP" panose="02020400000000000000" charset="-122"/>
+                <a:latin typeface="Arial" panose="020B0604020202020204" pitchFamily="34" charset="0"/>
+                <a:ea typeface="Noto Serif CJK JP" panose="02020400000000000000" charset="-122"/>
+                <a:cs typeface="Arial" panose="020B0604020202020204" pitchFamily="34" charset="0"/>
               </a:rPr>
               <a:t>lements are not stored at contiguous memory locations.</a:t>
             </a:r>
             <a:endParaRPr lang="en-US" altLang="en-US" sz="2400">
-              <a:latin typeface="Noto Serif CJK JP" panose="02020400000000000000" charset="-122"/>
-              <a:ea typeface="Noto Serif CJK JP" panose="02020400000000000000" charset="-122"/>
+              <a:latin typeface="Arial" panose="020B0604020202020204" pitchFamily="34" charset="0"/>
+              <a:ea typeface="Noto Serif CJK JP" panose="02020400000000000000" charset="-122"/>
+              <a:cs typeface="Arial" panose="020B0604020202020204" pitchFamily="34" charset="0"/>
             </a:endParaRPr>
           </a:p>
           <a:p>
             <a:r>
               <a:rPr lang="en-US" altLang="en-US" sz="2400">
-                <a:latin typeface="Noto Serif CJK JP" panose="02020400000000000000" charset="-122"/>
-                <a:ea typeface="Noto Serif CJK JP" panose="02020400000000000000" charset="-122"/>
+                <a:latin typeface="Arial" panose="020B0604020202020204" pitchFamily="34" charset="0"/>
+                <a:ea typeface="Noto Serif CJK JP" panose="02020400000000000000" charset="-122"/>
+                <a:cs typeface="Arial" panose="020B0604020202020204" pitchFamily="34" charset="0"/>
               </a:rPr>
               <a:t>Elements are linked using pointers</a:t>
             </a:r>
             <a:endParaRPr lang="en-US" altLang="en-US" sz="2400">
-              <a:latin typeface="Noto Serif CJK JP" panose="02020400000000000000" charset="-122"/>
-              <a:ea typeface="Noto Serif CJK JP" panose="02020400000000000000" charset="-122"/>
+              <a:latin typeface="Arial" panose="020B0604020202020204" pitchFamily="34" charset="0"/>
+              <a:ea typeface="Noto Serif CJK JP" panose="02020400000000000000" charset="-122"/>
+              <a:cs typeface="Arial" panose="020B0604020202020204" pitchFamily="34" charset="0"/>
             </a:endParaRPr>
           </a:p>
           <a:p>
             <a:r>
               <a:rPr lang="en-US" altLang="en-US" sz="2400">
-                <a:latin typeface="Noto Serif CJK JP" panose="02020400000000000000" charset="-122"/>
-                <a:ea typeface="Noto Serif CJK JP" panose="02020400000000000000" charset="-122"/>
+                <a:latin typeface="Arial" panose="020B0604020202020204" pitchFamily="34" charset="0"/>
+                <a:ea typeface="Noto Serif CJK JP" panose="02020400000000000000" charset="-122"/>
+                <a:cs typeface="Arial" panose="020B0604020202020204" pitchFamily="34" charset="0"/>
               </a:rPr>
               <a:t>Advantages :</a:t>
             </a:r>
             <a:endParaRPr lang="en-US" altLang="en-US" sz="2400">
-              <a:latin typeface="Noto Serif CJK JP" panose="02020400000000000000" charset="-122"/>
-              <a:ea typeface="Noto Serif CJK JP" panose="02020400000000000000" charset="-122"/>
+              <a:latin typeface="Arial" panose="020B0604020202020204" pitchFamily="34" charset="0"/>
+              <a:ea typeface="Noto Serif CJK JP" panose="02020400000000000000" charset="-122"/>
+              <a:cs typeface="Arial" panose="020B0604020202020204" pitchFamily="34" charset="0"/>
             </a:endParaRPr>
           </a:p>
           <a:p>
             <a:pPr lvl="1"/>
             <a:r>
               <a:rPr lang="en-US" altLang="en-US" sz="2100">
-                <a:latin typeface="Noto Serif CJK JP" panose="02020400000000000000" charset="-122"/>
-                <a:ea typeface="Noto Serif CJK JP" panose="02020400000000000000" charset="-122"/>
+                <a:latin typeface="Arial" panose="020B0604020202020204" pitchFamily="34" charset="0"/>
+                <a:ea typeface="Noto Serif CJK JP" panose="02020400000000000000" charset="-122"/>
+                <a:cs typeface="Arial" panose="020B0604020202020204" pitchFamily="34" charset="0"/>
               </a:rPr>
               <a:t>Dynamic size (dynamic memory allocation)</a:t>
             </a:r>
             <a:endParaRPr lang="en-US" altLang="en-US" sz="2100">
-              <a:latin typeface="Noto Serif CJK JP" panose="02020400000000000000" charset="-122"/>
-              <a:ea typeface="Noto Serif CJK JP" panose="02020400000000000000" charset="-122"/>
+              <a:latin typeface="Arial" panose="020B0604020202020204" pitchFamily="34" charset="0"/>
+              <a:ea typeface="Noto Serif CJK JP" panose="02020400000000000000" charset="-122"/>
+              <a:cs typeface="Arial" panose="020B0604020202020204" pitchFamily="34" charset="0"/>
             </a:endParaRPr>
           </a:p>
           <a:p>
             <a:pPr lvl="1"/>
             <a:r>
               <a:rPr lang="en-US" altLang="en-US" sz="2100">
-                <a:latin typeface="Noto Serif CJK JP" panose="02020400000000000000" charset="-122"/>
-                <a:ea typeface="Noto Serif CJK JP" panose="02020400000000000000" charset="-122"/>
+                <a:latin typeface="Arial" panose="020B0604020202020204" pitchFamily="34" charset="0"/>
+                <a:ea typeface="Noto Serif CJK JP" panose="02020400000000000000" charset="-122"/>
+                <a:cs typeface="Arial" panose="020B0604020202020204" pitchFamily="34" charset="0"/>
               </a:rPr>
               <a:t> Ease of insertion/deletion over unsorted approach</a:t>
             </a:r>
             <a:endParaRPr lang="en-US" altLang="en-US" sz="2100">
-              <a:latin typeface="Noto Serif CJK JP" panose="02020400000000000000" charset="-122"/>
-              <a:ea typeface="Noto Serif CJK JP" panose="02020400000000000000" charset="-122"/>
+              <a:latin typeface="Arial" panose="020B0604020202020204" pitchFamily="34" charset="0"/>
+              <a:ea typeface="Noto Serif CJK JP" panose="02020400000000000000" charset="-122"/>
+              <a:cs typeface="Arial" panose="020B0604020202020204" pitchFamily="34" charset="0"/>
             </a:endParaRPr>
           </a:p>
           <a:p>
             <a:r>
               <a:rPr lang="en-US" altLang="en-US" sz="2400">
-                <a:latin typeface="Noto Serif CJK JP" panose="02020400000000000000" charset="-122"/>
-                <a:ea typeface="Noto Serif CJK JP" panose="02020400000000000000" charset="-122"/>
+                <a:latin typeface="Arial" panose="020B0604020202020204" pitchFamily="34" charset="0"/>
+                <a:ea typeface="Noto Serif CJK JP" panose="02020400000000000000" charset="-122"/>
+                <a:cs typeface="Arial" panose="020B0604020202020204" pitchFamily="34" charset="0"/>
               </a:rPr>
               <a:t>Drawbacks:</a:t>
             </a:r>
             <a:endParaRPr lang="en-US" altLang="en-US" sz="2400">
-              <a:latin typeface="Noto Serif CJK JP" panose="02020400000000000000" charset="-122"/>
-              <a:ea typeface="Noto Serif CJK JP" panose="02020400000000000000" charset="-122"/>
+              <a:latin typeface="Arial" panose="020B0604020202020204" pitchFamily="34" charset="0"/>
+              <a:ea typeface="Noto Serif CJK JP" panose="02020400000000000000" charset="-122"/>
+              <a:cs typeface="Arial" panose="020B0604020202020204" pitchFamily="34" charset="0"/>
             </a:endParaRPr>
           </a:p>
           <a:p>
             <a:pPr lvl="1"/>
             <a:r>
               <a:rPr lang="en-US" altLang="en-US" sz="2100">
-                <a:latin typeface="Noto Serif CJK JP" panose="02020400000000000000" charset="-122"/>
-                <a:ea typeface="Noto Serif CJK JP" panose="02020400000000000000" charset="-122"/>
+                <a:latin typeface="Arial" panose="020B0604020202020204" pitchFamily="34" charset="0"/>
+                <a:ea typeface="Noto Serif CJK JP" panose="02020400000000000000" charset="-122"/>
+                <a:cs typeface="Arial" panose="020B0604020202020204" pitchFamily="34" charset="0"/>
               </a:rPr>
               <a:t>Random access is not allowed</a:t>
             </a:r>
             <a:endParaRPr lang="en-US" altLang="en-US" sz="2100">
-              <a:latin typeface="Noto Serif CJK JP" panose="02020400000000000000" charset="-122"/>
-              <a:ea typeface="Noto Serif CJK JP" panose="02020400000000000000" charset="-122"/>
+              <a:latin typeface="Arial" panose="020B0604020202020204" pitchFamily="34" charset="0"/>
+              <a:ea typeface="Noto Serif CJK JP" panose="02020400000000000000" charset="-122"/>
+              <a:cs typeface="Arial" panose="020B0604020202020204" pitchFamily="34" charset="0"/>
             </a:endParaRPr>
           </a:p>
           <a:p>
             <a:pPr lvl="1"/>
             <a:r>
               <a:rPr lang="en-US" altLang="en-US" sz="2100">
-                <a:latin typeface="Noto Serif CJK JP" panose="02020400000000000000" charset="-122"/>
-                <a:ea typeface="Noto Serif CJK JP" panose="02020400000000000000" charset="-122"/>
+                <a:latin typeface="Arial" panose="020B0604020202020204" pitchFamily="34" charset="0"/>
+                <a:ea typeface="Noto Serif CJK JP" panose="02020400000000000000" charset="-122"/>
+                <a:cs typeface="Arial" panose="020B0604020202020204" pitchFamily="34" charset="0"/>
               </a:rPr>
               <a:t>Extra memory space for a pointer</a:t>
             </a:r>
             <a:endParaRPr lang="en-US" altLang="en-US" sz="2100">
-              <a:latin typeface="Noto Serif CJK JP" panose="02020400000000000000" charset="-122"/>
-              <a:ea typeface="Noto Serif CJK JP" panose="02020400000000000000" charset="-122"/>
+              <a:latin typeface="Arial" panose="020B0604020202020204" pitchFamily="34" charset="0"/>
+              <a:ea typeface="Noto Serif CJK JP" panose="02020400000000000000" charset="-122"/>
+              <a:cs typeface="Arial" panose="020B0604020202020204" pitchFamily="34" charset="0"/>
             </a:endParaRPr>
           </a:p>
         </p:txBody>
@@ -10882,105 +11038,120 @@
           <a:p>
             <a:r>
               <a:rPr lang="en-US" altLang="en-US" sz="2400">
-                <a:latin typeface="Noto Serif CJK JP" panose="02020400000000000000" charset="-122"/>
-                <a:ea typeface="Noto Serif CJK JP" panose="02020400000000000000" charset="-122"/>
+                <a:latin typeface="Arial" panose="020B0604020202020204" pitchFamily="34" charset="0"/>
+                <a:ea typeface="Noto Serif CJK JP" panose="02020400000000000000" charset="-122"/>
+                <a:cs typeface="Arial" panose="020B0604020202020204" pitchFamily="34" charset="0"/>
               </a:rPr>
               <a:t>Node</a:t>
             </a:r>
             <a:endParaRPr lang="en-US" altLang="en-US" sz="2400">
-              <a:latin typeface="Noto Serif CJK JP" panose="02020400000000000000" charset="-122"/>
-              <a:ea typeface="Noto Serif CJK JP" panose="02020400000000000000" charset="-122"/>
+              <a:latin typeface="Arial" panose="020B0604020202020204" pitchFamily="34" charset="0"/>
+              <a:ea typeface="Noto Serif CJK JP" panose="02020400000000000000" charset="-122"/>
+              <a:cs typeface="Arial" panose="020B0604020202020204" pitchFamily="34" charset="0"/>
             </a:endParaRPr>
           </a:p>
           <a:p>
             <a:pPr lvl="1"/>
             <a:r>
               <a:rPr lang="en-US" altLang="en-US" sz="2100">
-                <a:latin typeface="Noto Serif CJK JP" panose="02020400000000000000" charset="-122"/>
-                <a:ea typeface="Noto Serif CJK JP" panose="02020400000000000000" charset="-122"/>
+                <a:latin typeface="Arial" panose="020B0604020202020204" pitchFamily="34" charset="0"/>
+                <a:ea typeface="Noto Serif CJK JP" panose="02020400000000000000" charset="-122"/>
+                <a:cs typeface="Arial" panose="020B0604020202020204" pitchFamily="34" charset="0"/>
               </a:rPr>
               <a:t>Each element in the List</a:t>
             </a:r>
             <a:endParaRPr lang="en-US" altLang="en-US" sz="2100">
-              <a:latin typeface="Noto Serif CJK JP" panose="02020400000000000000" charset="-122"/>
-              <a:ea typeface="Noto Serif CJK JP" panose="02020400000000000000" charset="-122"/>
+              <a:latin typeface="Arial" panose="020B0604020202020204" pitchFamily="34" charset="0"/>
+              <a:ea typeface="Noto Serif CJK JP" panose="02020400000000000000" charset="-122"/>
+              <a:cs typeface="Arial" panose="020B0604020202020204" pitchFamily="34" charset="0"/>
             </a:endParaRPr>
           </a:p>
           <a:p>
             <a:pPr lvl="1"/>
             <a:r>
               <a:rPr lang="en-US" altLang="en-US" sz="2100">
-                <a:latin typeface="Noto Serif CJK JP" panose="02020400000000000000" charset="-122"/>
-                <a:ea typeface="Noto Serif CJK JP" panose="02020400000000000000" charset="-122"/>
+                <a:latin typeface="Arial" panose="020B0604020202020204" pitchFamily="34" charset="0"/>
+                <a:ea typeface="Noto Serif CJK JP" panose="02020400000000000000" charset="-122"/>
+                <a:cs typeface="Arial" panose="020B0604020202020204" pitchFamily="34" charset="0"/>
               </a:rPr>
               <a:t>consists of at least two parts:</a:t>
             </a:r>
             <a:endParaRPr lang="en-US" altLang="en-US" sz="2100">
-              <a:latin typeface="Noto Serif CJK JP" panose="02020400000000000000" charset="-122"/>
-              <a:ea typeface="Noto Serif CJK JP" panose="02020400000000000000" charset="-122"/>
+              <a:latin typeface="Arial" panose="020B0604020202020204" pitchFamily="34" charset="0"/>
+              <a:ea typeface="Noto Serif CJK JP" panose="02020400000000000000" charset="-122"/>
+              <a:cs typeface="Arial" panose="020B0604020202020204" pitchFamily="34" charset="0"/>
             </a:endParaRPr>
           </a:p>
           <a:p>
             <a:pPr lvl="2"/>
             <a:r>
               <a:rPr lang="en-US" altLang="en-US" sz="1800">
-                <a:latin typeface="Noto Serif CJK JP" panose="02020400000000000000" charset="-122"/>
-                <a:ea typeface="Noto Serif CJK JP" panose="02020400000000000000" charset="-122"/>
+                <a:latin typeface="Arial" panose="020B0604020202020204" pitchFamily="34" charset="0"/>
+                <a:ea typeface="Noto Serif CJK JP" panose="02020400000000000000" charset="-122"/>
+                <a:cs typeface="Arial" panose="020B0604020202020204" pitchFamily="34" charset="0"/>
               </a:rPr>
               <a:t>Data</a:t>
             </a:r>
             <a:endParaRPr lang="en-US" altLang="en-US" sz="1800">
-              <a:latin typeface="Noto Serif CJK JP" panose="02020400000000000000" charset="-122"/>
-              <a:ea typeface="Noto Serif CJK JP" panose="02020400000000000000" charset="-122"/>
+              <a:latin typeface="Arial" panose="020B0604020202020204" pitchFamily="34" charset="0"/>
+              <a:ea typeface="Noto Serif CJK JP" panose="02020400000000000000" charset="-122"/>
+              <a:cs typeface="Arial" panose="020B0604020202020204" pitchFamily="34" charset="0"/>
             </a:endParaRPr>
           </a:p>
           <a:p>
             <a:pPr lvl="2"/>
             <a:r>
               <a:rPr lang="en-US" altLang="en-US" sz="1800">
-                <a:latin typeface="Noto Serif CJK JP" panose="02020400000000000000" charset="-122"/>
-                <a:ea typeface="Noto Serif CJK JP" panose="02020400000000000000" charset="-122"/>
+                <a:latin typeface="Arial" panose="020B0604020202020204" pitchFamily="34" charset="0"/>
+                <a:ea typeface="Noto Serif CJK JP" panose="02020400000000000000" charset="-122"/>
+                <a:cs typeface="Arial" panose="020B0604020202020204" pitchFamily="34" charset="0"/>
               </a:rPr>
               <a:t>Pointer (Or Reference) to the next node</a:t>
             </a:r>
             <a:endParaRPr lang="en-US" altLang="en-US" sz="1800">
-              <a:latin typeface="Noto Serif CJK JP" panose="02020400000000000000" charset="-122"/>
-              <a:ea typeface="Noto Serif CJK JP" panose="02020400000000000000" charset="-122"/>
+              <a:latin typeface="Arial" panose="020B0604020202020204" pitchFamily="34" charset="0"/>
+              <a:ea typeface="Noto Serif CJK JP" panose="02020400000000000000" charset="-122"/>
+              <a:cs typeface="Arial" panose="020B0604020202020204" pitchFamily="34" charset="0"/>
             </a:endParaRPr>
           </a:p>
           <a:p>
             <a:pPr lvl="1"/>
             <a:r>
-              <a:rPr lang="" altLang="en-US" sz="2100">
-                <a:latin typeface="Noto Serif CJK JP" panose="02020400000000000000" charset="-122"/>
-                <a:ea typeface="Noto Serif CJK JP" panose="02020400000000000000" charset="-122"/>
+              <a:rPr lang="en-US" altLang="en-US" sz="2100">
+                <a:latin typeface="Arial" panose="020B0604020202020204" pitchFamily="34" charset="0"/>
+                <a:ea typeface="Noto Serif CJK JP" panose="02020400000000000000" charset="-122"/>
+                <a:cs typeface="Arial" panose="020B0604020202020204" pitchFamily="34" charset="0"/>
               </a:rPr>
               <a:t>Tracking Element : Head/First</a:t>
             </a:r>
             <a:endParaRPr lang="en-US" altLang="en-US" sz="2100">
-              <a:latin typeface="Noto Serif CJK JP" panose="02020400000000000000" charset="-122"/>
-              <a:ea typeface="Noto Serif CJK JP" panose="02020400000000000000" charset="-122"/>
+              <a:latin typeface="Arial" panose="020B0604020202020204" pitchFamily="34" charset="0"/>
+              <a:ea typeface="Noto Serif CJK JP" panose="02020400000000000000" charset="-122"/>
+              <a:cs typeface="Arial" panose="020B0604020202020204" pitchFamily="34" charset="0"/>
             </a:endParaRPr>
           </a:p>
           <a:p>
             <a:pPr lvl="0"/>
             <a:r>
               <a:rPr lang="en-US" altLang="en-US" sz="2400">
-                <a:latin typeface="Noto Serif CJK JP" panose="02020400000000000000" charset="-122"/>
-                <a:ea typeface="Noto Serif CJK JP" panose="02020400000000000000" charset="-122"/>
+                <a:latin typeface="Arial" panose="020B0604020202020204" pitchFamily="34" charset="0"/>
+                <a:ea typeface="Noto Serif CJK JP" panose="02020400000000000000" charset="-122"/>
+                <a:cs typeface="Arial" panose="020B0604020202020204" pitchFamily="34" charset="0"/>
               </a:rPr>
               <a:t>Linked List</a:t>
             </a:r>
             <a:endParaRPr lang="en-US" altLang="en-US" sz="2400">
-              <a:latin typeface="Noto Serif CJK JP" panose="02020400000000000000" charset="-122"/>
-              <a:ea typeface="Noto Serif CJK JP" panose="02020400000000000000" charset="-122"/>
+              <a:latin typeface="Arial" panose="020B0604020202020204" pitchFamily="34" charset="0"/>
+              <a:ea typeface="Noto Serif CJK JP" panose="02020400000000000000" charset="-122"/>
+              <a:cs typeface="Arial" panose="020B0604020202020204" pitchFamily="34" charset="0"/>
             </a:endParaRPr>
           </a:p>
           <a:p>
             <a:pPr lvl="0"/>
             <a:endParaRPr lang="en-US" altLang="en-US" sz="2400">
-              <a:latin typeface="Noto Serif CJK JP" panose="02020400000000000000" charset="-122"/>
-              <a:ea typeface="Noto Serif CJK JP" panose="02020400000000000000" charset="-122"/>
+              <a:latin typeface="Arial" panose="020B0604020202020204" pitchFamily="34" charset="0"/>
+              <a:ea typeface="Noto Serif CJK JP" panose="02020400000000000000" charset="-122"/>
+              <a:cs typeface="Arial" panose="020B0604020202020204" pitchFamily="34" charset="0"/>
             </a:endParaRPr>
           </a:p>
         </p:txBody>
